--- a/Slide deck/Slide deck.pptx
+++ b/Slide deck/Slide deck.pptx
@@ -6,13 +6,12 @@
   </p:sldMasterIdLst>
   <p:sldIdLst>
     <p:sldId id="256" r:id="rId2"/>
-    <p:sldId id="301" r:id="rId3"/>
-    <p:sldId id="302" r:id="rId4"/>
-    <p:sldId id="303" r:id="rId5"/>
-    <p:sldId id="304" r:id="rId6"/>
+    <p:sldId id="304" r:id="rId3"/>
+    <p:sldId id="301" r:id="rId4"/>
+    <p:sldId id="302" r:id="rId5"/>
+    <p:sldId id="303" r:id="rId6"/>
     <p:sldId id="306" r:id="rId7"/>
-    <p:sldId id="257" r:id="rId8"/>
-    <p:sldId id="300" r:id="rId9"/>
+    <p:sldId id="307" r:id="rId8"/>
   </p:sldIdLst>
   <p:sldSz cx="12192000" cy="6858000"/>
   <p:notesSz cx="6858000" cy="9144000"/>
@@ -122,9 +121,777 @@
 <file path=ppt/revisionInfo.xml><?xml version="1.0" encoding="utf-8"?>
 <p1510:revInfo xmlns:a="http://schemas.openxmlformats.org/drawingml/2006/main" xmlns:r="http://schemas.openxmlformats.org/officeDocument/2006/relationships" xmlns:p1510="http://schemas.microsoft.com/office/powerpoint/2015/10/main">
   <p1510:revLst>
-    <p1510:client id="{FC97565B-5CA4-4E62-BE49-1F6DF110C409}" v="248" dt="2023-06-09T19:49:59.190"/>
+    <p1510:client id="{9E86F526-7497-4DC0-B263-D471953FD9EB}" v="19" dt="2023-06-14T17:05:07.139"/>
   </p1510:revLst>
 </p1510:revInfo>
+</file>
+
+<file path=ppt/changesInfos/changesInfo1.xml><?xml version="1.0" encoding="utf-8"?>
+<pc:chgInfo xmlns:a="http://schemas.openxmlformats.org/drawingml/2006/main" xmlns:r="http://schemas.openxmlformats.org/officeDocument/2006/relationships" xmlns:ac="http://schemas.microsoft.com/office/drawing/2013/main/command" xmlns:pc="http://schemas.microsoft.com/office/powerpoint/2013/main/command">
+  <pc:docChgLst>
+    <pc:chgData name="Ashish Dabas" userId="c35664cb8c095f08" providerId="LiveId" clId="{9E86F526-7497-4DC0-B263-D471953FD9EB}"/>
+    <pc:docChg chg="undo custSel addSld delSld modSld sldOrd">
+      <pc:chgData name="Ashish Dabas" userId="c35664cb8c095f08" providerId="LiveId" clId="{9E86F526-7497-4DC0-B263-D471953FD9EB}" dt="2023-06-14T17:05:07.139" v="548"/>
+      <pc:docMkLst>
+        <pc:docMk/>
+      </pc:docMkLst>
+      <pc:sldChg chg="addSp delSp modSp mod setBg">
+        <pc:chgData name="Ashish Dabas" userId="c35664cb8c095f08" providerId="LiveId" clId="{9E86F526-7497-4DC0-B263-D471953FD9EB}" dt="2023-06-14T17:02:03.311" v="544" actId="26606"/>
+        <pc:sldMkLst>
+          <pc:docMk/>
+          <pc:sldMk cId="1786379081" sldId="256"/>
+        </pc:sldMkLst>
+        <pc:spChg chg="add mod">
+          <ac:chgData name="Ashish Dabas" userId="c35664cb8c095f08" providerId="LiveId" clId="{9E86F526-7497-4DC0-B263-D471953FD9EB}" dt="2023-06-14T17:02:03.311" v="544" actId="26606"/>
+          <ac:spMkLst>
+            <pc:docMk/>
+            <pc:sldMk cId="1786379081" sldId="256"/>
+            <ac:spMk id="2" creationId="{0ABC73BA-E061-3651-C3FD-0739CCB156CF}"/>
+          </ac:spMkLst>
+        </pc:spChg>
+        <pc:spChg chg="mod ord">
+          <ac:chgData name="Ashish Dabas" userId="c35664cb8c095f08" providerId="LiveId" clId="{9E86F526-7497-4DC0-B263-D471953FD9EB}" dt="2023-06-14T17:02:03.311" v="544" actId="26606"/>
+          <ac:spMkLst>
+            <pc:docMk/>
+            <pc:sldMk cId="1786379081" sldId="256"/>
+            <ac:spMk id="3" creationId="{A80A7A36-00AA-83B9-1B72-F3242434E6B7}"/>
+          </ac:spMkLst>
+        </pc:spChg>
+        <pc:spChg chg="add del">
+          <ac:chgData name="Ashish Dabas" userId="c35664cb8c095f08" providerId="LiveId" clId="{9E86F526-7497-4DC0-B263-D471953FD9EB}" dt="2023-06-14T17:01:38.071" v="533" actId="26606"/>
+          <ac:spMkLst>
+            <pc:docMk/>
+            <pc:sldMk cId="1786379081" sldId="256"/>
+            <ac:spMk id="8" creationId="{09588DA8-065E-4F6F-8EFD-43104AB2E0CF}"/>
+          </ac:spMkLst>
+        </pc:spChg>
+        <pc:spChg chg="add del">
+          <ac:chgData name="Ashish Dabas" userId="c35664cb8c095f08" providerId="LiveId" clId="{9E86F526-7497-4DC0-B263-D471953FD9EB}" dt="2023-06-14T17:01:40.639" v="535" actId="26606"/>
+          <ac:spMkLst>
+            <pc:docMk/>
+            <pc:sldMk cId="1786379081" sldId="256"/>
+            <ac:spMk id="9" creationId="{9B7AD9F6-8CE7-4299-8FC6-328F4DCD3FF9}"/>
+          </ac:spMkLst>
+        </pc:spChg>
+        <pc:spChg chg="add del">
+          <ac:chgData name="Ashish Dabas" userId="c35664cb8c095f08" providerId="LiveId" clId="{9E86F526-7497-4DC0-B263-D471953FD9EB}" dt="2023-06-14T17:01:38.071" v="533" actId="26606"/>
+          <ac:spMkLst>
+            <pc:docMk/>
+            <pc:sldMk cId="1786379081" sldId="256"/>
+            <ac:spMk id="10" creationId="{C4285719-470E-454C-AF62-8323075F1F5B}"/>
+          </ac:spMkLst>
+        </pc:spChg>
+        <pc:spChg chg="add del">
+          <ac:chgData name="Ashish Dabas" userId="c35664cb8c095f08" providerId="LiveId" clId="{9E86F526-7497-4DC0-B263-D471953FD9EB}" dt="2023-06-14T17:01:40.639" v="535" actId="26606"/>
+          <ac:spMkLst>
+            <pc:docMk/>
+            <pc:sldMk cId="1786379081" sldId="256"/>
+            <ac:spMk id="11" creationId="{82580482-BA80-420A-8A05-C58E97F26B21}"/>
+          </ac:spMkLst>
+        </pc:spChg>
+        <pc:spChg chg="add del">
+          <ac:chgData name="Ashish Dabas" userId="c35664cb8c095f08" providerId="LiveId" clId="{9E86F526-7497-4DC0-B263-D471953FD9EB}" dt="2023-06-14T17:01:38.071" v="533" actId="26606"/>
+          <ac:spMkLst>
+            <pc:docMk/>
+            <pc:sldMk cId="1786379081" sldId="256"/>
+            <ac:spMk id="12" creationId="{CD9FE4EF-C4D8-49A0-B2FF-81D8DB7D8A24}"/>
+          </ac:spMkLst>
+        </pc:spChg>
+        <pc:spChg chg="add del">
+          <ac:chgData name="Ashish Dabas" userId="c35664cb8c095f08" providerId="LiveId" clId="{9E86F526-7497-4DC0-B263-D471953FD9EB}" dt="2023-06-14T17:01:43.903" v="537" actId="26606"/>
+          <ac:spMkLst>
+            <pc:docMk/>
+            <pc:sldMk cId="1786379081" sldId="256"/>
+            <ac:spMk id="13" creationId="{4300840D-0A0B-4512-BACA-B439D5B9C57C}"/>
+          </ac:spMkLst>
+        </pc:spChg>
+        <pc:spChg chg="add del">
+          <ac:chgData name="Ashish Dabas" userId="c35664cb8c095f08" providerId="LiveId" clId="{9E86F526-7497-4DC0-B263-D471953FD9EB}" dt="2023-06-14T17:01:38.071" v="533" actId="26606"/>
+          <ac:spMkLst>
+            <pc:docMk/>
+            <pc:sldMk cId="1786379081" sldId="256"/>
+            <ac:spMk id="14" creationId="{4300840D-0A0B-4512-BACA-B439D5B9C57C}"/>
+          </ac:spMkLst>
+        </pc:spChg>
+        <pc:spChg chg="add del">
+          <ac:chgData name="Ashish Dabas" userId="c35664cb8c095f08" providerId="LiveId" clId="{9E86F526-7497-4DC0-B263-D471953FD9EB}" dt="2023-06-14T17:01:43.903" v="537" actId="26606"/>
+          <ac:spMkLst>
+            <pc:docMk/>
+            <pc:sldMk cId="1786379081" sldId="256"/>
+            <ac:spMk id="15" creationId="{D2B78728-A580-49A7-84F9-6EF6F583ADE0}"/>
+          </ac:spMkLst>
+        </pc:spChg>
+        <pc:spChg chg="add del">
+          <ac:chgData name="Ashish Dabas" userId="c35664cb8c095f08" providerId="LiveId" clId="{9E86F526-7497-4DC0-B263-D471953FD9EB}" dt="2023-06-14T17:01:38.071" v="533" actId="26606"/>
+          <ac:spMkLst>
+            <pc:docMk/>
+            <pc:sldMk cId="1786379081" sldId="256"/>
+            <ac:spMk id="16" creationId="{D2B78728-A580-49A7-84F9-6EF6F583ADE0}"/>
+          </ac:spMkLst>
+        </pc:spChg>
+        <pc:spChg chg="add del">
+          <ac:chgData name="Ashish Dabas" userId="c35664cb8c095f08" providerId="LiveId" clId="{9E86F526-7497-4DC0-B263-D471953FD9EB}" dt="2023-06-14T17:01:43.903" v="537" actId="26606"/>
+          <ac:spMkLst>
+            <pc:docMk/>
+            <pc:sldMk cId="1786379081" sldId="256"/>
+            <ac:spMk id="17" creationId="{38FAA1A1-D861-433F-88FA-1E9D6FD31D11}"/>
+          </ac:spMkLst>
+        </pc:spChg>
+        <pc:spChg chg="add del">
+          <ac:chgData name="Ashish Dabas" userId="c35664cb8c095f08" providerId="LiveId" clId="{9E86F526-7497-4DC0-B263-D471953FD9EB}" dt="2023-06-14T17:01:38.071" v="533" actId="26606"/>
+          <ac:spMkLst>
+            <pc:docMk/>
+            <pc:sldMk cId="1786379081" sldId="256"/>
+            <ac:spMk id="18" creationId="{38FAA1A1-D861-433F-88FA-1E9D6FD31D11}"/>
+          </ac:spMkLst>
+        </pc:spChg>
+        <pc:spChg chg="add del">
+          <ac:chgData name="Ashish Dabas" userId="c35664cb8c095f08" providerId="LiveId" clId="{9E86F526-7497-4DC0-B263-D471953FD9EB}" dt="2023-06-14T17:01:43.903" v="537" actId="26606"/>
+          <ac:spMkLst>
+            <pc:docMk/>
+            <pc:sldMk cId="1786379081" sldId="256"/>
+            <ac:spMk id="19" creationId="{8D71EDA1-87BF-4D5D-AB79-F346FD19278A}"/>
+          </ac:spMkLst>
+        </pc:spChg>
+        <pc:spChg chg="add del">
+          <ac:chgData name="Ashish Dabas" userId="c35664cb8c095f08" providerId="LiveId" clId="{9E86F526-7497-4DC0-B263-D471953FD9EB}" dt="2023-06-14T17:01:38.071" v="533" actId="26606"/>
+          <ac:spMkLst>
+            <pc:docMk/>
+            <pc:sldMk cId="1786379081" sldId="256"/>
+            <ac:spMk id="20" creationId="{8D71EDA1-87BF-4D5D-AB79-F346FD19278A}"/>
+          </ac:spMkLst>
+        </pc:spChg>
+        <pc:spChg chg="add del">
+          <ac:chgData name="Ashish Dabas" userId="c35664cb8c095f08" providerId="LiveId" clId="{9E86F526-7497-4DC0-B263-D471953FD9EB}" dt="2023-06-14T17:01:43.903" v="537" actId="26606"/>
+          <ac:spMkLst>
+            <pc:docMk/>
+            <pc:sldMk cId="1786379081" sldId="256"/>
+            <ac:spMk id="24" creationId="{2E17E911-875F-4DE5-8699-99D9F1805A5D}"/>
+          </ac:spMkLst>
+        </pc:spChg>
+        <pc:spChg chg="add del">
+          <ac:chgData name="Ashish Dabas" userId="c35664cb8c095f08" providerId="LiveId" clId="{9E86F526-7497-4DC0-B263-D471953FD9EB}" dt="2023-06-14T17:01:43.903" v="537" actId="26606"/>
+          <ac:spMkLst>
+            <pc:docMk/>
+            <pc:sldMk cId="1786379081" sldId="256"/>
+            <ac:spMk id="25" creationId="{CD9FE4EF-C4D8-49A0-B2FF-81D8DB7D8A24}"/>
+          </ac:spMkLst>
+        </pc:spChg>
+        <pc:spChg chg="add del">
+          <ac:chgData name="Ashish Dabas" userId="c35664cb8c095f08" providerId="LiveId" clId="{9E86F526-7497-4DC0-B263-D471953FD9EB}" dt="2023-06-14T17:01:47.681" v="539" actId="26606"/>
+          <ac:spMkLst>
+            <pc:docMk/>
+            <pc:sldMk cId="1786379081" sldId="256"/>
+            <ac:spMk id="28" creationId="{8C790BE2-4E4F-4AAF-81A2-4A6F4885EBE6}"/>
+          </ac:spMkLst>
+        </pc:spChg>
+        <pc:spChg chg="add del">
+          <ac:chgData name="Ashish Dabas" userId="c35664cb8c095f08" providerId="LiveId" clId="{9E86F526-7497-4DC0-B263-D471953FD9EB}" dt="2023-06-14T17:01:47.681" v="539" actId="26606"/>
+          <ac:spMkLst>
+            <pc:docMk/>
+            <pc:sldMk cId="1786379081" sldId="256"/>
+            <ac:spMk id="29" creationId="{D28B54C3-B57B-472A-B96E-1FCB67093DC2}"/>
+          </ac:spMkLst>
+        </pc:spChg>
+        <pc:spChg chg="add del">
+          <ac:chgData name="Ashish Dabas" userId="c35664cb8c095f08" providerId="LiveId" clId="{9E86F526-7497-4DC0-B263-D471953FD9EB}" dt="2023-06-14T17:01:47.681" v="539" actId="26606"/>
+          <ac:spMkLst>
+            <pc:docMk/>
+            <pc:sldMk cId="1786379081" sldId="256"/>
+            <ac:spMk id="30" creationId="{7DB3C429-F8DA-49B9-AF84-21996FCF78B5}"/>
+          </ac:spMkLst>
+        </pc:spChg>
+        <pc:spChg chg="add del">
+          <ac:chgData name="Ashish Dabas" userId="c35664cb8c095f08" providerId="LiveId" clId="{9E86F526-7497-4DC0-B263-D471953FD9EB}" dt="2023-06-14T17:01:47.681" v="539" actId="26606"/>
+          <ac:spMkLst>
+            <pc:docMk/>
+            <pc:sldMk cId="1786379081" sldId="256"/>
+            <ac:spMk id="31" creationId="{E12088DD-B1AD-40E0-8B86-1D87A2CCD9BE}"/>
+          </ac:spMkLst>
+        </pc:spChg>
+        <pc:spChg chg="add del">
+          <ac:chgData name="Ashish Dabas" userId="c35664cb8c095f08" providerId="LiveId" clId="{9E86F526-7497-4DC0-B263-D471953FD9EB}" dt="2023-06-14T17:01:47.681" v="539" actId="26606"/>
+          <ac:spMkLst>
+            <pc:docMk/>
+            <pc:sldMk cId="1786379081" sldId="256"/>
+            <ac:spMk id="32" creationId="{C4C9F2B0-1044-46EB-8AEB-C3BFFDE6C2CC}"/>
+          </ac:spMkLst>
+        </pc:spChg>
+        <pc:spChg chg="add del">
+          <ac:chgData name="Ashish Dabas" userId="c35664cb8c095f08" providerId="LiveId" clId="{9E86F526-7497-4DC0-B263-D471953FD9EB}" dt="2023-06-14T17:01:47.681" v="539" actId="26606"/>
+          <ac:spMkLst>
+            <pc:docMk/>
+            <pc:sldMk cId="1786379081" sldId="256"/>
+            <ac:spMk id="33" creationId="{0C395952-4E26-45A2-8756-2ADFD6E53C6E}"/>
+          </ac:spMkLst>
+        </pc:spChg>
+        <pc:spChg chg="add del">
+          <ac:chgData name="Ashish Dabas" userId="c35664cb8c095f08" providerId="LiveId" clId="{9E86F526-7497-4DC0-B263-D471953FD9EB}" dt="2023-06-14T17:01:47.681" v="539" actId="26606"/>
+          <ac:spMkLst>
+            <pc:docMk/>
+            <pc:sldMk cId="1786379081" sldId="256"/>
+            <ac:spMk id="34" creationId="{4734BADF-9461-4621-B112-2D7BABEA7DD0}"/>
+          </ac:spMkLst>
+        </pc:spChg>
+        <pc:spChg chg="add del">
+          <ac:chgData name="Ashish Dabas" userId="c35664cb8c095f08" providerId="LiveId" clId="{9E86F526-7497-4DC0-B263-D471953FD9EB}" dt="2023-06-14T17:01:58.010" v="541" actId="26606"/>
+          <ac:spMkLst>
+            <pc:docMk/>
+            <pc:sldMk cId="1786379081" sldId="256"/>
+            <ac:spMk id="36" creationId="{1C799903-48D5-4A31-A1A2-541072D9771E}"/>
+          </ac:spMkLst>
+        </pc:spChg>
+        <pc:spChg chg="add del">
+          <ac:chgData name="Ashish Dabas" userId="c35664cb8c095f08" providerId="LiveId" clId="{9E86F526-7497-4DC0-B263-D471953FD9EB}" dt="2023-06-14T17:01:58.010" v="541" actId="26606"/>
+          <ac:spMkLst>
+            <pc:docMk/>
+            <pc:sldMk cId="1786379081" sldId="256"/>
+            <ac:spMk id="37" creationId="{8EFFF109-FC58-4FD3-BE05-9775A1310F55}"/>
+          </ac:spMkLst>
+        </pc:spChg>
+        <pc:spChg chg="add del">
+          <ac:chgData name="Ashish Dabas" userId="c35664cb8c095f08" providerId="LiveId" clId="{9E86F526-7497-4DC0-B263-D471953FD9EB}" dt="2023-06-14T17:01:58.010" v="541" actId="26606"/>
+          <ac:spMkLst>
+            <pc:docMk/>
+            <pc:sldMk cId="1786379081" sldId="256"/>
+            <ac:spMk id="38" creationId="{E1B96AD6-92A9-4273-A62B-96A1C3E0BA95}"/>
+          </ac:spMkLst>
+        </pc:spChg>
+        <pc:spChg chg="add del">
+          <ac:chgData name="Ashish Dabas" userId="c35664cb8c095f08" providerId="LiveId" clId="{9E86F526-7497-4DC0-B263-D471953FD9EB}" dt="2023-06-14T17:01:58.010" v="541" actId="26606"/>
+          <ac:spMkLst>
+            <pc:docMk/>
+            <pc:sldMk cId="1786379081" sldId="256"/>
+            <ac:spMk id="39" creationId="{463EEC44-1BA3-44ED-81FC-A644B04B2A44}"/>
+          </ac:spMkLst>
+        </pc:spChg>
+        <pc:spChg chg="add del">
+          <ac:chgData name="Ashish Dabas" userId="c35664cb8c095f08" providerId="LiveId" clId="{9E86F526-7497-4DC0-B263-D471953FD9EB}" dt="2023-06-14T17:02:03.303" v="543" actId="26606"/>
+          <ac:spMkLst>
+            <pc:docMk/>
+            <pc:sldMk cId="1786379081" sldId="256"/>
+            <ac:spMk id="41" creationId="{676A1B86-DC99-46B9-B5AA-A7E928EA9CF7}"/>
+          </ac:spMkLst>
+        </pc:spChg>
+        <pc:spChg chg="add del">
+          <ac:chgData name="Ashish Dabas" userId="c35664cb8c095f08" providerId="LiveId" clId="{9E86F526-7497-4DC0-B263-D471953FD9EB}" dt="2023-06-14T17:02:03.303" v="543" actId="26606"/>
+          <ac:spMkLst>
+            <pc:docMk/>
+            <pc:sldMk cId="1786379081" sldId="256"/>
+            <ac:spMk id="42" creationId="{E9304FFE-74E9-4316-B822-F35A685E2D09}"/>
+          </ac:spMkLst>
+        </pc:spChg>
+        <pc:spChg chg="add">
+          <ac:chgData name="Ashish Dabas" userId="c35664cb8c095f08" providerId="LiveId" clId="{9E86F526-7497-4DC0-B263-D471953FD9EB}" dt="2023-06-14T17:02:03.311" v="544" actId="26606"/>
+          <ac:spMkLst>
+            <pc:docMk/>
+            <pc:sldMk cId="1786379081" sldId="256"/>
+            <ac:spMk id="45" creationId="{777A147A-9ED8-46B4-8660-1B3C2AA880B5}"/>
+          </ac:spMkLst>
+        </pc:spChg>
+        <pc:spChg chg="add">
+          <ac:chgData name="Ashish Dabas" userId="c35664cb8c095f08" providerId="LiveId" clId="{9E86F526-7497-4DC0-B263-D471953FD9EB}" dt="2023-06-14T17:02:03.311" v="544" actId="26606"/>
+          <ac:spMkLst>
+            <pc:docMk/>
+            <pc:sldMk cId="1786379081" sldId="256"/>
+            <ac:spMk id="46" creationId="{5D6C15A0-C087-4593-8414-2B4EC1CDC3DE}"/>
+          </ac:spMkLst>
+        </pc:spChg>
+        <pc:picChg chg="add del mod">
+          <ac:chgData name="Ashish Dabas" userId="c35664cb8c095f08" providerId="LiveId" clId="{9E86F526-7497-4DC0-B263-D471953FD9EB}" dt="2023-06-14T17:01:11.610" v="531" actId="478"/>
+          <ac:picMkLst>
+            <pc:docMk/>
+            <pc:sldMk cId="1786379081" sldId="256"/>
+            <ac:picMk id="5" creationId="{99EA9061-7A2E-6D14-6949-662A3235B1AC}"/>
+          </ac:picMkLst>
+        </pc:picChg>
+        <pc:picChg chg="add del">
+          <ac:chgData name="Ashish Dabas" userId="c35664cb8c095f08" providerId="LiveId" clId="{9E86F526-7497-4DC0-B263-D471953FD9EB}" dt="2023-06-14T17:01:40.639" v="535" actId="26606"/>
+          <ac:picMkLst>
+            <pc:docMk/>
+            <pc:sldMk cId="1786379081" sldId="256"/>
+            <ac:picMk id="22" creationId="{F294D9D7-3010-3BD0-6667-95DF4FF513CA}"/>
+          </ac:picMkLst>
+        </pc:picChg>
+        <pc:picChg chg="add del">
+          <ac:chgData name="Ashish Dabas" userId="c35664cb8c095f08" providerId="LiveId" clId="{9E86F526-7497-4DC0-B263-D471953FD9EB}" dt="2023-06-14T17:01:43.903" v="537" actId="26606"/>
+          <ac:picMkLst>
+            <pc:docMk/>
+            <pc:sldMk cId="1786379081" sldId="256"/>
+            <ac:picMk id="26" creationId="{17ED5DCA-75F6-2B37-8CB1-5A65E70EE7FA}"/>
+          </ac:picMkLst>
+        </pc:picChg>
+        <pc:picChg chg="add del">
+          <ac:chgData name="Ashish Dabas" userId="c35664cb8c095f08" providerId="LiveId" clId="{9E86F526-7497-4DC0-B263-D471953FD9EB}" dt="2023-06-14T17:02:03.303" v="543" actId="26606"/>
+          <ac:picMkLst>
+            <pc:docMk/>
+            <pc:sldMk cId="1786379081" sldId="256"/>
+            <ac:picMk id="43" creationId="{C6B2D855-9C6E-5FC6-5CB9-F503FFE1720A}"/>
+          </ac:picMkLst>
+        </pc:picChg>
+      </pc:sldChg>
+      <pc:sldChg chg="del">
+        <pc:chgData name="Ashish Dabas" userId="c35664cb8c095f08" providerId="LiveId" clId="{9E86F526-7497-4DC0-B263-D471953FD9EB}" dt="2023-06-14T16:52:45.217" v="431" actId="2696"/>
+        <pc:sldMkLst>
+          <pc:docMk/>
+          <pc:sldMk cId="1154881687" sldId="257"/>
+        </pc:sldMkLst>
+      </pc:sldChg>
+      <pc:sldChg chg="delSp del mod">
+        <pc:chgData name="Ashish Dabas" userId="c35664cb8c095f08" providerId="LiveId" clId="{9E86F526-7497-4DC0-B263-D471953FD9EB}" dt="2023-06-14T16:52:49.333" v="432" actId="2696"/>
+        <pc:sldMkLst>
+          <pc:docMk/>
+          <pc:sldMk cId="2876749735" sldId="300"/>
+        </pc:sldMkLst>
+        <pc:picChg chg="del">
+          <ac:chgData name="Ashish Dabas" userId="c35664cb8c095f08" providerId="LiveId" clId="{9E86F526-7497-4DC0-B263-D471953FD9EB}" dt="2023-06-14T16:32:59.049" v="97" actId="21"/>
+          <ac:picMkLst>
+            <pc:docMk/>
+            <pc:sldMk cId="2876749735" sldId="300"/>
+            <ac:picMk id="6" creationId="{89D17E75-6EAC-CB8C-8896-91C04CCA99EE}"/>
+          </ac:picMkLst>
+        </pc:picChg>
+        <pc:picChg chg="del">
+          <ac:chgData name="Ashish Dabas" userId="c35664cb8c095f08" providerId="LiveId" clId="{9E86F526-7497-4DC0-B263-D471953FD9EB}" dt="2023-06-14T16:32:59.049" v="97" actId="21"/>
+          <ac:picMkLst>
+            <pc:docMk/>
+            <pc:sldMk cId="2876749735" sldId="300"/>
+            <ac:picMk id="35" creationId="{4E6D9DEA-B7B7-CD19-F2F7-9837EF5B700C}"/>
+          </ac:picMkLst>
+        </pc:picChg>
+      </pc:sldChg>
+      <pc:sldChg chg="addSp delSp modSp mod ord modAnim">
+        <pc:chgData name="Ashish Dabas" userId="c35664cb8c095f08" providerId="LiveId" clId="{9E86F526-7497-4DC0-B263-D471953FD9EB}" dt="2023-06-14T17:05:07.139" v="548"/>
+        <pc:sldMkLst>
+          <pc:docMk/>
+          <pc:sldMk cId="2623107470" sldId="304"/>
+        </pc:sldMkLst>
+        <pc:spChg chg="add del mod">
+          <ac:chgData name="Ashish Dabas" userId="c35664cb8c095f08" providerId="LiveId" clId="{9E86F526-7497-4DC0-B263-D471953FD9EB}" dt="2023-06-14T16:53:23.021" v="439"/>
+          <ac:spMkLst>
+            <pc:docMk/>
+            <pc:sldMk cId="2623107470" sldId="304"/>
+            <ac:spMk id="2" creationId="{C02C2EA8-0722-C5BF-CD4F-4A1BBD5C9590}"/>
+          </ac:spMkLst>
+        </pc:spChg>
+        <pc:spChg chg="add del mod">
+          <ac:chgData name="Ashish Dabas" userId="c35664cb8c095f08" providerId="LiveId" clId="{9E86F526-7497-4DC0-B263-D471953FD9EB}" dt="2023-06-14T16:53:23.021" v="439"/>
+          <ac:spMkLst>
+            <pc:docMk/>
+            <pc:sldMk cId="2623107470" sldId="304"/>
+            <ac:spMk id="6" creationId="{A857C16B-6A8B-16CD-D0EB-4BD8F0978A30}"/>
+          </ac:spMkLst>
+        </pc:spChg>
+        <pc:spChg chg="add del mod">
+          <ac:chgData name="Ashish Dabas" userId="c35664cb8c095f08" providerId="LiveId" clId="{9E86F526-7497-4DC0-B263-D471953FD9EB}" dt="2023-06-14T16:53:23.021" v="439"/>
+          <ac:spMkLst>
+            <pc:docMk/>
+            <pc:sldMk cId="2623107470" sldId="304"/>
+            <ac:spMk id="7" creationId="{5343080C-95D5-3FC3-E6A6-ECA10C13DCAE}"/>
+          </ac:spMkLst>
+        </pc:spChg>
+        <pc:spChg chg="mod">
+          <ac:chgData name="Ashish Dabas" userId="c35664cb8c095f08" providerId="LiveId" clId="{9E86F526-7497-4DC0-B263-D471953FD9EB}" dt="2023-06-14T17:03:21.154" v="547" actId="14100"/>
+          <ac:spMkLst>
+            <pc:docMk/>
+            <pc:sldMk cId="2623107470" sldId="304"/>
+            <ac:spMk id="119" creationId="{5092F8C1-1E77-AFA1-10C6-BFDE82C624B2}"/>
+          </ac:spMkLst>
+        </pc:spChg>
+        <pc:picChg chg="add del mod">
+          <ac:chgData name="Ashish Dabas" userId="c35664cb8c095f08" providerId="LiveId" clId="{9E86F526-7497-4DC0-B263-D471953FD9EB}" dt="2023-06-14T16:53:23.021" v="439"/>
+          <ac:picMkLst>
+            <pc:docMk/>
+            <pc:sldMk cId="2623107470" sldId="304"/>
+            <ac:picMk id="3" creationId="{B6B183EE-029B-147F-AF4A-7B692BAF51CC}"/>
+          </ac:picMkLst>
+        </pc:picChg>
+        <pc:picChg chg="add del mod">
+          <ac:chgData name="Ashish Dabas" userId="c35664cb8c095f08" providerId="LiveId" clId="{9E86F526-7497-4DC0-B263-D471953FD9EB}" dt="2023-06-14T16:53:23.021" v="439"/>
+          <ac:picMkLst>
+            <pc:docMk/>
+            <pc:sldMk cId="2623107470" sldId="304"/>
+            <ac:picMk id="4" creationId="{5B18A5DE-28BB-0696-287E-2F40AECAFCFE}"/>
+          </ac:picMkLst>
+        </pc:picChg>
+        <pc:picChg chg="add del mod">
+          <ac:chgData name="Ashish Dabas" userId="c35664cb8c095f08" providerId="LiveId" clId="{9E86F526-7497-4DC0-B263-D471953FD9EB}" dt="2023-06-14T16:53:23.021" v="439"/>
+          <ac:picMkLst>
+            <pc:docMk/>
+            <pc:sldMk cId="2623107470" sldId="304"/>
+            <ac:picMk id="5" creationId="{97E64E81-F8C6-E51D-AD2D-2BCBD8EAF83B}"/>
+          </ac:picMkLst>
+        </pc:picChg>
+        <pc:picChg chg="add del mod">
+          <ac:chgData name="Ashish Dabas" userId="c35664cb8c095f08" providerId="LiveId" clId="{9E86F526-7497-4DC0-B263-D471953FD9EB}" dt="2023-06-14T16:53:23.021" v="439"/>
+          <ac:picMkLst>
+            <pc:docMk/>
+            <pc:sldMk cId="2623107470" sldId="304"/>
+            <ac:picMk id="8" creationId="{68C5FC54-0618-2464-2983-669E7071B600}"/>
+          </ac:picMkLst>
+        </pc:picChg>
+        <pc:picChg chg="add mod">
+          <ac:chgData name="Ashish Dabas" userId="c35664cb8c095f08" providerId="LiveId" clId="{9E86F526-7497-4DC0-B263-D471953FD9EB}" dt="2023-06-14T16:56:15.228" v="462" actId="1037"/>
+          <ac:picMkLst>
+            <pc:docMk/>
+            <pc:sldMk cId="2623107470" sldId="304"/>
+            <ac:picMk id="9" creationId="{478CB0DB-F097-E5DB-2B14-EAA6F654735B}"/>
+          </ac:picMkLst>
+        </pc:picChg>
+        <pc:picChg chg="mod">
+          <ac:chgData name="Ashish Dabas" userId="c35664cb8c095f08" providerId="LiveId" clId="{9E86F526-7497-4DC0-B263-D471953FD9EB}" dt="2023-06-14T16:53:01.854" v="434" actId="1076"/>
+          <ac:picMkLst>
+            <pc:docMk/>
+            <pc:sldMk cId="2623107470" sldId="304"/>
+            <ac:picMk id="120" creationId="{73C10AAF-62F9-348A-FEC2-21BF6978404D}"/>
+          </ac:picMkLst>
+        </pc:picChg>
+      </pc:sldChg>
+      <pc:sldChg chg="addSp delSp modSp mod">
+        <pc:chgData name="Ashish Dabas" userId="c35664cb8c095f08" providerId="LiveId" clId="{9E86F526-7497-4DC0-B263-D471953FD9EB}" dt="2023-06-14T16:57:59.090" v="468" actId="478"/>
+        <pc:sldMkLst>
+          <pc:docMk/>
+          <pc:sldMk cId="387161465" sldId="306"/>
+        </pc:sldMkLst>
+        <pc:spChg chg="mod">
+          <ac:chgData name="Ashish Dabas" userId="c35664cb8c095f08" providerId="LiveId" clId="{9E86F526-7497-4DC0-B263-D471953FD9EB}" dt="2023-06-14T16:50:58.829" v="425" actId="1035"/>
+          <ac:spMkLst>
+            <pc:docMk/>
+            <pc:sldMk cId="387161465" sldId="306"/>
+            <ac:spMk id="2" creationId="{87122169-3FBD-552A-DDD0-17D28F448403}"/>
+          </ac:spMkLst>
+        </pc:spChg>
+        <pc:spChg chg="mod">
+          <ac:chgData name="Ashish Dabas" userId="c35664cb8c095f08" providerId="LiveId" clId="{9E86F526-7497-4DC0-B263-D471953FD9EB}" dt="2023-06-14T16:50:58.829" v="425" actId="1035"/>
+          <ac:spMkLst>
+            <pc:docMk/>
+            <pc:sldMk cId="387161465" sldId="306"/>
+            <ac:spMk id="6" creationId="{ACE48BCC-7332-20CA-DD6F-980BCD1DB51A}"/>
+          </ac:spMkLst>
+        </pc:spChg>
+        <pc:spChg chg="mod">
+          <ac:chgData name="Ashish Dabas" userId="c35664cb8c095f08" providerId="LiveId" clId="{9E86F526-7497-4DC0-B263-D471953FD9EB}" dt="2023-06-14T16:50:58.829" v="425" actId="1035"/>
+          <ac:spMkLst>
+            <pc:docMk/>
+            <pc:sldMk cId="387161465" sldId="306"/>
+            <ac:spMk id="7" creationId="{653631C2-79DE-9B8B-B862-4E442F970A4D}"/>
+          </ac:spMkLst>
+        </pc:spChg>
+        <pc:spChg chg="mod">
+          <ac:chgData name="Ashish Dabas" userId="c35664cb8c095f08" providerId="LiveId" clId="{9E86F526-7497-4DC0-B263-D471953FD9EB}" dt="2023-06-14T16:50:58.829" v="425" actId="1035"/>
+          <ac:spMkLst>
+            <pc:docMk/>
+            <pc:sldMk cId="387161465" sldId="306"/>
+            <ac:spMk id="10" creationId="{4B9AADA7-7993-F23B-8A58-F83318888C55}"/>
+          </ac:spMkLst>
+        </pc:spChg>
+        <pc:spChg chg="mod">
+          <ac:chgData name="Ashish Dabas" userId="c35664cb8c095f08" providerId="LiveId" clId="{9E86F526-7497-4DC0-B263-D471953FD9EB}" dt="2023-06-14T16:50:58.829" v="425" actId="1035"/>
+          <ac:spMkLst>
+            <pc:docMk/>
+            <pc:sldMk cId="387161465" sldId="306"/>
+            <ac:spMk id="11" creationId="{84E8FBA9-F2AE-968B-1097-00B0090135BE}"/>
+          </ac:spMkLst>
+        </pc:spChg>
+        <pc:spChg chg="mod">
+          <ac:chgData name="Ashish Dabas" userId="c35664cb8c095f08" providerId="LiveId" clId="{9E86F526-7497-4DC0-B263-D471953FD9EB}" dt="2023-06-14T16:47:17.191" v="343" actId="14100"/>
+          <ac:spMkLst>
+            <pc:docMk/>
+            <pc:sldMk cId="387161465" sldId="306"/>
+            <ac:spMk id="13" creationId="{C474A167-0B67-7F8D-4BB7-B05E3856C86E}"/>
+          </ac:spMkLst>
+        </pc:spChg>
+        <pc:spChg chg="mod">
+          <ac:chgData name="Ashish Dabas" userId="c35664cb8c095f08" providerId="LiveId" clId="{9E86F526-7497-4DC0-B263-D471953FD9EB}" dt="2023-06-14T16:50:35.171" v="398" actId="14100"/>
+          <ac:spMkLst>
+            <pc:docMk/>
+            <pc:sldMk cId="387161465" sldId="306"/>
+            <ac:spMk id="15" creationId="{CFC8196E-9DA4-0800-F2C6-6F9A49A396CF}"/>
+          </ac:spMkLst>
+        </pc:spChg>
+        <pc:spChg chg="mod">
+          <ac:chgData name="Ashish Dabas" userId="c35664cb8c095f08" providerId="LiveId" clId="{9E86F526-7497-4DC0-B263-D471953FD9EB}" dt="2023-06-14T16:32:17.216" v="92" actId="1036"/>
+          <ac:spMkLst>
+            <pc:docMk/>
+            <pc:sldMk cId="387161465" sldId="306"/>
+            <ac:spMk id="16" creationId="{7623C24E-EB88-0F55-4344-2A25920A6CD7}"/>
+          </ac:spMkLst>
+        </pc:spChg>
+        <pc:spChg chg="mod">
+          <ac:chgData name="Ashish Dabas" userId="c35664cb8c095f08" providerId="LiveId" clId="{9E86F526-7497-4DC0-B263-D471953FD9EB}" dt="2023-06-14T16:32:17.216" v="92" actId="1036"/>
+          <ac:spMkLst>
+            <pc:docMk/>
+            <pc:sldMk cId="387161465" sldId="306"/>
+            <ac:spMk id="27" creationId="{98A9DF35-86B1-414E-2F07-81A224A4FF87}"/>
+          </ac:spMkLst>
+        </pc:spChg>
+        <pc:spChg chg="add del mod">
+          <ac:chgData name="Ashish Dabas" userId="c35664cb8c095f08" providerId="LiveId" clId="{9E86F526-7497-4DC0-B263-D471953FD9EB}" dt="2023-06-14T16:34:12.413" v="107" actId="478"/>
+          <ac:spMkLst>
+            <pc:docMk/>
+            <pc:sldMk cId="387161465" sldId="306"/>
+            <ac:spMk id="31" creationId="{2EF2BC3E-090A-EAFB-B528-B24965B99117}"/>
+          </ac:spMkLst>
+        </pc:spChg>
+        <pc:spChg chg="add del mod ord">
+          <ac:chgData name="Ashish Dabas" userId="c35664cb8c095f08" providerId="LiveId" clId="{9E86F526-7497-4DC0-B263-D471953FD9EB}" dt="2023-06-14T16:35:59.676" v="127" actId="478"/>
+          <ac:spMkLst>
+            <pc:docMk/>
+            <pc:sldMk cId="387161465" sldId="306"/>
+            <ac:spMk id="32" creationId="{33D6F5B2-CCD8-16B9-5CD4-6DAFBBD98E4D}"/>
+          </ac:spMkLst>
+        </pc:spChg>
+        <pc:spChg chg="add del mod">
+          <ac:chgData name="Ashish Dabas" userId="c35664cb8c095f08" providerId="LiveId" clId="{9E86F526-7497-4DC0-B263-D471953FD9EB}" dt="2023-06-14T16:37:26.409" v="147" actId="767"/>
+          <ac:spMkLst>
+            <pc:docMk/>
+            <pc:sldMk cId="387161465" sldId="306"/>
+            <ac:spMk id="33" creationId="{A11107DC-D7C8-A544-7D87-61DDDB43F429}"/>
+          </ac:spMkLst>
+        </pc:spChg>
+        <pc:spChg chg="add del mod">
+          <ac:chgData name="Ashish Dabas" userId="c35664cb8c095f08" providerId="LiveId" clId="{9E86F526-7497-4DC0-B263-D471953FD9EB}" dt="2023-06-14T16:41:36.385" v="212" actId="478"/>
+          <ac:spMkLst>
+            <pc:docMk/>
+            <pc:sldMk cId="387161465" sldId="306"/>
+            <ac:spMk id="36" creationId="{3A6FF768-B973-EA64-3D1D-AA51DDED066F}"/>
+          </ac:spMkLst>
+        </pc:spChg>
+        <pc:spChg chg="add mod ord">
+          <ac:chgData name="Ashish Dabas" userId="c35664cb8c095f08" providerId="LiveId" clId="{9E86F526-7497-4DC0-B263-D471953FD9EB}" dt="2023-06-14T16:57:27.638" v="464" actId="14100"/>
+          <ac:spMkLst>
+            <pc:docMk/>
+            <pc:sldMk cId="387161465" sldId="306"/>
+            <ac:spMk id="37" creationId="{22F8F42C-379C-6844-A17C-BB4E765EA574}"/>
+          </ac:spMkLst>
+        </pc:spChg>
+        <pc:spChg chg="add mod">
+          <ac:chgData name="Ashish Dabas" userId="c35664cb8c095f08" providerId="LiveId" clId="{9E86F526-7497-4DC0-B263-D471953FD9EB}" dt="2023-06-14T16:50:21.257" v="397" actId="1076"/>
+          <ac:spMkLst>
+            <pc:docMk/>
+            <pc:sldMk cId="387161465" sldId="306"/>
+            <ac:spMk id="38" creationId="{00EE49B9-5953-BBE9-22AD-238F200BE192}"/>
+          </ac:spMkLst>
+        </pc:spChg>
+        <pc:spChg chg="add mod">
+          <ac:chgData name="Ashish Dabas" userId="c35664cb8c095f08" providerId="LiveId" clId="{9E86F526-7497-4DC0-B263-D471953FD9EB}" dt="2023-06-14T16:49:21.460" v="375" actId="1076"/>
+          <ac:spMkLst>
+            <pc:docMk/>
+            <pc:sldMk cId="387161465" sldId="306"/>
+            <ac:spMk id="39" creationId="{718737A9-062A-E31B-65C0-EDBB3C4D19D3}"/>
+          </ac:spMkLst>
+        </pc:spChg>
+        <pc:spChg chg="add del mod">
+          <ac:chgData name="Ashish Dabas" userId="c35664cb8c095f08" providerId="LiveId" clId="{9E86F526-7497-4DC0-B263-D471953FD9EB}" dt="2023-06-14T16:57:59.090" v="468" actId="478"/>
+          <ac:spMkLst>
+            <pc:docMk/>
+            <pc:sldMk cId="387161465" sldId="306"/>
+            <ac:spMk id="42" creationId="{17CADE42-2CD1-3DDC-687D-EAC6D4D2AA29}"/>
+          </ac:spMkLst>
+        </pc:spChg>
+        <pc:picChg chg="mod">
+          <ac:chgData name="Ashish Dabas" userId="c35664cb8c095f08" providerId="LiveId" clId="{9E86F526-7497-4DC0-B263-D471953FD9EB}" dt="2023-06-14T16:50:58.829" v="425" actId="1035"/>
+          <ac:picMkLst>
+            <pc:docMk/>
+            <pc:sldMk cId="387161465" sldId="306"/>
+            <ac:picMk id="3" creationId="{A2034F04-11E5-1A97-8E22-6D7F1210823D}"/>
+          </ac:picMkLst>
+        </pc:picChg>
+        <pc:picChg chg="mod">
+          <ac:chgData name="Ashish Dabas" userId="c35664cb8c095f08" providerId="LiveId" clId="{9E86F526-7497-4DC0-B263-D471953FD9EB}" dt="2023-06-14T16:50:58.829" v="425" actId="1035"/>
+          <ac:picMkLst>
+            <pc:docMk/>
+            <pc:sldMk cId="387161465" sldId="306"/>
+            <ac:picMk id="4" creationId="{5A708FF8-63FA-0FBD-F729-0952E0954D5E}"/>
+          </ac:picMkLst>
+        </pc:picChg>
+        <pc:picChg chg="mod">
+          <ac:chgData name="Ashish Dabas" userId="c35664cb8c095f08" providerId="LiveId" clId="{9E86F526-7497-4DC0-B263-D471953FD9EB}" dt="2023-06-14T16:50:58.829" v="425" actId="1035"/>
+          <ac:picMkLst>
+            <pc:docMk/>
+            <pc:sldMk cId="387161465" sldId="306"/>
+            <ac:picMk id="5" creationId="{F755837C-BAA2-1073-C8CE-8E48066EE986}"/>
+          </ac:picMkLst>
+        </pc:picChg>
+        <pc:picChg chg="mod">
+          <ac:chgData name="Ashish Dabas" userId="c35664cb8c095f08" providerId="LiveId" clId="{9E86F526-7497-4DC0-B263-D471953FD9EB}" dt="2023-06-14T16:50:58.829" v="425" actId="1035"/>
+          <ac:picMkLst>
+            <pc:docMk/>
+            <pc:sldMk cId="387161465" sldId="306"/>
+            <ac:picMk id="8" creationId="{7E580B2C-CE09-006B-003D-EE01E9697CD5}"/>
+          </ac:picMkLst>
+        </pc:picChg>
+        <pc:picChg chg="mod">
+          <ac:chgData name="Ashish Dabas" userId="c35664cb8c095f08" providerId="LiveId" clId="{9E86F526-7497-4DC0-B263-D471953FD9EB}" dt="2023-06-14T16:50:58.829" v="425" actId="1035"/>
+          <ac:picMkLst>
+            <pc:docMk/>
+            <pc:sldMk cId="387161465" sldId="306"/>
+            <ac:picMk id="9" creationId="{C6487495-E75D-D9ED-5B67-1A5DD3A81C62}"/>
+          </ac:picMkLst>
+        </pc:picChg>
+        <pc:picChg chg="mod">
+          <ac:chgData name="Ashish Dabas" userId="c35664cb8c095f08" providerId="LiveId" clId="{9E86F526-7497-4DC0-B263-D471953FD9EB}" dt="2023-06-14T16:50:58.829" v="425" actId="1035"/>
+          <ac:picMkLst>
+            <pc:docMk/>
+            <pc:sldMk cId="387161465" sldId="306"/>
+            <ac:picMk id="12" creationId="{B9E7A561-F6A3-5805-1E7A-AC2A01182141}"/>
+          </ac:picMkLst>
+        </pc:picChg>
+        <pc:picChg chg="mod">
+          <ac:chgData name="Ashish Dabas" userId="c35664cb8c095f08" providerId="LiveId" clId="{9E86F526-7497-4DC0-B263-D471953FD9EB}" dt="2023-06-14T16:32:17.216" v="92" actId="1036"/>
+          <ac:picMkLst>
+            <pc:docMk/>
+            <pc:sldMk cId="387161465" sldId="306"/>
+            <ac:picMk id="14" creationId="{5EA6B1F6-B8A1-27A6-B0D1-3ED446834085}"/>
+          </ac:picMkLst>
+        </pc:picChg>
+        <pc:picChg chg="mod">
+          <ac:chgData name="Ashish Dabas" userId="c35664cb8c095f08" providerId="LiveId" clId="{9E86F526-7497-4DC0-B263-D471953FD9EB}" dt="2023-06-14T16:50:39.903" v="399" actId="1076"/>
+          <ac:picMkLst>
+            <pc:docMk/>
+            <pc:sldMk cId="387161465" sldId="306"/>
+            <ac:picMk id="17" creationId="{E746E5DE-13CA-51BC-24EB-76A567FA5200}"/>
+          </ac:picMkLst>
+        </pc:picChg>
+        <pc:picChg chg="mod">
+          <ac:chgData name="Ashish Dabas" userId="c35664cb8c095f08" providerId="LiveId" clId="{9E86F526-7497-4DC0-B263-D471953FD9EB}" dt="2023-06-14T16:32:17.216" v="92" actId="1036"/>
+          <ac:picMkLst>
+            <pc:docMk/>
+            <pc:sldMk cId="387161465" sldId="306"/>
+            <ac:picMk id="18" creationId="{B6E0B471-0DF0-9C99-AF89-BF94D523DCC9}"/>
+          </ac:picMkLst>
+        </pc:picChg>
+        <pc:picChg chg="mod">
+          <ac:chgData name="Ashish Dabas" userId="c35664cb8c095f08" providerId="LiveId" clId="{9E86F526-7497-4DC0-B263-D471953FD9EB}" dt="2023-06-14T16:32:17.216" v="92" actId="1036"/>
+          <ac:picMkLst>
+            <pc:docMk/>
+            <pc:sldMk cId="387161465" sldId="306"/>
+            <ac:picMk id="19" creationId="{F93CFD70-4AAF-1905-13CA-8EB08BB0CF2E}"/>
+          </ac:picMkLst>
+        </pc:picChg>
+        <pc:picChg chg="mod">
+          <ac:chgData name="Ashish Dabas" userId="c35664cb8c095f08" providerId="LiveId" clId="{9E86F526-7497-4DC0-B263-D471953FD9EB}" dt="2023-06-14T16:32:17.216" v="92" actId="1036"/>
+          <ac:picMkLst>
+            <pc:docMk/>
+            <pc:sldMk cId="387161465" sldId="306"/>
+            <ac:picMk id="20" creationId="{B3879F49-E0F9-FFAC-02EB-84713E8F21F6}"/>
+          </ac:picMkLst>
+        </pc:picChg>
+        <pc:picChg chg="mod">
+          <ac:chgData name="Ashish Dabas" userId="c35664cb8c095f08" providerId="LiveId" clId="{9E86F526-7497-4DC0-B263-D471953FD9EB}" dt="2023-06-14T16:50:00.652" v="390" actId="1076"/>
+          <ac:picMkLst>
+            <pc:docMk/>
+            <pc:sldMk cId="387161465" sldId="306"/>
+            <ac:picMk id="24" creationId="{32775EB9-1693-DDB4-BE1A-BF9C7012E688}"/>
+          </ac:picMkLst>
+        </pc:picChg>
+        <pc:picChg chg="mod">
+          <ac:chgData name="Ashish Dabas" userId="c35664cb8c095f08" providerId="LiveId" clId="{9E86F526-7497-4DC0-B263-D471953FD9EB}" dt="2023-06-14T16:32:17.216" v="92" actId="1036"/>
+          <ac:picMkLst>
+            <pc:docMk/>
+            <pc:sldMk cId="387161465" sldId="306"/>
+            <ac:picMk id="26" creationId="{47656BDB-E2D7-8907-1A1C-D40D617B9AD7}"/>
+          </ac:picMkLst>
+        </pc:picChg>
+        <pc:picChg chg="add del mod">
+          <ac:chgData name="Ashish Dabas" userId="c35664cb8c095f08" providerId="LiveId" clId="{9E86F526-7497-4DC0-B263-D471953FD9EB}" dt="2023-06-14T16:49:12.449" v="369" actId="478"/>
+          <ac:picMkLst>
+            <pc:docMk/>
+            <pc:sldMk cId="387161465" sldId="306"/>
+            <ac:picMk id="28" creationId="{367A7155-97AD-7AA7-8B76-A04CE50E3660}"/>
+          </ac:picMkLst>
+        </pc:picChg>
+        <pc:picChg chg="add mod">
+          <ac:chgData name="Ashish Dabas" userId="c35664cb8c095f08" providerId="LiveId" clId="{9E86F526-7497-4DC0-B263-D471953FD9EB}" dt="2023-06-14T16:50:16.389" v="396" actId="14100"/>
+          <ac:picMkLst>
+            <pc:docMk/>
+            <pc:sldMk cId="387161465" sldId="306"/>
+            <ac:picMk id="29" creationId="{433D5461-ABD7-2E97-65F1-542417F9B8DB}"/>
+          </ac:picMkLst>
+        </pc:picChg>
+        <pc:picChg chg="add mod">
+          <ac:chgData name="Ashish Dabas" userId="c35664cb8c095f08" providerId="LiveId" clId="{9E86F526-7497-4DC0-B263-D471953FD9EB}" dt="2023-06-14T16:51:14.714" v="426" actId="1076"/>
+          <ac:picMkLst>
+            <pc:docMk/>
+            <pc:sldMk cId="387161465" sldId="306"/>
+            <ac:picMk id="30" creationId="{5877D8D9-7910-43C5-79AF-8041EB86A95C}"/>
+          </ac:picMkLst>
+        </pc:picChg>
+        <pc:picChg chg="add mod modCrop">
+          <ac:chgData name="Ashish Dabas" userId="c35664cb8c095f08" providerId="LiveId" clId="{9E86F526-7497-4DC0-B263-D471953FD9EB}" dt="2023-06-14T16:50:11.295" v="392" actId="1076"/>
+          <ac:picMkLst>
+            <pc:docMk/>
+            <pc:sldMk cId="387161465" sldId="306"/>
+            <ac:picMk id="35" creationId="{2767BD6E-90EE-1E13-9994-5048CA667B29}"/>
+          </ac:picMkLst>
+        </pc:picChg>
+        <pc:picChg chg="add mod">
+          <ac:chgData name="Ashish Dabas" userId="c35664cb8c095f08" providerId="LiveId" clId="{9E86F526-7497-4DC0-B263-D471953FD9EB}" dt="2023-06-14T16:50:10.147" v="391" actId="1076"/>
+          <ac:picMkLst>
+            <pc:docMk/>
+            <pc:sldMk cId="387161465" sldId="306"/>
+            <ac:picMk id="41" creationId="{6C51C50C-E54E-EB4B-4B1C-90667F38752E}"/>
+          </ac:picMkLst>
+        </pc:picChg>
+        <pc:cxnChg chg="mod">
+          <ac:chgData name="Ashish Dabas" userId="c35664cb8c095f08" providerId="LiveId" clId="{9E86F526-7497-4DC0-B263-D471953FD9EB}" dt="2023-06-14T16:32:17.216" v="92" actId="1036"/>
+          <ac:cxnSpMkLst>
+            <pc:docMk/>
+            <pc:sldMk cId="387161465" sldId="306"/>
+            <ac:cxnSpMk id="21" creationId="{BCD9EDD3-C627-04E1-FC6F-BC2DF4971DA9}"/>
+          </ac:cxnSpMkLst>
+        </pc:cxnChg>
+        <pc:cxnChg chg="mod">
+          <ac:chgData name="Ashish Dabas" userId="c35664cb8c095f08" providerId="LiveId" clId="{9E86F526-7497-4DC0-B263-D471953FD9EB}" dt="2023-06-14T16:32:17.216" v="92" actId="1036"/>
+          <ac:cxnSpMkLst>
+            <pc:docMk/>
+            <pc:sldMk cId="387161465" sldId="306"/>
+            <ac:cxnSpMk id="22" creationId="{3CE0490D-A193-7F87-EE5D-3EA066395833}"/>
+          </ac:cxnSpMkLst>
+        </pc:cxnChg>
+        <pc:cxnChg chg="mod">
+          <ac:chgData name="Ashish Dabas" userId="c35664cb8c095f08" providerId="LiveId" clId="{9E86F526-7497-4DC0-B263-D471953FD9EB}" dt="2023-06-14T16:32:17.216" v="92" actId="1036"/>
+          <ac:cxnSpMkLst>
+            <pc:docMk/>
+            <pc:sldMk cId="387161465" sldId="306"/>
+            <ac:cxnSpMk id="23" creationId="{32284D0C-32FF-12F9-25F2-A2328C7E2DE7}"/>
+          </ac:cxnSpMkLst>
+        </pc:cxnChg>
+        <pc:cxnChg chg="mod">
+          <ac:chgData name="Ashish Dabas" userId="c35664cb8c095f08" providerId="LiveId" clId="{9E86F526-7497-4DC0-B263-D471953FD9EB}" dt="2023-06-14T16:32:17.216" v="92" actId="1036"/>
+          <ac:cxnSpMkLst>
+            <pc:docMk/>
+            <pc:sldMk cId="387161465" sldId="306"/>
+            <ac:cxnSpMk id="25" creationId="{A1BECDD3-F82F-6B5A-22BB-F89807DB0747}"/>
+          </ac:cxnSpMkLst>
+        </pc:cxnChg>
+      </pc:sldChg>
+      <pc:sldChg chg="addSp delSp modSp new mod">
+        <pc:chgData name="Ashish Dabas" userId="c35664cb8c095f08" providerId="LiveId" clId="{9E86F526-7497-4DC0-B263-D471953FD9EB}" dt="2023-06-14T16:55:47.895" v="447" actId="14100"/>
+        <pc:sldMkLst>
+          <pc:docMk/>
+          <pc:sldMk cId="2883854387" sldId="307"/>
+        </pc:sldMkLst>
+        <pc:picChg chg="add del mod">
+          <ac:chgData name="Ashish Dabas" userId="c35664cb8c095f08" providerId="LiveId" clId="{9E86F526-7497-4DC0-B263-D471953FD9EB}" dt="2023-06-14T16:55:40.449" v="443" actId="478"/>
+          <ac:picMkLst>
+            <pc:docMk/>
+            <pc:sldMk cId="2883854387" sldId="307"/>
+            <ac:picMk id="2" creationId="{ED8E4F89-7230-3591-97EA-3DF003F93E09}"/>
+          </ac:picMkLst>
+        </pc:picChg>
+        <pc:picChg chg="add mod">
+          <ac:chgData name="Ashish Dabas" userId="c35664cb8c095f08" providerId="LiveId" clId="{9E86F526-7497-4DC0-B263-D471953FD9EB}" dt="2023-06-14T16:55:47.895" v="447" actId="14100"/>
+          <ac:picMkLst>
+            <pc:docMk/>
+            <pc:sldMk cId="2883854387" sldId="307"/>
+            <ac:picMk id="3" creationId="{8EBD18B6-5F98-71A2-FA1B-45457ABA8C2E}"/>
+          </ac:picMkLst>
+        </pc:picChg>
+      </pc:sldChg>
+    </pc:docChg>
+  </pc:docChgLst>
+</pc:chgInfo>
 </file>
 
 <file path=ppt/diagrams/colors1.xml><?xml version="1.0" encoding="utf-8"?>
@@ -3116,853 +3883,6 @@
 </file>
 
 <file path=ppt/diagrams/data1.xml><?xml version="1.0" encoding="utf-8"?>
-<dgm:dataModel xmlns:dgm="http://schemas.openxmlformats.org/drawingml/2006/diagram" xmlns:a="http://schemas.openxmlformats.org/drawingml/2006/main">
-  <dgm:ptLst>
-    <dgm:pt modelId="{990BB43A-8D3E-4A3D-A693-4ECEACA78C17}" type="doc">
-      <dgm:prSet loTypeId="urn:microsoft.com/office/officeart/2005/8/layout/chevron1" loCatId="process" qsTypeId="urn:microsoft.com/office/officeart/2005/8/quickstyle/simple1" qsCatId="simple" csTypeId="urn:microsoft.com/office/officeart/2005/8/colors/accent1_2" csCatId="accent1" phldr="1"/>
-      <dgm:spPr/>
-    </dgm:pt>
-    <dgm:pt modelId="{C1512BF5-BDF1-41EF-9C7E-357802A5A397}">
-      <dgm:prSet phldrT="[Text]" custT="1"/>
-      <dgm:spPr>
-        <a:solidFill>
-          <a:srgbClr val="92D050"/>
-        </a:solidFill>
-      </dgm:spPr>
-      <dgm:t>
-        <a:bodyPr/>
-        <a:lstStyle/>
-        <a:p>
-          <a:r>
-            <a:rPr lang="en-CA" sz="1400" dirty="0"/>
-            <a:t>Extract</a:t>
-          </a:r>
-        </a:p>
-      </dgm:t>
-    </dgm:pt>
-    <dgm:pt modelId="{7908B19B-1749-46B8-8E35-1C840805274C}" type="parTrans" cxnId="{BBE9B553-42E1-469A-BC67-950E81F22D2D}">
-      <dgm:prSet/>
-      <dgm:spPr/>
-      <dgm:t>
-        <a:bodyPr/>
-        <a:lstStyle/>
-        <a:p>
-          <a:endParaRPr lang="en-CA"/>
-        </a:p>
-      </dgm:t>
-    </dgm:pt>
-    <dgm:pt modelId="{CC384C5D-FA90-4F8D-BD06-1C390D6210D6}" type="sibTrans" cxnId="{BBE9B553-42E1-469A-BC67-950E81F22D2D}">
-      <dgm:prSet/>
-      <dgm:spPr/>
-      <dgm:t>
-        <a:bodyPr/>
-        <a:lstStyle/>
-        <a:p>
-          <a:endParaRPr lang="en-CA"/>
-        </a:p>
-      </dgm:t>
-    </dgm:pt>
-    <dgm:pt modelId="{68134F10-D152-43B0-9175-401C2AEC7784}">
-      <dgm:prSet phldrT="[Text]" custT="1"/>
-      <dgm:spPr>
-        <a:solidFill>
-          <a:schemeClr val="bg1">
-            <a:lumMod val="85000"/>
-          </a:schemeClr>
-        </a:solidFill>
-      </dgm:spPr>
-      <dgm:t>
-        <a:bodyPr/>
-        <a:lstStyle/>
-        <a:p>
-          <a:r>
-            <a:rPr lang="en-CA" sz="1200" dirty="0"/>
-            <a:t>Transform</a:t>
-          </a:r>
-        </a:p>
-      </dgm:t>
-    </dgm:pt>
-    <dgm:pt modelId="{435ACCB6-7F46-4178-A53A-BC1DF95584E7}" type="parTrans" cxnId="{88A77F1F-69A9-482B-9F5E-D8A834C8DF38}">
-      <dgm:prSet/>
-      <dgm:spPr/>
-      <dgm:t>
-        <a:bodyPr/>
-        <a:lstStyle/>
-        <a:p>
-          <a:endParaRPr lang="en-CA"/>
-        </a:p>
-      </dgm:t>
-    </dgm:pt>
-    <dgm:pt modelId="{B56FDC10-7E09-4FFF-9DC6-5C8E40355A11}" type="sibTrans" cxnId="{88A77F1F-69A9-482B-9F5E-D8A834C8DF38}">
-      <dgm:prSet/>
-      <dgm:spPr/>
-      <dgm:t>
-        <a:bodyPr/>
-        <a:lstStyle/>
-        <a:p>
-          <a:endParaRPr lang="en-CA"/>
-        </a:p>
-      </dgm:t>
-    </dgm:pt>
-    <dgm:pt modelId="{C143BF0D-9327-444E-9FB3-4F09E31FCB6E}">
-      <dgm:prSet phldrT="[Text]" custT="1"/>
-      <dgm:spPr>
-        <a:solidFill>
-          <a:schemeClr val="bg1">
-            <a:lumMod val="85000"/>
-          </a:schemeClr>
-        </a:solidFill>
-      </dgm:spPr>
-      <dgm:t>
-        <a:bodyPr/>
-        <a:lstStyle/>
-        <a:p>
-          <a:r>
-            <a:rPr lang="en-CA" sz="1400" dirty="0"/>
-            <a:t>Load</a:t>
-          </a:r>
-        </a:p>
-      </dgm:t>
-    </dgm:pt>
-    <dgm:pt modelId="{5CEE61DE-FA1C-4AA5-8A1C-81F1AF207B38}" type="parTrans" cxnId="{BEA45D1F-B984-44FD-990E-3F6D09B6C856}">
-      <dgm:prSet/>
-      <dgm:spPr/>
-      <dgm:t>
-        <a:bodyPr/>
-        <a:lstStyle/>
-        <a:p>
-          <a:endParaRPr lang="en-CA"/>
-        </a:p>
-      </dgm:t>
-    </dgm:pt>
-    <dgm:pt modelId="{7689F896-F87C-43F1-A677-2E9E3FEE93D9}" type="sibTrans" cxnId="{BEA45D1F-B984-44FD-990E-3F6D09B6C856}">
-      <dgm:prSet/>
-      <dgm:spPr/>
-      <dgm:t>
-        <a:bodyPr/>
-        <a:lstStyle/>
-        <a:p>
-          <a:endParaRPr lang="en-CA"/>
-        </a:p>
-      </dgm:t>
-    </dgm:pt>
-    <dgm:pt modelId="{3DB85932-381B-47DA-BB4E-7847D521A543}">
-      <dgm:prSet phldrT="[Text]" custT="1"/>
-      <dgm:spPr>
-        <a:solidFill>
-          <a:schemeClr val="bg1">
-            <a:lumMod val="85000"/>
-          </a:schemeClr>
-        </a:solidFill>
-      </dgm:spPr>
-      <dgm:t>
-        <a:bodyPr/>
-        <a:lstStyle/>
-        <a:p>
-          <a:pPr marL="0" lvl="0" indent="0" algn="ctr" defTabSz="533400">
-            <a:lnSpc>
-              <a:spcPct val="90000"/>
-            </a:lnSpc>
-            <a:spcBef>
-              <a:spcPct val="0"/>
-            </a:spcBef>
-            <a:spcAft>
-              <a:spcPct val="35000"/>
-            </a:spcAft>
-            <a:buNone/>
-          </a:pPr>
-          <a:r>
-            <a:rPr lang="en-CA" sz="1200" kern="1200" dirty="0">
-              <a:solidFill>
-                <a:prstClr val="white"/>
-              </a:solidFill>
-              <a:latin typeface="Calibri" panose="020F0502020204030204"/>
-              <a:ea typeface="+mn-ea"/>
-              <a:cs typeface="+mn-cs"/>
-            </a:rPr>
-            <a:t>App</a:t>
-          </a:r>
-        </a:p>
-      </dgm:t>
-    </dgm:pt>
-    <dgm:pt modelId="{3FB10B4A-EBC6-4C8E-80D7-2737651752DD}" type="parTrans" cxnId="{ABAD9863-4826-47F8-B166-95B344A05DA1}">
-      <dgm:prSet/>
-      <dgm:spPr/>
-      <dgm:t>
-        <a:bodyPr/>
-        <a:lstStyle/>
-        <a:p>
-          <a:endParaRPr lang="en-CA"/>
-        </a:p>
-      </dgm:t>
-    </dgm:pt>
-    <dgm:pt modelId="{D2BB0F86-F05F-47E1-88BC-ECEBF6398FF2}" type="sibTrans" cxnId="{ABAD9863-4826-47F8-B166-95B344A05DA1}">
-      <dgm:prSet/>
-      <dgm:spPr/>
-      <dgm:t>
-        <a:bodyPr/>
-        <a:lstStyle/>
-        <a:p>
-          <a:endParaRPr lang="en-CA"/>
-        </a:p>
-      </dgm:t>
-    </dgm:pt>
-    <dgm:pt modelId="{B42FD993-FC96-4242-8390-C41682FE12E8}" type="pres">
-      <dgm:prSet presAssocID="{990BB43A-8D3E-4A3D-A693-4ECEACA78C17}" presName="Name0" presStyleCnt="0">
-        <dgm:presLayoutVars>
-          <dgm:dir/>
-          <dgm:animLvl val="lvl"/>
-          <dgm:resizeHandles val="exact"/>
-        </dgm:presLayoutVars>
-      </dgm:prSet>
-      <dgm:spPr/>
-    </dgm:pt>
-    <dgm:pt modelId="{393BFE81-60E9-455E-AC60-CEDD69C80CFA}" type="pres">
-      <dgm:prSet presAssocID="{C1512BF5-BDF1-41EF-9C7E-357802A5A397}" presName="parTxOnly" presStyleLbl="node1" presStyleIdx="0" presStyleCnt="4" custLinFactNeighborX="6452">
-        <dgm:presLayoutVars>
-          <dgm:chMax val="0"/>
-          <dgm:chPref val="0"/>
-          <dgm:bulletEnabled val="1"/>
-        </dgm:presLayoutVars>
-      </dgm:prSet>
-      <dgm:spPr/>
-    </dgm:pt>
-    <dgm:pt modelId="{61D2ADEC-AA60-444C-BDD9-DBD57EE7C090}" type="pres">
-      <dgm:prSet presAssocID="{CC384C5D-FA90-4F8D-BD06-1C390D6210D6}" presName="parTxOnlySpace" presStyleCnt="0"/>
-      <dgm:spPr/>
-    </dgm:pt>
-    <dgm:pt modelId="{AE503DE8-3F26-4885-BFD1-3C6EF2408CA7}" type="pres">
-      <dgm:prSet presAssocID="{68134F10-D152-43B0-9175-401C2AEC7784}" presName="parTxOnly" presStyleLbl="node1" presStyleIdx="1" presStyleCnt="4">
-        <dgm:presLayoutVars>
-          <dgm:chMax val="0"/>
-          <dgm:chPref val="0"/>
-          <dgm:bulletEnabled val="1"/>
-        </dgm:presLayoutVars>
-      </dgm:prSet>
-      <dgm:spPr/>
-    </dgm:pt>
-    <dgm:pt modelId="{B34B1EF2-9D0B-4AB2-B24F-D05AD2B7118A}" type="pres">
-      <dgm:prSet presAssocID="{B56FDC10-7E09-4FFF-9DC6-5C8E40355A11}" presName="parTxOnlySpace" presStyleCnt="0"/>
-      <dgm:spPr/>
-    </dgm:pt>
-    <dgm:pt modelId="{AFC6DB2F-9FA9-4B63-9864-076A692B3B60}" type="pres">
-      <dgm:prSet presAssocID="{C143BF0D-9327-444E-9FB3-4F09E31FCB6E}" presName="parTxOnly" presStyleLbl="node1" presStyleIdx="2" presStyleCnt="4">
-        <dgm:presLayoutVars>
-          <dgm:chMax val="0"/>
-          <dgm:chPref val="0"/>
-          <dgm:bulletEnabled val="1"/>
-        </dgm:presLayoutVars>
-      </dgm:prSet>
-      <dgm:spPr/>
-    </dgm:pt>
-    <dgm:pt modelId="{7FD1C203-D4CB-4CBA-BEB1-854FA79ABCCD}" type="pres">
-      <dgm:prSet presAssocID="{7689F896-F87C-43F1-A677-2E9E3FEE93D9}" presName="parTxOnlySpace" presStyleCnt="0"/>
-      <dgm:spPr/>
-    </dgm:pt>
-    <dgm:pt modelId="{48FB269B-7D9F-4C36-8E85-6854CA5C9B61}" type="pres">
-      <dgm:prSet presAssocID="{3DB85932-381B-47DA-BB4E-7847D521A543}" presName="parTxOnly" presStyleLbl="node1" presStyleIdx="3" presStyleCnt="4">
-        <dgm:presLayoutVars>
-          <dgm:chMax val="0"/>
-          <dgm:chPref val="0"/>
-          <dgm:bulletEnabled val="1"/>
-        </dgm:presLayoutVars>
-      </dgm:prSet>
-      <dgm:spPr/>
-    </dgm:pt>
-  </dgm:ptLst>
-  <dgm:cxnLst>
-    <dgm:cxn modelId="{C1801E07-538F-4505-BA72-598FF0649C0F}" type="presOf" srcId="{C1512BF5-BDF1-41EF-9C7E-357802A5A397}" destId="{393BFE81-60E9-455E-AC60-CEDD69C80CFA}" srcOrd="0" destOrd="0" presId="urn:microsoft.com/office/officeart/2005/8/layout/chevron1"/>
-    <dgm:cxn modelId="{BEA45D1F-B984-44FD-990E-3F6D09B6C856}" srcId="{990BB43A-8D3E-4A3D-A693-4ECEACA78C17}" destId="{C143BF0D-9327-444E-9FB3-4F09E31FCB6E}" srcOrd="2" destOrd="0" parTransId="{5CEE61DE-FA1C-4AA5-8A1C-81F1AF207B38}" sibTransId="{7689F896-F87C-43F1-A677-2E9E3FEE93D9}"/>
-    <dgm:cxn modelId="{88A77F1F-69A9-482B-9F5E-D8A834C8DF38}" srcId="{990BB43A-8D3E-4A3D-A693-4ECEACA78C17}" destId="{68134F10-D152-43B0-9175-401C2AEC7784}" srcOrd="1" destOrd="0" parTransId="{435ACCB6-7F46-4178-A53A-BC1DF95584E7}" sibTransId="{B56FDC10-7E09-4FFF-9DC6-5C8E40355A11}"/>
-    <dgm:cxn modelId="{803D9E22-D32E-4A7B-97D9-E2AEB4AE9740}" type="presOf" srcId="{990BB43A-8D3E-4A3D-A693-4ECEACA78C17}" destId="{B42FD993-FC96-4242-8390-C41682FE12E8}" srcOrd="0" destOrd="0" presId="urn:microsoft.com/office/officeart/2005/8/layout/chevron1"/>
-    <dgm:cxn modelId="{1D544D39-8794-41CB-8812-6316B72BB0B1}" type="presOf" srcId="{68134F10-D152-43B0-9175-401C2AEC7784}" destId="{AE503DE8-3F26-4885-BFD1-3C6EF2408CA7}" srcOrd="0" destOrd="0" presId="urn:microsoft.com/office/officeart/2005/8/layout/chevron1"/>
-    <dgm:cxn modelId="{ABAD9863-4826-47F8-B166-95B344A05DA1}" srcId="{990BB43A-8D3E-4A3D-A693-4ECEACA78C17}" destId="{3DB85932-381B-47DA-BB4E-7847D521A543}" srcOrd="3" destOrd="0" parTransId="{3FB10B4A-EBC6-4C8E-80D7-2737651752DD}" sibTransId="{D2BB0F86-F05F-47E1-88BC-ECEBF6398FF2}"/>
-    <dgm:cxn modelId="{BBE9B553-42E1-469A-BC67-950E81F22D2D}" srcId="{990BB43A-8D3E-4A3D-A693-4ECEACA78C17}" destId="{C1512BF5-BDF1-41EF-9C7E-357802A5A397}" srcOrd="0" destOrd="0" parTransId="{7908B19B-1749-46B8-8E35-1C840805274C}" sibTransId="{CC384C5D-FA90-4F8D-BD06-1C390D6210D6}"/>
-    <dgm:cxn modelId="{E2B13ED3-8879-4B68-A6A9-911F17D0BDD9}" type="presOf" srcId="{3DB85932-381B-47DA-BB4E-7847D521A543}" destId="{48FB269B-7D9F-4C36-8E85-6854CA5C9B61}" srcOrd="0" destOrd="0" presId="urn:microsoft.com/office/officeart/2005/8/layout/chevron1"/>
-    <dgm:cxn modelId="{CC54B6ED-2B45-47A4-B03E-2459285E69A6}" type="presOf" srcId="{C143BF0D-9327-444E-9FB3-4F09E31FCB6E}" destId="{AFC6DB2F-9FA9-4B63-9864-076A692B3B60}" srcOrd="0" destOrd="0" presId="urn:microsoft.com/office/officeart/2005/8/layout/chevron1"/>
-    <dgm:cxn modelId="{802F84FC-74CF-43B9-A705-B7C1FC16DFA9}" type="presParOf" srcId="{B42FD993-FC96-4242-8390-C41682FE12E8}" destId="{393BFE81-60E9-455E-AC60-CEDD69C80CFA}" srcOrd="0" destOrd="0" presId="urn:microsoft.com/office/officeart/2005/8/layout/chevron1"/>
-    <dgm:cxn modelId="{5C344FDD-CF09-4AFF-8077-ACEE30B58BC7}" type="presParOf" srcId="{B42FD993-FC96-4242-8390-C41682FE12E8}" destId="{61D2ADEC-AA60-444C-BDD9-DBD57EE7C090}" srcOrd="1" destOrd="0" presId="urn:microsoft.com/office/officeart/2005/8/layout/chevron1"/>
-    <dgm:cxn modelId="{8756A1E6-BA02-4182-9343-2814B70EFB35}" type="presParOf" srcId="{B42FD993-FC96-4242-8390-C41682FE12E8}" destId="{AE503DE8-3F26-4885-BFD1-3C6EF2408CA7}" srcOrd="2" destOrd="0" presId="urn:microsoft.com/office/officeart/2005/8/layout/chevron1"/>
-    <dgm:cxn modelId="{64047CFC-9684-4CE4-86DE-AB351A23A673}" type="presParOf" srcId="{B42FD993-FC96-4242-8390-C41682FE12E8}" destId="{B34B1EF2-9D0B-4AB2-B24F-D05AD2B7118A}" srcOrd="3" destOrd="0" presId="urn:microsoft.com/office/officeart/2005/8/layout/chevron1"/>
-    <dgm:cxn modelId="{197DD154-F06D-4FD5-8A57-73270C683E59}" type="presParOf" srcId="{B42FD993-FC96-4242-8390-C41682FE12E8}" destId="{AFC6DB2F-9FA9-4B63-9864-076A692B3B60}" srcOrd="4" destOrd="0" presId="urn:microsoft.com/office/officeart/2005/8/layout/chevron1"/>
-    <dgm:cxn modelId="{FB52328E-7404-4A8A-8DD1-2380B414674A}" type="presParOf" srcId="{B42FD993-FC96-4242-8390-C41682FE12E8}" destId="{7FD1C203-D4CB-4CBA-BEB1-854FA79ABCCD}" srcOrd="5" destOrd="0" presId="urn:microsoft.com/office/officeart/2005/8/layout/chevron1"/>
-    <dgm:cxn modelId="{F5C606D4-9F12-42EA-87F5-2673A6507D7E}" type="presParOf" srcId="{B42FD993-FC96-4242-8390-C41682FE12E8}" destId="{48FB269B-7D9F-4C36-8E85-6854CA5C9B61}" srcOrd="6" destOrd="0" presId="urn:microsoft.com/office/officeart/2005/8/layout/chevron1"/>
-  </dgm:cxnLst>
-  <dgm:bg/>
-  <dgm:whole/>
-  <dgm:extLst>
-    <a:ext uri="http://schemas.microsoft.com/office/drawing/2008/diagram">
-      <dsp:dataModelExt xmlns:dsp="http://schemas.microsoft.com/office/drawing/2008/diagram" relId="rId10" minVer="http://schemas.openxmlformats.org/drawingml/2006/diagram"/>
-    </a:ext>
-  </dgm:extLst>
-</dgm:dataModel>
-</file>
-
-<file path=ppt/diagrams/data2.xml><?xml version="1.0" encoding="utf-8"?>
-<dgm:dataModel xmlns:dgm="http://schemas.openxmlformats.org/drawingml/2006/diagram" xmlns:a="http://schemas.openxmlformats.org/drawingml/2006/main">
-  <dgm:ptLst>
-    <dgm:pt modelId="{990BB43A-8D3E-4A3D-A693-4ECEACA78C17}" type="doc">
-      <dgm:prSet loTypeId="urn:microsoft.com/office/officeart/2005/8/layout/chevron1" loCatId="process" qsTypeId="urn:microsoft.com/office/officeart/2005/8/quickstyle/simple1" qsCatId="simple" csTypeId="urn:microsoft.com/office/officeart/2005/8/colors/accent1_2" csCatId="accent1" phldr="1"/>
-      <dgm:spPr/>
-    </dgm:pt>
-    <dgm:pt modelId="{C1512BF5-BDF1-41EF-9C7E-357802A5A397}">
-      <dgm:prSet phldrT="[Text]" custT="1"/>
-      <dgm:spPr>
-        <a:solidFill>
-          <a:schemeClr val="bg2">
-            <a:lumMod val="90000"/>
-          </a:schemeClr>
-        </a:solidFill>
-      </dgm:spPr>
-      <dgm:t>
-        <a:bodyPr/>
-        <a:lstStyle/>
-        <a:p>
-          <a:r>
-            <a:rPr lang="en-CA" sz="1400" dirty="0"/>
-            <a:t>Extract</a:t>
-          </a:r>
-        </a:p>
-      </dgm:t>
-    </dgm:pt>
-    <dgm:pt modelId="{7908B19B-1749-46B8-8E35-1C840805274C}" type="parTrans" cxnId="{BBE9B553-42E1-469A-BC67-950E81F22D2D}">
-      <dgm:prSet/>
-      <dgm:spPr/>
-      <dgm:t>
-        <a:bodyPr/>
-        <a:lstStyle/>
-        <a:p>
-          <a:endParaRPr lang="en-CA"/>
-        </a:p>
-      </dgm:t>
-    </dgm:pt>
-    <dgm:pt modelId="{CC384C5D-FA90-4F8D-BD06-1C390D6210D6}" type="sibTrans" cxnId="{BBE9B553-42E1-469A-BC67-950E81F22D2D}">
-      <dgm:prSet/>
-      <dgm:spPr/>
-      <dgm:t>
-        <a:bodyPr/>
-        <a:lstStyle/>
-        <a:p>
-          <a:endParaRPr lang="en-CA"/>
-        </a:p>
-      </dgm:t>
-    </dgm:pt>
-    <dgm:pt modelId="{68134F10-D152-43B0-9175-401C2AEC7784}">
-      <dgm:prSet phldrT="[Text]" custT="1"/>
-      <dgm:spPr>
-        <a:solidFill>
-          <a:srgbClr val="92D050"/>
-        </a:solidFill>
-      </dgm:spPr>
-      <dgm:t>
-        <a:bodyPr/>
-        <a:lstStyle/>
-        <a:p>
-          <a:r>
-            <a:rPr lang="en-CA" sz="1200" dirty="0"/>
-            <a:t>Transform</a:t>
-          </a:r>
-        </a:p>
-      </dgm:t>
-    </dgm:pt>
-    <dgm:pt modelId="{435ACCB6-7F46-4178-A53A-BC1DF95584E7}" type="parTrans" cxnId="{88A77F1F-69A9-482B-9F5E-D8A834C8DF38}">
-      <dgm:prSet/>
-      <dgm:spPr/>
-      <dgm:t>
-        <a:bodyPr/>
-        <a:lstStyle/>
-        <a:p>
-          <a:endParaRPr lang="en-CA"/>
-        </a:p>
-      </dgm:t>
-    </dgm:pt>
-    <dgm:pt modelId="{B56FDC10-7E09-4FFF-9DC6-5C8E40355A11}" type="sibTrans" cxnId="{88A77F1F-69A9-482B-9F5E-D8A834C8DF38}">
-      <dgm:prSet/>
-      <dgm:spPr/>
-      <dgm:t>
-        <a:bodyPr/>
-        <a:lstStyle/>
-        <a:p>
-          <a:endParaRPr lang="en-CA"/>
-        </a:p>
-      </dgm:t>
-    </dgm:pt>
-    <dgm:pt modelId="{C143BF0D-9327-444E-9FB3-4F09E31FCB6E}">
-      <dgm:prSet phldrT="[Text]" custT="1"/>
-      <dgm:spPr>
-        <a:solidFill>
-          <a:schemeClr val="bg1">
-            <a:lumMod val="85000"/>
-          </a:schemeClr>
-        </a:solidFill>
-      </dgm:spPr>
-      <dgm:t>
-        <a:bodyPr/>
-        <a:lstStyle/>
-        <a:p>
-          <a:r>
-            <a:rPr lang="en-CA" sz="1400" dirty="0"/>
-            <a:t>Load</a:t>
-          </a:r>
-        </a:p>
-      </dgm:t>
-    </dgm:pt>
-    <dgm:pt modelId="{5CEE61DE-FA1C-4AA5-8A1C-81F1AF207B38}" type="parTrans" cxnId="{BEA45D1F-B984-44FD-990E-3F6D09B6C856}">
-      <dgm:prSet/>
-      <dgm:spPr/>
-      <dgm:t>
-        <a:bodyPr/>
-        <a:lstStyle/>
-        <a:p>
-          <a:endParaRPr lang="en-CA"/>
-        </a:p>
-      </dgm:t>
-    </dgm:pt>
-    <dgm:pt modelId="{7689F896-F87C-43F1-A677-2E9E3FEE93D9}" type="sibTrans" cxnId="{BEA45D1F-B984-44FD-990E-3F6D09B6C856}">
-      <dgm:prSet/>
-      <dgm:spPr/>
-      <dgm:t>
-        <a:bodyPr/>
-        <a:lstStyle/>
-        <a:p>
-          <a:endParaRPr lang="en-CA"/>
-        </a:p>
-      </dgm:t>
-    </dgm:pt>
-    <dgm:pt modelId="{16239C06-CD09-4513-81C5-91B29CEDB56A}">
-      <dgm:prSet phldrT="[Text]" custT="1"/>
-      <dgm:spPr>
-        <a:solidFill>
-          <a:schemeClr val="bg1">
-            <a:lumMod val="85000"/>
-          </a:schemeClr>
-        </a:solidFill>
-      </dgm:spPr>
-      <dgm:t>
-        <a:bodyPr/>
-        <a:lstStyle/>
-        <a:p>
-          <a:pPr marL="0" lvl="0" indent="0" algn="ctr" defTabSz="533400">
-            <a:lnSpc>
-              <a:spcPct val="90000"/>
-            </a:lnSpc>
-            <a:spcBef>
-              <a:spcPct val="0"/>
-            </a:spcBef>
-            <a:spcAft>
-              <a:spcPct val="35000"/>
-            </a:spcAft>
-            <a:buNone/>
-          </a:pPr>
-          <a:r>
-            <a:rPr lang="en-CA" sz="1200" kern="1200" dirty="0">
-              <a:solidFill>
-                <a:prstClr val="white"/>
-              </a:solidFill>
-              <a:latin typeface="Calibri" panose="020F0502020204030204"/>
-              <a:ea typeface="+mn-ea"/>
-              <a:cs typeface="+mn-cs"/>
-            </a:rPr>
-            <a:t>App</a:t>
-          </a:r>
-        </a:p>
-      </dgm:t>
-    </dgm:pt>
-    <dgm:pt modelId="{36016FD8-17EE-4468-8187-2EC5490B5833}" type="sibTrans" cxnId="{246FCE88-F98E-472E-9507-459D42D8D9B0}">
-      <dgm:prSet/>
-      <dgm:spPr/>
-      <dgm:t>
-        <a:bodyPr/>
-        <a:lstStyle/>
-        <a:p>
-          <a:endParaRPr lang="en-CA"/>
-        </a:p>
-      </dgm:t>
-    </dgm:pt>
-    <dgm:pt modelId="{76E887D1-D7D3-48E7-B99A-DBD594CF365F}" type="parTrans" cxnId="{246FCE88-F98E-472E-9507-459D42D8D9B0}">
-      <dgm:prSet/>
-      <dgm:spPr/>
-      <dgm:t>
-        <a:bodyPr/>
-        <a:lstStyle/>
-        <a:p>
-          <a:endParaRPr lang="en-CA"/>
-        </a:p>
-      </dgm:t>
-    </dgm:pt>
-    <dgm:pt modelId="{B42FD993-FC96-4242-8390-C41682FE12E8}" type="pres">
-      <dgm:prSet presAssocID="{990BB43A-8D3E-4A3D-A693-4ECEACA78C17}" presName="Name0" presStyleCnt="0">
-        <dgm:presLayoutVars>
-          <dgm:dir/>
-          <dgm:animLvl val="lvl"/>
-          <dgm:resizeHandles val="exact"/>
-        </dgm:presLayoutVars>
-      </dgm:prSet>
-      <dgm:spPr/>
-    </dgm:pt>
-    <dgm:pt modelId="{393BFE81-60E9-455E-AC60-CEDD69C80CFA}" type="pres">
-      <dgm:prSet presAssocID="{C1512BF5-BDF1-41EF-9C7E-357802A5A397}" presName="parTxOnly" presStyleLbl="node1" presStyleIdx="0" presStyleCnt="4" custLinFactNeighborX="6452">
-        <dgm:presLayoutVars>
-          <dgm:chMax val="0"/>
-          <dgm:chPref val="0"/>
-          <dgm:bulletEnabled val="1"/>
-        </dgm:presLayoutVars>
-      </dgm:prSet>
-      <dgm:spPr/>
-    </dgm:pt>
-    <dgm:pt modelId="{61D2ADEC-AA60-444C-BDD9-DBD57EE7C090}" type="pres">
-      <dgm:prSet presAssocID="{CC384C5D-FA90-4F8D-BD06-1C390D6210D6}" presName="parTxOnlySpace" presStyleCnt="0"/>
-      <dgm:spPr/>
-    </dgm:pt>
-    <dgm:pt modelId="{AE503DE8-3F26-4885-BFD1-3C6EF2408CA7}" type="pres">
-      <dgm:prSet presAssocID="{68134F10-D152-43B0-9175-401C2AEC7784}" presName="parTxOnly" presStyleLbl="node1" presStyleIdx="1" presStyleCnt="4" custLinFactNeighborX="-8215" custLinFactNeighborY="-411">
-        <dgm:presLayoutVars>
-          <dgm:chMax val="0"/>
-          <dgm:chPref val="0"/>
-          <dgm:bulletEnabled val="1"/>
-        </dgm:presLayoutVars>
-      </dgm:prSet>
-      <dgm:spPr/>
-    </dgm:pt>
-    <dgm:pt modelId="{B34B1EF2-9D0B-4AB2-B24F-D05AD2B7118A}" type="pres">
-      <dgm:prSet presAssocID="{B56FDC10-7E09-4FFF-9DC6-5C8E40355A11}" presName="parTxOnlySpace" presStyleCnt="0"/>
-      <dgm:spPr/>
-    </dgm:pt>
-    <dgm:pt modelId="{AFC6DB2F-9FA9-4B63-9864-076A692B3B60}" type="pres">
-      <dgm:prSet presAssocID="{C143BF0D-9327-444E-9FB3-4F09E31FCB6E}" presName="parTxOnly" presStyleLbl="node1" presStyleIdx="2" presStyleCnt="4">
-        <dgm:presLayoutVars>
-          <dgm:chMax val="0"/>
-          <dgm:chPref val="0"/>
-          <dgm:bulletEnabled val="1"/>
-        </dgm:presLayoutVars>
-      </dgm:prSet>
-      <dgm:spPr/>
-    </dgm:pt>
-    <dgm:pt modelId="{7FD1C203-D4CB-4CBA-BEB1-854FA79ABCCD}" type="pres">
-      <dgm:prSet presAssocID="{7689F896-F87C-43F1-A677-2E9E3FEE93D9}" presName="parTxOnlySpace" presStyleCnt="0"/>
-      <dgm:spPr/>
-    </dgm:pt>
-    <dgm:pt modelId="{B1AFD835-0E1B-44DE-9CD4-FD4170E22202}" type="pres">
-      <dgm:prSet presAssocID="{16239C06-CD09-4513-81C5-91B29CEDB56A}" presName="parTxOnly" presStyleLbl="node1" presStyleIdx="3" presStyleCnt="4">
-        <dgm:presLayoutVars>
-          <dgm:chMax val="0"/>
-          <dgm:chPref val="0"/>
-          <dgm:bulletEnabled val="1"/>
-        </dgm:presLayoutVars>
-      </dgm:prSet>
-      <dgm:spPr/>
-    </dgm:pt>
-  </dgm:ptLst>
-  <dgm:cxnLst>
-    <dgm:cxn modelId="{C1801E07-538F-4505-BA72-598FF0649C0F}" type="presOf" srcId="{C1512BF5-BDF1-41EF-9C7E-357802A5A397}" destId="{393BFE81-60E9-455E-AC60-CEDD69C80CFA}" srcOrd="0" destOrd="0" presId="urn:microsoft.com/office/officeart/2005/8/layout/chevron1"/>
-    <dgm:cxn modelId="{CA7FCF13-FC0C-4847-BF01-060C464AFB1A}" type="presOf" srcId="{16239C06-CD09-4513-81C5-91B29CEDB56A}" destId="{B1AFD835-0E1B-44DE-9CD4-FD4170E22202}" srcOrd="0" destOrd="0" presId="urn:microsoft.com/office/officeart/2005/8/layout/chevron1"/>
-    <dgm:cxn modelId="{BEA45D1F-B984-44FD-990E-3F6D09B6C856}" srcId="{990BB43A-8D3E-4A3D-A693-4ECEACA78C17}" destId="{C143BF0D-9327-444E-9FB3-4F09E31FCB6E}" srcOrd="2" destOrd="0" parTransId="{5CEE61DE-FA1C-4AA5-8A1C-81F1AF207B38}" sibTransId="{7689F896-F87C-43F1-A677-2E9E3FEE93D9}"/>
-    <dgm:cxn modelId="{88A77F1F-69A9-482B-9F5E-D8A834C8DF38}" srcId="{990BB43A-8D3E-4A3D-A693-4ECEACA78C17}" destId="{68134F10-D152-43B0-9175-401C2AEC7784}" srcOrd="1" destOrd="0" parTransId="{435ACCB6-7F46-4178-A53A-BC1DF95584E7}" sibTransId="{B56FDC10-7E09-4FFF-9DC6-5C8E40355A11}"/>
-    <dgm:cxn modelId="{803D9E22-D32E-4A7B-97D9-E2AEB4AE9740}" type="presOf" srcId="{990BB43A-8D3E-4A3D-A693-4ECEACA78C17}" destId="{B42FD993-FC96-4242-8390-C41682FE12E8}" srcOrd="0" destOrd="0" presId="urn:microsoft.com/office/officeart/2005/8/layout/chevron1"/>
-    <dgm:cxn modelId="{1D544D39-8794-41CB-8812-6316B72BB0B1}" type="presOf" srcId="{68134F10-D152-43B0-9175-401C2AEC7784}" destId="{AE503DE8-3F26-4885-BFD1-3C6EF2408CA7}" srcOrd="0" destOrd="0" presId="urn:microsoft.com/office/officeart/2005/8/layout/chevron1"/>
-    <dgm:cxn modelId="{BBE9B553-42E1-469A-BC67-950E81F22D2D}" srcId="{990BB43A-8D3E-4A3D-A693-4ECEACA78C17}" destId="{C1512BF5-BDF1-41EF-9C7E-357802A5A397}" srcOrd="0" destOrd="0" parTransId="{7908B19B-1749-46B8-8E35-1C840805274C}" sibTransId="{CC384C5D-FA90-4F8D-BD06-1C390D6210D6}"/>
-    <dgm:cxn modelId="{246FCE88-F98E-472E-9507-459D42D8D9B0}" srcId="{990BB43A-8D3E-4A3D-A693-4ECEACA78C17}" destId="{16239C06-CD09-4513-81C5-91B29CEDB56A}" srcOrd="3" destOrd="0" parTransId="{76E887D1-D7D3-48E7-B99A-DBD594CF365F}" sibTransId="{36016FD8-17EE-4468-8187-2EC5490B5833}"/>
-    <dgm:cxn modelId="{CC54B6ED-2B45-47A4-B03E-2459285E69A6}" type="presOf" srcId="{C143BF0D-9327-444E-9FB3-4F09E31FCB6E}" destId="{AFC6DB2F-9FA9-4B63-9864-076A692B3B60}" srcOrd="0" destOrd="0" presId="urn:microsoft.com/office/officeart/2005/8/layout/chevron1"/>
-    <dgm:cxn modelId="{802F84FC-74CF-43B9-A705-B7C1FC16DFA9}" type="presParOf" srcId="{B42FD993-FC96-4242-8390-C41682FE12E8}" destId="{393BFE81-60E9-455E-AC60-CEDD69C80CFA}" srcOrd="0" destOrd="0" presId="urn:microsoft.com/office/officeart/2005/8/layout/chevron1"/>
-    <dgm:cxn modelId="{5C344FDD-CF09-4AFF-8077-ACEE30B58BC7}" type="presParOf" srcId="{B42FD993-FC96-4242-8390-C41682FE12E8}" destId="{61D2ADEC-AA60-444C-BDD9-DBD57EE7C090}" srcOrd="1" destOrd="0" presId="urn:microsoft.com/office/officeart/2005/8/layout/chevron1"/>
-    <dgm:cxn modelId="{8756A1E6-BA02-4182-9343-2814B70EFB35}" type="presParOf" srcId="{B42FD993-FC96-4242-8390-C41682FE12E8}" destId="{AE503DE8-3F26-4885-BFD1-3C6EF2408CA7}" srcOrd="2" destOrd="0" presId="urn:microsoft.com/office/officeart/2005/8/layout/chevron1"/>
-    <dgm:cxn modelId="{64047CFC-9684-4CE4-86DE-AB351A23A673}" type="presParOf" srcId="{B42FD993-FC96-4242-8390-C41682FE12E8}" destId="{B34B1EF2-9D0B-4AB2-B24F-D05AD2B7118A}" srcOrd="3" destOrd="0" presId="urn:microsoft.com/office/officeart/2005/8/layout/chevron1"/>
-    <dgm:cxn modelId="{197DD154-F06D-4FD5-8A57-73270C683E59}" type="presParOf" srcId="{B42FD993-FC96-4242-8390-C41682FE12E8}" destId="{AFC6DB2F-9FA9-4B63-9864-076A692B3B60}" srcOrd="4" destOrd="0" presId="urn:microsoft.com/office/officeart/2005/8/layout/chevron1"/>
-    <dgm:cxn modelId="{FB52328E-7404-4A8A-8DD1-2380B414674A}" type="presParOf" srcId="{B42FD993-FC96-4242-8390-C41682FE12E8}" destId="{7FD1C203-D4CB-4CBA-BEB1-854FA79ABCCD}" srcOrd="5" destOrd="0" presId="urn:microsoft.com/office/officeart/2005/8/layout/chevron1"/>
-    <dgm:cxn modelId="{6182CECB-7155-4BB6-AE5E-8A874715A276}" type="presParOf" srcId="{B42FD993-FC96-4242-8390-C41682FE12E8}" destId="{B1AFD835-0E1B-44DE-9CD4-FD4170E22202}" srcOrd="6" destOrd="0" presId="urn:microsoft.com/office/officeart/2005/8/layout/chevron1"/>
-  </dgm:cxnLst>
-  <dgm:bg/>
-  <dgm:whole/>
-  <dgm:extLst>
-    <a:ext uri="http://schemas.microsoft.com/office/drawing/2008/diagram">
-      <dsp:dataModelExt xmlns:dsp="http://schemas.microsoft.com/office/drawing/2008/diagram" relId="rId6" minVer="http://schemas.openxmlformats.org/drawingml/2006/diagram"/>
-    </a:ext>
-  </dgm:extLst>
-</dgm:dataModel>
-</file>
-
-<file path=ppt/diagrams/data3.xml><?xml version="1.0" encoding="utf-8"?>
-<dgm:dataModel xmlns:dgm="http://schemas.openxmlformats.org/drawingml/2006/diagram" xmlns:a="http://schemas.openxmlformats.org/drawingml/2006/main">
-  <dgm:ptLst>
-    <dgm:pt modelId="{990BB43A-8D3E-4A3D-A693-4ECEACA78C17}" type="doc">
-      <dgm:prSet loTypeId="urn:microsoft.com/office/officeart/2005/8/layout/chevron1" loCatId="process" qsTypeId="urn:microsoft.com/office/officeart/2005/8/quickstyle/simple1" qsCatId="simple" csTypeId="urn:microsoft.com/office/officeart/2005/8/colors/accent1_2" csCatId="accent1" phldr="1"/>
-      <dgm:spPr/>
-    </dgm:pt>
-    <dgm:pt modelId="{C1512BF5-BDF1-41EF-9C7E-357802A5A397}">
-      <dgm:prSet phldrT="[Text]" custT="1"/>
-      <dgm:spPr>
-        <a:solidFill>
-          <a:schemeClr val="bg2"/>
-        </a:solidFill>
-      </dgm:spPr>
-      <dgm:t>
-        <a:bodyPr/>
-        <a:lstStyle/>
-        <a:p>
-          <a:r>
-            <a:rPr lang="en-CA" sz="1400" dirty="0"/>
-            <a:t>Extract</a:t>
-          </a:r>
-        </a:p>
-      </dgm:t>
-    </dgm:pt>
-    <dgm:pt modelId="{7908B19B-1749-46B8-8E35-1C840805274C}" type="parTrans" cxnId="{BBE9B553-42E1-469A-BC67-950E81F22D2D}">
-      <dgm:prSet/>
-      <dgm:spPr/>
-      <dgm:t>
-        <a:bodyPr/>
-        <a:lstStyle/>
-        <a:p>
-          <a:endParaRPr lang="en-CA"/>
-        </a:p>
-      </dgm:t>
-    </dgm:pt>
-    <dgm:pt modelId="{CC384C5D-FA90-4F8D-BD06-1C390D6210D6}" type="sibTrans" cxnId="{BBE9B553-42E1-469A-BC67-950E81F22D2D}">
-      <dgm:prSet/>
-      <dgm:spPr/>
-      <dgm:t>
-        <a:bodyPr/>
-        <a:lstStyle/>
-        <a:p>
-          <a:endParaRPr lang="en-CA"/>
-        </a:p>
-      </dgm:t>
-    </dgm:pt>
-    <dgm:pt modelId="{68134F10-D152-43B0-9175-401C2AEC7784}">
-      <dgm:prSet phldrT="[Text]" custT="1"/>
-      <dgm:spPr>
-        <a:solidFill>
-          <a:schemeClr val="bg2">
-            <a:lumMod val="90000"/>
-          </a:schemeClr>
-        </a:solidFill>
-      </dgm:spPr>
-      <dgm:t>
-        <a:bodyPr/>
-        <a:lstStyle/>
-        <a:p>
-          <a:r>
-            <a:rPr lang="en-CA" sz="1200" dirty="0"/>
-            <a:t>Transform</a:t>
-          </a:r>
-        </a:p>
-      </dgm:t>
-    </dgm:pt>
-    <dgm:pt modelId="{435ACCB6-7F46-4178-A53A-BC1DF95584E7}" type="parTrans" cxnId="{88A77F1F-69A9-482B-9F5E-D8A834C8DF38}">
-      <dgm:prSet/>
-      <dgm:spPr/>
-      <dgm:t>
-        <a:bodyPr/>
-        <a:lstStyle/>
-        <a:p>
-          <a:endParaRPr lang="en-CA"/>
-        </a:p>
-      </dgm:t>
-    </dgm:pt>
-    <dgm:pt modelId="{B56FDC10-7E09-4FFF-9DC6-5C8E40355A11}" type="sibTrans" cxnId="{88A77F1F-69A9-482B-9F5E-D8A834C8DF38}">
-      <dgm:prSet/>
-      <dgm:spPr/>
-      <dgm:t>
-        <a:bodyPr/>
-        <a:lstStyle/>
-        <a:p>
-          <a:endParaRPr lang="en-CA"/>
-        </a:p>
-      </dgm:t>
-    </dgm:pt>
-    <dgm:pt modelId="{C143BF0D-9327-444E-9FB3-4F09E31FCB6E}">
-      <dgm:prSet phldrT="[Text]" custT="1"/>
-      <dgm:spPr>
-        <a:solidFill>
-          <a:srgbClr val="92D050"/>
-        </a:solidFill>
-      </dgm:spPr>
-      <dgm:t>
-        <a:bodyPr/>
-        <a:lstStyle/>
-        <a:p>
-          <a:r>
-            <a:rPr lang="en-CA" sz="1400" dirty="0"/>
-            <a:t>Load</a:t>
-          </a:r>
-        </a:p>
-      </dgm:t>
-    </dgm:pt>
-    <dgm:pt modelId="{5CEE61DE-FA1C-4AA5-8A1C-81F1AF207B38}" type="parTrans" cxnId="{BEA45D1F-B984-44FD-990E-3F6D09B6C856}">
-      <dgm:prSet/>
-      <dgm:spPr/>
-      <dgm:t>
-        <a:bodyPr/>
-        <a:lstStyle/>
-        <a:p>
-          <a:endParaRPr lang="en-CA"/>
-        </a:p>
-      </dgm:t>
-    </dgm:pt>
-    <dgm:pt modelId="{7689F896-F87C-43F1-A677-2E9E3FEE93D9}" type="sibTrans" cxnId="{BEA45D1F-B984-44FD-990E-3F6D09B6C856}">
-      <dgm:prSet/>
-      <dgm:spPr/>
-      <dgm:t>
-        <a:bodyPr/>
-        <a:lstStyle/>
-        <a:p>
-          <a:endParaRPr lang="en-CA"/>
-        </a:p>
-      </dgm:t>
-    </dgm:pt>
-    <dgm:pt modelId="{16239C06-CD09-4513-81C5-91B29CEDB56A}">
-      <dgm:prSet phldrT="[Text]" custT="1"/>
-      <dgm:spPr>
-        <a:solidFill>
-          <a:schemeClr val="bg1">
-            <a:lumMod val="85000"/>
-          </a:schemeClr>
-        </a:solidFill>
-      </dgm:spPr>
-      <dgm:t>
-        <a:bodyPr/>
-        <a:lstStyle/>
-        <a:p>
-          <a:pPr marL="0" lvl="0" indent="0" algn="ctr" defTabSz="533400">
-            <a:lnSpc>
-              <a:spcPct val="90000"/>
-            </a:lnSpc>
-            <a:spcBef>
-              <a:spcPct val="0"/>
-            </a:spcBef>
-            <a:spcAft>
-              <a:spcPct val="35000"/>
-            </a:spcAft>
-            <a:buNone/>
-          </a:pPr>
-          <a:r>
-            <a:rPr lang="en-CA" sz="1200" kern="1200" dirty="0">
-              <a:solidFill>
-                <a:prstClr val="white"/>
-              </a:solidFill>
-              <a:latin typeface="Calibri" panose="020F0502020204030204"/>
-              <a:ea typeface="+mn-ea"/>
-              <a:cs typeface="+mn-cs"/>
-            </a:rPr>
-            <a:t>App</a:t>
-          </a:r>
-        </a:p>
-      </dgm:t>
-    </dgm:pt>
-    <dgm:pt modelId="{76E887D1-D7D3-48E7-B99A-DBD594CF365F}" type="parTrans" cxnId="{246FCE88-F98E-472E-9507-459D42D8D9B0}">
-      <dgm:prSet/>
-      <dgm:spPr/>
-      <dgm:t>
-        <a:bodyPr/>
-        <a:lstStyle/>
-        <a:p>
-          <a:endParaRPr lang="en-CA"/>
-        </a:p>
-      </dgm:t>
-    </dgm:pt>
-    <dgm:pt modelId="{36016FD8-17EE-4468-8187-2EC5490B5833}" type="sibTrans" cxnId="{246FCE88-F98E-472E-9507-459D42D8D9B0}">
-      <dgm:prSet/>
-      <dgm:spPr/>
-      <dgm:t>
-        <a:bodyPr/>
-        <a:lstStyle/>
-        <a:p>
-          <a:endParaRPr lang="en-CA"/>
-        </a:p>
-      </dgm:t>
-    </dgm:pt>
-    <dgm:pt modelId="{B42FD993-FC96-4242-8390-C41682FE12E8}" type="pres">
-      <dgm:prSet presAssocID="{990BB43A-8D3E-4A3D-A693-4ECEACA78C17}" presName="Name0" presStyleCnt="0">
-        <dgm:presLayoutVars>
-          <dgm:dir/>
-          <dgm:animLvl val="lvl"/>
-          <dgm:resizeHandles val="exact"/>
-        </dgm:presLayoutVars>
-      </dgm:prSet>
-      <dgm:spPr/>
-    </dgm:pt>
-    <dgm:pt modelId="{393BFE81-60E9-455E-AC60-CEDD69C80CFA}" type="pres">
-      <dgm:prSet presAssocID="{C1512BF5-BDF1-41EF-9C7E-357802A5A397}" presName="parTxOnly" presStyleLbl="node1" presStyleIdx="0" presStyleCnt="4" custLinFactNeighborX="6452">
-        <dgm:presLayoutVars>
-          <dgm:chMax val="0"/>
-          <dgm:chPref val="0"/>
-          <dgm:bulletEnabled val="1"/>
-        </dgm:presLayoutVars>
-      </dgm:prSet>
-      <dgm:spPr/>
-    </dgm:pt>
-    <dgm:pt modelId="{61D2ADEC-AA60-444C-BDD9-DBD57EE7C090}" type="pres">
-      <dgm:prSet presAssocID="{CC384C5D-FA90-4F8D-BD06-1C390D6210D6}" presName="parTxOnlySpace" presStyleCnt="0"/>
-      <dgm:spPr/>
-    </dgm:pt>
-    <dgm:pt modelId="{AE503DE8-3F26-4885-BFD1-3C6EF2408CA7}" type="pres">
-      <dgm:prSet presAssocID="{68134F10-D152-43B0-9175-401C2AEC7784}" presName="parTxOnly" presStyleLbl="node1" presStyleIdx="1" presStyleCnt="4" custLinFactNeighborX="34949" custLinFactNeighborY="-788">
-        <dgm:presLayoutVars>
-          <dgm:chMax val="0"/>
-          <dgm:chPref val="0"/>
-          <dgm:bulletEnabled val="1"/>
-        </dgm:presLayoutVars>
-      </dgm:prSet>
-      <dgm:spPr/>
-    </dgm:pt>
-    <dgm:pt modelId="{B34B1EF2-9D0B-4AB2-B24F-D05AD2B7118A}" type="pres">
-      <dgm:prSet presAssocID="{B56FDC10-7E09-4FFF-9DC6-5C8E40355A11}" presName="parTxOnlySpace" presStyleCnt="0"/>
-      <dgm:spPr/>
-    </dgm:pt>
-    <dgm:pt modelId="{AFC6DB2F-9FA9-4B63-9864-076A692B3B60}" type="pres">
-      <dgm:prSet presAssocID="{C143BF0D-9327-444E-9FB3-4F09E31FCB6E}" presName="parTxOnly" presStyleLbl="node1" presStyleIdx="2" presStyleCnt="4">
-        <dgm:presLayoutVars>
-          <dgm:chMax val="0"/>
-          <dgm:chPref val="0"/>
-          <dgm:bulletEnabled val="1"/>
-        </dgm:presLayoutVars>
-      </dgm:prSet>
-      <dgm:spPr/>
-    </dgm:pt>
-    <dgm:pt modelId="{7FD1C203-D4CB-4CBA-BEB1-854FA79ABCCD}" type="pres">
-      <dgm:prSet presAssocID="{7689F896-F87C-43F1-A677-2E9E3FEE93D9}" presName="parTxOnlySpace" presStyleCnt="0"/>
-      <dgm:spPr/>
-    </dgm:pt>
-    <dgm:pt modelId="{B1AFD835-0E1B-44DE-9CD4-FD4170E22202}" type="pres">
-      <dgm:prSet presAssocID="{16239C06-CD09-4513-81C5-91B29CEDB56A}" presName="parTxOnly" presStyleLbl="node1" presStyleIdx="3" presStyleCnt="4" custLinFactNeighborX="1718" custLinFactNeighborY="813">
-        <dgm:presLayoutVars>
-          <dgm:chMax val="0"/>
-          <dgm:chPref val="0"/>
-          <dgm:bulletEnabled val="1"/>
-        </dgm:presLayoutVars>
-      </dgm:prSet>
-      <dgm:spPr/>
-    </dgm:pt>
-  </dgm:ptLst>
-  <dgm:cxnLst>
-    <dgm:cxn modelId="{BEA45D1F-B984-44FD-990E-3F6D09B6C856}" srcId="{990BB43A-8D3E-4A3D-A693-4ECEACA78C17}" destId="{C143BF0D-9327-444E-9FB3-4F09E31FCB6E}" srcOrd="2" destOrd="0" parTransId="{5CEE61DE-FA1C-4AA5-8A1C-81F1AF207B38}" sibTransId="{7689F896-F87C-43F1-A677-2E9E3FEE93D9}"/>
-    <dgm:cxn modelId="{88A77F1F-69A9-482B-9F5E-D8A834C8DF38}" srcId="{990BB43A-8D3E-4A3D-A693-4ECEACA78C17}" destId="{68134F10-D152-43B0-9175-401C2AEC7784}" srcOrd="1" destOrd="0" parTransId="{435ACCB6-7F46-4178-A53A-BC1DF95584E7}" sibTransId="{B56FDC10-7E09-4FFF-9DC6-5C8E40355A11}"/>
-    <dgm:cxn modelId="{5322A26A-1C9A-45EB-9C0F-F2CFA214B3F1}" type="presOf" srcId="{68134F10-D152-43B0-9175-401C2AEC7784}" destId="{AE503DE8-3F26-4885-BFD1-3C6EF2408CA7}" srcOrd="0" destOrd="0" presId="urn:microsoft.com/office/officeart/2005/8/layout/chevron1"/>
-    <dgm:cxn modelId="{BBE9B553-42E1-469A-BC67-950E81F22D2D}" srcId="{990BB43A-8D3E-4A3D-A693-4ECEACA78C17}" destId="{C1512BF5-BDF1-41EF-9C7E-357802A5A397}" srcOrd="0" destOrd="0" parTransId="{7908B19B-1749-46B8-8E35-1C840805274C}" sibTransId="{CC384C5D-FA90-4F8D-BD06-1C390D6210D6}"/>
-    <dgm:cxn modelId="{246FCE88-F98E-472E-9507-459D42D8D9B0}" srcId="{990BB43A-8D3E-4A3D-A693-4ECEACA78C17}" destId="{16239C06-CD09-4513-81C5-91B29CEDB56A}" srcOrd="3" destOrd="0" parTransId="{76E887D1-D7D3-48E7-B99A-DBD594CF365F}" sibTransId="{36016FD8-17EE-4468-8187-2EC5490B5833}"/>
-    <dgm:cxn modelId="{3511649E-D3E5-459B-893C-4A5F748B9360}" type="presOf" srcId="{990BB43A-8D3E-4A3D-A693-4ECEACA78C17}" destId="{B42FD993-FC96-4242-8390-C41682FE12E8}" srcOrd="0" destOrd="0" presId="urn:microsoft.com/office/officeart/2005/8/layout/chevron1"/>
-    <dgm:cxn modelId="{DAE08BB6-F84A-4617-A029-C5662BF74B45}" type="presOf" srcId="{C1512BF5-BDF1-41EF-9C7E-357802A5A397}" destId="{393BFE81-60E9-455E-AC60-CEDD69C80CFA}" srcOrd="0" destOrd="0" presId="urn:microsoft.com/office/officeart/2005/8/layout/chevron1"/>
-    <dgm:cxn modelId="{B79E8FB7-0585-4651-85D6-5535D4DDDBE6}" type="presOf" srcId="{16239C06-CD09-4513-81C5-91B29CEDB56A}" destId="{B1AFD835-0E1B-44DE-9CD4-FD4170E22202}" srcOrd="0" destOrd="0" presId="urn:microsoft.com/office/officeart/2005/8/layout/chevron1"/>
-    <dgm:cxn modelId="{443658BD-EB2E-43CB-8430-C920D99A4139}" type="presOf" srcId="{C143BF0D-9327-444E-9FB3-4F09E31FCB6E}" destId="{AFC6DB2F-9FA9-4B63-9864-076A692B3B60}" srcOrd="0" destOrd="0" presId="urn:microsoft.com/office/officeart/2005/8/layout/chevron1"/>
-    <dgm:cxn modelId="{10A23CBC-C702-4540-A940-90A03E27E522}" type="presParOf" srcId="{B42FD993-FC96-4242-8390-C41682FE12E8}" destId="{393BFE81-60E9-455E-AC60-CEDD69C80CFA}" srcOrd="0" destOrd="0" presId="urn:microsoft.com/office/officeart/2005/8/layout/chevron1"/>
-    <dgm:cxn modelId="{0D0AC745-EAFE-4035-94D6-2BE41F91BD1D}" type="presParOf" srcId="{B42FD993-FC96-4242-8390-C41682FE12E8}" destId="{61D2ADEC-AA60-444C-BDD9-DBD57EE7C090}" srcOrd="1" destOrd="0" presId="urn:microsoft.com/office/officeart/2005/8/layout/chevron1"/>
-    <dgm:cxn modelId="{BAE7BF54-8105-43AE-921E-919FFEDAADA6}" type="presParOf" srcId="{B42FD993-FC96-4242-8390-C41682FE12E8}" destId="{AE503DE8-3F26-4885-BFD1-3C6EF2408CA7}" srcOrd="2" destOrd="0" presId="urn:microsoft.com/office/officeart/2005/8/layout/chevron1"/>
-    <dgm:cxn modelId="{E3CE39EB-E0BA-47E8-A59E-0275D6CCB161}" type="presParOf" srcId="{B42FD993-FC96-4242-8390-C41682FE12E8}" destId="{B34B1EF2-9D0B-4AB2-B24F-D05AD2B7118A}" srcOrd="3" destOrd="0" presId="urn:microsoft.com/office/officeart/2005/8/layout/chevron1"/>
-    <dgm:cxn modelId="{1F641AC7-090B-4899-9562-EEDBA9F1FD1E}" type="presParOf" srcId="{B42FD993-FC96-4242-8390-C41682FE12E8}" destId="{AFC6DB2F-9FA9-4B63-9864-076A692B3B60}" srcOrd="4" destOrd="0" presId="urn:microsoft.com/office/officeart/2005/8/layout/chevron1"/>
-    <dgm:cxn modelId="{4CB3190F-1818-441B-B25C-C5367B65A3E8}" type="presParOf" srcId="{B42FD993-FC96-4242-8390-C41682FE12E8}" destId="{7FD1C203-D4CB-4CBA-BEB1-854FA79ABCCD}" srcOrd="5" destOrd="0" presId="urn:microsoft.com/office/officeart/2005/8/layout/chevron1"/>
-    <dgm:cxn modelId="{9F3A13C0-C333-4470-9D80-9346D6D35B0B}" type="presParOf" srcId="{B42FD993-FC96-4242-8390-C41682FE12E8}" destId="{B1AFD835-0E1B-44DE-9CD4-FD4170E22202}" srcOrd="6" destOrd="0" presId="urn:microsoft.com/office/officeart/2005/8/layout/chevron1"/>
-  </dgm:cxnLst>
-  <dgm:bg/>
-  <dgm:whole/>
-  <dgm:extLst>
-    <a:ext uri="http://schemas.microsoft.com/office/drawing/2008/diagram">
-      <dsp:dataModelExt xmlns:dsp="http://schemas.microsoft.com/office/drawing/2008/diagram" relId="rId6" minVer="http://schemas.openxmlformats.org/drawingml/2006/diagram"/>
-    </a:ext>
-  </dgm:extLst>
-</dgm:dataModel>
-</file>
-
-<file path=ppt/diagrams/data4.xml><?xml version="1.0" encoding="utf-8"?>
 <dgm:dataModel xmlns:dgm="http://schemas.openxmlformats.org/drawingml/2006/diagram" xmlns:a="http://schemas.openxmlformats.org/drawingml/2006/main">
   <dgm:ptLst>
     <dgm:pt modelId="{990BB43A-8D3E-4A3D-A693-4ECEACA78C17}" type="doc">
@@ -4250,7 +4170,1166 @@
 </dgm:dataModel>
 </file>
 
+<file path=ppt/diagrams/data2.xml><?xml version="1.0" encoding="utf-8"?>
+<dgm:dataModel xmlns:dgm="http://schemas.openxmlformats.org/drawingml/2006/diagram" xmlns:a="http://schemas.openxmlformats.org/drawingml/2006/main">
+  <dgm:ptLst>
+    <dgm:pt modelId="{990BB43A-8D3E-4A3D-A693-4ECEACA78C17}" type="doc">
+      <dgm:prSet loTypeId="urn:microsoft.com/office/officeart/2005/8/layout/chevron1" loCatId="process" qsTypeId="urn:microsoft.com/office/officeart/2005/8/quickstyle/simple1" qsCatId="simple" csTypeId="urn:microsoft.com/office/officeart/2005/8/colors/accent1_2" csCatId="accent1" phldr="1"/>
+      <dgm:spPr/>
+    </dgm:pt>
+    <dgm:pt modelId="{C1512BF5-BDF1-41EF-9C7E-357802A5A397}">
+      <dgm:prSet phldrT="[Text]" custT="1"/>
+      <dgm:spPr>
+        <a:solidFill>
+          <a:srgbClr val="92D050"/>
+        </a:solidFill>
+      </dgm:spPr>
+      <dgm:t>
+        <a:bodyPr/>
+        <a:lstStyle/>
+        <a:p>
+          <a:r>
+            <a:rPr lang="en-CA" sz="1400" dirty="0"/>
+            <a:t>Extract</a:t>
+          </a:r>
+        </a:p>
+      </dgm:t>
+    </dgm:pt>
+    <dgm:pt modelId="{7908B19B-1749-46B8-8E35-1C840805274C}" type="parTrans" cxnId="{BBE9B553-42E1-469A-BC67-950E81F22D2D}">
+      <dgm:prSet/>
+      <dgm:spPr/>
+      <dgm:t>
+        <a:bodyPr/>
+        <a:lstStyle/>
+        <a:p>
+          <a:endParaRPr lang="en-CA"/>
+        </a:p>
+      </dgm:t>
+    </dgm:pt>
+    <dgm:pt modelId="{CC384C5D-FA90-4F8D-BD06-1C390D6210D6}" type="sibTrans" cxnId="{BBE9B553-42E1-469A-BC67-950E81F22D2D}">
+      <dgm:prSet/>
+      <dgm:spPr/>
+      <dgm:t>
+        <a:bodyPr/>
+        <a:lstStyle/>
+        <a:p>
+          <a:endParaRPr lang="en-CA"/>
+        </a:p>
+      </dgm:t>
+    </dgm:pt>
+    <dgm:pt modelId="{68134F10-D152-43B0-9175-401C2AEC7784}">
+      <dgm:prSet phldrT="[Text]" custT="1"/>
+      <dgm:spPr>
+        <a:solidFill>
+          <a:schemeClr val="bg1">
+            <a:lumMod val="85000"/>
+          </a:schemeClr>
+        </a:solidFill>
+      </dgm:spPr>
+      <dgm:t>
+        <a:bodyPr/>
+        <a:lstStyle/>
+        <a:p>
+          <a:r>
+            <a:rPr lang="en-CA" sz="1200" dirty="0"/>
+            <a:t>Transform</a:t>
+          </a:r>
+        </a:p>
+      </dgm:t>
+    </dgm:pt>
+    <dgm:pt modelId="{435ACCB6-7F46-4178-A53A-BC1DF95584E7}" type="parTrans" cxnId="{88A77F1F-69A9-482B-9F5E-D8A834C8DF38}">
+      <dgm:prSet/>
+      <dgm:spPr/>
+      <dgm:t>
+        <a:bodyPr/>
+        <a:lstStyle/>
+        <a:p>
+          <a:endParaRPr lang="en-CA"/>
+        </a:p>
+      </dgm:t>
+    </dgm:pt>
+    <dgm:pt modelId="{B56FDC10-7E09-4FFF-9DC6-5C8E40355A11}" type="sibTrans" cxnId="{88A77F1F-69A9-482B-9F5E-D8A834C8DF38}">
+      <dgm:prSet/>
+      <dgm:spPr/>
+      <dgm:t>
+        <a:bodyPr/>
+        <a:lstStyle/>
+        <a:p>
+          <a:endParaRPr lang="en-CA"/>
+        </a:p>
+      </dgm:t>
+    </dgm:pt>
+    <dgm:pt modelId="{C143BF0D-9327-444E-9FB3-4F09E31FCB6E}">
+      <dgm:prSet phldrT="[Text]" custT="1"/>
+      <dgm:spPr>
+        <a:solidFill>
+          <a:schemeClr val="bg1">
+            <a:lumMod val="85000"/>
+          </a:schemeClr>
+        </a:solidFill>
+      </dgm:spPr>
+      <dgm:t>
+        <a:bodyPr/>
+        <a:lstStyle/>
+        <a:p>
+          <a:r>
+            <a:rPr lang="en-CA" sz="1400" dirty="0"/>
+            <a:t>Load</a:t>
+          </a:r>
+        </a:p>
+      </dgm:t>
+    </dgm:pt>
+    <dgm:pt modelId="{5CEE61DE-FA1C-4AA5-8A1C-81F1AF207B38}" type="parTrans" cxnId="{BEA45D1F-B984-44FD-990E-3F6D09B6C856}">
+      <dgm:prSet/>
+      <dgm:spPr/>
+      <dgm:t>
+        <a:bodyPr/>
+        <a:lstStyle/>
+        <a:p>
+          <a:endParaRPr lang="en-CA"/>
+        </a:p>
+      </dgm:t>
+    </dgm:pt>
+    <dgm:pt modelId="{7689F896-F87C-43F1-A677-2E9E3FEE93D9}" type="sibTrans" cxnId="{BEA45D1F-B984-44FD-990E-3F6D09B6C856}">
+      <dgm:prSet/>
+      <dgm:spPr/>
+      <dgm:t>
+        <a:bodyPr/>
+        <a:lstStyle/>
+        <a:p>
+          <a:endParaRPr lang="en-CA"/>
+        </a:p>
+      </dgm:t>
+    </dgm:pt>
+    <dgm:pt modelId="{3DB85932-381B-47DA-BB4E-7847D521A543}">
+      <dgm:prSet phldrT="[Text]" custT="1"/>
+      <dgm:spPr>
+        <a:solidFill>
+          <a:schemeClr val="bg1">
+            <a:lumMod val="85000"/>
+          </a:schemeClr>
+        </a:solidFill>
+      </dgm:spPr>
+      <dgm:t>
+        <a:bodyPr/>
+        <a:lstStyle/>
+        <a:p>
+          <a:pPr marL="0" lvl="0" indent="0" algn="ctr" defTabSz="533400">
+            <a:lnSpc>
+              <a:spcPct val="90000"/>
+            </a:lnSpc>
+            <a:spcBef>
+              <a:spcPct val="0"/>
+            </a:spcBef>
+            <a:spcAft>
+              <a:spcPct val="35000"/>
+            </a:spcAft>
+            <a:buNone/>
+          </a:pPr>
+          <a:r>
+            <a:rPr lang="en-CA" sz="1200" kern="1200" dirty="0">
+              <a:solidFill>
+                <a:prstClr val="white"/>
+              </a:solidFill>
+              <a:latin typeface="Calibri" panose="020F0502020204030204"/>
+              <a:ea typeface="+mn-ea"/>
+              <a:cs typeface="+mn-cs"/>
+            </a:rPr>
+            <a:t>App</a:t>
+          </a:r>
+        </a:p>
+      </dgm:t>
+    </dgm:pt>
+    <dgm:pt modelId="{3FB10B4A-EBC6-4C8E-80D7-2737651752DD}" type="parTrans" cxnId="{ABAD9863-4826-47F8-B166-95B344A05DA1}">
+      <dgm:prSet/>
+      <dgm:spPr/>
+      <dgm:t>
+        <a:bodyPr/>
+        <a:lstStyle/>
+        <a:p>
+          <a:endParaRPr lang="en-CA"/>
+        </a:p>
+      </dgm:t>
+    </dgm:pt>
+    <dgm:pt modelId="{D2BB0F86-F05F-47E1-88BC-ECEBF6398FF2}" type="sibTrans" cxnId="{ABAD9863-4826-47F8-B166-95B344A05DA1}">
+      <dgm:prSet/>
+      <dgm:spPr/>
+      <dgm:t>
+        <a:bodyPr/>
+        <a:lstStyle/>
+        <a:p>
+          <a:endParaRPr lang="en-CA"/>
+        </a:p>
+      </dgm:t>
+    </dgm:pt>
+    <dgm:pt modelId="{B42FD993-FC96-4242-8390-C41682FE12E8}" type="pres">
+      <dgm:prSet presAssocID="{990BB43A-8D3E-4A3D-A693-4ECEACA78C17}" presName="Name0" presStyleCnt="0">
+        <dgm:presLayoutVars>
+          <dgm:dir/>
+          <dgm:animLvl val="lvl"/>
+          <dgm:resizeHandles val="exact"/>
+        </dgm:presLayoutVars>
+      </dgm:prSet>
+      <dgm:spPr/>
+    </dgm:pt>
+    <dgm:pt modelId="{393BFE81-60E9-455E-AC60-CEDD69C80CFA}" type="pres">
+      <dgm:prSet presAssocID="{C1512BF5-BDF1-41EF-9C7E-357802A5A397}" presName="parTxOnly" presStyleLbl="node1" presStyleIdx="0" presStyleCnt="4" custLinFactNeighborX="6452">
+        <dgm:presLayoutVars>
+          <dgm:chMax val="0"/>
+          <dgm:chPref val="0"/>
+          <dgm:bulletEnabled val="1"/>
+        </dgm:presLayoutVars>
+      </dgm:prSet>
+      <dgm:spPr/>
+    </dgm:pt>
+    <dgm:pt modelId="{61D2ADEC-AA60-444C-BDD9-DBD57EE7C090}" type="pres">
+      <dgm:prSet presAssocID="{CC384C5D-FA90-4F8D-BD06-1C390D6210D6}" presName="parTxOnlySpace" presStyleCnt="0"/>
+      <dgm:spPr/>
+    </dgm:pt>
+    <dgm:pt modelId="{AE503DE8-3F26-4885-BFD1-3C6EF2408CA7}" type="pres">
+      <dgm:prSet presAssocID="{68134F10-D152-43B0-9175-401C2AEC7784}" presName="parTxOnly" presStyleLbl="node1" presStyleIdx="1" presStyleCnt="4">
+        <dgm:presLayoutVars>
+          <dgm:chMax val="0"/>
+          <dgm:chPref val="0"/>
+          <dgm:bulletEnabled val="1"/>
+        </dgm:presLayoutVars>
+      </dgm:prSet>
+      <dgm:spPr/>
+    </dgm:pt>
+    <dgm:pt modelId="{B34B1EF2-9D0B-4AB2-B24F-D05AD2B7118A}" type="pres">
+      <dgm:prSet presAssocID="{B56FDC10-7E09-4FFF-9DC6-5C8E40355A11}" presName="parTxOnlySpace" presStyleCnt="0"/>
+      <dgm:spPr/>
+    </dgm:pt>
+    <dgm:pt modelId="{AFC6DB2F-9FA9-4B63-9864-076A692B3B60}" type="pres">
+      <dgm:prSet presAssocID="{C143BF0D-9327-444E-9FB3-4F09E31FCB6E}" presName="parTxOnly" presStyleLbl="node1" presStyleIdx="2" presStyleCnt="4">
+        <dgm:presLayoutVars>
+          <dgm:chMax val="0"/>
+          <dgm:chPref val="0"/>
+          <dgm:bulletEnabled val="1"/>
+        </dgm:presLayoutVars>
+      </dgm:prSet>
+      <dgm:spPr/>
+    </dgm:pt>
+    <dgm:pt modelId="{7FD1C203-D4CB-4CBA-BEB1-854FA79ABCCD}" type="pres">
+      <dgm:prSet presAssocID="{7689F896-F87C-43F1-A677-2E9E3FEE93D9}" presName="parTxOnlySpace" presStyleCnt="0"/>
+      <dgm:spPr/>
+    </dgm:pt>
+    <dgm:pt modelId="{48FB269B-7D9F-4C36-8E85-6854CA5C9B61}" type="pres">
+      <dgm:prSet presAssocID="{3DB85932-381B-47DA-BB4E-7847D521A543}" presName="parTxOnly" presStyleLbl="node1" presStyleIdx="3" presStyleCnt="4">
+        <dgm:presLayoutVars>
+          <dgm:chMax val="0"/>
+          <dgm:chPref val="0"/>
+          <dgm:bulletEnabled val="1"/>
+        </dgm:presLayoutVars>
+      </dgm:prSet>
+      <dgm:spPr/>
+    </dgm:pt>
+  </dgm:ptLst>
+  <dgm:cxnLst>
+    <dgm:cxn modelId="{C1801E07-538F-4505-BA72-598FF0649C0F}" type="presOf" srcId="{C1512BF5-BDF1-41EF-9C7E-357802A5A397}" destId="{393BFE81-60E9-455E-AC60-CEDD69C80CFA}" srcOrd="0" destOrd="0" presId="urn:microsoft.com/office/officeart/2005/8/layout/chevron1"/>
+    <dgm:cxn modelId="{BEA45D1F-B984-44FD-990E-3F6D09B6C856}" srcId="{990BB43A-8D3E-4A3D-A693-4ECEACA78C17}" destId="{C143BF0D-9327-444E-9FB3-4F09E31FCB6E}" srcOrd="2" destOrd="0" parTransId="{5CEE61DE-FA1C-4AA5-8A1C-81F1AF207B38}" sibTransId="{7689F896-F87C-43F1-A677-2E9E3FEE93D9}"/>
+    <dgm:cxn modelId="{88A77F1F-69A9-482B-9F5E-D8A834C8DF38}" srcId="{990BB43A-8D3E-4A3D-A693-4ECEACA78C17}" destId="{68134F10-D152-43B0-9175-401C2AEC7784}" srcOrd="1" destOrd="0" parTransId="{435ACCB6-7F46-4178-A53A-BC1DF95584E7}" sibTransId="{B56FDC10-7E09-4FFF-9DC6-5C8E40355A11}"/>
+    <dgm:cxn modelId="{803D9E22-D32E-4A7B-97D9-E2AEB4AE9740}" type="presOf" srcId="{990BB43A-8D3E-4A3D-A693-4ECEACA78C17}" destId="{B42FD993-FC96-4242-8390-C41682FE12E8}" srcOrd="0" destOrd="0" presId="urn:microsoft.com/office/officeart/2005/8/layout/chevron1"/>
+    <dgm:cxn modelId="{1D544D39-8794-41CB-8812-6316B72BB0B1}" type="presOf" srcId="{68134F10-D152-43B0-9175-401C2AEC7784}" destId="{AE503DE8-3F26-4885-BFD1-3C6EF2408CA7}" srcOrd="0" destOrd="0" presId="urn:microsoft.com/office/officeart/2005/8/layout/chevron1"/>
+    <dgm:cxn modelId="{ABAD9863-4826-47F8-B166-95B344A05DA1}" srcId="{990BB43A-8D3E-4A3D-A693-4ECEACA78C17}" destId="{3DB85932-381B-47DA-BB4E-7847D521A543}" srcOrd="3" destOrd="0" parTransId="{3FB10B4A-EBC6-4C8E-80D7-2737651752DD}" sibTransId="{D2BB0F86-F05F-47E1-88BC-ECEBF6398FF2}"/>
+    <dgm:cxn modelId="{BBE9B553-42E1-469A-BC67-950E81F22D2D}" srcId="{990BB43A-8D3E-4A3D-A693-4ECEACA78C17}" destId="{C1512BF5-BDF1-41EF-9C7E-357802A5A397}" srcOrd="0" destOrd="0" parTransId="{7908B19B-1749-46B8-8E35-1C840805274C}" sibTransId="{CC384C5D-FA90-4F8D-BD06-1C390D6210D6}"/>
+    <dgm:cxn modelId="{E2B13ED3-8879-4B68-A6A9-911F17D0BDD9}" type="presOf" srcId="{3DB85932-381B-47DA-BB4E-7847D521A543}" destId="{48FB269B-7D9F-4C36-8E85-6854CA5C9B61}" srcOrd="0" destOrd="0" presId="urn:microsoft.com/office/officeart/2005/8/layout/chevron1"/>
+    <dgm:cxn modelId="{CC54B6ED-2B45-47A4-B03E-2459285E69A6}" type="presOf" srcId="{C143BF0D-9327-444E-9FB3-4F09E31FCB6E}" destId="{AFC6DB2F-9FA9-4B63-9864-076A692B3B60}" srcOrd="0" destOrd="0" presId="urn:microsoft.com/office/officeart/2005/8/layout/chevron1"/>
+    <dgm:cxn modelId="{802F84FC-74CF-43B9-A705-B7C1FC16DFA9}" type="presParOf" srcId="{B42FD993-FC96-4242-8390-C41682FE12E8}" destId="{393BFE81-60E9-455E-AC60-CEDD69C80CFA}" srcOrd="0" destOrd="0" presId="urn:microsoft.com/office/officeart/2005/8/layout/chevron1"/>
+    <dgm:cxn modelId="{5C344FDD-CF09-4AFF-8077-ACEE30B58BC7}" type="presParOf" srcId="{B42FD993-FC96-4242-8390-C41682FE12E8}" destId="{61D2ADEC-AA60-444C-BDD9-DBD57EE7C090}" srcOrd="1" destOrd="0" presId="urn:microsoft.com/office/officeart/2005/8/layout/chevron1"/>
+    <dgm:cxn modelId="{8756A1E6-BA02-4182-9343-2814B70EFB35}" type="presParOf" srcId="{B42FD993-FC96-4242-8390-C41682FE12E8}" destId="{AE503DE8-3F26-4885-BFD1-3C6EF2408CA7}" srcOrd="2" destOrd="0" presId="urn:microsoft.com/office/officeart/2005/8/layout/chevron1"/>
+    <dgm:cxn modelId="{64047CFC-9684-4CE4-86DE-AB351A23A673}" type="presParOf" srcId="{B42FD993-FC96-4242-8390-C41682FE12E8}" destId="{B34B1EF2-9D0B-4AB2-B24F-D05AD2B7118A}" srcOrd="3" destOrd="0" presId="urn:microsoft.com/office/officeart/2005/8/layout/chevron1"/>
+    <dgm:cxn modelId="{197DD154-F06D-4FD5-8A57-73270C683E59}" type="presParOf" srcId="{B42FD993-FC96-4242-8390-C41682FE12E8}" destId="{AFC6DB2F-9FA9-4B63-9864-076A692B3B60}" srcOrd="4" destOrd="0" presId="urn:microsoft.com/office/officeart/2005/8/layout/chevron1"/>
+    <dgm:cxn modelId="{FB52328E-7404-4A8A-8DD1-2380B414674A}" type="presParOf" srcId="{B42FD993-FC96-4242-8390-C41682FE12E8}" destId="{7FD1C203-D4CB-4CBA-BEB1-854FA79ABCCD}" srcOrd="5" destOrd="0" presId="urn:microsoft.com/office/officeart/2005/8/layout/chevron1"/>
+    <dgm:cxn modelId="{F5C606D4-9F12-42EA-87F5-2673A6507D7E}" type="presParOf" srcId="{B42FD993-FC96-4242-8390-C41682FE12E8}" destId="{48FB269B-7D9F-4C36-8E85-6854CA5C9B61}" srcOrd="6" destOrd="0" presId="urn:microsoft.com/office/officeart/2005/8/layout/chevron1"/>
+  </dgm:cxnLst>
+  <dgm:bg/>
+  <dgm:whole/>
+  <dgm:extLst>
+    <a:ext uri="http://schemas.microsoft.com/office/drawing/2008/diagram">
+      <dsp:dataModelExt xmlns:dsp="http://schemas.microsoft.com/office/drawing/2008/diagram" relId="rId10" minVer="http://schemas.openxmlformats.org/drawingml/2006/diagram"/>
+    </a:ext>
+  </dgm:extLst>
+</dgm:dataModel>
+</file>
+
+<file path=ppt/diagrams/data3.xml><?xml version="1.0" encoding="utf-8"?>
+<dgm:dataModel xmlns:dgm="http://schemas.openxmlformats.org/drawingml/2006/diagram" xmlns:a="http://schemas.openxmlformats.org/drawingml/2006/main">
+  <dgm:ptLst>
+    <dgm:pt modelId="{990BB43A-8D3E-4A3D-A693-4ECEACA78C17}" type="doc">
+      <dgm:prSet loTypeId="urn:microsoft.com/office/officeart/2005/8/layout/chevron1" loCatId="process" qsTypeId="urn:microsoft.com/office/officeart/2005/8/quickstyle/simple1" qsCatId="simple" csTypeId="urn:microsoft.com/office/officeart/2005/8/colors/accent1_2" csCatId="accent1" phldr="1"/>
+      <dgm:spPr/>
+    </dgm:pt>
+    <dgm:pt modelId="{C1512BF5-BDF1-41EF-9C7E-357802A5A397}">
+      <dgm:prSet phldrT="[Text]" custT="1"/>
+      <dgm:spPr>
+        <a:solidFill>
+          <a:schemeClr val="bg2">
+            <a:lumMod val="90000"/>
+          </a:schemeClr>
+        </a:solidFill>
+      </dgm:spPr>
+      <dgm:t>
+        <a:bodyPr/>
+        <a:lstStyle/>
+        <a:p>
+          <a:r>
+            <a:rPr lang="en-CA" sz="1400" dirty="0"/>
+            <a:t>Extract</a:t>
+          </a:r>
+        </a:p>
+      </dgm:t>
+    </dgm:pt>
+    <dgm:pt modelId="{7908B19B-1749-46B8-8E35-1C840805274C}" type="parTrans" cxnId="{BBE9B553-42E1-469A-BC67-950E81F22D2D}">
+      <dgm:prSet/>
+      <dgm:spPr/>
+      <dgm:t>
+        <a:bodyPr/>
+        <a:lstStyle/>
+        <a:p>
+          <a:endParaRPr lang="en-CA"/>
+        </a:p>
+      </dgm:t>
+    </dgm:pt>
+    <dgm:pt modelId="{CC384C5D-FA90-4F8D-BD06-1C390D6210D6}" type="sibTrans" cxnId="{BBE9B553-42E1-469A-BC67-950E81F22D2D}">
+      <dgm:prSet/>
+      <dgm:spPr/>
+      <dgm:t>
+        <a:bodyPr/>
+        <a:lstStyle/>
+        <a:p>
+          <a:endParaRPr lang="en-CA"/>
+        </a:p>
+      </dgm:t>
+    </dgm:pt>
+    <dgm:pt modelId="{68134F10-D152-43B0-9175-401C2AEC7784}">
+      <dgm:prSet phldrT="[Text]" custT="1"/>
+      <dgm:spPr>
+        <a:solidFill>
+          <a:srgbClr val="92D050"/>
+        </a:solidFill>
+      </dgm:spPr>
+      <dgm:t>
+        <a:bodyPr/>
+        <a:lstStyle/>
+        <a:p>
+          <a:r>
+            <a:rPr lang="en-CA" sz="1200" dirty="0"/>
+            <a:t>Transform</a:t>
+          </a:r>
+        </a:p>
+      </dgm:t>
+    </dgm:pt>
+    <dgm:pt modelId="{435ACCB6-7F46-4178-A53A-BC1DF95584E7}" type="parTrans" cxnId="{88A77F1F-69A9-482B-9F5E-D8A834C8DF38}">
+      <dgm:prSet/>
+      <dgm:spPr/>
+      <dgm:t>
+        <a:bodyPr/>
+        <a:lstStyle/>
+        <a:p>
+          <a:endParaRPr lang="en-CA"/>
+        </a:p>
+      </dgm:t>
+    </dgm:pt>
+    <dgm:pt modelId="{B56FDC10-7E09-4FFF-9DC6-5C8E40355A11}" type="sibTrans" cxnId="{88A77F1F-69A9-482B-9F5E-D8A834C8DF38}">
+      <dgm:prSet/>
+      <dgm:spPr/>
+      <dgm:t>
+        <a:bodyPr/>
+        <a:lstStyle/>
+        <a:p>
+          <a:endParaRPr lang="en-CA"/>
+        </a:p>
+      </dgm:t>
+    </dgm:pt>
+    <dgm:pt modelId="{C143BF0D-9327-444E-9FB3-4F09E31FCB6E}">
+      <dgm:prSet phldrT="[Text]" custT="1"/>
+      <dgm:spPr>
+        <a:solidFill>
+          <a:schemeClr val="bg1">
+            <a:lumMod val="85000"/>
+          </a:schemeClr>
+        </a:solidFill>
+      </dgm:spPr>
+      <dgm:t>
+        <a:bodyPr/>
+        <a:lstStyle/>
+        <a:p>
+          <a:r>
+            <a:rPr lang="en-CA" sz="1400" dirty="0"/>
+            <a:t>Load</a:t>
+          </a:r>
+        </a:p>
+      </dgm:t>
+    </dgm:pt>
+    <dgm:pt modelId="{5CEE61DE-FA1C-4AA5-8A1C-81F1AF207B38}" type="parTrans" cxnId="{BEA45D1F-B984-44FD-990E-3F6D09B6C856}">
+      <dgm:prSet/>
+      <dgm:spPr/>
+      <dgm:t>
+        <a:bodyPr/>
+        <a:lstStyle/>
+        <a:p>
+          <a:endParaRPr lang="en-CA"/>
+        </a:p>
+      </dgm:t>
+    </dgm:pt>
+    <dgm:pt modelId="{7689F896-F87C-43F1-A677-2E9E3FEE93D9}" type="sibTrans" cxnId="{BEA45D1F-B984-44FD-990E-3F6D09B6C856}">
+      <dgm:prSet/>
+      <dgm:spPr/>
+      <dgm:t>
+        <a:bodyPr/>
+        <a:lstStyle/>
+        <a:p>
+          <a:endParaRPr lang="en-CA"/>
+        </a:p>
+      </dgm:t>
+    </dgm:pt>
+    <dgm:pt modelId="{16239C06-CD09-4513-81C5-91B29CEDB56A}">
+      <dgm:prSet phldrT="[Text]" custT="1"/>
+      <dgm:spPr>
+        <a:solidFill>
+          <a:schemeClr val="bg1">
+            <a:lumMod val="85000"/>
+          </a:schemeClr>
+        </a:solidFill>
+      </dgm:spPr>
+      <dgm:t>
+        <a:bodyPr/>
+        <a:lstStyle/>
+        <a:p>
+          <a:pPr marL="0" lvl="0" indent="0" algn="ctr" defTabSz="533400">
+            <a:lnSpc>
+              <a:spcPct val="90000"/>
+            </a:lnSpc>
+            <a:spcBef>
+              <a:spcPct val="0"/>
+            </a:spcBef>
+            <a:spcAft>
+              <a:spcPct val="35000"/>
+            </a:spcAft>
+            <a:buNone/>
+          </a:pPr>
+          <a:r>
+            <a:rPr lang="en-CA" sz="1200" kern="1200" dirty="0">
+              <a:solidFill>
+                <a:prstClr val="white"/>
+              </a:solidFill>
+              <a:latin typeface="Calibri" panose="020F0502020204030204"/>
+              <a:ea typeface="+mn-ea"/>
+              <a:cs typeface="+mn-cs"/>
+            </a:rPr>
+            <a:t>App</a:t>
+          </a:r>
+        </a:p>
+      </dgm:t>
+    </dgm:pt>
+    <dgm:pt modelId="{36016FD8-17EE-4468-8187-2EC5490B5833}" type="sibTrans" cxnId="{246FCE88-F98E-472E-9507-459D42D8D9B0}">
+      <dgm:prSet/>
+      <dgm:spPr/>
+      <dgm:t>
+        <a:bodyPr/>
+        <a:lstStyle/>
+        <a:p>
+          <a:endParaRPr lang="en-CA"/>
+        </a:p>
+      </dgm:t>
+    </dgm:pt>
+    <dgm:pt modelId="{76E887D1-D7D3-48E7-B99A-DBD594CF365F}" type="parTrans" cxnId="{246FCE88-F98E-472E-9507-459D42D8D9B0}">
+      <dgm:prSet/>
+      <dgm:spPr/>
+      <dgm:t>
+        <a:bodyPr/>
+        <a:lstStyle/>
+        <a:p>
+          <a:endParaRPr lang="en-CA"/>
+        </a:p>
+      </dgm:t>
+    </dgm:pt>
+    <dgm:pt modelId="{B42FD993-FC96-4242-8390-C41682FE12E8}" type="pres">
+      <dgm:prSet presAssocID="{990BB43A-8D3E-4A3D-A693-4ECEACA78C17}" presName="Name0" presStyleCnt="0">
+        <dgm:presLayoutVars>
+          <dgm:dir/>
+          <dgm:animLvl val="lvl"/>
+          <dgm:resizeHandles val="exact"/>
+        </dgm:presLayoutVars>
+      </dgm:prSet>
+      <dgm:spPr/>
+    </dgm:pt>
+    <dgm:pt modelId="{393BFE81-60E9-455E-AC60-CEDD69C80CFA}" type="pres">
+      <dgm:prSet presAssocID="{C1512BF5-BDF1-41EF-9C7E-357802A5A397}" presName="parTxOnly" presStyleLbl="node1" presStyleIdx="0" presStyleCnt="4" custLinFactNeighborX="6452">
+        <dgm:presLayoutVars>
+          <dgm:chMax val="0"/>
+          <dgm:chPref val="0"/>
+          <dgm:bulletEnabled val="1"/>
+        </dgm:presLayoutVars>
+      </dgm:prSet>
+      <dgm:spPr/>
+    </dgm:pt>
+    <dgm:pt modelId="{61D2ADEC-AA60-444C-BDD9-DBD57EE7C090}" type="pres">
+      <dgm:prSet presAssocID="{CC384C5D-FA90-4F8D-BD06-1C390D6210D6}" presName="parTxOnlySpace" presStyleCnt="0"/>
+      <dgm:spPr/>
+    </dgm:pt>
+    <dgm:pt modelId="{AE503DE8-3F26-4885-BFD1-3C6EF2408CA7}" type="pres">
+      <dgm:prSet presAssocID="{68134F10-D152-43B0-9175-401C2AEC7784}" presName="parTxOnly" presStyleLbl="node1" presStyleIdx="1" presStyleCnt="4" custLinFactNeighborX="-8215" custLinFactNeighborY="-411">
+        <dgm:presLayoutVars>
+          <dgm:chMax val="0"/>
+          <dgm:chPref val="0"/>
+          <dgm:bulletEnabled val="1"/>
+        </dgm:presLayoutVars>
+      </dgm:prSet>
+      <dgm:spPr/>
+    </dgm:pt>
+    <dgm:pt modelId="{B34B1EF2-9D0B-4AB2-B24F-D05AD2B7118A}" type="pres">
+      <dgm:prSet presAssocID="{B56FDC10-7E09-4FFF-9DC6-5C8E40355A11}" presName="parTxOnlySpace" presStyleCnt="0"/>
+      <dgm:spPr/>
+    </dgm:pt>
+    <dgm:pt modelId="{AFC6DB2F-9FA9-4B63-9864-076A692B3B60}" type="pres">
+      <dgm:prSet presAssocID="{C143BF0D-9327-444E-9FB3-4F09E31FCB6E}" presName="parTxOnly" presStyleLbl="node1" presStyleIdx="2" presStyleCnt="4">
+        <dgm:presLayoutVars>
+          <dgm:chMax val="0"/>
+          <dgm:chPref val="0"/>
+          <dgm:bulletEnabled val="1"/>
+        </dgm:presLayoutVars>
+      </dgm:prSet>
+      <dgm:spPr/>
+    </dgm:pt>
+    <dgm:pt modelId="{7FD1C203-D4CB-4CBA-BEB1-854FA79ABCCD}" type="pres">
+      <dgm:prSet presAssocID="{7689F896-F87C-43F1-A677-2E9E3FEE93D9}" presName="parTxOnlySpace" presStyleCnt="0"/>
+      <dgm:spPr/>
+    </dgm:pt>
+    <dgm:pt modelId="{B1AFD835-0E1B-44DE-9CD4-FD4170E22202}" type="pres">
+      <dgm:prSet presAssocID="{16239C06-CD09-4513-81C5-91B29CEDB56A}" presName="parTxOnly" presStyleLbl="node1" presStyleIdx="3" presStyleCnt="4">
+        <dgm:presLayoutVars>
+          <dgm:chMax val="0"/>
+          <dgm:chPref val="0"/>
+          <dgm:bulletEnabled val="1"/>
+        </dgm:presLayoutVars>
+      </dgm:prSet>
+      <dgm:spPr/>
+    </dgm:pt>
+  </dgm:ptLst>
+  <dgm:cxnLst>
+    <dgm:cxn modelId="{C1801E07-538F-4505-BA72-598FF0649C0F}" type="presOf" srcId="{C1512BF5-BDF1-41EF-9C7E-357802A5A397}" destId="{393BFE81-60E9-455E-AC60-CEDD69C80CFA}" srcOrd="0" destOrd="0" presId="urn:microsoft.com/office/officeart/2005/8/layout/chevron1"/>
+    <dgm:cxn modelId="{CA7FCF13-FC0C-4847-BF01-060C464AFB1A}" type="presOf" srcId="{16239C06-CD09-4513-81C5-91B29CEDB56A}" destId="{B1AFD835-0E1B-44DE-9CD4-FD4170E22202}" srcOrd="0" destOrd="0" presId="urn:microsoft.com/office/officeart/2005/8/layout/chevron1"/>
+    <dgm:cxn modelId="{BEA45D1F-B984-44FD-990E-3F6D09B6C856}" srcId="{990BB43A-8D3E-4A3D-A693-4ECEACA78C17}" destId="{C143BF0D-9327-444E-9FB3-4F09E31FCB6E}" srcOrd="2" destOrd="0" parTransId="{5CEE61DE-FA1C-4AA5-8A1C-81F1AF207B38}" sibTransId="{7689F896-F87C-43F1-A677-2E9E3FEE93D9}"/>
+    <dgm:cxn modelId="{88A77F1F-69A9-482B-9F5E-D8A834C8DF38}" srcId="{990BB43A-8D3E-4A3D-A693-4ECEACA78C17}" destId="{68134F10-D152-43B0-9175-401C2AEC7784}" srcOrd="1" destOrd="0" parTransId="{435ACCB6-7F46-4178-A53A-BC1DF95584E7}" sibTransId="{B56FDC10-7E09-4FFF-9DC6-5C8E40355A11}"/>
+    <dgm:cxn modelId="{803D9E22-D32E-4A7B-97D9-E2AEB4AE9740}" type="presOf" srcId="{990BB43A-8D3E-4A3D-A693-4ECEACA78C17}" destId="{B42FD993-FC96-4242-8390-C41682FE12E8}" srcOrd="0" destOrd="0" presId="urn:microsoft.com/office/officeart/2005/8/layout/chevron1"/>
+    <dgm:cxn modelId="{1D544D39-8794-41CB-8812-6316B72BB0B1}" type="presOf" srcId="{68134F10-D152-43B0-9175-401C2AEC7784}" destId="{AE503DE8-3F26-4885-BFD1-3C6EF2408CA7}" srcOrd="0" destOrd="0" presId="urn:microsoft.com/office/officeart/2005/8/layout/chevron1"/>
+    <dgm:cxn modelId="{BBE9B553-42E1-469A-BC67-950E81F22D2D}" srcId="{990BB43A-8D3E-4A3D-A693-4ECEACA78C17}" destId="{C1512BF5-BDF1-41EF-9C7E-357802A5A397}" srcOrd="0" destOrd="0" parTransId="{7908B19B-1749-46B8-8E35-1C840805274C}" sibTransId="{CC384C5D-FA90-4F8D-BD06-1C390D6210D6}"/>
+    <dgm:cxn modelId="{246FCE88-F98E-472E-9507-459D42D8D9B0}" srcId="{990BB43A-8D3E-4A3D-A693-4ECEACA78C17}" destId="{16239C06-CD09-4513-81C5-91B29CEDB56A}" srcOrd="3" destOrd="0" parTransId="{76E887D1-D7D3-48E7-B99A-DBD594CF365F}" sibTransId="{36016FD8-17EE-4468-8187-2EC5490B5833}"/>
+    <dgm:cxn modelId="{CC54B6ED-2B45-47A4-B03E-2459285E69A6}" type="presOf" srcId="{C143BF0D-9327-444E-9FB3-4F09E31FCB6E}" destId="{AFC6DB2F-9FA9-4B63-9864-076A692B3B60}" srcOrd="0" destOrd="0" presId="urn:microsoft.com/office/officeart/2005/8/layout/chevron1"/>
+    <dgm:cxn modelId="{802F84FC-74CF-43B9-A705-B7C1FC16DFA9}" type="presParOf" srcId="{B42FD993-FC96-4242-8390-C41682FE12E8}" destId="{393BFE81-60E9-455E-AC60-CEDD69C80CFA}" srcOrd="0" destOrd="0" presId="urn:microsoft.com/office/officeart/2005/8/layout/chevron1"/>
+    <dgm:cxn modelId="{5C344FDD-CF09-4AFF-8077-ACEE30B58BC7}" type="presParOf" srcId="{B42FD993-FC96-4242-8390-C41682FE12E8}" destId="{61D2ADEC-AA60-444C-BDD9-DBD57EE7C090}" srcOrd="1" destOrd="0" presId="urn:microsoft.com/office/officeart/2005/8/layout/chevron1"/>
+    <dgm:cxn modelId="{8756A1E6-BA02-4182-9343-2814B70EFB35}" type="presParOf" srcId="{B42FD993-FC96-4242-8390-C41682FE12E8}" destId="{AE503DE8-3F26-4885-BFD1-3C6EF2408CA7}" srcOrd="2" destOrd="0" presId="urn:microsoft.com/office/officeart/2005/8/layout/chevron1"/>
+    <dgm:cxn modelId="{64047CFC-9684-4CE4-86DE-AB351A23A673}" type="presParOf" srcId="{B42FD993-FC96-4242-8390-C41682FE12E8}" destId="{B34B1EF2-9D0B-4AB2-B24F-D05AD2B7118A}" srcOrd="3" destOrd="0" presId="urn:microsoft.com/office/officeart/2005/8/layout/chevron1"/>
+    <dgm:cxn modelId="{197DD154-F06D-4FD5-8A57-73270C683E59}" type="presParOf" srcId="{B42FD993-FC96-4242-8390-C41682FE12E8}" destId="{AFC6DB2F-9FA9-4B63-9864-076A692B3B60}" srcOrd="4" destOrd="0" presId="urn:microsoft.com/office/officeart/2005/8/layout/chevron1"/>
+    <dgm:cxn modelId="{FB52328E-7404-4A8A-8DD1-2380B414674A}" type="presParOf" srcId="{B42FD993-FC96-4242-8390-C41682FE12E8}" destId="{7FD1C203-D4CB-4CBA-BEB1-854FA79ABCCD}" srcOrd="5" destOrd="0" presId="urn:microsoft.com/office/officeart/2005/8/layout/chevron1"/>
+    <dgm:cxn modelId="{6182CECB-7155-4BB6-AE5E-8A874715A276}" type="presParOf" srcId="{B42FD993-FC96-4242-8390-C41682FE12E8}" destId="{B1AFD835-0E1B-44DE-9CD4-FD4170E22202}" srcOrd="6" destOrd="0" presId="urn:microsoft.com/office/officeart/2005/8/layout/chevron1"/>
+  </dgm:cxnLst>
+  <dgm:bg/>
+  <dgm:whole/>
+  <dgm:extLst>
+    <a:ext uri="http://schemas.microsoft.com/office/drawing/2008/diagram">
+      <dsp:dataModelExt xmlns:dsp="http://schemas.microsoft.com/office/drawing/2008/diagram" relId="rId6" minVer="http://schemas.openxmlformats.org/drawingml/2006/diagram"/>
+    </a:ext>
+  </dgm:extLst>
+</dgm:dataModel>
+</file>
+
+<file path=ppt/diagrams/data4.xml><?xml version="1.0" encoding="utf-8"?>
+<dgm:dataModel xmlns:dgm="http://schemas.openxmlformats.org/drawingml/2006/diagram" xmlns:a="http://schemas.openxmlformats.org/drawingml/2006/main">
+  <dgm:ptLst>
+    <dgm:pt modelId="{990BB43A-8D3E-4A3D-A693-4ECEACA78C17}" type="doc">
+      <dgm:prSet loTypeId="urn:microsoft.com/office/officeart/2005/8/layout/chevron1" loCatId="process" qsTypeId="urn:microsoft.com/office/officeart/2005/8/quickstyle/simple1" qsCatId="simple" csTypeId="urn:microsoft.com/office/officeart/2005/8/colors/accent1_2" csCatId="accent1" phldr="1"/>
+      <dgm:spPr/>
+    </dgm:pt>
+    <dgm:pt modelId="{C1512BF5-BDF1-41EF-9C7E-357802A5A397}">
+      <dgm:prSet phldrT="[Text]" custT="1"/>
+      <dgm:spPr>
+        <a:solidFill>
+          <a:schemeClr val="bg2"/>
+        </a:solidFill>
+      </dgm:spPr>
+      <dgm:t>
+        <a:bodyPr/>
+        <a:lstStyle/>
+        <a:p>
+          <a:r>
+            <a:rPr lang="en-CA" sz="1400" dirty="0"/>
+            <a:t>Extract</a:t>
+          </a:r>
+        </a:p>
+      </dgm:t>
+    </dgm:pt>
+    <dgm:pt modelId="{7908B19B-1749-46B8-8E35-1C840805274C}" type="parTrans" cxnId="{BBE9B553-42E1-469A-BC67-950E81F22D2D}">
+      <dgm:prSet/>
+      <dgm:spPr/>
+      <dgm:t>
+        <a:bodyPr/>
+        <a:lstStyle/>
+        <a:p>
+          <a:endParaRPr lang="en-CA"/>
+        </a:p>
+      </dgm:t>
+    </dgm:pt>
+    <dgm:pt modelId="{CC384C5D-FA90-4F8D-BD06-1C390D6210D6}" type="sibTrans" cxnId="{BBE9B553-42E1-469A-BC67-950E81F22D2D}">
+      <dgm:prSet/>
+      <dgm:spPr/>
+      <dgm:t>
+        <a:bodyPr/>
+        <a:lstStyle/>
+        <a:p>
+          <a:endParaRPr lang="en-CA"/>
+        </a:p>
+      </dgm:t>
+    </dgm:pt>
+    <dgm:pt modelId="{68134F10-D152-43B0-9175-401C2AEC7784}">
+      <dgm:prSet phldrT="[Text]" custT="1"/>
+      <dgm:spPr>
+        <a:solidFill>
+          <a:schemeClr val="bg2">
+            <a:lumMod val="90000"/>
+          </a:schemeClr>
+        </a:solidFill>
+      </dgm:spPr>
+      <dgm:t>
+        <a:bodyPr/>
+        <a:lstStyle/>
+        <a:p>
+          <a:r>
+            <a:rPr lang="en-CA" sz="1200" dirty="0"/>
+            <a:t>Transform</a:t>
+          </a:r>
+        </a:p>
+      </dgm:t>
+    </dgm:pt>
+    <dgm:pt modelId="{435ACCB6-7F46-4178-A53A-BC1DF95584E7}" type="parTrans" cxnId="{88A77F1F-69A9-482B-9F5E-D8A834C8DF38}">
+      <dgm:prSet/>
+      <dgm:spPr/>
+      <dgm:t>
+        <a:bodyPr/>
+        <a:lstStyle/>
+        <a:p>
+          <a:endParaRPr lang="en-CA"/>
+        </a:p>
+      </dgm:t>
+    </dgm:pt>
+    <dgm:pt modelId="{B56FDC10-7E09-4FFF-9DC6-5C8E40355A11}" type="sibTrans" cxnId="{88A77F1F-69A9-482B-9F5E-D8A834C8DF38}">
+      <dgm:prSet/>
+      <dgm:spPr/>
+      <dgm:t>
+        <a:bodyPr/>
+        <a:lstStyle/>
+        <a:p>
+          <a:endParaRPr lang="en-CA"/>
+        </a:p>
+      </dgm:t>
+    </dgm:pt>
+    <dgm:pt modelId="{C143BF0D-9327-444E-9FB3-4F09E31FCB6E}">
+      <dgm:prSet phldrT="[Text]" custT="1"/>
+      <dgm:spPr>
+        <a:solidFill>
+          <a:srgbClr val="92D050"/>
+        </a:solidFill>
+      </dgm:spPr>
+      <dgm:t>
+        <a:bodyPr/>
+        <a:lstStyle/>
+        <a:p>
+          <a:r>
+            <a:rPr lang="en-CA" sz="1400" dirty="0"/>
+            <a:t>Load</a:t>
+          </a:r>
+        </a:p>
+      </dgm:t>
+    </dgm:pt>
+    <dgm:pt modelId="{5CEE61DE-FA1C-4AA5-8A1C-81F1AF207B38}" type="parTrans" cxnId="{BEA45D1F-B984-44FD-990E-3F6D09B6C856}">
+      <dgm:prSet/>
+      <dgm:spPr/>
+      <dgm:t>
+        <a:bodyPr/>
+        <a:lstStyle/>
+        <a:p>
+          <a:endParaRPr lang="en-CA"/>
+        </a:p>
+      </dgm:t>
+    </dgm:pt>
+    <dgm:pt modelId="{7689F896-F87C-43F1-A677-2E9E3FEE93D9}" type="sibTrans" cxnId="{BEA45D1F-B984-44FD-990E-3F6D09B6C856}">
+      <dgm:prSet/>
+      <dgm:spPr/>
+      <dgm:t>
+        <a:bodyPr/>
+        <a:lstStyle/>
+        <a:p>
+          <a:endParaRPr lang="en-CA"/>
+        </a:p>
+      </dgm:t>
+    </dgm:pt>
+    <dgm:pt modelId="{16239C06-CD09-4513-81C5-91B29CEDB56A}">
+      <dgm:prSet phldrT="[Text]" custT="1"/>
+      <dgm:spPr>
+        <a:solidFill>
+          <a:schemeClr val="bg1">
+            <a:lumMod val="85000"/>
+          </a:schemeClr>
+        </a:solidFill>
+      </dgm:spPr>
+      <dgm:t>
+        <a:bodyPr/>
+        <a:lstStyle/>
+        <a:p>
+          <a:pPr marL="0" lvl="0" indent="0" algn="ctr" defTabSz="533400">
+            <a:lnSpc>
+              <a:spcPct val="90000"/>
+            </a:lnSpc>
+            <a:spcBef>
+              <a:spcPct val="0"/>
+            </a:spcBef>
+            <a:spcAft>
+              <a:spcPct val="35000"/>
+            </a:spcAft>
+            <a:buNone/>
+          </a:pPr>
+          <a:r>
+            <a:rPr lang="en-CA" sz="1200" kern="1200" dirty="0">
+              <a:solidFill>
+                <a:prstClr val="white"/>
+              </a:solidFill>
+              <a:latin typeface="Calibri" panose="020F0502020204030204"/>
+              <a:ea typeface="+mn-ea"/>
+              <a:cs typeface="+mn-cs"/>
+            </a:rPr>
+            <a:t>App</a:t>
+          </a:r>
+        </a:p>
+      </dgm:t>
+    </dgm:pt>
+    <dgm:pt modelId="{76E887D1-D7D3-48E7-B99A-DBD594CF365F}" type="parTrans" cxnId="{246FCE88-F98E-472E-9507-459D42D8D9B0}">
+      <dgm:prSet/>
+      <dgm:spPr/>
+      <dgm:t>
+        <a:bodyPr/>
+        <a:lstStyle/>
+        <a:p>
+          <a:endParaRPr lang="en-CA"/>
+        </a:p>
+      </dgm:t>
+    </dgm:pt>
+    <dgm:pt modelId="{36016FD8-17EE-4468-8187-2EC5490B5833}" type="sibTrans" cxnId="{246FCE88-F98E-472E-9507-459D42D8D9B0}">
+      <dgm:prSet/>
+      <dgm:spPr/>
+      <dgm:t>
+        <a:bodyPr/>
+        <a:lstStyle/>
+        <a:p>
+          <a:endParaRPr lang="en-CA"/>
+        </a:p>
+      </dgm:t>
+    </dgm:pt>
+    <dgm:pt modelId="{B42FD993-FC96-4242-8390-C41682FE12E8}" type="pres">
+      <dgm:prSet presAssocID="{990BB43A-8D3E-4A3D-A693-4ECEACA78C17}" presName="Name0" presStyleCnt="0">
+        <dgm:presLayoutVars>
+          <dgm:dir/>
+          <dgm:animLvl val="lvl"/>
+          <dgm:resizeHandles val="exact"/>
+        </dgm:presLayoutVars>
+      </dgm:prSet>
+      <dgm:spPr/>
+    </dgm:pt>
+    <dgm:pt modelId="{393BFE81-60E9-455E-AC60-CEDD69C80CFA}" type="pres">
+      <dgm:prSet presAssocID="{C1512BF5-BDF1-41EF-9C7E-357802A5A397}" presName="parTxOnly" presStyleLbl="node1" presStyleIdx="0" presStyleCnt="4" custLinFactNeighborX="6452">
+        <dgm:presLayoutVars>
+          <dgm:chMax val="0"/>
+          <dgm:chPref val="0"/>
+          <dgm:bulletEnabled val="1"/>
+        </dgm:presLayoutVars>
+      </dgm:prSet>
+      <dgm:spPr/>
+    </dgm:pt>
+    <dgm:pt modelId="{61D2ADEC-AA60-444C-BDD9-DBD57EE7C090}" type="pres">
+      <dgm:prSet presAssocID="{CC384C5D-FA90-4F8D-BD06-1C390D6210D6}" presName="parTxOnlySpace" presStyleCnt="0"/>
+      <dgm:spPr/>
+    </dgm:pt>
+    <dgm:pt modelId="{AE503DE8-3F26-4885-BFD1-3C6EF2408CA7}" type="pres">
+      <dgm:prSet presAssocID="{68134F10-D152-43B0-9175-401C2AEC7784}" presName="parTxOnly" presStyleLbl="node1" presStyleIdx="1" presStyleCnt="4" custLinFactNeighborX="34949" custLinFactNeighborY="-788">
+        <dgm:presLayoutVars>
+          <dgm:chMax val="0"/>
+          <dgm:chPref val="0"/>
+          <dgm:bulletEnabled val="1"/>
+        </dgm:presLayoutVars>
+      </dgm:prSet>
+      <dgm:spPr/>
+    </dgm:pt>
+    <dgm:pt modelId="{B34B1EF2-9D0B-4AB2-B24F-D05AD2B7118A}" type="pres">
+      <dgm:prSet presAssocID="{B56FDC10-7E09-4FFF-9DC6-5C8E40355A11}" presName="parTxOnlySpace" presStyleCnt="0"/>
+      <dgm:spPr/>
+    </dgm:pt>
+    <dgm:pt modelId="{AFC6DB2F-9FA9-4B63-9864-076A692B3B60}" type="pres">
+      <dgm:prSet presAssocID="{C143BF0D-9327-444E-9FB3-4F09E31FCB6E}" presName="parTxOnly" presStyleLbl="node1" presStyleIdx="2" presStyleCnt="4">
+        <dgm:presLayoutVars>
+          <dgm:chMax val="0"/>
+          <dgm:chPref val="0"/>
+          <dgm:bulletEnabled val="1"/>
+        </dgm:presLayoutVars>
+      </dgm:prSet>
+      <dgm:spPr/>
+    </dgm:pt>
+    <dgm:pt modelId="{7FD1C203-D4CB-4CBA-BEB1-854FA79ABCCD}" type="pres">
+      <dgm:prSet presAssocID="{7689F896-F87C-43F1-A677-2E9E3FEE93D9}" presName="parTxOnlySpace" presStyleCnt="0"/>
+      <dgm:spPr/>
+    </dgm:pt>
+    <dgm:pt modelId="{B1AFD835-0E1B-44DE-9CD4-FD4170E22202}" type="pres">
+      <dgm:prSet presAssocID="{16239C06-CD09-4513-81C5-91B29CEDB56A}" presName="parTxOnly" presStyleLbl="node1" presStyleIdx="3" presStyleCnt="4" custLinFactNeighborX="1718" custLinFactNeighborY="813">
+        <dgm:presLayoutVars>
+          <dgm:chMax val="0"/>
+          <dgm:chPref val="0"/>
+          <dgm:bulletEnabled val="1"/>
+        </dgm:presLayoutVars>
+      </dgm:prSet>
+      <dgm:spPr/>
+    </dgm:pt>
+  </dgm:ptLst>
+  <dgm:cxnLst>
+    <dgm:cxn modelId="{BEA45D1F-B984-44FD-990E-3F6D09B6C856}" srcId="{990BB43A-8D3E-4A3D-A693-4ECEACA78C17}" destId="{C143BF0D-9327-444E-9FB3-4F09E31FCB6E}" srcOrd="2" destOrd="0" parTransId="{5CEE61DE-FA1C-4AA5-8A1C-81F1AF207B38}" sibTransId="{7689F896-F87C-43F1-A677-2E9E3FEE93D9}"/>
+    <dgm:cxn modelId="{88A77F1F-69A9-482B-9F5E-D8A834C8DF38}" srcId="{990BB43A-8D3E-4A3D-A693-4ECEACA78C17}" destId="{68134F10-D152-43B0-9175-401C2AEC7784}" srcOrd="1" destOrd="0" parTransId="{435ACCB6-7F46-4178-A53A-BC1DF95584E7}" sibTransId="{B56FDC10-7E09-4FFF-9DC6-5C8E40355A11}"/>
+    <dgm:cxn modelId="{5322A26A-1C9A-45EB-9C0F-F2CFA214B3F1}" type="presOf" srcId="{68134F10-D152-43B0-9175-401C2AEC7784}" destId="{AE503DE8-3F26-4885-BFD1-3C6EF2408CA7}" srcOrd="0" destOrd="0" presId="urn:microsoft.com/office/officeart/2005/8/layout/chevron1"/>
+    <dgm:cxn modelId="{BBE9B553-42E1-469A-BC67-950E81F22D2D}" srcId="{990BB43A-8D3E-4A3D-A693-4ECEACA78C17}" destId="{C1512BF5-BDF1-41EF-9C7E-357802A5A397}" srcOrd="0" destOrd="0" parTransId="{7908B19B-1749-46B8-8E35-1C840805274C}" sibTransId="{CC384C5D-FA90-4F8D-BD06-1C390D6210D6}"/>
+    <dgm:cxn modelId="{246FCE88-F98E-472E-9507-459D42D8D9B0}" srcId="{990BB43A-8D3E-4A3D-A693-4ECEACA78C17}" destId="{16239C06-CD09-4513-81C5-91B29CEDB56A}" srcOrd="3" destOrd="0" parTransId="{76E887D1-D7D3-48E7-B99A-DBD594CF365F}" sibTransId="{36016FD8-17EE-4468-8187-2EC5490B5833}"/>
+    <dgm:cxn modelId="{3511649E-D3E5-459B-893C-4A5F748B9360}" type="presOf" srcId="{990BB43A-8D3E-4A3D-A693-4ECEACA78C17}" destId="{B42FD993-FC96-4242-8390-C41682FE12E8}" srcOrd="0" destOrd="0" presId="urn:microsoft.com/office/officeart/2005/8/layout/chevron1"/>
+    <dgm:cxn modelId="{DAE08BB6-F84A-4617-A029-C5662BF74B45}" type="presOf" srcId="{C1512BF5-BDF1-41EF-9C7E-357802A5A397}" destId="{393BFE81-60E9-455E-AC60-CEDD69C80CFA}" srcOrd="0" destOrd="0" presId="urn:microsoft.com/office/officeart/2005/8/layout/chevron1"/>
+    <dgm:cxn modelId="{B79E8FB7-0585-4651-85D6-5535D4DDDBE6}" type="presOf" srcId="{16239C06-CD09-4513-81C5-91B29CEDB56A}" destId="{B1AFD835-0E1B-44DE-9CD4-FD4170E22202}" srcOrd="0" destOrd="0" presId="urn:microsoft.com/office/officeart/2005/8/layout/chevron1"/>
+    <dgm:cxn modelId="{443658BD-EB2E-43CB-8430-C920D99A4139}" type="presOf" srcId="{C143BF0D-9327-444E-9FB3-4F09E31FCB6E}" destId="{AFC6DB2F-9FA9-4B63-9864-076A692B3B60}" srcOrd="0" destOrd="0" presId="urn:microsoft.com/office/officeart/2005/8/layout/chevron1"/>
+    <dgm:cxn modelId="{10A23CBC-C702-4540-A940-90A03E27E522}" type="presParOf" srcId="{B42FD993-FC96-4242-8390-C41682FE12E8}" destId="{393BFE81-60E9-455E-AC60-CEDD69C80CFA}" srcOrd="0" destOrd="0" presId="urn:microsoft.com/office/officeart/2005/8/layout/chevron1"/>
+    <dgm:cxn modelId="{0D0AC745-EAFE-4035-94D6-2BE41F91BD1D}" type="presParOf" srcId="{B42FD993-FC96-4242-8390-C41682FE12E8}" destId="{61D2ADEC-AA60-444C-BDD9-DBD57EE7C090}" srcOrd="1" destOrd="0" presId="urn:microsoft.com/office/officeart/2005/8/layout/chevron1"/>
+    <dgm:cxn modelId="{BAE7BF54-8105-43AE-921E-919FFEDAADA6}" type="presParOf" srcId="{B42FD993-FC96-4242-8390-C41682FE12E8}" destId="{AE503DE8-3F26-4885-BFD1-3C6EF2408CA7}" srcOrd="2" destOrd="0" presId="urn:microsoft.com/office/officeart/2005/8/layout/chevron1"/>
+    <dgm:cxn modelId="{E3CE39EB-E0BA-47E8-A59E-0275D6CCB161}" type="presParOf" srcId="{B42FD993-FC96-4242-8390-C41682FE12E8}" destId="{B34B1EF2-9D0B-4AB2-B24F-D05AD2B7118A}" srcOrd="3" destOrd="0" presId="urn:microsoft.com/office/officeart/2005/8/layout/chevron1"/>
+    <dgm:cxn modelId="{1F641AC7-090B-4899-9562-EEDBA9F1FD1E}" type="presParOf" srcId="{B42FD993-FC96-4242-8390-C41682FE12E8}" destId="{AFC6DB2F-9FA9-4B63-9864-076A692B3B60}" srcOrd="4" destOrd="0" presId="urn:microsoft.com/office/officeart/2005/8/layout/chevron1"/>
+    <dgm:cxn modelId="{4CB3190F-1818-441B-B25C-C5367B65A3E8}" type="presParOf" srcId="{B42FD993-FC96-4242-8390-C41682FE12E8}" destId="{7FD1C203-D4CB-4CBA-BEB1-854FA79ABCCD}" srcOrd="5" destOrd="0" presId="urn:microsoft.com/office/officeart/2005/8/layout/chevron1"/>
+    <dgm:cxn modelId="{9F3A13C0-C333-4470-9D80-9346D6D35B0B}" type="presParOf" srcId="{B42FD993-FC96-4242-8390-C41682FE12E8}" destId="{B1AFD835-0E1B-44DE-9CD4-FD4170E22202}" srcOrd="6" destOrd="0" presId="urn:microsoft.com/office/officeart/2005/8/layout/chevron1"/>
+  </dgm:cxnLst>
+  <dgm:bg/>
+  <dgm:whole/>
+  <dgm:extLst>
+    <a:ext uri="http://schemas.microsoft.com/office/drawing/2008/diagram">
+      <dsp:dataModelExt xmlns:dsp="http://schemas.microsoft.com/office/drawing/2008/diagram" relId="rId6" minVer="http://schemas.openxmlformats.org/drawingml/2006/diagram"/>
+    </a:ext>
+  </dgm:extLst>
+</dgm:dataModel>
+</file>
+
 <file path=ppt/diagrams/drawing1.xml><?xml version="1.0" encoding="utf-8"?>
+<dsp:drawing xmlns:dgm="http://schemas.openxmlformats.org/drawingml/2006/diagram" xmlns:dsp="http://schemas.microsoft.com/office/drawing/2008/diagram" xmlns:a="http://schemas.openxmlformats.org/drawingml/2006/main">
+  <dsp:spTree>
+    <dsp:nvGrpSpPr>
+      <dsp:cNvPr id="0" name=""/>
+      <dsp:cNvGrpSpPr/>
+    </dsp:nvGrpSpPr>
+    <dsp:grpSpPr/>
+    <dsp:sp modelId="{393BFE81-60E9-455E-AC60-CEDD69C80CFA}">
+      <dsp:nvSpPr>
+        <dsp:cNvPr id="0" name=""/>
+        <dsp:cNvSpPr/>
+      </dsp:nvSpPr>
+      <dsp:spPr>
+        <a:xfrm>
+          <a:off x="16239" y="202761"/>
+          <a:ext cx="1987670" cy="795068"/>
+        </a:xfrm>
+        <a:prstGeom prst="chevron">
+          <a:avLst/>
+        </a:prstGeom>
+        <a:solidFill>
+          <a:schemeClr val="bg2"/>
+        </a:solidFill>
+        <a:ln w="12700" cap="flat" cmpd="sng" algn="ctr">
+          <a:solidFill>
+            <a:schemeClr val="lt1">
+              <a:hueOff val="0"/>
+              <a:satOff val="0"/>
+              <a:lumOff val="0"/>
+              <a:alphaOff val="0"/>
+            </a:schemeClr>
+          </a:solidFill>
+          <a:prstDash val="solid"/>
+          <a:miter lim="800000"/>
+        </a:ln>
+        <a:effectLst/>
+      </dsp:spPr>
+      <dsp:style>
+        <a:lnRef idx="2">
+          <a:scrgbClr r="0" g="0" b="0"/>
+        </a:lnRef>
+        <a:fillRef idx="1">
+          <a:scrgbClr r="0" g="0" b="0"/>
+        </a:fillRef>
+        <a:effectRef idx="0">
+          <a:scrgbClr r="0" g="0" b="0"/>
+        </a:effectRef>
+        <a:fontRef idx="minor">
+          <a:schemeClr val="lt1"/>
+        </a:fontRef>
+      </dsp:style>
+      <dsp:txBody>
+        <a:bodyPr spcFirstLastPara="0" vert="horz" wrap="square" lIns="56007" tIns="18669" rIns="18669" bIns="18669" numCol="1" spcCol="1270" anchor="ctr" anchorCtr="0">
+          <a:noAutofit/>
+        </a:bodyPr>
+        <a:lstStyle/>
+        <a:p>
+          <a:pPr marL="0" lvl="0" indent="0" algn="ctr" defTabSz="622300">
+            <a:lnSpc>
+              <a:spcPct val="90000"/>
+            </a:lnSpc>
+            <a:spcBef>
+              <a:spcPct val="0"/>
+            </a:spcBef>
+            <a:spcAft>
+              <a:spcPct val="35000"/>
+            </a:spcAft>
+            <a:buNone/>
+          </a:pPr>
+          <a:r>
+            <a:rPr lang="en-CA" sz="1400" kern="1200" dirty="0"/>
+            <a:t>Extract</a:t>
+          </a:r>
+        </a:p>
+      </dsp:txBody>
+      <dsp:txXfrm>
+        <a:off x="413773" y="202761"/>
+        <a:ext cx="1192602" cy="795068"/>
+      </dsp:txXfrm>
+    </dsp:sp>
+    <dsp:sp modelId="{AE503DE8-3F26-4885-BFD1-3C6EF2408CA7}">
+      <dsp:nvSpPr>
+        <dsp:cNvPr id="0" name=""/>
+        <dsp:cNvSpPr/>
+      </dsp:nvSpPr>
+      <dsp:spPr>
+        <a:xfrm>
+          <a:off x="1861784" y="196496"/>
+          <a:ext cx="1987670" cy="795068"/>
+        </a:xfrm>
+        <a:prstGeom prst="chevron">
+          <a:avLst/>
+        </a:prstGeom>
+        <a:solidFill>
+          <a:schemeClr val="bg2">
+            <a:lumMod val="90000"/>
+          </a:schemeClr>
+        </a:solidFill>
+        <a:ln w="12700" cap="flat" cmpd="sng" algn="ctr">
+          <a:solidFill>
+            <a:schemeClr val="lt1">
+              <a:hueOff val="0"/>
+              <a:satOff val="0"/>
+              <a:lumOff val="0"/>
+              <a:alphaOff val="0"/>
+            </a:schemeClr>
+          </a:solidFill>
+          <a:prstDash val="solid"/>
+          <a:miter lim="800000"/>
+        </a:ln>
+        <a:effectLst/>
+      </dsp:spPr>
+      <dsp:style>
+        <a:lnRef idx="2">
+          <a:scrgbClr r="0" g="0" b="0"/>
+        </a:lnRef>
+        <a:fillRef idx="1">
+          <a:scrgbClr r="0" g="0" b="0"/>
+        </a:fillRef>
+        <a:effectRef idx="0">
+          <a:scrgbClr r="0" g="0" b="0"/>
+        </a:effectRef>
+        <a:fontRef idx="minor">
+          <a:schemeClr val="lt1"/>
+        </a:fontRef>
+      </dsp:style>
+      <dsp:txBody>
+        <a:bodyPr spcFirstLastPara="0" vert="horz" wrap="square" lIns="48006" tIns="16002" rIns="16002" bIns="16002" numCol="1" spcCol="1270" anchor="ctr" anchorCtr="0">
+          <a:noAutofit/>
+        </a:bodyPr>
+        <a:lstStyle/>
+        <a:p>
+          <a:pPr marL="0" lvl="0" indent="0" algn="ctr" defTabSz="533400">
+            <a:lnSpc>
+              <a:spcPct val="90000"/>
+            </a:lnSpc>
+            <a:spcBef>
+              <a:spcPct val="0"/>
+            </a:spcBef>
+            <a:spcAft>
+              <a:spcPct val="35000"/>
+            </a:spcAft>
+            <a:buNone/>
+          </a:pPr>
+          <a:r>
+            <a:rPr lang="en-CA" sz="1200" kern="1200" dirty="0"/>
+            <a:t>Transform</a:t>
+          </a:r>
+        </a:p>
+      </dsp:txBody>
+      <dsp:txXfrm>
+        <a:off x="2259318" y="196496"/>
+        <a:ext cx="1192602" cy="795068"/>
+      </dsp:txXfrm>
+    </dsp:sp>
+    <dsp:sp modelId="{AFC6DB2F-9FA9-4B63-9864-076A692B3B60}">
+      <dsp:nvSpPr>
+        <dsp:cNvPr id="0" name=""/>
+        <dsp:cNvSpPr/>
+      </dsp:nvSpPr>
+      <dsp:spPr>
+        <a:xfrm>
+          <a:off x="3581220" y="202761"/>
+          <a:ext cx="1987670" cy="795068"/>
+        </a:xfrm>
+        <a:prstGeom prst="chevron">
+          <a:avLst/>
+        </a:prstGeom>
+        <a:solidFill>
+          <a:schemeClr val="bg1">
+            <a:lumMod val="75000"/>
+          </a:schemeClr>
+        </a:solidFill>
+        <a:ln w="12700" cap="flat" cmpd="sng" algn="ctr">
+          <a:solidFill>
+            <a:schemeClr val="bg1">
+              <a:lumMod val="85000"/>
+            </a:schemeClr>
+          </a:solidFill>
+          <a:prstDash val="solid"/>
+          <a:miter lim="800000"/>
+        </a:ln>
+        <a:effectLst/>
+      </dsp:spPr>
+      <dsp:style>
+        <a:lnRef idx="2">
+          <a:scrgbClr r="0" g="0" b="0"/>
+        </a:lnRef>
+        <a:fillRef idx="1">
+          <a:scrgbClr r="0" g="0" b="0"/>
+        </a:fillRef>
+        <a:effectRef idx="0">
+          <a:scrgbClr r="0" g="0" b="0"/>
+        </a:effectRef>
+        <a:fontRef idx="minor">
+          <a:schemeClr val="lt1"/>
+        </a:fontRef>
+      </dsp:style>
+      <dsp:txBody>
+        <a:bodyPr spcFirstLastPara="0" vert="horz" wrap="square" lIns="56007" tIns="18669" rIns="18669" bIns="18669" numCol="1" spcCol="1270" anchor="ctr" anchorCtr="0">
+          <a:noAutofit/>
+        </a:bodyPr>
+        <a:lstStyle/>
+        <a:p>
+          <a:pPr marL="0" lvl="0" indent="0" algn="ctr" defTabSz="622300">
+            <a:lnSpc>
+              <a:spcPct val="90000"/>
+            </a:lnSpc>
+            <a:spcBef>
+              <a:spcPct val="0"/>
+            </a:spcBef>
+            <a:spcAft>
+              <a:spcPct val="35000"/>
+            </a:spcAft>
+            <a:buNone/>
+          </a:pPr>
+          <a:r>
+            <a:rPr lang="en-CA" sz="1400" kern="1200" dirty="0"/>
+            <a:t>Load</a:t>
+          </a:r>
+        </a:p>
+      </dsp:txBody>
+      <dsp:txXfrm>
+        <a:off x="3978754" y="202761"/>
+        <a:ext cx="1192602" cy="795068"/>
+      </dsp:txXfrm>
+    </dsp:sp>
+    <dsp:sp modelId="{B1AFD835-0E1B-44DE-9CD4-FD4170E22202}">
+      <dsp:nvSpPr>
+        <dsp:cNvPr id="0" name=""/>
+        <dsp:cNvSpPr/>
+      </dsp:nvSpPr>
+      <dsp:spPr>
+        <a:xfrm>
+          <a:off x="5373538" y="209225"/>
+          <a:ext cx="1987670" cy="795068"/>
+        </a:xfrm>
+        <a:prstGeom prst="chevron">
+          <a:avLst/>
+        </a:prstGeom>
+        <a:solidFill>
+          <a:srgbClr val="92D050"/>
+        </a:solidFill>
+        <a:ln w="12700" cap="flat" cmpd="sng" algn="ctr">
+          <a:solidFill>
+            <a:schemeClr val="lt1">
+              <a:hueOff val="0"/>
+              <a:satOff val="0"/>
+              <a:lumOff val="0"/>
+              <a:alphaOff val="0"/>
+            </a:schemeClr>
+          </a:solidFill>
+          <a:prstDash val="solid"/>
+          <a:miter lim="800000"/>
+        </a:ln>
+        <a:effectLst/>
+      </dsp:spPr>
+      <dsp:style>
+        <a:lnRef idx="2">
+          <a:scrgbClr r="0" g="0" b="0"/>
+        </a:lnRef>
+        <a:fillRef idx="1">
+          <a:scrgbClr r="0" g="0" b="0"/>
+        </a:fillRef>
+        <a:effectRef idx="0">
+          <a:scrgbClr r="0" g="0" b="0"/>
+        </a:effectRef>
+        <a:fontRef idx="minor">
+          <a:schemeClr val="lt1"/>
+        </a:fontRef>
+      </dsp:style>
+      <dsp:txBody>
+        <a:bodyPr spcFirstLastPara="0" vert="horz" wrap="square" lIns="48006" tIns="16002" rIns="16002" bIns="16002" numCol="1" spcCol="1270" anchor="ctr" anchorCtr="0">
+          <a:noAutofit/>
+        </a:bodyPr>
+        <a:lstStyle/>
+        <a:p>
+          <a:pPr marL="0" lvl="0" indent="0" algn="ctr" defTabSz="533400">
+            <a:lnSpc>
+              <a:spcPct val="90000"/>
+            </a:lnSpc>
+            <a:spcBef>
+              <a:spcPct val="0"/>
+            </a:spcBef>
+            <a:spcAft>
+              <a:spcPct val="35000"/>
+            </a:spcAft>
+            <a:buNone/>
+          </a:pPr>
+          <a:r>
+            <a:rPr lang="en-CA" sz="1200" kern="1200" dirty="0">
+              <a:solidFill>
+                <a:prstClr val="white"/>
+              </a:solidFill>
+              <a:latin typeface="Calibri" panose="020F0502020204030204"/>
+              <a:ea typeface="+mn-ea"/>
+              <a:cs typeface="+mn-cs"/>
+            </a:rPr>
+            <a:t>App</a:t>
+          </a:r>
+        </a:p>
+      </dsp:txBody>
+      <dsp:txXfrm>
+        <a:off x="5771072" y="209225"/>
+        <a:ext cx="1192602" cy="795068"/>
+      </dsp:txXfrm>
+    </dsp:sp>
+  </dsp:spTree>
+</dsp:drawing>
+</file>
+
+<file path=ppt/diagrams/drawing2.xml><?xml version="1.0" encoding="utf-8"?>
 <dsp:drawing xmlns:dgm="http://schemas.openxmlformats.org/drawingml/2006/diagram" xmlns:dsp="http://schemas.microsoft.com/office/drawing/2008/diagram" xmlns:a="http://schemas.openxmlformats.org/drawingml/2006/main">
   <dsp:spTree>
     <dsp:nvGrpSpPr>
@@ -4567,7 +5646,7 @@
 </dsp:drawing>
 </file>
 
-<file path=ppt/diagrams/drawing2.xml><?xml version="1.0" encoding="utf-8"?>
+<file path=ppt/diagrams/drawing3.xml><?xml version="1.0" encoding="utf-8"?>
 <dsp:drawing xmlns:dgm="http://schemas.openxmlformats.org/drawingml/2006/diagram" xmlns:dsp="http://schemas.microsoft.com/office/drawing/2008/diagram" xmlns:a="http://schemas.openxmlformats.org/drawingml/2006/main">
   <dsp:spTree>
     <dsp:nvGrpSpPr>
@@ -4884,7 +5963,7 @@
 </dsp:drawing>
 </file>
 
-<file path=ppt/diagrams/drawing3.xml><?xml version="1.0" encoding="utf-8"?>
+<file path=ppt/diagrams/drawing4.xml><?xml version="1.0" encoding="utf-8"?>
 <dsp:drawing xmlns:dgm="http://schemas.openxmlformats.org/drawingml/2006/diagram" xmlns:dsp="http://schemas.microsoft.com/office/drawing/2008/diagram" xmlns:a="http://schemas.openxmlformats.org/drawingml/2006/main">
   <dsp:spTree>
     <dsp:nvGrpSpPr>
@@ -5130,318 +6209,6 @@
           <a:schemeClr val="bg1">
             <a:lumMod val="85000"/>
           </a:schemeClr>
-        </a:solidFill>
-        <a:ln w="12700" cap="flat" cmpd="sng" algn="ctr">
-          <a:solidFill>
-            <a:schemeClr val="lt1">
-              <a:hueOff val="0"/>
-              <a:satOff val="0"/>
-              <a:lumOff val="0"/>
-              <a:alphaOff val="0"/>
-            </a:schemeClr>
-          </a:solidFill>
-          <a:prstDash val="solid"/>
-          <a:miter lim="800000"/>
-        </a:ln>
-        <a:effectLst/>
-      </dsp:spPr>
-      <dsp:style>
-        <a:lnRef idx="2">
-          <a:scrgbClr r="0" g="0" b="0"/>
-        </a:lnRef>
-        <a:fillRef idx="1">
-          <a:scrgbClr r="0" g="0" b="0"/>
-        </a:fillRef>
-        <a:effectRef idx="0">
-          <a:scrgbClr r="0" g="0" b="0"/>
-        </a:effectRef>
-        <a:fontRef idx="minor">
-          <a:schemeClr val="lt1"/>
-        </a:fontRef>
-      </dsp:style>
-      <dsp:txBody>
-        <a:bodyPr spcFirstLastPara="0" vert="horz" wrap="square" lIns="48006" tIns="16002" rIns="16002" bIns="16002" numCol="1" spcCol="1270" anchor="ctr" anchorCtr="0">
-          <a:noAutofit/>
-        </a:bodyPr>
-        <a:lstStyle/>
-        <a:p>
-          <a:pPr marL="0" lvl="0" indent="0" algn="ctr" defTabSz="533400">
-            <a:lnSpc>
-              <a:spcPct val="90000"/>
-            </a:lnSpc>
-            <a:spcBef>
-              <a:spcPct val="0"/>
-            </a:spcBef>
-            <a:spcAft>
-              <a:spcPct val="35000"/>
-            </a:spcAft>
-            <a:buNone/>
-          </a:pPr>
-          <a:r>
-            <a:rPr lang="en-CA" sz="1200" kern="1200" dirty="0">
-              <a:solidFill>
-                <a:prstClr val="white"/>
-              </a:solidFill>
-              <a:latin typeface="Calibri" panose="020F0502020204030204"/>
-              <a:ea typeface="+mn-ea"/>
-              <a:cs typeface="+mn-cs"/>
-            </a:rPr>
-            <a:t>App</a:t>
-          </a:r>
-        </a:p>
-      </dsp:txBody>
-      <dsp:txXfrm>
-        <a:off x="5771072" y="209225"/>
-        <a:ext cx="1192602" cy="795068"/>
-      </dsp:txXfrm>
-    </dsp:sp>
-  </dsp:spTree>
-</dsp:drawing>
-</file>
-
-<file path=ppt/diagrams/drawing4.xml><?xml version="1.0" encoding="utf-8"?>
-<dsp:drawing xmlns:dgm="http://schemas.openxmlformats.org/drawingml/2006/diagram" xmlns:dsp="http://schemas.microsoft.com/office/drawing/2008/diagram" xmlns:a="http://schemas.openxmlformats.org/drawingml/2006/main">
-  <dsp:spTree>
-    <dsp:nvGrpSpPr>
-      <dsp:cNvPr id="0" name=""/>
-      <dsp:cNvGrpSpPr/>
-    </dsp:nvGrpSpPr>
-    <dsp:grpSpPr/>
-    <dsp:sp modelId="{393BFE81-60E9-455E-AC60-CEDD69C80CFA}">
-      <dsp:nvSpPr>
-        <dsp:cNvPr id="0" name=""/>
-        <dsp:cNvSpPr/>
-      </dsp:nvSpPr>
-      <dsp:spPr>
-        <a:xfrm>
-          <a:off x="16239" y="202761"/>
-          <a:ext cx="1987670" cy="795068"/>
-        </a:xfrm>
-        <a:prstGeom prst="chevron">
-          <a:avLst/>
-        </a:prstGeom>
-        <a:solidFill>
-          <a:schemeClr val="bg2"/>
-        </a:solidFill>
-        <a:ln w="12700" cap="flat" cmpd="sng" algn="ctr">
-          <a:solidFill>
-            <a:schemeClr val="lt1">
-              <a:hueOff val="0"/>
-              <a:satOff val="0"/>
-              <a:lumOff val="0"/>
-              <a:alphaOff val="0"/>
-            </a:schemeClr>
-          </a:solidFill>
-          <a:prstDash val="solid"/>
-          <a:miter lim="800000"/>
-        </a:ln>
-        <a:effectLst/>
-      </dsp:spPr>
-      <dsp:style>
-        <a:lnRef idx="2">
-          <a:scrgbClr r="0" g="0" b="0"/>
-        </a:lnRef>
-        <a:fillRef idx="1">
-          <a:scrgbClr r="0" g="0" b="0"/>
-        </a:fillRef>
-        <a:effectRef idx="0">
-          <a:scrgbClr r="0" g="0" b="0"/>
-        </a:effectRef>
-        <a:fontRef idx="minor">
-          <a:schemeClr val="lt1"/>
-        </a:fontRef>
-      </dsp:style>
-      <dsp:txBody>
-        <a:bodyPr spcFirstLastPara="0" vert="horz" wrap="square" lIns="56007" tIns="18669" rIns="18669" bIns="18669" numCol="1" spcCol="1270" anchor="ctr" anchorCtr="0">
-          <a:noAutofit/>
-        </a:bodyPr>
-        <a:lstStyle/>
-        <a:p>
-          <a:pPr marL="0" lvl="0" indent="0" algn="ctr" defTabSz="622300">
-            <a:lnSpc>
-              <a:spcPct val="90000"/>
-            </a:lnSpc>
-            <a:spcBef>
-              <a:spcPct val="0"/>
-            </a:spcBef>
-            <a:spcAft>
-              <a:spcPct val="35000"/>
-            </a:spcAft>
-            <a:buNone/>
-          </a:pPr>
-          <a:r>
-            <a:rPr lang="en-CA" sz="1400" kern="1200" dirty="0"/>
-            <a:t>Extract</a:t>
-          </a:r>
-        </a:p>
-      </dsp:txBody>
-      <dsp:txXfrm>
-        <a:off x="413773" y="202761"/>
-        <a:ext cx="1192602" cy="795068"/>
-      </dsp:txXfrm>
-    </dsp:sp>
-    <dsp:sp modelId="{AE503DE8-3F26-4885-BFD1-3C6EF2408CA7}">
-      <dsp:nvSpPr>
-        <dsp:cNvPr id="0" name=""/>
-        <dsp:cNvSpPr/>
-      </dsp:nvSpPr>
-      <dsp:spPr>
-        <a:xfrm>
-          <a:off x="1861784" y="196496"/>
-          <a:ext cx="1987670" cy="795068"/>
-        </a:xfrm>
-        <a:prstGeom prst="chevron">
-          <a:avLst/>
-        </a:prstGeom>
-        <a:solidFill>
-          <a:schemeClr val="bg2">
-            <a:lumMod val="90000"/>
-          </a:schemeClr>
-        </a:solidFill>
-        <a:ln w="12700" cap="flat" cmpd="sng" algn="ctr">
-          <a:solidFill>
-            <a:schemeClr val="lt1">
-              <a:hueOff val="0"/>
-              <a:satOff val="0"/>
-              <a:lumOff val="0"/>
-              <a:alphaOff val="0"/>
-            </a:schemeClr>
-          </a:solidFill>
-          <a:prstDash val="solid"/>
-          <a:miter lim="800000"/>
-        </a:ln>
-        <a:effectLst/>
-      </dsp:spPr>
-      <dsp:style>
-        <a:lnRef idx="2">
-          <a:scrgbClr r="0" g="0" b="0"/>
-        </a:lnRef>
-        <a:fillRef idx="1">
-          <a:scrgbClr r="0" g="0" b="0"/>
-        </a:fillRef>
-        <a:effectRef idx="0">
-          <a:scrgbClr r="0" g="0" b="0"/>
-        </a:effectRef>
-        <a:fontRef idx="minor">
-          <a:schemeClr val="lt1"/>
-        </a:fontRef>
-      </dsp:style>
-      <dsp:txBody>
-        <a:bodyPr spcFirstLastPara="0" vert="horz" wrap="square" lIns="48006" tIns="16002" rIns="16002" bIns="16002" numCol="1" spcCol="1270" anchor="ctr" anchorCtr="0">
-          <a:noAutofit/>
-        </a:bodyPr>
-        <a:lstStyle/>
-        <a:p>
-          <a:pPr marL="0" lvl="0" indent="0" algn="ctr" defTabSz="533400">
-            <a:lnSpc>
-              <a:spcPct val="90000"/>
-            </a:lnSpc>
-            <a:spcBef>
-              <a:spcPct val="0"/>
-            </a:spcBef>
-            <a:spcAft>
-              <a:spcPct val="35000"/>
-            </a:spcAft>
-            <a:buNone/>
-          </a:pPr>
-          <a:r>
-            <a:rPr lang="en-CA" sz="1200" kern="1200" dirty="0"/>
-            <a:t>Transform</a:t>
-          </a:r>
-        </a:p>
-      </dsp:txBody>
-      <dsp:txXfrm>
-        <a:off x="2259318" y="196496"/>
-        <a:ext cx="1192602" cy="795068"/>
-      </dsp:txXfrm>
-    </dsp:sp>
-    <dsp:sp modelId="{AFC6DB2F-9FA9-4B63-9864-076A692B3B60}">
-      <dsp:nvSpPr>
-        <dsp:cNvPr id="0" name=""/>
-        <dsp:cNvSpPr/>
-      </dsp:nvSpPr>
-      <dsp:spPr>
-        <a:xfrm>
-          <a:off x="3581220" y="202761"/>
-          <a:ext cx="1987670" cy="795068"/>
-        </a:xfrm>
-        <a:prstGeom prst="chevron">
-          <a:avLst/>
-        </a:prstGeom>
-        <a:solidFill>
-          <a:schemeClr val="bg1">
-            <a:lumMod val="75000"/>
-          </a:schemeClr>
-        </a:solidFill>
-        <a:ln w="12700" cap="flat" cmpd="sng" algn="ctr">
-          <a:solidFill>
-            <a:schemeClr val="bg1">
-              <a:lumMod val="85000"/>
-            </a:schemeClr>
-          </a:solidFill>
-          <a:prstDash val="solid"/>
-          <a:miter lim="800000"/>
-        </a:ln>
-        <a:effectLst/>
-      </dsp:spPr>
-      <dsp:style>
-        <a:lnRef idx="2">
-          <a:scrgbClr r="0" g="0" b="0"/>
-        </a:lnRef>
-        <a:fillRef idx="1">
-          <a:scrgbClr r="0" g="0" b="0"/>
-        </a:fillRef>
-        <a:effectRef idx="0">
-          <a:scrgbClr r="0" g="0" b="0"/>
-        </a:effectRef>
-        <a:fontRef idx="minor">
-          <a:schemeClr val="lt1"/>
-        </a:fontRef>
-      </dsp:style>
-      <dsp:txBody>
-        <a:bodyPr spcFirstLastPara="0" vert="horz" wrap="square" lIns="56007" tIns="18669" rIns="18669" bIns="18669" numCol="1" spcCol="1270" anchor="ctr" anchorCtr="0">
-          <a:noAutofit/>
-        </a:bodyPr>
-        <a:lstStyle/>
-        <a:p>
-          <a:pPr marL="0" lvl="0" indent="0" algn="ctr" defTabSz="622300">
-            <a:lnSpc>
-              <a:spcPct val="90000"/>
-            </a:lnSpc>
-            <a:spcBef>
-              <a:spcPct val="0"/>
-            </a:spcBef>
-            <a:spcAft>
-              <a:spcPct val="35000"/>
-            </a:spcAft>
-            <a:buNone/>
-          </a:pPr>
-          <a:r>
-            <a:rPr lang="en-CA" sz="1400" kern="1200" dirty="0"/>
-            <a:t>Load</a:t>
-          </a:r>
-        </a:p>
-      </dsp:txBody>
-      <dsp:txXfrm>
-        <a:off x="3978754" y="202761"/>
-        <a:ext cx="1192602" cy="795068"/>
-      </dsp:txXfrm>
-    </dsp:sp>
-    <dsp:sp modelId="{B1AFD835-0E1B-44DE-9CD4-FD4170E22202}">
-      <dsp:nvSpPr>
-        <dsp:cNvPr id="0" name=""/>
-        <dsp:cNvSpPr/>
-      </dsp:nvSpPr>
-      <dsp:spPr>
-        <a:xfrm>
-          <a:off x="5373538" y="209225"/>
-          <a:ext cx="1987670" cy="795068"/>
-        </a:xfrm>
-        <a:prstGeom prst="chevron">
-          <a:avLst/>
-        </a:prstGeom>
-        <a:solidFill>
-          <a:srgbClr val="92D050"/>
         </a:solidFill>
         <a:ln w="12700" cap="flat" cmpd="sng" algn="ctr">
           <a:solidFill>
@@ -10928,7 +11695,7 @@
           <a:p>
             <a:fld id="{E685756A-F27B-4320-9F12-5E5AF2D0C3C3}" type="datetimeFigureOut">
               <a:rPr lang="en-CA" smtClean="0"/>
-              <a:t>2023-06-09</a:t>
+              <a:t>2023-06-14</a:t>
             </a:fld>
             <a:endParaRPr lang="en-CA"/>
           </a:p>
@@ -11128,7 +11895,7 @@
           <a:p>
             <a:fld id="{E685756A-F27B-4320-9F12-5E5AF2D0C3C3}" type="datetimeFigureOut">
               <a:rPr lang="en-CA" smtClean="0"/>
-              <a:t>2023-06-09</a:t>
+              <a:t>2023-06-14</a:t>
             </a:fld>
             <a:endParaRPr lang="en-CA"/>
           </a:p>
@@ -11338,7 +12105,7 @@
           <a:p>
             <a:fld id="{E685756A-F27B-4320-9F12-5E5AF2D0C3C3}" type="datetimeFigureOut">
               <a:rPr lang="en-CA" smtClean="0"/>
-              <a:t>2023-06-09</a:t>
+              <a:t>2023-06-14</a:t>
             </a:fld>
             <a:endParaRPr lang="en-CA"/>
           </a:p>
@@ -11538,7 +12305,7 @@
           <a:p>
             <a:fld id="{E685756A-F27B-4320-9F12-5E5AF2D0C3C3}" type="datetimeFigureOut">
               <a:rPr lang="en-CA" smtClean="0"/>
-              <a:t>2023-06-09</a:t>
+              <a:t>2023-06-14</a:t>
             </a:fld>
             <a:endParaRPr lang="en-CA"/>
           </a:p>
@@ -11814,7 +12581,7 @@
           <a:p>
             <a:fld id="{E685756A-F27B-4320-9F12-5E5AF2D0C3C3}" type="datetimeFigureOut">
               <a:rPr lang="en-CA" smtClean="0"/>
-              <a:t>2023-06-09</a:t>
+              <a:t>2023-06-14</a:t>
             </a:fld>
             <a:endParaRPr lang="en-CA"/>
           </a:p>
@@ -12082,7 +12849,7 @@
           <a:p>
             <a:fld id="{E685756A-F27B-4320-9F12-5E5AF2D0C3C3}" type="datetimeFigureOut">
               <a:rPr lang="en-CA" smtClean="0"/>
-              <a:t>2023-06-09</a:t>
+              <a:t>2023-06-14</a:t>
             </a:fld>
             <a:endParaRPr lang="en-CA"/>
           </a:p>
@@ -12497,7 +13264,7 @@
           <a:p>
             <a:fld id="{E685756A-F27B-4320-9F12-5E5AF2D0C3C3}" type="datetimeFigureOut">
               <a:rPr lang="en-CA" smtClean="0"/>
-              <a:t>2023-06-09</a:t>
+              <a:t>2023-06-14</a:t>
             </a:fld>
             <a:endParaRPr lang="en-CA"/>
           </a:p>
@@ -12639,7 +13406,7 @@
           <a:p>
             <a:fld id="{E685756A-F27B-4320-9F12-5E5AF2D0C3C3}" type="datetimeFigureOut">
               <a:rPr lang="en-CA" smtClean="0"/>
-              <a:t>2023-06-09</a:t>
+              <a:t>2023-06-14</a:t>
             </a:fld>
             <a:endParaRPr lang="en-CA"/>
           </a:p>
@@ -12752,7 +13519,7 @@
           <a:p>
             <a:fld id="{E685756A-F27B-4320-9F12-5E5AF2D0C3C3}" type="datetimeFigureOut">
               <a:rPr lang="en-CA" smtClean="0"/>
-              <a:t>2023-06-09</a:t>
+              <a:t>2023-06-14</a:t>
             </a:fld>
             <a:endParaRPr lang="en-CA"/>
           </a:p>
@@ -13065,7 +13832,7 @@
           <a:p>
             <a:fld id="{E685756A-F27B-4320-9F12-5E5AF2D0C3C3}" type="datetimeFigureOut">
               <a:rPr lang="en-CA" smtClean="0"/>
-              <a:t>2023-06-09</a:t>
+              <a:t>2023-06-14</a:t>
             </a:fld>
             <a:endParaRPr lang="en-CA"/>
           </a:p>
@@ -13354,7 +14121,7 @@
           <a:p>
             <a:fld id="{E685756A-F27B-4320-9F12-5E5AF2D0C3C3}" type="datetimeFigureOut">
               <a:rPr lang="en-CA" smtClean="0"/>
-              <a:t>2023-06-09</a:t>
+              <a:t>2023-06-14</a:t>
             </a:fld>
             <a:endParaRPr lang="en-CA"/>
           </a:p>
@@ -13597,7 +14364,7 @@
           <a:p>
             <a:fld id="{E685756A-F27B-4320-9F12-5E5AF2D0C3C3}" type="datetimeFigureOut">
               <a:rPr lang="en-CA" smtClean="0"/>
-              <a:t>2023-06-09</a:t>
+              <a:t>2023-06-14</a:t>
             </a:fld>
             <a:endParaRPr lang="en-CA"/>
           </a:p>
@@ -14000,6 +14767,14 @@
 <file path=ppt/slides/slide1.xml><?xml version="1.0" encoding="utf-8"?>
 <p:sld xmlns:a="http://schemas.openxmlformats.org/drawingml/2006/main" xmlns:r="http://schemas.openxmlformats.org/officeDocument/2006/relationships" xmlns:p="http://schemas.openxmlformats.org/presentationml/2006/main">
   <p:cSld>
+    <p:bg>
+      <p:bgPr>
+        <a:solidFill>
+          <a:schemeClr val="bg1"/>
+        </a:solidFill>
+        <a:effectLst/>
+      </p:bgPr>
+    </p:bg>
     <p:spTree>
       <p:nvGrpSpPr>
         <p:cNvPr id="1" name=""/>
@@ -14014,6 +14789,482 @@
           <a:chExt cx="0" cy="0"/>
         </a:xfrm>
       </p:grpSpPr>
+      <p:sp useBgFill="1">
+        <p:nvSpPr>
+          <p:cNvPr id="45" name="Rectangle 7">
+            <a:extLst>
+              <a:ext uri="{FF2B5EF4-FFF2-40B4-BE49-F238E27FC236}">
+                <a16:creationId xmlns:a16="http://schemas.microsoft.com/office/drawing/2014/main" id="{777A147A-9ED8-46B4-8660-1B3C2AA880B5}"/>
+              </a:ext>
+              <a:ext uri="{C183D7F6-B498-43B3-948B-1728B52AA6E4}">
+                <adec:decorative xmlns:adec="http://schemas.microsoft.com/office/drawing/2017/decorative" val="1"/>
+              </a:ext>
+            </a:extLst>
+          </p:cNvPr>
+          <p:cNvSpPr>
+            <a:spLocks noGrp="1" noRot="1" noChangeAspect="1" noMove="1" noResize="1" noEditPoints="1" noAdjustHandles="1" noChangeArrowheads="1" noChangeShapeType="1" noTextEdit="1"/>
+          </p:cNvSpPr>
+          <p:nvPr>
+            <p:extLst>
+              <p:ext uri="{386F3935-93C4-4BCD-93E2-E3B085C9AB24}">
+                <p16:designElem xmlns:p16="http://schemas.microsoft.com/office/powerpoint/2015/main" val="1"/>
+              </p:ext>
+            </p:extLst>
+          </p:nvPr>
+        </p:nvSpPr>
+        <p:spPr>
+          <a:xfrm>
+            <a:off x="0" y="0"/>
+            <a:ext cx="12188952" cy="6858000"/>
+          </a:xfrm>
+          <a:prstGeom prst="rect">
+            <a:avLst/>
+          </a:prstGeom>
+          <a:ln>
+            <a:noFill/>
+          </a:ln>
+        </p:spPr>
+        <p:style>
+          <a:lnRef idx="2">
+            <a:schemeClr val="accent1">
+              <a:shade val="50000"/>
+            </a:schemeClr>
+          </a:lnRef>
+          <a:fillRef idx="1">
+            <a:schemeClr val="accent1"/>
+          </a:fillRef>
+          <a:effectRef idx="0">
+            <a:schemeClr val="accent1"/>
+          </a:effectRef>
+          <a:fontRef idx="minor">
+            <a:schemeClr val="lt1"/>
+          </a:fontRef>
+        </p:style>
+        <p:txBody>
+          <a:bodyPr rtlCol="0" anchor="ctr"/>
+          <a:lstStyle/>
+          <a:p>
+            <a:pPr algn="ctr"/>
+            <a:endParaRPr lang="en-US"/>
+          </a:p>
+        </p:txBody>
+      </p:sp>
+      <p:sp>
+        <p:nvSpPr>
+          <p:cNvPr id="2" name="TextBox 1">
+            <a:extLst>
+              <a:ext uri="{FF2B5EF4-FFF2-40B4-BE49-F238E27FC236}">
+                <a16:creationId xmlns:a16="http://schemas.microsoft.com/office/drawing/2014/main" id="{0ABC73BA-E061-3651-C3FD-0739CCB156CF}"/>
+              </a:ext>
+            </a:extLst>
+          </p:cNvPr>
+          <p:cNvSpPr txBox="1"/>
+          <p:nvPr/>
+        </p:nvSpPr>
+        <p:spPr>
+          <a:xfrm>
+            <a:off x="841248" y="548640"/>
+            <a:ext cx="3600860" cy="5431536"/>
+          </a:xfrm>
+          <a:prstGeom prst="rect">
+            <a:avLst/>
+          </a:prstGeom>
+        </p:spPr>
+        <p:txBody>
+          <a:bodyPr vert="horz" lIns="91440" tIns="45720" rIns="91440" bIns="45720" rtlCol="0" anchor="ctr">
+            <a:normAutofit/>
+          </a:bodyPr>
+          <a:lstStyle/>
+          <a:p>
+            <a:pPr>
+              <a:lnSpc>
+                <a:spcPct val="90000"/>
+              </a:lnSpc>
+              <a:spcBef>
+                <a:spcPct val="0"/>
+              </a:spcBef>
+              <a:spcAft>
+                <a:spcPts val="600"/>
+              </a:spcAft>
+            </a:pPr>
+            <a:r>
+              <a:rPr lang="en-US" sz="5400" kern="1200">
+                <a:solidFill>
+                  <a:schemeClr val="tx1"/>
+                </a:solidFill>
+                <a:latin typeface="+mj-lt"/>
+                <a:ea typeface="+mj-ea"/>
+                <a:cs typeface="+mj-cs"/>
+              </a:rPr>
+              <a:t>Canadian Rental Market </a:t>
+            </a:r>
+          </a:p>
+          <a:p>
+            <a:pPr>
+              <a:lnSpc>
+                <a:spcPct val="90000"/>
+              </a:lnSpc>
+              <a:spcBef>
+                <a:spcPct val="0"/>
+              </a:spcBef>
+              <a:spcAft>
+                <a:spcPts val="600"/>
+              </a:spcAft>
+            </a:pPr>
+            <a:endParaRPr lang="en-US" sz="5400" kern="1200">
+              <a:solidFill>
+                <a:schemeClr val="tx1"/>
+              </a:solidFill>
+              <a:latin typeface="+mj-lt"/>
+              <a:ea typeface="+mj-ea"/>
+              <a:cs typeface="+mj-cs"/>
+            </a:endParaRPr>
+          </a:p>
+        </p:txBody>
+      </p:sp>
+      <p:sp>
+        <p:nvSpPr>
+          <p:cNvPr id="46" name="sketch line">
+            <a:extLst>
+              <a:ext uri="{FF2B5EF4-FFF2-40B4-BE49-F238E27FC236}">
+                <a16:creationId xmlns:a16="http://schemas.microsoft.com/office/drawing/2014/main" id="{5D6C15A0-C087-4593-8414-2B4EC1CDC3DE}"/>
+              </a:ext>
+              <a:ext uri="{C183D7F6-B498-43B3-948B-1728B52AA6E4}">
+                <adec:decorative xmlns:adec="http://schemas.microsoft.com/office/drawing/2017/decorative" val="1"/>
+              </a:ext>
+            </a:extLst>
+          </p:cNvPr>
+          <p:cNvSpPr>
+            <a:spLocks noGrp="1" noRot="1" noChangeAspect="1" noMove="1" noResize="1" noEditPoints="1" noAdjustHandles="1" noChangeArrowheads="1" noChangeShapeType="1" noTextEdit="1"/>
+          </p:cNvSpPr>
+          <p:nvPr>
+            <p:extLst>
+              <p:ext uri="{386F3935-93C4-4BCD-93E2-E3B085C9AB24}">
+                <p16:designElem xmlns:p16="http://schemas.microsoft.com/office/powerpoint/2015/main" val="1"/>
+              </p:ext>
+            </p:extLst>
+          </p:nvPr>
+        </p:nvSpPr>
+        <p:spPr>
+          <a:xfrm rot="5400000">
+            <a:off x="2543983" y="3258715"/>
+            <a:ext cx="4480560" cy="18288"/>
+          </a:xfrm>
+          <a:custGeom>
+            <a:avLst/>
+            <a:gdLst>
+              <a:gd name="connsiteX0" fmla="*/ 0 w 4480560"/>
+              <a:gd name="connsiteY0" fmla="*/ 0 h 18288"/>
+              <a:gd name="connsiteX1" fmla="*/ 595274 w 4480560"/>
+              <a:gd name="connsiteY1" fmla="*/ 0 h 18288"/>
+              <a:gd name="connsiteX2" fmla="*/ 1100938 w 4480560"/>
+              <a:gd name="connsiteY2" fmla="*/ 0 h 18288"/>
+              <a:gd name="connsiteX3" fmla="*/ 1651406 w 4480560"/>
+              <a:gd name="connsiteY3" fmla="*/ 0 h 18288"/>
+              <a:gd name="connsiteX4" fmla="*/ 2336292 w 4480560"/>
+              <a:gd name="connsiteY4" fmla="*/ 0 h 18288"/>
+              <a:gd name="connsiteX5" fmla="*/ 2931566 w 4480560"/>
+              <a:gd name="connsiteY5" fmla="*/ 0 h 18288"/>
+              <a:gd name="connsiteX6" fmla="*/ 3482035 w 4480560"/>
+              <a:gd name="connsiteY6" fmla="*/ 0 h 18288"/>
+              <a:gd name="connsiteX7" fmla="*/ 4480560 w 4480560"/>
+              <a:gd name="connsiteY7" fmla="*/ 0 h 18288"/>
+              <a:gd name="connsiteX8" fmla="*/ 4480560 w 4480560"/>
+              <a:gd name="connsiteY8" fmla="*/ 18288 h 18288"/>
+              <a:gd name="connsiteX9" fmla="*/ 3840480 w 4480560"/>
+              <a:gd name="connsiteY9" fmla="*/ 18288 h 18288"/>
+              <a:gd name="connsiteX10" fmla="*/ 3290011 w 4480560"/>
+              <a:gd name="connsiteY10" fmla="*/ 18288 h 18288"/>
+              <a:gd name="connsiteX11" fmla="*/ 2560320 w 4480560"/>
+              <a:gd name="connsiteY11" fmla="*/ 18288 h 18288"/>
+              <a:gd name="connsiteX12" fmla="*/ 1965046 w 4480560"/>
+              <a:gd name="connsiteY12" fmla="*/ 18288 h 18288"/>
+              <a:gd name="connsiteX13" fmla="*/ 1459382 w 4480560"/>
+              <a:gd name="connsiteY13" fmla="*/ 18288 h 18288"/>
+              <a:gd name="connsiteX14" fmla="*/ 774497 w 4480560"/>
+              <a:gd name="connsiteY14" fmla="*/ 18288 h 18288"/>
+              <a:gd name="connsiteX15" fmla="*/ 0 w 4480560"/>
+              <a:gd name="connsiteY15" fmla="*/ 18288 h 18288"/>
+              <a:gd name="connsiteX16" fmla="*/ 0 w 4480560"/>
+              <a:gd name="connsiteY16" fmla="*/ 0 h 18288"/>
+            </a:gdLst>
+            <a:ahLst/>
+            <a:cxnLst>
+              <a:cxn ang="0">
+                <a:pos x="connsiteX0" y="connsiteY0"/>
+              </a:cxn>
+              <a:cxn ang="0">
+                <a:pos x="connsiteX1" y="connsiteY1"/>
+              </a:cxn>
+              <a:cxn ang="0">
+                <a:pos x="connsiteX2" y="connsiteY2"/>
+              </a:cxn>
+              <a:cxn ang="0">
+                <a:pos x="connsiteX3" y="connsiteY3"/>
+              </a:cxn>
+              <a:cxn ang="0">
+                <a:pos x="connsiteX4" y="connsiteY4"/>
+              </a:cxn>
+              <a:cxn ang="0">
+                <a:pos x="connsiteX5" y="connsiteY5"/>
+              </a:cxn>
+              <a:cxn ang="0">
+                <a:pos x="connsiteX6" y="connsiteY6"/>
+              </a:cxn>
+              <a:cxn ang="0">
+                <a:pos x="connsiteX7" y="connsiteY7"/>
+              </a:cxn>
+              <a:cxn ang="0">
+                <a:pos x="connsiteX8" y="connsiteY8"/>
+              </a:cxn>
+              <a:cxn ang="0">
+                <a:pos x="connsiteX9" y="connsiteY9"/>
+              </a:cxn>
+              <a:cxn ang="0">
+                <a:pos x="connsiteX10" y="connsiteY10"/>
+              </a:cxn>
+              <a:cxn ang="0">
+                <a:pos x="connsiteX11" y="connsiteY11"/>
+              </a:cxn>
+              <a:cxn ang="0">
+                <a:pos x="connsiteX12" y="connsiteY12"/>
+              </a:cxn>
+              <a:cxn ang="0">
+                <a:pos x="connsiteX13" y="connsiteY13"/>
+              </a:cxn>
+              <a:cxn ang="0">
+                <a:pos x="connsiteX14" y="connsiteY14"/>
+              </a:cxn>
+              <a:cxn ang="0">
+                <a:pos x="connsiteX15" y="connsiteY15"/>
+              </a:cxn>
+              <a:cxn ang="0">
+                <a:pos x="connsiteX16" y="connsiteY16"/>
+              </a:cxn>
+            </a:cxnLst>
+            <a:rect l="l" t="t" r="r" b="b"/>
+            <a:pathLst>
+              <a:path w="4480560" h="18288" fill="none" extrusionOk="0">
+                <a:moveTo>
+                  <a:pt x="0" y="0"/>
+                </a:moveTo>
+                <a:cubicBezTo>
+                  <a:pt x="267821" y="8731"/>
+                  <a:pt x="334105" y="2629"/>
+                  <a:pt x="595274" y="0"/>
+                </a:cubicBezTo>
+                <a:cubicBezTo>
+                  <a:pt x="856443" y="-2629"/>
+                  <a:pt x="863808" y="-13353"/>
+                  <a:pt x="1100938" y="0"/>
+                </a:cubicBezTo>
+                <a:cubicBezTo>
+                  <a:pt x="1338068" y="13353"/>
+                  <a:pt x="1431663" y="-25862"/>
+                  <a:pt x="1651406" y="0"/>
+                </a:cubicBezTo>
+                <a:cubicBezTo>
+                  <a:pt x="1871149" y="25862"/>
+                  <a:pt x="2173163" y="23827"/>
+                  <a:pt x="2336292" y="0"/>
+                </a:cubicBezTo>
+                <a:cubicBezTo>
+                  <a:pt x="2499421" y="-23827"/>
+                  <a:pt x="2720589" y="28148"/>
+                  <a:pt x="2931566" y="0"/>
+                </a:cubicBezTo>
+                <a:cubicBezTo>
+                  <a:pt x="3142543" y="-28148"/>
+                  <a:pt x="3323630" y="27022"/>
+                  <a:pt x="3482035" y="0"/>
+                </a:cubicBezTo>
+                <a:cubicBezTo>
+                  <a:pt x="3640440" y="-27022"/>
+                  <a:pt x="4012110" y="-20118"/>
+                  <a:pt x="4480560" y="0"/>
+                </a:cubicBezTo>
+                <a:cubicBezTo>
+                  <a:pt x="4480958" y="7429"/>
+                  <a:pt x="4480540" y="10822"/>
+                  <a:pt x="4480560" y="18288"/>
+                </a:cubicBezTo>
+                <a:cubicBezTo>
+                  <a:pt x="4314132" y="14924"/>
+                  <a:pt x="4028383" y="36632"/>
+                  <a:pt x="3840480" y="18288"/>
+                </a:cubicBezTo>
+                <a:cubicBezTo>
+                  <a:pt x="3652577" y="-56"/>
+                  <a:pt x="3547615" y="2848"/>
+                  <a:pt x="3290011" y="18288"/>
+                </a:cubicBezTo>
+                <a:cubicBezTo>
+                  <a:pt x="3032407" y="33728"/>
+                  <a:pt x="2830268" y="8719"/>
+                  <a:pt x="2560320" y="18288"/>
+                </a:cubicBezTo>
+                <a:cubicBezTo>
+                  <a:pt x="2290372" y="27857"/>
+                  <a:pt x="2147422" y="6728"/>
+                  <a:pt x="1965046" y="18288"/>
+                </a:cubicBezTo>
+                <a:cubicBezTo>
+                  <a:pt x="1782670" y="29848"/>
+                  <a:pt x="1689791" y="40680"/>
+                  <a:pt x="1459382" y="18288"/>
+                </a:cubicBezTo>
+                <a:cubicBezTo>
+                  <a:pt x="1228973" y="-4104"/>
+                  <a:pt x="915486" y="36501"/>
+                  <a:pt x="774497" y="18288"/>
+                </a:cubicBezTo>
+                <a:cubicBezTo>
+                  <a:pt x="633508" y="75"/>
+                  <a:pt x="361442" y="-11107"/>
+                  <a:pt x="0" y="18288"/>
+                </a:cubicBezTo>
+                <a:cubicBezTo>
+                  <a:pt x="-591" y="13205"/>
+                  <a:pt x="-663" y="6329"/>
+                  <a:pt x="0" y="0"/>
+                </a:cubicBezTo>
+                <a:close/>
+              </a:path>
+              <a:path w="4480560" h="18288" stroke="0" extrusionOk="0">
+                <a:moveTo>
+                  <a:pt x="0" y="0"/>
+                </a:moveTo>
+                <a:cubicBezTo>
+                  <a:pt x="285465" y="225"/>
+                  <a:pt x="322691" y="16223"/>
+                  <a:pt x="595274" y="0"/>
+                </a:cubicBezTo>
+                <a:cubicBezTo>
+                  <a:pt x="867857" y="-16223"/>
+                  <a:pt x="989129" y="-11242"/>
+                  <a:pt x="1100938" y="0"/>
+                </a:cubicBezTo>
+                <a:cubicBezTo>
+                  <a:pt x="1212747" y="11242"/>
+                  <a:pt x="1574350" y="-36410"/>
+                  <a:pt x="1830629" y="0"/>
+                </a:cubicBezTo>
+                <a:cubicBezTo>
+                  <a:pt x="2086908" y="36410"/>
+                  <a:pt x="2180922" y="4645"/>
+                  <a:pt x="2425903" y="0"/>
+                </a:cubicBezTo>
+                <a:cubicBezTo>
+                  <a:pt x="2670884" y="-4645"/>
+                  <a:pt x="2782024" y="22929"/>
+                  <a:pt x="3021178" y="0"/>
+                </a:cubicBezTo>
+                <a:cubicBezTo>
+                  <a:pt x="3260332" y="-22929"/>
+                  <a:pt x="3456982" y="-1586"/>
+                  <a:pt x="3750869" y="0"/>
+                </a:cubicBezTo>
+                <a:cubicBezTo>
+                  <a:pt x="4044756" y="1586"/>
+                  <a:pt x="4302726" y="17043"/>
+                  <a:pt x="4480560" y="0"/>
+                </a:cubicBezTo>
+                <a:cubicBezTo>
+                  <a:pt x="4479674" y="5429"/>
+                  <a:pt x="4481381" y="14046"/>
+                  <a:pt x="4480560" y="18288"/>
+                </a:cubicBezTo>
+                <a:cubicBezTo>
+                  <a:pt x="4279652" y="-6850"/>
+                  <a:pt x="4200762" y="41566"/>
+                  <a:pt x="3930091" y="18288"/>
+                </a:cubicBezTo>
+                <a:cubicBezTo>
+                  <a:pt x="3659420" y="-4990"/>
+                  <a:pt x="3456052" y="22294"/>
+                  <a:pt x="3290011" y="18288"/>
+                </a:cubicBezTo>
+                <a:cubicBezTo>
+                  <a:pt x="3123970" y="14282"/>
+                  <a:pt x="2882392" y="32818"/>
+                  <a:pt x="2649931" y="18288"/>
+                </a:cubicBezTo>
+                <a:cubicBezTo>
+                  <a:pt x="2417470" y="3758"/>
+                  <a:pt x="2238426" y="7337"/>
+                  <a:pt x="2054657" y="18288"/>
+                </a:cubicBezTo>
+                <a:cubicBezTo>
+                  <a:pt x="1870888" y="29239"/>
+                  <a:pt x="1566368" y="45040"/>
+                  <a:pt x="1324966" y="18288"/>
+                </a:cubicBezTo>
+                <a:cubicBezTo>
+                  <a:pt x="1083564" y="-8464"/>
+                  <a:pt x="787410" y="10946"/>
+                  <a:pt x="595274" y="18288"/>
+                </a:cubicBezTo>
+                <a:cubicBezTo>
+                  <a:pt x="403138" y="25630"/>
+                  <a:pt x="169622" y="10499"/>
+                  <a:pt x="0" y="18288"/>
+                </a:cubicBezTo>
+                <a:cubicBezTo>
+                  <a:pt x="668" y="13665"/>
+                  <a:pt x="578" y="5675"/>
+                  <a:pt x="0" y="0"/>
+                </a:cubicBezTo>
+                <a:close/>
+              </a:path>
+            </a:pathLst>
+          </a:custGeom>
+          <a:solidFill>
+            <a:schemeClr val="accent2"/>
+          </a:solidFill>
+          <a:ln w="41275" cap="rnd">
+            <a:solidFill>
+              <a:schemeClr val="accent2"/>
+            </a:solidFill>
+            <a:round/>
+            <a:extLst>
+              <a:ext uri="{C807C97D-BFC1-408E-A445-0C87EB9F89A2}">
+                <ask:lineSketchStyleProps xmlns:ask="http://schemas.microsoft.com/office/drawing/2018/sketchyshapes" sd="1219033472">
+                  <a:prstGeom prst="rect">
+                    <a:avLst/>
+                  </a:prstGeom>
+                  <ask:type>
+                    <ask:lineSketchFreehand/>
+                  </ask:type>
+                </ask:lineSketchStyleProps>
+              </a:ext>
+            </a:extLst>
+          </a:ln>
+        </p:spPr>
+        <p:style>
+          <a:lnRef idx="2">
+            <a:schemeClr val="accent1">
+              <a:shade val="50000"/>
+            </a:schemeClr>
+          </a:lnRef>
+          <a:fillRef idx="1">
+            <a:schemeClr val="accent1"/>
+          </a:fillRef>
+          <a:effectRef idx="0">
+            <a:schemeClr val="accent1"/>
+          </a:effectRef>
+          <a:fontRef idx="minor">
+            <a:schemeClr val="lt1"/>
+          </a:fontRef>
+        </p:style>
+        <p:txBody>
+          <a:bodyPr rtlCol="0" anchor="ctr"/>
+          <a:lstStyle/>
+          <a:p>
+            <a:pPr algn="ctr"/>
+            <a:endParaRPr lang="en-US"/>
+          </a:p>
+        </p:txBody>
+      </p:sp>
       <p:sp>
         <p:nvSpPr>
           <p:cNvPr id="3" name="Subtitle 2">
@@ -14032,58 +15283,61 @@
         </p:nvSpPr>
         <p:spPr>
           <a:xfrm>
-            <a:off x="989163" y="4180008"/>
-            <a:ext cx="9144000" cy="1655762"/>
+            <a:off x="5126418" y="552091"/>
+            <a:ext cx="6224335" cy="5431536"/>
           </a:xfrm>
         </p:spPr>
         <p:txBody>
-          <a:bodyPr>
-            <a:normAutofit fontScale="77500" lnSpcReduction="20000"/>
+          <a:bodyPr vert="horz" lIns="91440" tIns="45720" rIns="91440" bIns="45720" rtlCol="0" anchor="ctr">
+            <a:normAutofit/>
           </a:bodyPr>
           <a:lstStyle/>
           <a:p>
-            <a:pPr algn="l"/>
+            <a:pPr indent="-228600" algn="l">
+              <a:buFont typeface="Arial" panose="020B0604020202020204" pitchFamily="34" charset="0"/>
+              <a:buChar char="•"/>
+            </a:pPr>
             <a:r>
-              <a:rPr lang="en-CA" sz="3300" dirty="0"/>
+              <a:rPr lang="en-US" sz="2200"/>
               <a:t>Group members : </a:t>
             </a:r>
           </a:p>
           <a:p>
-            <a:pPr algn="l"/>
+            <a:pPr indent="-228600" algn="l">
+              <a:buFont typeface="Arial" panose="020B0604020202020204" pitchFamily="34" charset="0"/>
+              <a:buChar char="•"/>
+            </a:pPr>
             <a:r>
-              <a:rPr lang="en-CA" sz="3300" dirty="0"/>
+              <a:rPr lang="en-US" sz="2200"/>
               <a:t>Sweta Joshi</a:t>
             </a:r>
           </a:p>
           <a:p>
-            <a:pPr algn="l"/>
+            <a:pPr indent="-228600" algn="l">
+              <a:buFont typeface="Arial" panose="020B0604020202020204" pitchFamily="34" charset="0"/>
+              <a:buChar char="•"/>
+            </a:pPr>
             <a:r>
-              <a:rPr lang="en-CA" sz="3300" dirty="0"/>
+              <a:rPr lang="en-US" sz="2200"/>
               <a:t>Sakshi Dalal</a:t>
             </a:r>
           </a:p>
           <a:p>
-            <a:pPr algn="l"/>
+            <a:pPr indent="-228600" algn="l">
+              <a:buFont typeface="Arial" panose="020B0604020202020204" pitchFamily="34" charset="0"/>
+              <a:buChar char="•"/>
+            </a:pPr>
             <a:r>
-              <a:rPr lang="en-CA" sz="3300" dirty="0" err="1"/>
-              <a:t>Rimple</a:t>
-            </a:r>
-            <a:r>
-              <a:rPr lang="en-CA" sz="3300" dirty="0"/>
-              <a:t> </a:t>
-            </a:r>
-            <a:r>
-              <a:rPr lang="en-CA" sz="3300" dirty="0" err="1"/>
-              <a:t>Poonia</a:t>
-            </a:r>
-            <a:r>
-              <a:rPr lang="en-CA" sz="3300" dirty="0"/>
-              <a:t> Dabas</a:t>
+              <a:rPr lang="en-US" sz="2200"/>
+              <a:t>Rimple Poonia Dabas</a:t>
             </a:r>
           </a:p>
           <a:p>
-            <a:pPr algn="l"/>
-            <a:endParaRPr lang="en-CA" dirty="0"/>
+            <a:pPr indent="-228600" algn="l">
+              <a:buFont typeface="Arial" panose="020B0604020202020204" pitchFamily="34" charset="0"/>
+              <a:buChar char="•"/>
+            </a:pPr>
+            <a:endParaRPr lang="en-US" sz="2200"/>
           </a:p>
         </p:txBody>
       </p:sp>
@@ -14101,6 +15355,279 @@
 </file>
 
 <file path=ppt/slides/slide2.xml><?xml version="1.0" encoding="utf-8"?>
+<p:sld xmlns:a="http://schemas.openxmlformats.org/drawingml/2006/main" xmlns:r="http://schemas.openxmlformats.org/officeDocument/2006/relationships" xmlns:p="http://schemas.openxmlformats.org/presentationml/2006/main">
+  <p:cSld>
+    <p:spTree>
+      <p:nvGrpSpPr>
+        <p:cNvPr id="1" name=""/>
+        <p:cNvGrpSpPr/>
+        <p:nvPr/>
+      </p:nvGrpSpPr>
+      <p:grpSpPr>
+        <a:xfrm>
+          <a:off x="0" y="0"/>
+          <a:ext cx="0" cy="0"/>
+          <a:chOff x="0" y="0"/>
+          <a:chExt cx="0" cy="0"/>
+        </a:xfrm>
+      </p:grpSpPr>
+      <p:graphicFrame>
+        <p:nvGraphicFramePr>
+          <p:cNvPr id="115" name="Diagram 114">
+            <a:extLst>
+              <a:ext uri="{FF2B5EF4-FFF2-40B4-BE49-F238E27FC236}">
+                <a16:creationId xmlns:a16="http://schemas.microsoft.com/office/drawing/2014/main" id="{A6C94B0B-2EB1-267F-2FBF-FC40CB86714C}"/>
+              </a:ext>
+            </a:extLst>
+          </p:cNvPr>
+          <p:cNvGraphicFramePr/>
+          <p:nvPr>
+            <p:extLst>
+              <p:ext uri="{D42A27DB-BD31-4B8C-83A1-F6EECF244321}">
+                <p14:modId xmlns:p14="http://schemas.microsoft.com/office/powerpoint/2010/main" val="568318548"/>
+              </p:ext>
+            </p:extLst>
+          </p:nvPr>
+        </p:nvGraphicFramePr>
+        <p:xfrm>
+          <a:off x="4137804" y="0"/>
+          <a:ext cx="7361209" cy="1200592"/>
+        </p:xfrm>
+        <a:graphic>
+          <a:graphicData uri="http://schemas.openxmlformats.org/drawingml/2006/diagram">
+            <dgm:relIds xmlns:dgm="http://schemas.openxmlformats.org/drawingml/2006/diagram" xmlns:r="http://schemas.openxmlformats.org/officeDocument/2006/relationships" r:dm="rId2" r:lo="rId3" r:qs="rId4" r:cs="rId5"/>
+          </a:graphicData>
+        </a:graphic>
+      </p:graphicFrame>
+      <p:sp>
+        <p:nvSpPr>
+          <p:cNvPr id="119" name="TextBox 118">
+            <a:extLst>
+              <a:ext uri="{FF2B5EF4-FFF2-40B4-BE49-F238E27FC236}">
+                <a16:creationId xmlns:a16="http://schemas.microsoft.com/office/drawing/2014/main" id="{5092F8C1-1E77-AFA1-10C6-BFDE82C624B2}"/>
+              </a:ext>
+            </a:extLst>
+          </p:cNvPr>
+          <p:cNvSpPr txBox="1"/>
+          <p:nvPr/>
+        </p:nvSpPr>
+        <p:spPr>
+          <a:xfrm>
+            <a:off x="786391" y="250149"/>
+            <a:ext cx="1749775" cy="646331"/>
+          </a:xfrm>
+          <a:prstGeom prst="rect">
+            <a:avLst/>
+          </a:prstGeom>
+          <a:noFill/>
+        </p:spPr>
+        <p:txBody>
+          <a:bodyPr wrap="square">
+            <a:spAutoFit/>
+          </a:bodyPr>
+          <a:lstStyle/>
+          <a:p>
+            <a:pPr marL="0" marR="0" lvl="0" indent="0" algn="l" defTabSz="914400" rtl="0" eaLnBrk="1" fontAlgn="auto" latinLnBrk="0" hangingPunct="1">
+              <a:lnSpc>
+                <a:spcPct val="100000"/>
+              </a:lnSpc>
+              <a:spcBef>
+                <a:spcPts val="0"/>
+              </a:spcBef>
+              <a:spcAft>
+                <a:spcPts val="0"/>
+              </a:spcAft>
+              <a:buClrTx/>
+              <a:buSzTx/>
+              <a:buFontTx/>
+              <a:buNone/>
+              <a:tabLst/>
+              <a:defRPr/>
+            </a:pPr>
+            <a:r>
+              <a:rPr kumimoji="0" lang="en-CA" sz="3600" b="1" i="0" u="none" strike="noStrike" kern="1200" cap="none" spc="0" normalizeH="0" baseline="0" noProof="0" dirty="0">
+                <a:ln>
+                  <a:noFill/>
+                </a:ln>
+                <a:solidFill>
+                  <a:prstClr val="black"/>
+                </a:solidFill>
+                <a:effectLst/>
+                <a:uLnTx/>
+                <a:uFillTx/>
+                <a:latin typeface="Calibri" panose="020F0502020204030204"/>
+                <a:ea typeface="+mn-ea"/>
+                <a:cs typeface="+mn-cs"/>
+                <a:hlinkClick r:id="rId7"/>
+              </a:rPr>
+              <a:t>APP</a:t>
+            </a:r>
+            <a:endParaRPr kumimoji="0" lang="en-CA" sz="3600" b="1" i="0" u="none" strike="noStrike" kern="1200" cap="none" spc="0" normalizeH="0" baseline="0" noProof="0" dirty="0">
+              <a:ln>
+                <a:noFill/>
+              </a:ln>
+              <a:solidFill>
+                <a:prstClr val="black"/>
+              </a:solidFill>
+              <a:effectLst/>
+              <a:uLnTx/>
+              <a:uFillTx/>
+              <a:latin typeface="Calibri" panose="020F0502020204030204"/>
+              <a:ea typeface="+mn-ea"/>
+              <a:cs typeface="+mn-cs"/>
+            </a:endParaRPr>
+          </a:p>
+        </p:txBody>
+      </p:sp>
+      <p:pic>
+        <p:nvPicPr>
+          <p:cNvPr id="120" name="Picture 119">
+            <a:extLst>
+              <a:ext uri="{FF2B5EF4-FFF2-40B4-BE49-F238E27FC236}">
+                <a16:creationId xmlns:a16="http://schemas.microsoft.com/office/drawing/2014/main" id="{73C10AAF-62F9-348A-FEC2-21BF6978404D}"/>
+              </a:ext>
+            </a:extLst>
+          </p:cNvPr>
+          <p:cNvPicPr>
+            <a:picLocks noChangeAspect="1"/>
+          </p:cNvPicPr>
+          <p:nvPr/>
+        </p:nvPicPr>
+        <p:blipFill>
+          <a:blip r:embed="rId8"/>
+          <a:stretch>
+            <a:fillRect/>
+          </a:stretch>
+        </p:blipFill>
+        <p:spPr>
+          <a:xfrm>
+            <a:off x="604393" y="1701624"/>
+            <a:ext cx="6114818" cy="4218798"/>
+          </a:xfrm>
+          <a:prstGeom prst="rect">
+            <a:avLst/>
+          </a:prstGeom>
+        </p:spPr>
+      </p:pic>
+      <p:pic>
+        <p:nvPicPr>
+          <p:cNvPr id="9" name="Picture 8">
+            <a:extLst>
+              <a:ext uri="{FF2B5EF4-FFF2-40B4-BE49-F238E27FC236}">
+                <a16:creationId xmlns:a16="http://schemas.microsoft.com/office/drawing/2014/main" id="{478CB0DB-F097-E5DB-2B14-EAA6F654735B}"/>
+              </a:ext>
+            </a:extLst>
+          </p:cNvPr>
+          <p:cNvPicPr>
+            <a:picLocks noChangeAspect="1"/>
+          </p:cNvPicPr>
+          <p:nvPr/>
+        </p:nvPicPr>
+        <p:blipFill>
+          <a:blip r:embed="rId9"/>
+          <a:stretch>
+            <a:fillRect/>
+          </a:stretch>
+        </p:blipFill>
+        <p:spPr>
+          <a:xfrm>
+            <a:off x="7090181" y="1701624"/>
+            <a:ext cx="3286029" cy="4328535"/>
+          </a:xfrm>
+          <a:prstGeom prst="rect">
+            <a:avLst/>
+          </a:prstGeom>
+        </p:spPr>
+      </p:pic>
+    </p:spTree>
+    <p:extLst>
+      <p:ext uri="{BB962C8B-B14F-4D97-AF65-F5344CB8AC3E}">
+        <p14:creationId xmlns:p14="http://schemas.microsoft.com/office/powerpoint/2010/main" val="2623107470"/>
+      </p:ext>
+    </p:extLst>
+  </p:cSld>
+  <p:clrMapOvr>
+    <a:masterClrMapping/>
+  </p:clrMapOvr>
+  <p:timing>
+    <p:tnLst>
+      <p:par>
+        <p:cTn id="1" dur="indefinite" restart="never" nodeType="tmRoot">
+          <p:childTnLst>
+            <p:seq concurrent="1" nextAc="seek">
+              <p:cTn id="2" dur="indefinite" nodeType="mainSeq">
+                <p:childTnLst>
+                  <p:par>
+                    <p:cTn id="3" fill="hold">
+                      <p:stCondLst>
+                        <p:cond delay="indefinite"/>
+                      </p:stCondLst>
+                      <p:childTnLst>
+                        <p:par>
+                          <p:cTn id="4" fill="hold">
+                            <p:stCondLst>
+                              <p:cond delay="0"/>
+                            </p:stCondLst>
+                            <p:childTnLst>
+                              <p:par>
+                                <p:cTn id="5" presetID="1" presetClass="entr" presetSubtype="0" fill="hold" nodeType="clickEffect">
+                                  <p:stCondLst>
+                                    <p:cond delay="0"/>
+                                  </p:stCondLst>
+                                  <p:childTnLst>
+                                    <p:set>
+                                      <p:cBhvr>
+                                        <p:cTn id="6" dur="1" fill="hold">
+                                          <p:stCondLst>
+                                            <p:cond delay="0"/>
+                                          </p:stCondLst>
+                                        </p:cTn>
+                                        <p:tgtEl>
+                                          <p:spTgt spid="9"/>
+                                        </p:tgtEl>
+                                        <p:attrNameLst>
+                                          <p:attrName>style.visibility</p:attrName>
+                                        </p:attrNameLst>
+                                      </p:cBhvr>
+                                      <p:to>
+                                        <p:strVal val="visible"/>
+                                      </p:to>
+                                    </p:set>
+                                  </p:childTnLst>
+                                </p:cTn>
+                              </p:par>
+                            </p:childTnLst>
+                          </p:cTn>
+                        </p:par>
+                      </p:childTnLst>
+                    </p:cTn>
+                  </p:par>
+                </p:childTnLst>
+              </p:cTn>
+              <p:prevCondLst>
+                <p:cond evt="onPrev" delay="0">
+                  <p:tgtEl>
+                    <p:sldTgt/>
+                  </p:tgtEl>
+                </p:cond>
+              </p:prevCondLst>
+              <p:nextCondLst>
+                <p:cond evt="onNext" delay="0">
+                  <p:tgtEl>
+                    <p:sldTgt/>
+                  </p:tgtEl>
+                </p:cond>
+              </p:nextCondLst>
+            </p:seq>
+          </p:childTnLst>
+        </p:cTn>
+      </p:par>
+    </p:tnLst>
+  </p:timing>
+</p:sld>
+</file>
+
+<file path=ppt/slides/slide3.xml><?xml version="1.0" encoding="utf-8"?>
 <p:sld xmlns:a="http://schemas.openxmlformats.org/drawingml/2006/main" xmlns:r="http://schemas.openxmlformats.org/officeDocument/2006/relationships" xmlns:p="http://schemas.openxmlformats.org/presentationml/2006/main">
   <p:cSld>
     <p:spTree>
@@ -14337,7 +15864,7 @@
 </p:sld>
 </file>
 
-<file path=ppt/slides/slide3.xml><?xml version="1.0" encoding="utf-8"?>
+<file path=ppt/slides/slide4.xml><?xml version="1.0" encoding="utf-8"?>
 <p:sld xmlns:a="http://schemas.openxmlformats.org/drawingml/2006/main" xmlns:r="http://schemas.openxmlformats.org/officeDocument/2006/relationships" xmlns:p="http://schemas.openxmlformats.org/presentationml/2006/main">
   <p:cSld>
     <p:spTree>
@@ -14759,7 +16286,7 @@
 </p:sld>
 </file>
 
-<file path=ppt/slides/slide4.xml><?xml version="1.0" encoding="utf-8"?>
+<file path=ppt/slides/slide5.xml><?xml version="1.0" encoding="utf-8"?>
 <p:sld xmlns:a="http://schemas.openxmlformats.org/drawingml/2006/main" xmlns:r="http://schemas.openxmlformats.org/officeDocument/2006/relationships" xmlns:p="http://schemas.openxmlformats.org/presentationml/2006/main">
   <p:cSld>
     <p:spTree>
@@ -15162,159 +16689,6 @@
 </p:sld>
 </file>
 
-<file path=ppt/slides/slide5.xml><?xml version="1.0" encoding="utf-8"?>
-<p:sld xmlns:a="http://schemas.openxmlformats.org/drawingml/2006/main" xmlns:r="http://schemas.openxmlformats.org/officeDocument/2006/relationships" xmlns:p="http://schemas.openxmlformats.org/presentationml/2006/main">
-  <p:cSld>
-    <p:spTree>
-      <p:nvGrpSpPr>
-        <p:cNvPr id="1" name=""/>
-        <p:cNvGrpSpPr/>
-        <p:nvPr/>
-      </p:nvGrpSpPr>
-      <p:grpSpPr>
-        <a:xfrm>
-          <a:off x="0" y="0"/>
-          <a:ext cx="0" cy="0"/>
-          <a:chOff x="0" y="0"/>
-          <a:chExt cx="0" cy="0"/>
-        </a:xfrm>
-      </p:grpSpPr>
-      <p:graphicFrame>
-        <p:nvGraphicFramePr>
-          <p:cNvPr id="115" name="Diagram 114">
-            <a:extLst>
-              <a:ext uri="{FF2B5EF4-FFF2-40B4-BE49-F238E27FC236}">
-                <a16:creationId xmlns:a16="http://schemas.microsoft.com/office/drawing/2014/main" id="{A6C94B0B-2EB1-267F-2FBF-FC40CB86714C}"/>
-              </a:ext>
-            </a:extLst>
-          </p:cNvPr>
-          <p:cNvGraphicFramePr/>
-          <p:nvPr>
-            <p:extLst>
-              <p:ext uri="{D42A27DB-BD31-4B8C-83A1-F6EECF244321}">
-                <p14:modId xmlns:p14="http://schemas.microsoft.com/office/powerpoint/2010/main" val="568318548"/>
-              </p:ext>
-            </p:extLst>
-          </p:nvPr>
-        </p:nvGraphicFramePr>
-        <p:xfrm>
-          <a:off x="4137804" y="0"/>
-          <a:ext cx="7361209" cy="1200592"/>
-        </p:xfrm>
-        <a:graphic>
-          <a:graphicData uri="http://schemas.openxmlformats.org/drawingml/2006/diagram">
-            <dgm:relIds xmlns:dgm="http://schemas.openxmlformats.org/drawingml/2006/diagram" xmlns:r="http://schemas.openxmlformats.org/officeDocument/2006/relationships" r:dm="rId2" r:lo="rId3" r:qs="rId4" r:cs="rId5"/>
-          </a:graphicData>
-        </a:graphic>
-      </p:graphicFrame>
-      <p:sp>
-        <p:nvSpPr>
-          <p:cNvPr id="119" name="TextBox 118">
-            <a:extLst>
-              <a:ext uri="{FF2B5EF4-FFF2-40B4-BE49-F238E27FC236}">
-                <a16:creationId xmlns:a16="http://schemas.microsoft.com/office/drawing/2014/main" id="{5092F8C1-1E77-AFA1-10C6-BFDE82C624B2}"/>
-              </a:ext>
-            </a:extLst>
-          </p:cNvPr>
-          <p:cNvSpPr txBox="1"/>
-          <p:nvPr/>
-        </p:nvSpPr>
-        <p:spPr>
-          <a:xfrm>
-            <a:off x="786391" y="250148"/>
-            <a:ext cx="1577247" cy="646331"/>
-          </a:xfrm>
-          <a:prstGeom prst="rect">
-            <a:avLst/>
-          </a:prstGeom>
-          <a:noFill/>
-        </p:spPr>
-        <p:txBody>
-          <a:bodyPr wrap="square">
-            <a:spAutoFit/>
-          </a:bodyPr>
-          <a:lstStyle/>
-          <a:p>
-            <a:pPr marL="0" marR="0" lvl="0" indent="0" algn="l" defTabSz="914400" rtl="0" eaLnBrk="1" fontAlgn="auto" latinLnBrk="0" hangingPunct="1">
-              <a:lnSpc>
-                <a:spcPct val="100000"/>
-              </a:lnSpc>
-              <a:spcBef>
-                <a:spcPts val="0"/>
-              </a:spcBef>
-              <a:spcAft>
-                <a:spcPts val="0"/>
-              </a:spcAft>
-              <a:buClrTx/>
-              <a:buSzTx/>
-              <a:buFontTx/>
-              <a:buNone/>
-              <a:tabLst/>
-              <a:defRPr/>
-            </a:pPr>
-            <a:r>
-              <a:rPr kumimoji="0" lang="en-CA" sz="3600" b="1" i="0" u="none" strike="noStrike" kern="1200" cap="none" spc="0" normalizeH="0" baseline="0" noProof="0" dirty="0">
-                <a:ln>
-                  <a:noFill/>
-                </a:ln>
-                <a:solidFill>
-                  <a:prstClr val="black"/>
-                </a:solidFill>
-                <a:effectLst/>
-                <a:uLnTx/>
-                <a:uFillTx/>
-                <a:latin typeface="Calibri" panose="020F0502020204030204"/>
-                <a:ea typeface="+mn-ea"/>
-                <a:cs typeface="+mn-cs"/>
-              </a:rPr>
-              <a:t>APP</a:t>
-            </a:r>
-          </a:p>
-        </p:txBody>
-      </p:sp>
-      <p:pic>
-        <p:nvPicPr>
-          <p:cNvPr id="120" name="Picture 119">
-            <a:extLst>
-              <a:ext uri="{FF2B5EF4-FFF2-40B4-BE49-F238E27FC236}">
-                <a16:creationId xmlns:a16="http://schemas.microsoft.com/office/drawing/2014/main" id="{73C10AAF-62F9-348A-FEC2-21BF6978404D}"/>
-              </a:ext>
-            </a:extLst>
-          </p:cNvPr>
-          <p:cNvPicPr>
-            <a:picLocks noChangeAspect="1"/>
-          </p:cNvPicPr>
-          <p:nvPr/>
-        </p:nvPicPr>
-        <p:blipFill>
-          <a:blip r:embed="rId7"/>
-          <a:stretch>
-            <a:fillRect/>
-          </a:stretch>
-        </p:blipFill>
-        <p:spPr>
-          <a:xfrm>
-            <a:off x="2057273" y="1772744"/>
-            <a:ext cx="6114818" cy="4218798"/>
-          </a:xfrm>
-          <a:prstGeom prst="rect">
-            <a:avLst/>
-          </a:prstGeom>
-        </p:spPr>
-      </p:pic>
-    </p:spTree>
-    <p:extLst>
-      <p:ext uri="{BB962C8B-B14F-4D97-AF65-F5344CB8AC3E}">
-        <p14:creationId xmlns:p14="http://schemas.microsoft.com/office/powerpoint/2010/main" val="2623107470"/>
-      </p:ext>
-    </p:extLst>
-  </p:cSld>
-  <p:clrMapOvr>
-    <a:masterClrMapping/>
-  </p:clrMapOvr>
-</p:sld>
-</file>
-
 <file path=ppt/slides/slide6.xml><?xml version="1.0" encoding="utf-8"?>
 <p:sld xmlns:a="http://schemas.openxmlformats.org/drawingml/2006/main" xmlns:r="http://schemas.openxmlformats.org/officeDocument/2006/relationships" xmlns:p="http://schemas.openxmlformats.org/presentationml/2006/main">
   <p:cSld>
@@ -15334,6 +16708,57 @@
       </p:grpSpPr>
       <p:sp>
         <p:nvSpPr>
+          <p:cNvPr id="37" name="Rectangle: Rounded Corners 36">
+            <a:extLst>
+              <a:ext uri="{FF2B5EF4-FFF2-40B4-BE49-F238E27FC236}">
+                <a16:creationId xmlns:a16="http://schemas.microsoft.com/office/drawing/2014/main" id="{22F8F42C-379C-6844-A17C-BB4E765EA574}"/>
+              </a:ext>
+            </a:extLst>
+          </p:cNvPr>
+          <p:cNvSpPr/>
+          <p:nvPr/>
+        </p:nvSpPr>
+        <p:spPr>
+          <a:xfrm>
+            <a:off x="7849366" y="1017527"/>
+            <a:ext cx="2367687" cy="4198823"/>
+          </a:xfrm>
+          <a:prstGeom prst="roundRect">
+            <a:avLst/>
+          </a:prstGeom>
+          <a:solidFill>
+            <a:schemeClr val="bg1">
+              <a:lumMod val="95000"/>
+            </a:schemeClr>
+          </a:solidFill>
+        </p:spPr>
+        <p:style>
+          <a:lnRef idx="2">
+            <a:schemeClr val="accent1">
+              <a:shade val="15000"/>
+            </a:schemeClr>
+          </a:lnRef>
+          <a:fillRef idx="1">
+            <a:schemeClr val="accent1"/>
+          </a:fillRef>
+          <a:effectRef idx="0">
+            <a:schemeClr val="accent1"/>
+          </a:effectRef>
+          <a:fontRef idx="minor">
+            <a:schemeClr val="lt1"/>
+          </a:fontRef>
+        </p:style>
+        <p:txBody>
+          <a:bodyPr rtlCol="0" anchor="ctr"/>
+          <a:lstStyle/>
+          <a:p>
+            <a:pPr algn="ctr"/>
+            <a:endParaRPr lang="en-CA"/>
+          </a:p>
+        </p:txBody>
+      </p:sp>
+      <p:sp>
+        <p:nvSpPr>
           <p:cNvPr id="2" name="Rectangle: Rounded Corners 1">
             <a:extLst>
               <a:ext uri="{FF2B5EF4-FFF2-40B4-BE49-F238E27FC236}">
@@ -15346,7 +16771,7 @@
         </p:nvSpPr>
         <p:spPr>
           <a:xfrm>
-            <a:off x="2596439" y="1854289"/>
+            <a:off x="1069563" y="1017527"/>
             <a:ext cx="2233747" cy="4132053"/>
           </a:xfrm>
           <a:prstGeom prst="roundRect">
@@ -15411,7 +16836,7 @@
         </p:blipFill>
         <p:spPr>
           <a:xfrm>
-            <a:off x="2792432" y="5146024"/>
+            <a:off x="1265556" y="4309262"/>
             <a:ext cx="975070" cy="732695"/>
           </a:xfrm>
           <a:prstGeom prst="rect">
@@ -15447,7 +16872,7 @@
         </p:blipFill>
         <p:spPr>
           <a:xfrm>
-            <a:off x="2835388" y="4138044"/>
+            <a:off x="1308512" y="3301282"/>
             <a:ext cx="598698" cy="693742"/>
           </a:xfrm>
           <a:prstGeom prst="rect">
@@ -15483,7 +16908,7 @@
         </p:blipFill>
         <p:spPr>
           <a:xfrm>
-            <a:off x="4044742" y="4138044"/>
+            <a:off x="2517866" y="3301282"/>
             <a:ext cx="590369" cy="646869"/>
           </a:xfrm>
           <a:prstGeom prst="rect">
@@ -15505,7 +16930,7 @@
         </p:nvSpPr>
         <p:spPr>
           <a:xfrm>
-            <a:off x="2878736" y="1971303"/>
+            <a:off x="1351860" y="1134541"/>
             <a:ext cx="1502288" cy="434084"/>
           </a:xfrm>
           <a:prstGeom prst="flowChartAlternateProcess">
@@ -15569,7 +16994,7 @@
         </p:nvSpPr>
         <p:spPr>
           <a:xfrm>
-            <a:off x="2878736" y="2590922"/>
+            <a:off x="1351860" y="1754160"/>
             <a:ext cx="1474548" cy="400110"/>
           </a:xfrm>
           <a:prstGeom prst="rect">
@@ -15619,7 +17044,7 @@
         </p:blipFill>
         <p:spPr>
           <a:xfrm>
-            <a:off x="3794299" y="3197328"/>
+            <a:off x="2267423" y="2360566"/>
             <a:ext cx="919171" cy="400110"/>
           </a:xfrm>
           <a:prstGeom prst="rect">
@@ -15655,7 +17080,7 @@
         </p:blipFill>
         <p:spPr>
           <a:xfrm>
-            <a:off x="2755608" y="3179613"/>
+            <a:off x="1228732" y="2342851"/>
             <a:ext cx="909446" cy="454724"/>
           </a:xfrm>
           <a:prstGeom prst="rect">
@@ -15677,7 +17102,7 @@
         </p:nvSpPr>
         <p:spPr>
           <a:xfrm>
-            <a:off x="2835388" y="3735650"/>
+            <a:off x="1308512" y="2898888"/>
             <a:ext cx="1740379" cy="369332"/>
           </a:xfrm>
           <a:prstGeom prst="rect">
@@ -15742,7 +17167,7 @@
         </p:nvSpPr>
         <p:spPr>
           <a:xfrm>
-            <a:off x="3216385" y="4742351"/>
+            <a:off x="1689509" y="3905589"/>
             <a:ext cx="826989" cy="369332"/>
           </a:xfrm>
           <a:prstGeom prst="rect">
@@ -15815,7 +17240,7 @@
         </p:blipFill>
         <p:spPr>
           <a:xfrm>
-            <a:off x="3958203" y="5163548"/>
+            <a:off x="2431327" y="4326786"/>
             <a:ext cx="761358" cy="672707"/>
           </a:xfrm>
           <a:prstGeom prst="rect">
@@ -15837,8 +17262,8 @@
         </p:nvSpPr>
         <p:spPr>
           <a:xfrm>
-            <a:off x="6467876" y="1886555"/>
-            <a:ext cx="2233747" cy="4132053"/>
+            <a:off x="4647708" y="1052031"/>
+            <a:ext cx="2262798" cy="4164319"/>
           </a:xfrm>
           <a:prstGeom prst="roundRect">
             <a:avLst/>
@@ -15902,7 +17327,7 @@
         </p:blipFill>
         <p:spPr>
           <a:xfrm>
-            <a:off x="6570221" y="5377049"/>
+            <a:off x="4750053" y="4574791"/>
             <a:ext cx="826534" cy="462331"/>
           </a:xfrm>
           <a:prstGeom prst="rect">
@@ -15924,8 +17349,8 @@
         </p:nvSpPr>
         <p:spPr>
           <a:xfrm>
-            <a:off x="5054435" y="3850518"/>
-            <a:ext cx="1239886" cy="595336"/>
+            <a:off x="3537950" y="2978498"/>
+            <a:ext cx="907297" cy="595336"/>
           </a:xfrm>
           <a:prstGeom prst="rightArrow">
             <a:avLst/>
@@ -15976,7 +17401,7 @@
         </p:nvSpPr>
         <p:spPr>
           <a:xfrm>
-            <a:off x="6804054" y="2007379"/>
+            <a:off x="4983886" y="1205121"/>
             <a:ext cx="1502288" cy="434084"/>
           </a:xfrm>
           <a:prstGeom prst="flowChartAlternateProcess">
@@ -16048,7 +17473,7 @@
         </p:blipFill>
         <p:spPr>
           <a:xfrm>
-            <a:off x="5054435" y="3045809"/>
+            <a:off x="3441882" y="2259444"/>
             <a:ext cx="1116611" cy="612232"/>
           </a:xfrm>
           <a:prstGeom prst="rect">
@@ -16084,7 +17509,7 @@
         </p:blipFill>
         <p:spPr>
           <a:xfrm>
-            <a:off x="6580854" y="4424129"/>
+            <a:off x="4760686" y="3621871"/>
             <a:ext cx="654369" cy="654369"/>
           </a:xfrm>
           <a:prstGeom prst="rect">
@@ -16120,7 +17545,7 @@
         </p:blipFill>
         <p:spPr>
           <a:xfrm>
-            <a:off x="8112683" y="3826516"/>
+            <a:off x="6292515" y="3024258"/>
             <a:ext cx="578026" cy="578026"/>
           </a:xfrm>
           <a:prstGeom prst="rect">
@@ -16156,7 +17581,7 @@
         </p:blipFill>
         <p:spPr>
           <a:xfrm>
-            <a:off x="7584750" y="3831483"/>
+            <a:off x="5764582" y="3029225"/>
             <a:ext cx="559200" cy="633406"/>
           </a:xfrm>
           <a:prstGeom prst="rect">
@@ -16180,7 +17605,7 @@
         </p:nvCxnSpPr>
         <p:spPr>
           <a:xfrm flipV="1">
-            <a:off x="7201077" y="4130785"/>
+            <a:off x="5380909" y="3328527"/>
             <a:ext cx="322650" cy="401432"/>
           </a:xfrm>
           <a:prstGeom prst="straightConnector1">
@@ -16224,7 +17649,7 @@
         </p:nvCxnSpPr>
         <p:spPr>
           <a:xfrm>
-            <a:off x="7396755" y="5646681"/>
+            <a:off x="5576587" y="4844423"/>
             <a:ext cx="444658" cy="0"/>
           </a:xfrm>
           <a:prstGeom prst="straightConnector1">
@@ -16268,7 +17693,7 @@
         </p:nvCxnSpPr>
         <p:spPr>
           <a:xfrm flipV="1">
-            <a:off x="6906832" y="5116235"/>
+            <a:off x="5086664" y="4313977"/>
             <a:ext cx="0" cy="185341"/>
           </a:xfrm>
           <a:prstGeom prst="straightConnector1">
@@ -16323,7 +17748,7 @@
         </p:blipFill>
         <p:spPr>
           <a:xfrm>
-            <a:off x="7990216" y="5269645"/>
+            <a:off x="6132880" y="4467387"/>
             <a:ext cx="670271" cy="619847"/>
           </a:xfrm>
           <a:prstGeom prst="rect">
@@ -16347,7 +17772,7 @@
         </p:nvCxnSpPr>
         <p:spPr>
           <a:xfrm>
-            <a:off x="8041405" y="4619101"/>
+            <a:off x="6221237" y="3816843"/>
             <a:ext cx="283946" cy="578025"/>
           </a:xfrm>
           <a:prstGeom prst="straightConnector1">
@@ -16403,7 +17828,7 @@
         </p:blipFill>
         <p:spPr>
           <a:xfrm>
-            <a:off x="7244209" y="2510814"/>
+            <a:off x="5424041" y="1708556"/>
             <a:ext cx="578638" cy="789600"/>
           </a:xfrm>
           <a:prstGeom prst="rect">
@@ -16425,7 +17850,7 @@
         </p:nvSpPr>
         <p:spPr>
           <a:xfrm rot="16200000">
-            <a:off x="7337422" y="3429158"/>
+            <a:off x="5517254" y="2626900"/>
             <a:ext cx="435552" cy="253538"/>
           </a:xfrm>
           <a:prstGeom prst="rightArrow">
@@ -16463,6 +17888,265 @@
           </a:p>
         </p:txBody>
       </p:sp>
+      <p:pic>
+        <p:nvPicPr>
+          <p:cNvPr id="29" name="Picture 28" descr="A hexagon with colorful lines&#10;&#10;Description automatically generated with low confidence">
+            <a:extLst>
+              <a:ext uri="{FF2B5EF4-FFF2-40B4-BE49-F238E27FC236}">
+                <a16:creationId xmlns:a16="http://schemas.microsoft.com/office/drawing/2014/main" id="{433D5461-ABD7-2E97-65F1-542417F9B8DB}"/>
+              </a:ext>
+            </a:extLst>
+          </p:cNvPr>
+          <p:cNvPicPr>
+            <a:picLocks noChangeAspect="1"/>
+          </p:cNvPicPr>
+          <p:nvPr/>
+        </p:nvPicPr>
+        <p:blipFill>
+          <a:blip r:embed="rId15">
+            <a:extLst>
+              <a:ext uri="{28A0092B-C50C-407E-A947-70E740481C1C}">
+                <a14:useLocalDpi xmlns:a14="http://schemas.microsoft.com/office/drawing/2010/main" val="0"/>
+              </a:ext>
+            </a:extLst>
+          </a:blip>
+          <a:stretch>
+            <a:fillRect/>
+          </a:stretch>
+        </p:blipFill>
+        <p:spPr>
+          <a:xfrm>
+            <a:off x="9070662" y="2087952"/>
+            <a:ext cx="1028761" cy="1028761"/>
+          </a:xfrm>
+          <a:prstGeom prst="rect">
+            <a:avLst/>
+          </a:prstGeom>
+        </p:spPr>
+      </p:pic>
+      <p:pic>
+        <p:nvPicPr>
+          <p:cNvPr id="30" name="Picture 29" descr="A picture containing graphics, font, symbol, logo&#10;&#10;Description automatically generated">
+            <a:extLst>
+              <a:ext uri="{FF2B5EF4-FFF2-40B4-BE49-F238E27FC236}">
+                <a16:creationId xmlns:a16="http://schemas.microsoft.com/office/drawing/2014/main" id="{5877D8D9-7910-43C5-79AF-8041EB86A95C}"/>
+              </a:ext>
+            </a:extLst>
+          </p:cNvPr>
+          <p:cNvPicPr>
+            <a:picLocks noChangeAspect="1"/>
+          </p:cNvPicPr>
+          <p:nvPr/>
+        </p:nvPicPr>
+        <p:blipFill>
+          <a:blip r:embed="rId16">
+            <a:extLst>
+              <a:ext uri="{28A0092B-C50C-407E-A947-70E740481C1C}">
+                <a14:useLocalDpi xmlns:a14="http://schemas.microsoft.com/office/drawing/2010/main" val="0"/>
+              </a:ext>
+            </a:extLst>
+          </a:blip>
+          <a:stretch>
+            <a:fillRect/>
+          </a:stretch>
+        </p:blipFill>
+        <p:spPr>
+          <a:xfrm>
+            <a:off x="7984940" y="2111786"/>
+            <a:ext cx="981092" cy="981092"/>
+          </a:xfrm>
+          <a:prstGeom prst="rect">
+            <a:avLst/>
+          </a:prstGeom>
+        </p:spPr>
+      </p:pic>
+      <p:pic>
+        <p:nvPicPr>
+          <p:cNvPr id="35" name="Picture 34" descr="A picture containing text, screenshot, graphics, design&#10;&#10;Description automatically generated">
+            <a:extLst>
+              <a:ext uri="{FF2B5EF4-FFF2-40B4-BE49-F238E27FC236}">
+                <a16:creationId xmlns:a16="http://schemas.microsoft.com/office/drawing/2014/main" id="{2767BD6E-90EE-1E13-9994-5048CA667B29}"/>
+              </a:ext>
+            </a:extLst>
+          </p:cNvPr>
+          <p:cNvPicPr>
+            <a:picLocks noChangeAspect="1"/>
+          </p:cNvPicPr>
+          <p:nvPr/>
+        </p:nvPicPr>
+        <p:blipFill rotWithShape="1">
+          <a:blip r:embed="rId17">
+            <a:extLst>
+              <a:ext uri="{28A0092B-C50C-407E-A947-70E740481C1C}">
+                <a14:useLocalDpi xmlns:a14="http://schemas.microsoft.com/office/drawing/2010/main" val="0"/>
+              </a:ext>
+            </a:extLst>
+          </a:blip>
+          <a:srcRect l="18049" t="10770" r="17818" b="11476"/>
+          <a:stretch/>
+        </p:blipFill>
+        <p:spPr>
+          <a:xfrm>
+            <a:off x="7989615" y="3467100"/>
+            <a:ext cx="1051466" cy="1274773"/>
+          </a:xfrm>
+          <a:prstGeom prst="rect">
+            <a:avLst/>
+          </a:prstGeom>
+        </p:spPr>
+      </p:pic>
+      <p:sp>
+        <p:nvSpPr>
+          <p:cNvPr id="38" name="Flowchart: Alternate Process 37">
+            <a:extLst>
+              <a:ext uri="{FF2B5EF4-FFF2-40B4-BE49-F238E27FC236}">
+                <a16:creationId xmlns:a16="http://schemas.microsoft.com/office/drawing/2014/main" id="{00EE49B9-5953-BBE9-22AD-238F200BE192}"/>
+              </a:ext>
+            </a:extLst>
+          </p:cNvPr>
+          <p:cNvSpPr/>
+          <p:nvPr/>
+        </p:nvSpPr>
+        <p:spPr>
+          <a:xfrm>
+            <a:off x="8046684" y="1261024"/>
+            <a:ext cx="2015012" cy="507810"/>
+          </a:xfrm>
+          <a:prstGeom prst="flowChartAlternateProcess">
+            <a:avLst/>
+          </a:prstGeom>
+          <a:solidFill>
+            <a:schemeClr val="bg2"/>
+          </a:solidFill>
+        </p:spPr>
+        <p:style>
+          <a:lnRef idx="2">
+            <a:schemeClr val="accent1">
+              <a:shade val="50000"/>
+            </a:schemeClr>
+          </a:lnRef>
+          <a:fillRef idx="1">
+            <a:schemeClr val="accent1"/>
+          </a:fillRef>
+          <a:effectRef idx="0">
+            <a:schemeClr val="accent1"/>
+          </a:effectRef>
+          <a:fontRef idx="minor">
+            <a:schemeClr val="lt1"/>
+          </a:fontRef>
+        </p:style>
+        <p:txBody>
+          <a:bodyPr rtlCol="0" anchor="ctr"/>
+          <a:lstStyle/>
+          <a:p>
+            <a:pPr algn="ctr"/>
+            <a:r>
+              <a:rPr lang="en-CA" sz="3200" dirty="0">
+                <a:ln w="0"/>
+                <a:solidFill>
+                  <a:schemeClr val="tx1"/>
+                </a:solidFill>
+                <a:effectLst>
+                  <a:outerShdw blurRad="38100" dist="19050" dir="2700000" algn="tl" rotWithShape="0">
+                    <a:schemeClr val="dk1">
+                      <a:alpha val="40000"/>
+                    </a:schemeClr>
+                  </a:outerShdw>
+                </a:effectLst>
+              </a:rPr>
+              <a:t>Libraries</a:t>
+            </a:r>
+          </a:p>
+        </p:txBody>
+      </p:sp>
+      <p:sp>
+        <p:nvSpPr>
+          <p:cNvPr id="39" name="Arrow: Right 38">
+            <a:extLst>
+              <a:ext uri="{FF2B5EF4-FFF2-40B4-BE49-F238E27FC236}">
+                <a16:creationId xmlns:a16="http://schemas.microsoft.com/office/drawing/2014/main" id="{718737A9-062A-E31B-65C0-EDBB3C4D19D3}"/>
+              </a:ext>
+            </a:extLst>
+          </p:cNvPr>
+          <p:cNvSpPr/>
+          <p:nvPr/>
+        </p:nvSpPr>
+        <p:spPr>
+          <a:xfrm rot="10800000">
+            <a:off x="6951440" y="2944629"/>
+            <a:ext cx="836071" cy="595336"/>
+          </a:xfrm>
+          <a:prstGeom prst="rightArrow">
+            <a:avLst/>
+          </a:prstGeom>
+          <a:solidFill>
+            <a:schemeClr val="accent6">
+              <a:lumMod val="60000"/>
+              <a:lumOff val="40000"/>
+            </a:schemeClr>
+          </a:solidFill>
+        </p:spPr>
+        <p:style>
+          <a:lnRef idx="2">
+            <a:schemeClr val="accent1">
+              <a:shade val="15000"/>
+            </a:schemeClr>
+          </a:lnRef>
+          <a:fillRef idx="1">
+            <a:schemeClr val="accent1"/>
+          </a:fillRef>
+          <a:effectRef idx="0">
+            <a:schemeClr val="accent1"/>
+          </a:effectRef>
+          <a:fontRef idx="minor">
+            <a:schemeClr val="lt1"/>
+          </a:fontRef>
+        </p:style>
+        <p:txBody>
+          <a:bodyPr rtlCol="0" anchor="ctr"/>
+          <a:lstStyle/>
+          <a:p>
+            <a:pPr algn="ctr"/>
+            <a:endParaRPr lang="en-CA"/>
+          </a:p>
+        </p:txBody>
+      </p:sp>
+      <p:pic>
+        <p:nvPicPr>
+          <p:cNvPr id="41" name="Picture 40" descr="A picture containing text, typography&#10;&#10;Description automatically generated">
+            <a:extLst>
+              <a:ext uri="{FF2B5EF4-FFF2-40B4-BE49-F238E27FC236}">
+                <a16:creationId xmlns:a16="http://schemas.microsoft.com/office/drawing/2014/main" id="{6C51C50C-E54E-EB4B-4B1C-90667F38752E}"/>
+              </a:ext>
+            </a:extLst>
+          </p:cNvPr>
+          <p:cNvPicPr>
+            <a:picLocks noChangeAspect="1"/>
+          </p:cNvPicPr>
+          <p:nvPr/>
+        </p:nvPicPr>
+        <p:blipFill>
+          <a:blip r:embed="rId18">
+            <a:extLst>
+              <a:ext uri="{28A0092B-C50C-407E-A947-70E740481C1C}">
+                <a14:useLocalDpi xmlns:a14="http://schemas.microsoft.com/office/drawing/2010/main" val="0"/>
+              </a:ext>
+            </a:extLst>
+          </a:blip>
+          <a:stretch>
+            <a:fillRect/>
+          </a:stretch>
+        </p:blipFill>
+        <p:spPr>
+          <a:xfrm>
+            <a:off x="9132730" y="3644910"/>
+            <a:ext cx="1028762" cy="1028762"/>
+          </a:xfrm>
+          <a:prstGeom prst="rect">
+            <a:avLst/>
+          </a:prstGeom>
+        </p:spPr>
+      </p:pic>
     </p:spTree>
     <p:extLst>
       <p:ext uri="{BB962C8B-B14F-4D97-AF65-F5344CB8AC3E}">
@@ -16495,10 +18179,10 @@
       </p:grpSpPr>
       <p:pic>
         <p:nvPicPr>
-          <p:cNvPr id="6" name="Picture 5">
+          <p:cNvPr id="3" name="Picture 2">
             <a:extLst>
               <a:ext uri="{FF2B5EF4-FFF2-40B4-BE49-F238E27FC236}">
-                <a16:creationId xmlns:a16="http://schemas.microsoft.com/office/drawing/2014/main" id="{78EB1390-CD53-8E07-DD7E-C6E8CD04524E}"/>
+                <a16:creationId xmlns:a16="http://schemas.microsoft.com/office/drawing/2014/main" id="{8EBD18B6-5F98-71A2-FA1B-45457ABA8C2E}"/>
               </a:ext>
             </a:extLst>
           </p:cNvPr>
@@ -16515,366 +18199,8 @@
         </p:blipFill>
         <p:spPr>
           <a:xfrm>
-            <a:off x="5467737" y="2765674"/>
-            <a:ext cx="2052469" cy="1542166"/>
-          </a:xfrm>
-          <a:prstGeom prst="rect">
-            <a:avLst/>
-          </a:prstGeom>
-        </p:spPr>
-      </p:pic>
-      <p:pic>
-        <p:nvPicPr>
-          <p:cNvPr id="7" name="Picture 6" descr="A picture containing graphics, font, circle, graphic design&#10;&#10;Description automatically generated">
-            <a:extLst>
-              <a:ext uri="{FF2B5EF4-FFF2-40B4-BE49-F238E27FC236}">
-                <a16:creationId xmlns:a16="http://schemas.microsoft.com/office/drawing/2014/main" id="{FC60BC70-80DC-67D0-2E1C-163D42035C0B}"/>
-              </a:ext>
-            </a:extLst>
-          </p:cNvPr>
-          <p:cNvPicPr>
-            <a:picLocks noChangeAspect="1"/>
-          </p:cNvPicPr>
-          <p:nvPr/>
-        </p:nvPicPr>
-        <p:blipFill>
-          <a:blip r:embed="rId3">
-            <a:extLst>
-              <a:ext uri="{28A0092B-C50C-407E-A947-70E740481C1C}">
-                <a14:useLocalDpi xmlns:a14="http://schemas.microsoft.com/office/drawing/2010/main" val="0"/>
-              </a:ext>
-            </a:extLst>
-          </a:blip>
-          <a:stretch>
-            <a:fillRect/>
-          </a:stretch>
-        </p:blipFill>
-        <p:spPr>
-          <a:xfrm>
-            <a:off x="5481339" y="569498"/>
-            <a:ext cx="1774747" cy="2056488"/>
-          </a:xfrm>
-          <a:prstGeom prst="rect">
-            <a:avLst/>
-          </a:prstGeom>
-        </p:spPr>
-      </p:pic>
-      <p:pic>
-        <p:nvPicPr>
-          <p:cNvPr id="9" name="Picture 8" descr="A blue and yellow snake logo&#10;&#10;Description automatically generated with low confidence">
-            <a:extLst>
-              <a:ext uri="{FF2B5EF4-FFF2-40B4-BE49-F238E27FC236}">
-                <a16:creationId xmlns:a16="http://schemas.microsoft.com/office/drawing/2014/main" id="{C8CBD6AE-6D18-1AE5-8822-3862B2DF542B}"/>
-              </a:ext>
-            </a:extLst>
-          </p:cNvPr>
-          <p:cNvPicPr>
-            <a:picLocks noChangeAspect="1"/>
-          </p:cNvPicPr>
-          <p:nvPr/>
-        </p:nvPicPr>
-        <p:blipFill>
-          <a:blip r:embed="rId4">
-            <a:extLst>
-              <a:ext uri="{28A0092B-C50C-407E-A947-70E740481C1C}">
-                <a14:useLocalDpi xmlns:a14="http://schemas.microsoft.com/office/drawing/2010/main" val="0"/>
-              </a:ext>
-            </a:extLst>
-          </a:blip>
-          <a:stretch>
-            <a:fillRect/>
-          </a:stretch>
-        </p:blipFill>
-        <p:spPr>
-          <a:xfrm>
-            <a:off x="1947932" y="3751704"/>
-            <a:ext cx="1884144" cy="2064462"/>
-          </a:xfrm>
-          <a:prstGeom prst="rect">
-            <a:avLst/>
-          </a:prstGeom>
-        </p:spPr>
-      </p:pic>
-      <p:pic>
-        <p:nvPicPr>
-          <p:cNvPr id="10" name="Picture 9" descr="A picture containing circle, electric blue&#10;&#10;Description automatically generated">
-            <a:extLst>
-              <a:ext uri="{FF2B5EF4-FFF2-40B4-BE49-F238E27FC236}">
-                <a16:creationId xmlns:a16="http://schemas.microsoft.com/office/drawing/2014/main" id="{449A843F-DFF0-E27A-182C-7CD90E744BE7}"/>
-              </a:ext>
-            </a:extLst>
-          </p:cNvPr>
-          <p:cNvPicPr>
-            <a:picLocks noChangeAspect="1"/>
-          </p:cNvPicPr>
-          <p:nvPr/>
-        </p:nvPicPr>
-        <p:blipFill>
-          <a:blip r:embed="rId5">
-            <a:extLst>
-              <a:ext uri="{28A0092B-C50C-407E-A947-70E740481C1C}">
-                <a14:useLocalDpi xmlns:a14="http://schemas.microsoft.com/office/drawing/2010/main" val="0"/>
-              </a:ext>
-            </a:extLst>
-          </a:blip>
-          <a:stretch>
-            <a:fillRect/>
-          </a:stretch>
-        </p:blipFill>
-        <p:spPr>
-          <a:xfrm>
-            <a:off x="9795177" y="1511725"/>
-            <a:ext cx="1253949" cy="1253949"/>
-          </a:xfrm>
-          <a:prstGeom prst="rect">
-            <a:avLst/>
-          </a:prstGeom>
-        </p:spPr>
-      </p:pic>
-      <p:pic>
-        <p:nvPicPr>
-          <p:cNvPr id="12" name="Picture 11" descr="A green leaf with black text&#10;&#10;Description automatically generated with low confidence">
-            <a:extLst>
-              <a:ext uri="{FF2B5EF4-FFF2-40B4-BE49-F238E27FC236}">
-                <a16:creationId xmlns:a16="http://schemas.microsoft.com/office/drawing/2014/main" id="{914CA5C9-5B7A-2A9A-EB92-48B21EEE9665}"/>
-              </a:ext>
-            </a:extLst>
-          </p:cNvPr>
-          <p:cNvPicPr>
-            <a:picLocks noChangeAspect="1"/>
-          </p:cNvPicPr>
-          <p:nvPr/>
-        </p:nvPicPr>
-        <p:blipFill rotWithShape="1">
-          <a:blip r:embed="rId6">
-            <a:extLst>
-              <a:ext uri="{28A0092B-C50C-407E-A947-70E740481C1C}">
-                <a14:useLocalDpi xmlns:a14="http://schemas.microsoft.com/office/drawing/2010/main" val="0"/>
-              </a:ext>
-            </a:extLst>
-          </a:blip>
-          <a:srcRect l="15776" t="10434" r="9990" b="7403"/>
-          <a:stretch/>
-        </p:blipFill>
-        <p:spPr>
-          <a:xfrm>
-            <a:off x="7220109" y="2176163"/>
-            <a:ext cx="1774747" cy="1573025"/>
-          </a:xfrm>
-          <a:prstGeom prst="rect">
-            <a:avLst/>
-          </a:prstGeom>
-        </p:spPr>
-      </p:pic>
-      <p:pic>
-        <p:nvPicPr>
-          <p:cNvPr id="14" name="Picture 13" descr="A picture containing font, graphics, screenshot, logo&#10;&#10;Description automatically generated">
-            <a:extLst>
-              <a:ext uri="{FF2B5EF4-FFF2-40B4-BE49-F238E27FC236}">
-                <a16:creationId xmlns:a16="http://schemas.microsoft.com/office/drawing/2014/main" id="{0E641B98-24EC-E5F4-9EEC-F19092A2D368}"/>
-              </a:ext>
-            </a:extLst>
-          </p:cNvPr>
-          <p:cNvPicPr>
-            <a:picLocks noChangeAspect="1"/>
-          </p:cNvPicPr>
-          <p:nvPr/>
-        </p:nvPicPr>
-        <p:blipFill rotWithShape="1">
-          <a:blip r:embed="rId7">
-            <a:extLst>
-              <a:ext uri="{28A0092B-C50C-407E-A947-70E740481C1C}">
-                <a14:useLocalDpi xmlns:a14="http://schemas.microsoft.com/office/drawing/2010/main" val="0"/>
-              </a:ext>
-            </a:extLst>
-          </a:blip>
-          <a:srcRect t="26596" b="18412"/>
-          <a:stretch/>
-        </p:blipFill>
-        <p:spPr>
-          <a:xfrm>
-            <a:off x="8107482" y="4307840"/>
-            <a:ext cx="2143125" cy="1178560"/>
-          </a:xfrm>
-          <a:prstGeom prst="rect">
-            <a:avLst/>
-          </a:prstGeom>
-        </p:spPr>
-      </p:pic>
-      <p:pic>
-        <p:nvPicPr>
-          <p:cNvPr id="16" name="Picture 15" descr="A red arrow with a maple leaf&#10;&#10;Description automatically generated with low confidence">
-            <a:extLst>
-              <a:ext uri="{FF2B5EF4-FFF2-40B4-BE49-F238E27FC236}">
-                <a16:creationId xmlns:a16="http://schemas.microsoft.com/office/drawing/2014/main" id="{290F4046-8FF1-779A-C994-8F8BF94A011F}"/>
-              </a:ext>
-            </a:extLst>
-          </p:cNvPr>
-          <p:cNvPicPr>
-            <a:picLocks noChangeAspect="1"/>
-          </p:cNvPicPr>
-          <p:nvPr/>
-        </p:nvPicPr>
-        <p:blipFill>
-          <a:blip r:embed="rId8">
-            <a:extLst>
-              <a:ext uri="{28A0092B-C50C-407E-A947-70E740481C1C}">
-                <a14:useLocalDpi xmlns:a14="http://schemas.microsoft.com/office/drawing/2010/main" val="0"/>
-              </a:ext>
-            </a:extLst>
-          </a:blip>
-          <a:stretch>
-            <a:fillRect/>
-          </a:stretch>
-        </p:blipFill>
-        <p:spPr>
-          <a:xfrm>
-            <a:off x="3692053" y="2586606"/>
-            <a:ext cx="1839802" cy="800855"/>
-          </a:xfrm>
-          <a:prstGeom prst="rect">
-            <a:avLst/>
-          </a:prstGeom>
-        </p:spPr>
-      </p:pic>
-      <p:pic>
-        <p:nvPicPr>
-          <p:cNvPr id="18" name="Picture 17" descr="A close-up of a logo&#10;&#10;Description automatically generated with medium confidence">
-            <a:extLst>
-              <a:ext uri="{FF2B5EF4-FFF2-40B4-BE49-F238E27FC236}">
-                <a16:creationId xmlns:a16="http://schemas.microsoft.com/office/drawing/2014/main" id="{A8DD1CC4-9938-4E79-8047-B1BAB96A9A7F}"/>
-              </a:ext>
-            </a:extLst>
-          </p:cNvPr>
-          <p:cNvPicPr>
-            <a:picLocks noChangeAspect="1"/>
-          </p:cNvPicPr>
-          <p:nvPr/>
-        </p:nvPicPr>
-        <p:blipFill>
-          <a:blip r:embed="rId9">
-            <a:extLst>
-              <a:ext uri="{28A0092B-C50C-407E-A947-70E740481C1C}">
-                <a14:useLocalDpi xmlns:a14="http://schemas.microsoft.com/office/drawing/2010/main" val="0"/>
-              </a:ext>
-            </a:extLst>
-          </a:blip>
-          <a:stretch>
-            <a:fillRect/>
-          </a:stretch>
-        </p:blipFill>
-        <p:spPr>
-          <a:xfrm>
-            <a:off x="1734051" y="2765674"/>
-            <a:ext cx="2857500" cy="1428750"/>
-          </a:xfrm>
-          <a:prstGeom prst="rect">
-            <a:avLst/>
-          </a:prstGeom>
-        </p:spPr>
-      </p:pic>
-      <p:pic>
-        <p:nvPicPr>
-          <p:cNvPr id="20" name="Picture 19" descr="A picture containing drawing, typography, illustration, calligraphy&#10;&#10;Description automatically generated with medium confidence">
-            <a:extLst>
-              <a:ext uri="{FF2B5EF4-FFF2-40B4-BE49-F238E27FC236}">
-                <a16:creationId xmlns:a16="http://schemas.microsoft.com/office/drawing/2014/main" id="{B5BB38F7-FD69-CC96-3D6A-87212F704641}"/>
-              </a:ext>
-            </a:extLst>
-          </p:cNvPr>
-          <p:cNvPicPr>
-            <a:picLocks noChangeAspect="1"/>
-          </p:cNvPicPr>
-          <p:nvPr/>
-        </p:nvPicPr>
-        <p:blipFill>
-          <a:blip r:embed="rId10">
-            <a:extLst>
-              <a:ext uri="{28A0092B-C50C-407E-A947-70E740481C1C}">
-                <a14:useLocalDpi xmlns:a14="http://schemas.microsoft.com/office/drawing/2010/main" val="0"/>
-              </a:ext>
-            </a:extLst>
-          </a:blip>
-          <a:stretch>
-            <a:fillRect/>
-          </a:stretch>
-        </p:blipFill>
-        <p:spPr>
-          <a:xfrm>
-            <a:off x="2206287" y="4692110"/>
-            <a:ext cx="2629873" cy="692072"/>
-          </a:xfrm>
-          <a:prstGeom prst="rect">
-            <a:avLst/>
-          </a:prstGeom>
-        </p:spPr>
-      </p:pic>
-      <p:pic>
-        <p:nvPicPr>
-          <p:cNvPr id="23" name="Picture 22" descr="A picture containing font, symbol, number, graphics&#10;&#10;Description automatically generated">
-            <a:extLst>
-              <a:ext uri="{FF2B5EF4-FFF2-40B4-BE49-F238E27FC236}">
-                <a16:creationId xmlns:a16="http://schemas.microsoft.com/office/drawing/2014/main" id="{55087A3D-4ADD-C332-A25D-D0CA913BC054}"/>
-              </a:ext>
-            </a:extLst>
-          </p:cNvPr>
-          <p:cNvPicPr>
-            <a:picLocks noChangeAspect="1"/>
-          </p:cNvPicPr>
-          <p:nvPr/>
-        </p:nvPicPr>
-        <p:blipFill>
-          <a:blip r:embed="rId11">
-            <a:extLst>
-              <a:ext uri="{28A0092B-C50C-407E-A947-70E740481C1C}">
-                <a14:useLocalDpi xmlns:a14="http://schemas.microsoft.com/office/drawing/2010/main" val="0"/>
-              </a:ext>
-            </a:extLst>
-          </a:blip>
-          <a:stretch>
-            <a:fillRect/>
-          </a:stretch>
-        </p:blipFill>
-        <p:spPr>
-          <a:xfrm>
-            <a:off x="5024437" y="2357437"/>
-            <a:ext cx="2143125" cy="2143125"/>
-          </a:xfrm>
-          <a:prstGeom prst="rect">
-            <a:avLst/>
-          </a:prstGeom>
-        </p:spPr>
-      </p:pic>
-      <p:pic>
-        <p:nvPicPr>
-          <p:cNvPr id="27" name="Picture 26" descr="A green square with white text&#10;&#10;Description automatically generated with low confidence">
-            <a:extLst>
-              <a:ext uri="{FF2B5EF4-FFF2-40B4-BE49-F238E27FC236}">
-                <a16:creationId xmlns:a16="http://schemas.microsoft.com/office/drawing/2014/main" id="{3C911887-27F4-9658-0EB6-089BA5D49CDE}"/>
-              </a:ext>
-            </a:extLst>
-          </p:cNvPr>
-          <p:cNvPicPr>
-            <a:picLocks noChangeAspect="1"/>
-          </p:cNvPicPr>
-          <p:nvPr/>
-        </p:nvPicPr>
-        <p:blipFill>
-          <a:blip r:embed="rId12">
-            <a:extLst>
-              <a:ext uri="{28A0092B-C50C-407E-A947-70E740481C1C}">
-                <a14:useLocalDpi xmlns:a14="http://schemas.microsoft.com/office/drawing/2010/main" val="0"/>
-              </a:ext>
-            </a:extLst>
-          </a:blip>
-          <a:stretch>
-            <a:fillRect/>
-          </a:stretch>
-        </p:blipFill>
-        <p:spPr>
-          <a:xfrm>
-            <a:off x="1188798" y="1124988"/>
-            <a:ext cx="2000250" cy="2286000"/>
+            <a:off x="609600" y="966980"/>
+            <a:ext cx="10922009" cy="5210300"/>
           </a:xfrm>
           <a:prstGeom prst="rect">
             <a:avLst/>
@@ -16884,469 +18210,7 @@
     </p:spTree>
     <p:extLst>
       <p:ext uri="{BB962C8B-B14F-4D97-AF65-F5344CB8AC3E}">
-        <p14:creationId xmlns:p14="http://schemas.microsoft.com/office/powerpoint/2010/main" val="1154881687"/>
-      </p:ext>
-    </p:extLst>
-  </p:cSld>
-  <p:clrMapOvr>
-    <a:masterClrMapping/>
-  </p:clrMapOvr>
-</p:sld>
-</file>
-
-<file path=ppt/slides/slide8.xml><?xml version="1.0" encoding="utf-8"?>
-<p:sld xmlns:a="http://schemas.openxmlformats.org/drawingml/2006/main" xmlns:r="http://schemas.openxmlformats.org/officeDocument/2006/relationships" xmlns:p="http://schemas.openxmlformats.org/presentationml/2006/main">
-  <p:cSld>
-    <p:spTree>
-      <p:nvGrpSpPr>
-        <p:cNvPr id="1" name=""/>
-        <p:cNvGrpSpPr/>
-        <p:nvPr/>
-      </p:nvGrpSpPr>
-      <p:grpSpPr>
-        <a:xfrm>
-          <a:off x="0" y="0"/>
-          <a:ext cx="0" cy="0"/>
-          <a:chOff x="0" y="0"/>
-          <a:chExt cx="0" cy="0"/>
-        </a:xfrm>
-      </p:grpSpPr>
-      <p:pic>
-        <p:nvPicPr>
-          <p:cNvPr id="6" name="Picture 5" descr="A hexagon with colorful lines&#10;&#10;Description automatically generated with low confidence">
-            <a:extLst>
-              <a:ext uri="{FF2B5EF4-FFF2-40B4-BE49-F238E27FC236}">
-                <a16:creationId xmlns:a16="http://schemas.microsoft.com/office/drawing/2014/main" id="{89D17E75-6EAC-CB8C-8896-91C04CCA99EE}"/>
-              </a:ext>
-            </a:extLst>
-          </p:cNvPr>
-          <p:cNvPicPr>
-            <a:picLocks noChangeAspect="1"/>
-          </p:cNvPicPr>
-          <p:nvPr/>
-        </p:nvPicPr>
-        <p:blipFill>
-          <a:blip r:embed="rId2">
-            <a:extLst>
-              <a:ext uri="{28A0092B-C50C-407E-A947-70E740481C1C}">
-                <a14:useLocalDpi xmlns:a14="http://schemas.microsoft.com/office/drawing/2010/main" val="0"/>
-              </a:ext>
-            </a:extLst>
-          </a:blip>
-          <a:stretch>
-            <a:fillRect/>
-          </a:stretch>
-        </p:blipFill>
-        <p:spPr>
-          <a:xfrm>
-            <a:off x="4152463" y="2022792"/>
-            <a:ext cx="2133600" cy="2133600"/>
-          </a:xfrm>
-          <a:prstGeom prst="rect">
-            <a:avLst/>
-          </a:prstGeom>
-        </p:spPr>
-      </p:pic>
-      <p:pic>
-        <p:nvPicPr>
-          <p:cNvPr id="10" name="Picture 9" descr="A collage of hexagons&#10;&#10;Description automatically generated with medium confidence">
-            <a:extLst>
-              <a:ext uri="{FF2B5EF4-FFF2-40B4-BE49-F238E27FC236}">
-                <a16:creationId xmlns:a16="http://schemas.microsoft.com/office/drawing/2014/main" id="{7DCD823F-0A88-90D8-8F21-FF516C57BAFC}"/>
-              </a:ext>
-            </a:extLst>
-          </p:cNvPr>
-          <p:cNvPicPr>
-            <a:picLocks noChangeAspect="1"/>
-          </p:cNvPicPr>
-          <p:nvPr/>
-        </p:nvPicPr>
-        <p:blipFill>
-          <a:blip r:embed="rId3">
-            <a:extLst>
-              <a:ext uri="{28A0092B-C50C-407E-A947-70E740481C1C}">
-                <a14:useLocalDpi xmlns:a14="http://schemas.microsoft.com/office/drawing/2010/main" val="0"/>
-              </a:ext>
-            </a:extLst>
-          </a:blip>
-          <a:stretch>
-            <a:fillRect/>
-          </a:stretch>
-        </p:blipFill>
-        <p:spPr>
-          <a:xfrm>
-            <a:off x="6832916" y="3439795"/>
-            <a:ext cx="2952750" cy="1552575"/>
-          </a:xfrm>
-          <a:prstGeom prst="rect">
-            <a:avLst/>
-          </a:prstGeom>
-        </p:spPr>
-      </p:pic>
-      <p:pic>
-        <p:nvPicPr>
-          <p:cNvPr id="14" name="Picture 13" descr="A picture containing text, graphic design, graphics, design&#10;&#10;Description automatically generated">
-            <a:extLst>
-              <a:ext uri="{FF2B5EF4-FFF2-40B4-BE49-F238E27FC236}">
-                <a16:creationId xmlns:a16="http://schemas.microsoft.com/office/drawing/2014/main" id="{3E3A40F4-75B5-DD9D-126C-566B650D7E73}"/>
-              </a:ext>
-            </a:extLst>
-          </p:cNvPr>
-          <p:cNvPicPr>
-            <a:picLocks noChangeAspect="1"/>
-          </p:cNvPicPr>
-          <p:nvPr/>
-        </p:nvPicPr>
-        <p:blipFill>
-          <a:blip r:embed="rId4">
-            <a:extLst>
-              <a:ext uri="{28A0092B-C50C-407E-A947-70E740481C1C}">
-                <a14:useLocalDpi xmlns:a14="http://schemas.microsoft.com/office/drawing/2010/main" val="0"/>
-              </a:ext>
-            </a:extLst>
-          </a:blip>
-          <a:stretch>
-            <a:fillRect/>
-          </a:stretch>
-        </p:blipFill>
-        <p:spPr>
-          <a:xfrm>
-            <a:off x="5362971" y="4004786"/>
-            <a:ext cx="2962275" cy="1543050"/>
-          </a:xfrm>
-          <a:prstGeom prst="rect">
-            <a:avLst/>
-          </a:prstGeom>
-        </p:spPr>
-      </p:pic>
-      <p:pic>
-        <p:nvPicPr>
-          <p:cNvPr id="17" name="Picture 16" descr="A green leaf with black text&#10;&#10;Description automatically generated with low confidence">
-            <a:extLst>
-              <a:ext uri="{FF2B5EF4-FFF2-40B4-BE49-F238E27FC236}">
-                <a16:creationId xmlns:a16="http://schemas.microsoft.com/office/drawing/2014/main" id="{D6619E01-AB75-FC42-DFD7-BF8782223196}"/>
-              </a:ext>
-            </a:extLst>
-          </p:cNvPr>
-          <p:cNvPicPr>
-            <a:picLocks noChangeAspect="1"/>
-          </p:cNvPicPr>
-          <p:nvPr/>
-        </p:nvPicPr>
-        <p:blipFill>
-          <a:blip r:embed="rId5">
-            <a:extLst>
-              <a:ext uri="{28A0092B-C50C-407E-A947-70E740481C1C}">
-                <a14:useLocalDpi xmlns:a14="http://schemas.microsoft.com/office/drawing/2010/main" val="0"/>
-              </a:ext>
-            </a:extLst>
-          </a:blip>
-          <a:stretch>
-            <a:fillRect/>
-          </a:stretch>
-        </p:blipFill>
-        <p:spPr>
-          <a:xfrm>
-            <a:off x="7162800" y="2420938"/>
-            <a:ext cx="2390775" cy="1914525"/>
-          </a:xfrm>
-          <a:prstGeom prst="rect">
-            <a:avLst/>
-          </a:prstGeom>
-        </p:spPr>
-      </p:pic>
-      <p:pic>
-        <p:nvPicPr>
-          <p:cNvPr id="19" name="Picture 18" descr="A picture containing font, graphics, screenshot, logo&#10;&#10;Description automatically generated">
-            <a:extLst>
-              <a:ext uri="{FF2B5EF4-FFF2-40B4-BE49-F238E27FC236}">
-                <a16:creationId xmlns:a16="http://schemas.microsoft.com/office/drawing/2014/main" id="{724BB855-F4E2-99E1-F1CE-563725D1B8C4}"/>
-              </a:ext>
-            </a:extLst>
-          </p:cNvPr>
-          <p:cNvPicPr>
-            <a:picLocks noChangeAspect="1"/>
-          </p:cNvPicPr>
-          <p:nvPr/>
-        </p:nvPicPr>
-        <p:blipFill>
-          <a:blip r:embed="rId6">
-            <a:extLst>
-              <a:ext uri="{28A0092B-C50C-407E-A947-70E740481C1C}">
-                <a14:useLocalDpi xmlns:a14="http://schemas.microsoft.com/office/drawing/2010/main" val="0"/>
-              </a:ext>
-            </a:extLst>
-          </a:blip>
-          <a:stretch>
-            <a:fillRect/>
-          </a:stretch>
-        </p:blipFill>
-        <p:spPr>
-          <a:xfrm>
-            <a:off x="2240200" y="2391411"/>
-            <a:ext cx="2143125" cy="2143125"/>
-          </a:xfrm>
-          <a:prstGeom prst="rect">
-            <a:avLst/>
-          </a:prstGeom>
-        </p:spPr>
-      </p:pic>
-      <p:pic>
-        <p:nvPicPr>
-          <p:cNvPr id="21" name="Picture 20" descr="A red arrow with a maple leaf&#10;&#10;Description automatically generated with low confidence">
-            <a:extLst>
-              <a:ext uri="{FF2B5EF4-FFF2-40B4-BE49-F238E27FC236}">
-                <a16:creationId xmlns:a16="http://schemas.microsoft.com/office/drawing/2014/main" id="{5BFBE4FB-5A5F-B5AD-9865-4890205A41FA}"/>
-              </a:ext>
-            </a:extLst>
-          </p:cNvPr>
-          <p:cNvPicPr>
-            <a:picLocks noChangeAspect="1"/>
-          </p:cNvPicPr>
-          <p:nvPr/>
-        </p:nvPicPr>
-        <p:blipFill>
-          <a:blip r:embed="rId7">
-            <a:extLst>
-              <a:ext uri="{28A0092B-C50C-407E-A947-70E740481C1C}">
-                <a14:useLocalDpi xmlns:a14="http://schemas.microsoft.com/office/drawing/2010/main" val="0"/>
-              </a:ext>
-            </a:extLst>
-          </a:blip>
-          <a:stretch>
-            <a:fillRect/>
-          </a:stretch>
-        </p:blipFill>
-        <p:spPr>
-          <a:xfrm>
-            <a:off x="7447279" y="3732530"/>
-            <a:ext cx="3238500" cy="1409700"/>
-          </a:xfrm>
-          <a:prstGeom prst="rect">
-            <a:avLst/>
-          </a:prstGeom>
-        </p:spPr>
-      </p:pic>
-      <p:pic>
-        <p:nvPicPr>
-          <p:cNvPr id="23" name="Picture 22" descr="A close-up of a logo&#10;&#10;Description automatically generated with medium confidence">
-            <a:extLst>
-              <a:ext uri="{FF2B5EF4-FFF2-40B4-BE49-F238E27FC236}">
-                <a16:creationId xmlns:a16="http://schemas.microsoft.com/office/drawing/2014/main" id="{CFB27D2A-1FFC-C4BB-D2ED-B05DA1DE2211}"/>
-              </a:ext>
-            </a:extLst>
-          </p:cNvPr>
-          <p:cNvPicPr>
-            <a:picLocks noChangeAspect="1"/>
-          </p:cNvPicPr>
-          <p:nvPr/>
-        </p:nvPicPr>
-        <p:blipFill>
-          <a:blip r:embed="rId8">
-            <a:extLst>
-              <a:ext uri="{28A0092B-C50C-407E-A947-70E740481C1C}">
-                <a14:useLocalDpi xmlns:a14="http://schemas.microsoft.com/office/drawing/2010/main" val="0"/>
-              </a:ext>
-            </a:extLst>
-          </a:blip>
-          <a:stretch>
-            <a:fillRect/>
-          </a:stretch>
-        </p:blipFill>
-        <p:spPr>
-          <a:xfrm>
-            <a:off x="2767012" y="321786"/>
-            <a:ext cx="2857500" cy="1428750"/>
-          </a:xfrm>
-          <a:prstGeom prst="rect">
-            <a:avLst/>
-          </a:prstGeom>
-        </p:spPr>
-      </p:pic>
-      <p:pic>
-        <p:nvPicPr>
-          <p:cNvPr id="25" name="Picture 24" descr="A picture containing drawing, typography, illustration, calligraphy&#10;&#10;Description automatically generated with medium confidence">
-            <a:extLst>
-              <a:ext uri="{FF2B5EF4-FFF2-40B4-BE49-F238E27FC236}">
-                <a16:creationId xmlns:a16="http://schemas.microsoft.com/office/drawing/2014/main" id="{F49F4504-F879-B997-450D-703E1142E947}"/>
-              </a:ext>
-            </a:extLst>
-          </p:cNvPr>
-          <p:cNvPicPr>
-            <a:picLocks noChangeAspect="1"/>
-          </p:cNvPicPr>
-          <p:nvPr/>
-        </p:nvPicPr>
-        <p:blipFill>
-          <a:blip r:embed="rId9">
-            <a:extLst>
-              <a:ext uri="{28A0092B-C50C-407E-A947-70E740481C1C}">
-                <a14:useLocalDpi xmlns:a14="http://schemas.microsoft.com/office/drawing/2010/main" val="0"/>
-              </a:ext>
-            </a:extLst>
-          </a:blip>
-          <a:stretch>
-            <a:fillRect/>
-          </a:stretch>
-        </p:blipFill>
-        <p:spPr>
-          <a:xfrm>
-            <a:off x="981075" y="4335463"/>
-            <a:ext cx="4162425" cy="1095375"/>
-          </a:xfrm>
-          <a:prstGeom prst="rect">
-            <a:avLst/>
-          </a:prstGeom>
-        </p:spPr>
-      </p:pic>
-      <p:pic>
-        <p:nvPicPr>
-          <p:cNvPr id="27" name="Picture 26" descr="A picture containing logo, graphics, design, font&#10;&#10;Description automatically generated">
-            <a:extLst>
-              <a:ext uri="{FF2B5EF4-FFF2-40B4-BE49-F238E27FC236}">
-                <a16:creationId xmlns:a16="http://schemas.microsoft.com/office/drawing/2014/main" id="{0C354F50-D93D-A427-C140-23C1AB33BEA1}"/>
-              </a:ext>
-            </a:extLst>
-          </p:cNvPr>
-          <p:cNvPicPr>
-            <a:picLocks noChangeAspect="1"/>
-          </p:cNvPicPr>
-          <p:nvPr/>
-        </p:nvPicPr>
-        <p:blipFill>
-          <a:blip r:embed="rId10">
-            <a:extLst>
-              <a:ext uri="{28A0092B-C50C-407E-A947-70E740481C1C}">
-                <a14:useLocalDpi xmlns:a14="http://schemas.microsoft.com/office/drawing/2010/main" val="0"/>
-              </a:ext>
-            </a:extLst>
-          </a:blip>
-          <a:stretch>
-            <a:fillRect/>
-          </a:stretch>
-        </p:blipFill>
-        <p:spPr>
-          <a:xfrm>
-            <a:off x="5933757" y="176212"/>
-            <a:ext cx="2143125" cy="2143125"/>
-          </a:xfrm>
-          <a:prstGeom prst="rect">
-            <a:avLst/>
-          </a:prstGeom>
-        </p:spPr>
-      </p:pic>
-      <p:pic>
-        <p:nvPicPr>
-          <p:cNvPr id="29" name="Picture 28" descr="A blue and white logo&#10;&#10;Description automatically generated with medium confidence">
-            <a:extLst>
-              <a:ext uri="{FF2B5EF4-FFF2-40B4-BE49-F238E27FC236}">
-                <a16:creationId xmlns:a16="http://schemas.microsoft.com/office/drawing/2014/main" id="{3DFACEE1-97B7-4645-6B9C-0081AB0D54A8}"/>
-              </a:ext>
-            </a:extLst>
-          </p:cNvPr>
-          <p:cNvPicPr>
-            <a:picLocks noChangeAspect="1"/>
-          </p:cNvPicPr>
-          <p:nvPr/>
-        </p:nvPicPr>
-        <p:blipFill>
-          <a:blip r:embed="rId11">
-            <a:extLst>
-              <a:ext uri="{28A0092B-C50C-407E-A947-70E740481C1C}">
-                <a14:useLocalDpi xmlns:a14="http://schemas.microsoft.com/office/drawing/2010/main" val="0"/>
-              </a:ext>
-            </a:extLst>
-          </a:blip>
-          <a:stretch>
-            <a:fillRect/>
-          </a:stretch>
-        </p:blipFill>
-        <p:spPr>
-          <a:xfrm>
-            <a:off x="6843077" y="4505325"/>
-            <a:ext cx="2143125" cy="2143125"/>
-          </a:xfrm>
-          <a:prstGeom prst="rect">
-            <a:avLst/>
-          </a:prstGeom>
-        </p:spPr>
-      </p:pic>
-      <p:pic>
-        <p:nvPicPr>
-          <p:cNvPr id="33" name="Picture 32" descr="A yellow and white logo&#10;&#10;Description automatically generated">
-            <a:extLst>
-              <a:ext uri="{FF2B5EF4-FFF2-40B4-BE49-F238E27FC236}">
-                <a16:creationId xmlns:a16="http://schemas.microsoft.com/office/drawing/2014/main" id="{E6D83758-2723-2973-6548-0B4DAFF4DF9A}"/>
-              </a:ext>
-            </a:extLst>
-          </p:cNvPr>
-          <p:cNvPicPr>
-            <a:picLocks noChangeAspect="1"/>
-          </p:cNvPicPr>
-          <p:nvPr/>
-        </p:nvPicPr>
-        <p:blipFill>
-          <a:blip r:embed="rId12">
-            <a:extLst>
-              <a:ext uri="{28A0092B-C50C-407E-A947-70E740481C1C}">
-                <a14:useLocalDpi xmlns:a14="http://schemas.microsoft.com/office/drawing/2010/main" val="0"/>
-              </a:ext>
-            </a:extLst>
-          </a:blip>
-          <a:stretch>
-            <a:fillRect/>
-          </a:stretch>
-        </p:blipFill>
-        <p:spPr>
-          <a:xfrm>
-            <a:off x="7754460" y="1440181"/>
-            <a:ext cx="2009775" cy="2276475"/>
-          </a:xfrm>
-          <a:prstGeom prst="rect">
-            <a:avLst/>
-          </a:prstGeom>
-        </p:spPr>
-      </p:pic>
-      <p:pic>
-        <p:nvPicPr>
-          <p:cNvPr id="35" name="Picture 34" descr="A picture containing graphics, font, symbol, logo&#10;&#10;Description automatically generated">
-            <a:extLst>
-              <a:ext uri="{FF2B5EF4-FFF2-40B4-BE49-F238E27FC236}">
-                <a16:creationId xmlns:a16="http://schemas.microsoft.com/office/drawing/2014/main" id="{4E6D9DEA-B7B7-CD19-F2F7-9837EF5B700C}"/>
-              </a:ext>
-            </a:extLst>
-          </p:cNvPr>
-          <p:cNvPicPr>
-            <a:picLocks noChangeAspect="1"/>
-          </p:cNvPicPr>
-          <p:nvPr/>
-        </p:nvPicPr>
-        <p:blipFill>
-          <a:blip r:embed="rId13">
-            <a:extLst>
-              <a:ext uri="{28A0092B-C50C-407E-A947-70E740481C1C}">
-                <a14:useLocalDpi xmlns:a14="http://schemas.microsoft.com/office/drawing/2010/main" val="0"/>
-              </a:ext>
-            </a:extLst>
-          </a:blip>
-          <a:stretch>
-            <a:fillRect/>
-          </a:stretch>
-        </p:blipFill>
-        <p:spPr>
-          <a:xfrm>
-            <a:off x="1360964" y="986790"/>
-            <a:ext cx="2133600" cy="2133600"/>
-          </a:xfrm>
-          <a:prstGeom prst="rect">
-            <a:avLst/>
-          </a:prstGeom>
-        </p:spPr>
-      </p:pic>
-    </p:spTree>
-    <p:extLst>
-      <p:ext uri="{BB962C8B-B14F-4D97-AF65-F5344CB8AC3E}">
-        <p14:creationId xmlns:p14="http://schemas.microsoft.com/office/powerpoint/2010/main" val="2876749735"/>
+        <p14:creationId xmlns:p14="http://schemas.microsoft.com/office/powerpoint/2010/main" val="2883854387"/>
       </p:ext>
     </p:extLst>
   </p:cSld>

--- a/Slide deck/Slide deck.pptx
+++ b/Slide deck/Slide deck.pptx
@@ -6,12 +6,13 @@
   </p:sldMasterIdLst>
   <p:sldIdLst>
     <p:sldId id="256" r:id="rId2"/>
-    <p:sldId id="304" r:id="rId3"/>
-    <p:sldId id="301" r:id="rId4"/>
-    <p:sldId id="302" r:id="rId5"/>
-    <p:sldId id="303" r:id="rId6"/>
-    <p:sldId id="306" r:id="rId7"/>
-    <p:sldId id="307" r:id="rId8"/>
+    <p:sldId id="301" r:id="rId3"/>
+    <p:sldId id="302" r:id="rId4"/>
+    <p:sldId id="303" r:id="rId5"/>
+    <p:sldId id="304" r:id="rId6"/>
+    <p:sldId id="308" r:id="rId7"/>
+    <p:sldId id="306" r:id="rId8"/>
+    <p:sldId id="307" r:id="rId9"/>
   </p:sldIdLst>
   <p:sldSz cx="12192000" cy="6858000"/>
   <p:notesSz cx="6858000" cy="9144000"/>
@@ -121,7 +122,7 @@
 <file path=ppt/revisionInfo.xml><?xml version="1.0" encoding="utf-8"?>
 <p1510:revInfo xmlns:a="http://schemas.openxmlformats.org/drawingml/2006/main" xmlns:r="http://schemas.openxmlformats.org/officeDocument/2006/relationships" xmlns:p1510="http://schemas.microsoft.com/office/powerpoint/2015/10/main">
   <p1510:revLst>
-    <p1510:client id="{9E86F526-7497-4DC0-B263-D471953FD9EB}" v="19" dt="2023-06-14T17:05:07.139"/>
+    <p1510:client id="{9E86F526-7497-4DC0-B263-D471953FD9EB}" v="20" dt="2023-06-14T23:42:01.694"/>
   </p1510:revLst>
 </p1510:revInfo>
 </file>
@@ -131,18 +132,18 @@
   <pc:docChgLst>
     <pc:chgData name="Ashish Dabas" userId="c35664cb8c095f08" providerId="LiveId" clId="{9E86F526-7497-4DC0-B263-D471953FD9EB}"/>
     <pc:docChg chg="undo custSel addSld delSld modSld sldOrd">
-      <pc:chgData name="Ashish Dabas" userId="c35664cb8c095f08" providerId="LiveId" clId="{9E86F526-7497-4DC0-B263-D471953FD9EB}" dt="2023-06-14T17:05:07.139" v="548"/>
+      <pc:chgData name="Ashish Dabas" userId="c35664cb8c095f08" providerId="LiveId" clId="{9E86F526-7497-4DC0-B263-D471953FD9EB}" dt="2023-06-14T23:42:38.730" v="609"/>
       <pc:docMkLst>
         <pc:docMk/>
       </pc:docMkLst>
       <pc:sldChg chg="addSp delSp modSp mod setBg">
-        <pc:chgData name="Ashish Dabas" userId="c35664cb8c095f08" providerId="LiveId" clId="{9E86F526-7497-4DC0-B263-D471953FD9EB}" dt="2023-06-14T17:02:03.311" v="544" actId="26606"/>
+        <pc:chgData name="Ashish Dabas" userId="c35664cb8c095f08" providerId="LiveId" clId="{9E86F526-7497-4DC0-B263-D471953FD9EB}" dt="2023-06-14T23:15:32.813" v="553" actId="207"/>
         <pc:sldMkLst>
           <pc:docMk/>
           <pc:sldMk cId="1786379081" sldId="256"/>
         </pc:sldMkLst>
         <pc:spChg chg="add mod">
-          <ac:chgData name="Ashish Dabas" userId="c35664cb8c095f08" providerId="LiveId" clId="{9E86F526-7497-4DC0-B263-D471953FD9EB}" dt="2023-06-14T17:02:03.311" v="544" actId="26606"/>
+          <ac:chgData name="Ashish Dabas" userId="c35664cb8c095f08" providerId="LiveId" clId="{9E86F526-7497-4DC0-B263-D471953FD9EB}" dt="2023-06-14T23:15:32.813" v="553" actId="207"/>
           <ac:spMkLst>
             <pc:docMk/>
             <pc:sldMk cId="1786379081" sldId="256"/>
@@ -150,7 +151,7 @@
           </ac:spMkLst>
         </pc:spChg>
         <pc:spChg chg="mod ord">
-          <ac:chgData name="Ashish Dabas" userId="c35664cb8c095f08" providerId="LiveId" clId="{9E86F526-7497-4DC0-B263-D471953FD9EB}" dt="2023-06-14T17:02:03.311" v="544" actId="26606"/>
+          <ac:chgData name="Ashish Dabas" userId="c35664cb8c095f08" providerId="LiveId" clId="{9E86F526-7497-4DC0-B263-D471953FD9EB}" dt="2023-06-14T23:15:26.582" v="552" actId="207"/>
           <ac:spMkLst>
             <pc:docMk/>
             <pc:sldMk cId="1786379081" sldId="256"/>
@@ -461,7 +462,7 @@
         </pc:picChg>
       </pc:sldChg>
       <pc:sldChg chg="addSp delSp modSp mod ord modAnim">
-        <pc:chgData name="Ashish Dabas" userId="c35664cb8c095f08" providerId="LiveId" clId="{9E86F526-7497-4DC0-B263-D471953FD9EB}" dt="2023-06-14T17:05:07.139" v="548"/>
+        <pc:chgData name="Ashish Dabas" userId="c35664cb8c095f08" providerId="LiveId" clId="{9E86F526-7497-4DC0-B263-D471953FD9EB}" dt="2023-06-14T23:42:38.730" v="609"/>
         <pc:sldMkLst>
           <pc:docMk/>
           <pc:sldMk cId="2623107470" sldId="304"/>
@@ -889,6 +890,37 @@
           </ac:picMkLst>
         </pc:picChg>
       </pc:sldChg>
+      <pc:sldChg chg="addSp modSp new mod">
+        <pc:chgData name="Ashish Dabas" userId="c35664cb8c095f08" providerId="LiveId" clId="{9E86F526-7497-4DC0-B263-D471953FD9EB}" dt="2023-06-14T23:42:33.238" v="607" actId="1076"/>
+        <pc:sldMkLst>
+          <pc:docMk/>
+          <pc:sldMk cId="299199400" sldId="308"/>
+        </pc:sldMkLst>
+        <pc:spChg chg="add mod">
+          <ac:chgData name="Ashish Dabas" userId="c35664cb8c095f08" providerId="LiveId" clId="{9E86F526-7497-4DC0-B263-D471953FD9EB}" dt="2023-06-14T23:42:20.840" v="598" actId="108"/>
+          <ac:spMkLst>
+            <pc:docMk/>
+            <pc:sldMk cId="299199400" sldId="308"/>
+            <ac:spMk id="6" creationId="{877F7717-C53D-5D15-1E36-33248AB1808E}"/>
+          </ac:spMkLst>
+        </pc:spChg>
+        <pc:picChg chg="add mod">
+          <ac:chgData name="Ashish Dabas" userId="c35664cb8c095f08" providerId="LiveId" clId="{9E86F526-7497-4DC0-B263-D471953FD9EB}" dt="2023-06-14T23:42:32.106" v="606" actId="1076"/>
+          <ac:picMkLst>
+            <pc:docMk/>
+            <pc:sldMk cId="299199400" sldId="308"/>
+            <ac:picMk id="3" creationId="{23C1F620-3FCC-F78B-43F3-A29D302564E9}"/>
+          </ac:picMkLst>
+        </pc:picChg>
+        <pc:picChg chg="add mod">
+          <ac:chgData name="Ashish Dabas" userId="c35664cb8c095f08" providerId="LiveId" clId="{9E86F526-7497-4DC0-B263-D471953FD9EB}" dt="2023-06-14T23:42:33.238" v="607" actId="1076"/>
+          <ac:picMkLst>
+            <pc:docMk/>
+            <pc:sldMk cId="299199400" sldId="308"/>
+            <ac:picMk id="5" creationId="{136E51F7-A24C-12A3-3B02-A048FA073A10}"/>
+          </ac:picMkLst>
+        </pc:picChg>
+      </pc:sldChg>
     </pc:docChg>
   </pc:docChgLst>
 </pc:chgInfo>
@@ -3883,6 +3915,853 @@
 </file>
 
 <file path=ppt/diagrams/data1.xml><?xml version="1.0" encoding="utf-8"?>
+<dgm:dataModel xmlns:dgm="http://schemas.openxmlformats.org/drawingml/2006/diagram" xmlns:a="http://schemas.openxmlformats.org/drawingml/2006/main">
+  <dgm:ptLst>
+    <dgm:pt modelId="{990BB43A-8D3E-4A3D-A693-4ECEACA78C17}" type="doc">
+      <dgm:prSet loTypeId="urn:microsoft.com/office/officeart/2005/8/layout/chevron1" loCatId="process" qsTypeId="urn:microsoft.com/office/officeart/2005/8/quickstyle/simple1" qsCatId="simple" csTypeId="urn:microsoft.com/office/officeart/2005/8/colors/accent1_2" csCatId="accent1" phldr="1"/>
+      <dgm:spPr/>
+    </dgm:pt>
+    <dgm:pt modelId="{C1512BF5-BDF1-41EF-9C7E-357802A5A397}">
+      <dgm:prSet phldrT="[Text]" custT="1"/>
+      <dgm:spPr>
+        <a:solidFill>
+          <a:srgbClr val="92D050"/>
+        </a:solidFill>
+      </dgm:spPr>
+      <dgm:t>
+        <a:bodyPr/>
+        <a:lstStyle/>
+        <a:p>
+          <a:r>
+            <a:rPr lang="en-CA" sz="1400" dirty="0"/>
+            <a:t>Extract</a:t>
+          </a:r>
+        </a:p>
+      </dgm:t>
+    </dgm:pt>
+    <dgm:pt modelId="{7908B19B-1749-46B8-8E35-1C840805274C}" type="parTrans" cxnId="{BBE9B553-42E1-469A-BC67-950E81F22D2D}">
+      <dgm:prSet/>
+      <dgm:spPr/>
+      <dgm:t>
+        <a:bodyPr/>
+        <a:lstStyle/>
+        <a:p>
+          <a:endParaRPr lang="en-CA"/>
+        </a:p>
+      </dgm:t>
+    </dgm:pt>
+    <dgm:pt modelId="{CC384C5D-FA90-4F8D-BD06-1C390D6210D6}" type="sibTrans" cxnId="{BBE9B553-42E1-469A-BC67-950E81F22D2D}">
+      <dgm:prSet/>
+      <dgm:spPr/>
+      <dgm:t>
+        <a:bodyPr/>
+        <a:lstStyle/>
+        <a:p>
+          <a:endParaRPr lang="en-CA"/>
+        </a:p>
+      </dgm:t>
+    </dgm:pt>
+    <dgm:pt modelId="{68134F10-D152-43B0-9175-401C2AEC7784}">
+      <dgm:prSet phldrT="[Text]" custT="1"/>
+      <dgm:spPr>
+        <a:solidFill>
+          <a:schemeClr val="bg1">
+            <a:lumMod val="85000"/>
+          </a:schemeClr>
+        </a:solidFill>
+      </dgm:spPr>
+      <dgm:t>
+        <a:bodyPr/>
+        <a:lstStyle/>
+        <a:p>
+          <a:r>
+            <a:rPr lang="en-CA" sz="1200" dirty="0"/>
+            <a:t>Transform</a:t>
+          </a:r>
+        </a:p>
+      </dgm:t>
+    </dgm:pt>
+    <dgm:pt modelId="{435ACCB6-7F46-4178-A53A-BC1DF95584E7}" type="parTrans" cxnId="{88A77F1F-69A9-482B-9F5E-D8A834C8DF38}">
+      <dgm:prSet/>
+      <dgm:spPr/>
+      <dgm:t>
+        <a:bodyPr/>
+        <a:lstStyle/>
+        <a:p>
+          <a:endParaRPr lang="en-CA"/>
+        </a:p>
+      </dgm:t>
+    </dgm:pt>
+    <dgm:pt modelId="{B56FDC10-7E09-4FFF-9DC6-5C8E40355A11}" type="sibTrans" cxnId="{88A77F1F-69A9-482B-9F5E-D8A834C8DF38}">
+      <dgm:prSet/>
+      <dgm:spPr/>
+      <dgm:t>
+        <a:bodyPr/>
+        <a:lstStyle/>
+        <a:p>
+          <a:endParaRPr lang="en-CA"/>
+        </a:p>
+      </dgm:t>
+    </dgm:pt>
+    <dgm:pt modelId="{C143BF0D-9327-444E-9FB3-4F09E31FCB6E}">
+      <dgm:prSet phldrT="[Text]" custT="1"/>
+      <dgm:spPr>
+        <a:solidFill>
+          <a:schemeClr val="bg1">
+            <a:lumMod val="85000"/>
+          </a:schemeClr>
+        </a:solidFill>
+      </dgm:spPr>
+      <dgm:t>
+        <a:bodyPr/>
+        <a:lstStyle/>
+        <a:p>
+          <a:r>
+            <a:rPr lang="en-CA" sz="1400" dirty="0"/>
+            <a:t>Load</a:t>
+          </a:r>
+        </a:p>
+      </dgm:t>
+    </dgm:pt>
+    <dgm:pt modelId="{5CEE61DE-FA1C-4AA5-8A1C-81F1AF207B38}" type="parTrans" cxnId="{BEA45D1F-B984-44FD-990E-3F6D09B6C856}">
+      <dgm:prSet/>
+      <dgm:spPr/>
+      <dgm:t>
+        <a:bodyPr/>
+        <a:lstStyle/>
+        <a:p>
+          <a:endParaRPr lang="en-CA"/>
+        </a:p>
+      </dgm:t>
+    </dgm:pt>
+    <dgm:pt modelId="{7689F896-F87C-43F1-A677-2E9E3FEE93D9}" type="sibTrans" cxnId="{BEA45D1F-B984-44FD-990E-3F6D09B6C856}">
+      <dgm:prSet/>
+      <dgm:spPr/>
+      <dgm:t>
+        <a:bodyPr/>
+        <a:lstStyle/>
+        <a:p>
+          <a:endParaRPr lang="en-CA"/>
+        </a:p>
+      </dgm:t>
+    </dgm:pt>
+    <dgm:pt modelId="{3DB85932-381B-47DA-BB4E-7847D521A543}">
+      <dgm:prSet phldrT="[Text]" custT="1"/>
+      <dgm:spPr>
+        <a:solidFill>
+          <a:schemeClr val="bg1">
+            <a:lumMod val="85000"/>
+          </a:schemeClr>
+        </a:solidFill>
+      </dgm:spPr>
+      <dgm:t>
+        <a:bodyPr/>
+        <a:lstStyle/>
+        <a:p>
+          <a:pPr marL="0" lvl="0" indent="0" algn="ctr" defTabSz="533400">
+            <a:lnSpc>
+              <a:spcPct val="90000"/>
+            </a:lnSpc>
+            <a:spcBef>
+              <a:spcPct val="0"/>
+            </a:spcBef>
+            <a:spcAft>
+              <a:spcPct val="35000"/>
+            </a:spcAft>
+            <a:buNone/>
+          </a:pPr>
+          <a:r>
+            <a:rPr lang="en-CA" sz="1200" kern="1200" dirty="0">
+              <a:solidFill>
+                <a:prstClr val="white"/>
+              </a:solidFill>
+              <a:latin typeface="Calibri" panose="020F0502020204030204"/>
+              <a:ea typeface="+mn-ea"/>
+              <a:cs typeface="+mn-cs"/>
+            </a:rPr>
+            <a:t>App</a:t>
+          </a:r>
+        </a:p>
+      </dgm:t>
+    </dgm:pt>
+    <dgm:pt modelId="{3FB10B4A-EBC6-4C8E-80D7-2737651752DD}" type="parTrans" cxnId="{ABAD9863-4826-47F8-B166-95B344A05DA1}">
+      <dgm:prSet/>
+      <dgm:spPr/>
+      <dgm:t>
+        <a:bodyPr/>
+        <a:lstStyle/>
+        <a:p>
+          <a:endParaRPr lang="en-CA"/>
+        </a:p>
+      </dgm:t>
+    </dgm:pt>
+    <dgm:pt modelId="{D2BB0F86-F05F-47E1-88BC-ECEBF6398FF2}" type="sibTrans" cxnId="{ABAD9863-4826-47F8-B166-95B344A05DA1}">
+      <dgm:prSet/>
+      <dgm:spPr/>
+      <dgm:t>
+        <a:bodyPr/>
+        <a:lstStyle/>
+        <a:p>
+          <a:endParaRPr lang="en-CA"/>
+        </a:p>
+      </dgm:t>
+    </dgm:pt>
+    <dgm:pt modelId="{B42FD993-FC96-4242-8390-C41682FE12E8}" type="pres">
+      <dgm:prSet presAssocID="{990BB43A-8D3E-4A3D-A693-4ECEACA78C17}" presName="Name0" presStyleCnt="0">
+        <dgm:presLayoutVars>
+          <dgm:dir/>
+          <dgm:animLvl val="lvl"/>
+          <dgm:resizeHandles val="exact"/>
+        </dgm:presLayoutVars>
+      </dgm:prSet>
+      <dgm:spPr/>
+    </dgm:pt>
+    <dgm:pt modelId="{393BFE81-60E9-455E-AC60-CEDD69C80CFA}" type="pres">
+      <dgm:prSet presAssocID="{C1512BF5-BDF1-41EF-9C7E-357802A5A397}" presName="parTxOnly" presStyleLbl="node1" presStyleIdx="0" presStyleCnt="4" custLinFactNeighborX="6452">
+        <dgm:presLayoutVars>
+          <dgm:chMax val="0"/>
+          <dgm:chPref val="0"/>
+          <dgm:bulletEnabled val="1"/>
+        </dgm:presLayoutVars>
+      </dgm:prSet>
+      <dgm:spPr/>
+    </dgm:pt>
+    <dgm:pt modelId="{61D2ADEC-AA60-444C-BDD9-DBD57EE7C090}" type="pres">
+      <dgm:prSet presAssocID="{CC384C5D-FA90-4F8D-BD06-1C390D6210D6}" presName="parTxOnlySpace" presStyleCnt="0"/>
+      <dgm:spPr/>
+    </dgm:pt>
+    <dgm:pt modelId="{AE503DE8-3F26-4885-BFD1-3C6EF2408CA7}" type="pres">
+      <dgm:prSet presAssocID="{68134F10-D152-43B0-9175-401C2AEC7784}" presName="parTxOnly" presStyleLbl="node1" presStyleIdx="1" presStyleCnt="4">
+        <dgm:presLayoutVars>
+          <dgm:chMax val="0"/>
+          <dgm:chPref val="0"/>
+          <dgm:bulletEnabled val="1"/>
+        </dgm:presLayoutVars>
+      </dgm:prSet>
+      <dgm:spPr/>
+    </dgm:pt>
+    <dgm:pt modelId="{B34B1EF2-9D0B-4AB2-B24F-D05AD2B7118A}" type="pres">
+      <dgm:prSet presAssocID="{B56FDC10-7E09-4FFF-9DC6-5C8E40355A11}" presName="parTxOnlySpace" presStyleCnt="0"/>
+      <dgm:spPr/>
+    </dgm:pt>
+    <dgm:pt modelId="{AFC6DB2F-9FA9-4B63-9864-076A692B3B60}" type="pres">
+      <dgm:prSet presAssocID="{C143BF0D-9327-444E-9FB3-4F09E31FCB6E}" presName="parTxOnly" presStyleLbl="node1" presStyleIdx="2" presStyleCnt="4">
+        <dgm:presLayoutVars>
+          <dgm:chMax val="0"/>
+          <dgm:chPref val="0"/>
+          <dgm:bulletEnabled val="1"/>
+        </dgm:presLayoutVars>
+      </dgm:prSet>
+      <dgm:spPr/>
+    </dgm:pt>
+    <dgm:pt modelId="{7FD1C203-D4CB-4CBA-BEB1-854FA79ABCCD}" type="pres">
+      <dgm:prSet presAssocID="{7689F896-F87C-43F1-A677-2E9E3FEE93D9}" presName="parTxOnlySpace" presStyleCnt="0"/>
+      <dgm:spPr/>
+    </dgm:pt>
+    <dgm:pt modelId="{48FB269B-7D9F-4C36-8E85-6854CA5C9B61}" type="pres">
+      <dgm:prSet presAssocID="{3DB85932-381B-47DA-BB4E-7847D521A543}" presName="parTxOnly" presStyleLbl="node1" presStyleIdx="3" presStyleCnt="4">
+        <dgm:presLayoutVars>
+          <dgm:chMax val="0"/>
+          <dgm:chPref val="0"/>
+          <dgm:bulletEnabled val="1"/>
+        </dgm:presLayoutVars>
+      </dgm:prSet>
+      <dgm:spPr/>
+    </dgm:pt>
+  </dgm:ptLst>
+  <dgm:cxnLst>
+    <dgm:cxn modelId="{C1801E07-538F-4505-BA72-598FF0649C0F}" type="presOf" srcId="{C1512BF5-BDF1-41EF-9C7E-357802A5A397}" destId="{393BFE81-60E9-455E-AC60-CEDD69C80CFA}" srcOrd="0" destOrd="0" presId="urn:microsoft.com/office/officeart/2005/8/layout/chevron1"/>
+    <dgm:cxn modelId="{BEA45D1F-B984-44FD-990E-3F6D09B6C856}" srcId="{990BB43A-8D3E-4A3D-A693-4ECEACA78C17}" destId="{C143BF0D-9327-444E-9FB3-4F09E31FCB6E}" srcOrd="2" destOrd="0" parTransId="{5CEE61DE-FA1C-4AA5-8A1C-81F1AF207B38}" sibTransId="{7689F896-F87C-43F1-A677-2E9E3FEE93D9}"/>
+    <dgm:cxn modelId="{88A77F1F-69A9-482B-9F5E-D8A834C8DF38}" srcId="{990BB43A-8D3E-4A3D-A693-4ECEACA78C17}" destId="{68134F10-D152-43B0-9175-401C2AEC7784}" srcOrd="1" destOrd="0" parTransId="{435ACCB6-7F46-4178-A53A-BC1DF95584E7}" sibTransId="{B56FDC10-7E09-4FFF-9DC6-5C8E40355A11}"/>
+    <dgm:cxn modelId="{803D9E22-D32E-4A7B-97D9-E2AEB4AE9740}" type="presOf" srcId="{990BB43A-8D3E-4A3D-A693-4ECEACA78C17}" destId="{B42FD993-FC96-4242-8390-C41682FE12E8}" srcOrd="0" destOrd="0" presId="urn:microsoft.com/office/officeart/2005/8/layout/chevron1"/>
+    <dgm:cxn modelId="{1D544D39-8794-41CB-8812-6316B72BB0B1}" type="presOf" srcId="{68134F10-D152-43B0-9175-401C2AEC7784}" destId="{AE503DE8-3F26-4885-BFD1-3C6EF2408CA7}" srcOrd="0" destOrd="0" presId="urn:microsoft.com/office/officeart/2005/8/layout/chevron1"/>
+    <dgm:cxn modelId="{ABAD9863-4826-47F8-B166-95B344A05DA1}" srcId="{990BB43A-8D3E-4A3D-A693-4ECEACA78C17}" destId="{3DB85932-381B-47DA-BB4E-7847D521A543}" srcOrd="3" destOrd="0" parTransId="{3FB10B4A-EBC6-4C8E-80D7-2737651752DD}" sibTransId="{D2BB0F86-F05F-47E1-88BC-ECEBF6398FF2}"/>
+    <dgm:cxn modelId="{BBE9B553-42E1-469A-BC67-950E81F22D2D}" srcId="{990BB43A-8D3E-4A3D-A693-4ECEACA78C17}" destId="{C1512BF5-BDF1-41EF-9C7E-357802A5A397}" srcOrd="0" destOrd="0" parTransId="{7908B19B-1749-46B8-8E35-1C840805274C}" sibTransId="{CC384C5D-FA90-4F8D-BD06-1C390D6210D6}"/>
+    <dgm:cxn modelId="{E2B13ED3-8879-4B68-A6A9-911F17D0BDD9}" type="presOf" srcId="{3DB85932-381B-47DA-BB4E-7847D521A543}" destId="{48FB269B-7D9F-4C36-8E85-6854CA5C9B61}" srcOrd="0" destOrd="0" presId="urn:microsoft.com/office/officeart/2005/8/layout/chevron1"/>
+    <dgm:cxn modelId="{CC54B6ED-2B45-47A4-B03E-2459285E69A6}" type="presOf" srcId="{C143BF0D-9327-444E-9FB3-4F09E31FCB6E}" destId="{AFC6DB2F-9FA9-4B63-9864-076A692B3B60}" srcOrd="0" destOrd="0" presId="urn:microsoft.com/office/officeart/2005/8/layout/chevron1"/>
+    <dgm:cxn modelId="{802F84FC-74CF-43B9-A705-B7C1FC16DFA9}" type="presParOf" srcId="{B42FD993-FC96-4242-8390-C41682FE12E8}" destId="{393BFE81-60E9-455E-AC60-CEDD69C80CFA}" srcOrd="0" destOrd="0" presId="urn:microsoft.com/office/officeart/2005/8/layout/chevron1"/>
+    <dgm:cxn modelId="{5C344FDD-CF09-4AFF-8077-ACEE30B58BC7}" type="presParOf" srcId="{B42FD993-FC96-4242-8390-C41682FE12E8}" destId="{61D2ADEC-AA60-444C-BDD9-DBD57EE7C090}" srcOrd="1" destOrd="0" presId="urn:microsoft.com/office/officeart/2005/8/layout/chevron1"/>
+    <dgm:cxn modelId="{8756A1E6-BA02-4182-9343-2814B70EFB35}" type="presParOf" srcId="{B42FD993-FC96-4242-8390-C41682FE12E8}" destId="{AE503DE8-3F26-4885-BFD1-3C6EF2408CA7}" srcOrd="2" destOrd="0" presId="urn:microsoft.com/office/officeart/2005/8/layout/chevron1"/>
+    <dgm:cxn modelId="{64047CFC-9684-4CE4-86DE-AB351A23A673}" type="presParOf" srcId="{B42FD993-FC96-4242-8390-C41682FE12E8}" destId="{B34B1EF2-9D0B-4AB2-B24F-D05AD2B7118A}" srcOrd="3" destOrd="0" presId="urn:microsoft.com/office/officeart/2005/8/layout/chevron1"/>
+    <dgm:cxn modelId="{197DD154-F06D-4FD5-8A57-73270C683E59}" type="presParOf" srcId="{B42FD993-FC96-4242-8390-C41682FE12E8}" destId="{AFC6DB2F-9FA9-4B63-9864-076A692B3B60}" srcOrd="4" destOrd="0" presId="urn:microsoft.com/office/officeart/2005/8/layout/chevron1"/>
+    <dgm:cxn modelId="{FB52328E-7404-4A8A-8DD1-2380B414674A}" type="presParOf" srcId="{B42FD993-FC96-4242-8390-C41682FE12E8}" destId="{7FD1C203-D4CB-4CBA-BEB1-854FA79ABCCD}" srcOrd="5" destOrd="0" presId="urn:microsoft.com/office/officeart/2005/8/layout/chevron1"/>
+    <dgm:cxn modelId="{F5C606D4-9F12-42EA-87F5-2673A6507D7E}" type="presParOf" srcId="{B42FD993-FC96-4242-8390-C41682FE12E8}" destId="{48FB269B-7D9F-4C36-8E85-6854CA5C9B61}" srcOrd="6" destOrd="0" presId="urn:microsoft.com/office/officeart/2005/8/layout/chevron1"/>
+  </dgm:cxnLst>
+  <dgm:bg/>
+  <dgm:whole/>
+  <dgm:extLst>
+    <a:ext uri="http://schemas.microsoft.com/office/drawing/2008/diagram">
+      <dsp:dataModelExt xmlns:dsp="http://schemas.microsoft.com/office/drawing/2008/diagram" relId="rId10" minVer="http://schemas.openxmlformats.org/drawingml/2006/diagram"/>
+    </a:ext>
+  </dgm:extLst>
+</dgm:dataModel>
+</file>
+
+<file path=ppt/diagrams/data2.xml><?xml version="1.0" encoding="utf-8"?>
+<dgm:dataModel xmlns:dgm="http://schemas.openxmlformats.org/drawingml/2006/diagram" xmlns:a="http://schemas.openxmlformats.org/drawingml/2006/main">
+  <dgm:ptLst>
+    <dgm:pt modelId="{990BB43A-8D3E-4A3D-A693-4ECEACA78C17}" type="doc">
+      <dgm:prSet loTypeId="urn:microsoft.com/office/officeart/2005/8/layout/chevron1" loCatId="process" qsTypeId="urn:microsoft.com/office/officeart/2005/8/quickstyle/simple1" qsCatId="simple" csTypeId="urn:microsoft.com/office/officeart/2005/8/colors/accent1_2" csCatId="accent1" phldr="1"/>
+      <dgm:spPr/>
+    </dgm:pt>
+    <dgm:pt modelId="{C1512BF5-BDF1-41EF-9C7E-357802A5A397}">
+      <dgm:prSet phldrT="[Text]" custT="1"/>
+      <dgm:spPr>
+        <a:solidFill>
+          <a:schemeClr val="bg2">
+            <a:lumMod val="90000"/>
+          </a:schemeClr>
+        </a:solidFill>
+      </dgm:spPr>
+      <dgm:t>
+        <a:bodyPr/>
+        <a:lstStyle/>
+        <a:p>
+          <a:r>
+            <a:rPr lang="en-CA" sz="1400" dirty="0"/>
+            <a:t>Extract</a:t>
+          </a:r>
+        </a:p>
+      </dgm:t>
+    </dgm:pt>
+    <dgm:pt modelId="{7908B19B-1749-46B8-8E35-1C840805274C}" type="parTrans" cxnId="{BBE9B553-42E1-469A-BC67-950E81F22D2D}">
+      <dgm:prSet/>
+      <dgm:spPr/>
+      <dgm:t>
+        <a:bodyPr/>
+        <a:lstStyle/>
+        <a:p>
+          <a:endParaRPr lang="en-CA"/>
+        </a:p>
+      </dgm:t>
+    </dgm:pt>
+    <dgm:pt modelId="{CC384C5D-FA90-4F8D-BD06-1C390D6210D6}" type="sibTrans" cxnId="{BBE9B553-42E1-469A-BC67-950E81F22D2D}">
+      <dgm:prSet/>
+      <dgm:spPr/>
+      <dgm:t>
+        <a:bodyPr/>
+        <a:lstStyle/>
+        <a:p>
+          <a:endParaRPr lang="en-CA"/>
+        </a:p>
+      </dgm:t>
+    </dgm:pt>
+    <dgm:pt modelId="{68134F10-D152-43B0-9175-401C2AEC7784}">
+      <dgm:prSet phldrT="[Text]" custT="1"/>
+      <dgm:spPr>
+        <a:solidFill>
+          <a:srgbClr val="92D050"/>
+        </a:solidFill>
+      </dgm:spPr>
+      <dgm:t>
+        <a:bodyPr/>
+        <a:lstStyle/>
+        <a:p>
+          <a:r>
+            <a:rPr lang="en-CA" sz="1200" dirty="0"/>
+            <a:t>Transform</a:t>
+          </a:r>
+        </a:p>
+      </dgm:t>
+    </dgm:pt>
+    <dgm:pt modelId="{435ACCB6-7F46-4178-A53A-BC1DF95584E7}" type="parTrans" cxnId="{88A77F1F-69A9-482B-9F5E-D8A834C8DF38}">
+      <dgm:prSet/>
+      <dgm:spPr/>
+      <dgm:t>
+        <a:bodyPr/>
+        <a:lstStyle/>
+        <a:p>
+          <a:endParaRPr lang="en-CA"/>
+        </a:p>
+      </dgm:t>
+    </dgm:pt>
+    <dgm:pt modelId="{B56FDC10-7E09-4FFF-9DC6-5C8E40355A11}" type="sibTrans" cxnId="{88A77F1F-69A9-482B-9F5E-D8A834C8DF38}">
+      <dgm:prSet/>
+      <dgm:spPr/>
+      <dgm:t>
+        <a:bodyPr/>
+        <a:lstStyle/>
+        <a:p>
+          <a:endParaRPr lang="en-CA"/>
+        </a:p>
+      </dgm:t>
+    </dgm:pt>
+    <dgm:pt modelId="{C143BF0D-9327-444E-9FB3-4F09E31FCB6E}">
+      <dgm:prSet phldrT="[Text]" custT="1"/>
+      <dgm:spPr>
+        <a:solidFill>
+          <a:schemeClr val="bg1">
+            <a:lumMod val="85000"/>
+          </a:schemeClr>
+        </a:solidFill>
+      </dgm:spPr>
+      <dgm:t>
+        <a:bodyPr/>
+        <a:lstStyle/>
+        <a:p>
+          <a:r>
+            <a:rPr lang="en-CA" sz="1400" dirty="0"/>
+            <a:t>Load</a:t>
+          </a:r>
+        </a:p>
+      </dgm:t>
+    </dgm:pt>
+    <dgm:pt modelId="{5CEE61DE-FA1C-4AA5-8A1C-81F1AF207B38}" type="parTrans" cxnId="{BEA45D1F-B984-44FD-990E-3F6D09B6C856}">
+      <dgm:prSet/>
+      <dgm:spPr/>
+      <dgm:t>
+        <a:bodyPr/>
+        <a:lstStyle/>
+        <a:p>
+          <a:endParaRPr lang="en-CA"/>
+        </a:p>
+      </dgm:t>
+    </dgm:pt>
+    <dgm:pt modelId="{7689F896-F87C-43F1-A677-2E9E3FEE93D9}" type="sibTrans" cxnId="{BEA45D1F-B984-44FD-990E-3F6D09B6C856}">
+      <dgm:prSet/>
+      <dgm:spPr/>
+      <dgm:t>
+        <a:bodyPr/>
+        <a:lstStyle/>
+        <a:p>
+          <a:endParaRPr lang="en-CA"/>
+        </a:p>
+      </dgm:t>
+    </dgm:pt>
+    <dgm:pt modelId="{16239C06-CD09-4513-81C5-91B29CEDB56A}">
+      <dgm:prSet phldrT="[Text]" custT="1"/>
+      <dgm:spPr>
+        <a:solidFill>
+          <a:schemeClr val="bg1">
+            <a:lumMod val="85000"/>
+          </a:schemeClr>
+        </a:solidFill>
+      </dgm:spPr>
+      <dgm:t>
+        <a:bodyPr/>
+        <a:lstStyle/>
+        <a:p>
+          <a:pPr marL="0" lvl="0" indent="0" algn="ctr" defTabSz="533400">
+            <a:lnSpc>
+              <a:spcPct val="90000"/>
+            </a:lnSpc>
+            <a:spcBef>
+              <a:spcPct val="0"/>
+            </a:spcBef>
+            <a:spcAft>
+              <a:spcPct val="35000"/>
+            </a:spcAft>
+            <a:buNone/>
+          </a:pPr>
+          <a:r>
+            <a:rPr lang="en-CA" sz="1200" kern="1200" dirty="0">
+              <a:solidFill>
+                <a:prstClr val="white"/>
+              </a:solidFill>
+              <a:latin typeface="Calibri" panose="020F0502020204030204"/>
+              <a:ea typeface="+mn-ea"/>
+              <a:cs typeface="+mn-cs"/>
+            </a:rPr>
+            <a:t>App</a:t>
+          </a:r>
+        </a:p>
+      </dgm:t>
+    </dgm:pt>
+    <dgm:pt modelId="{36016FD8-17EE-4468-8187-2EC5490B5833}" type="sibTrans" cxnId="{246FCE88-F98E-472E-9507-459D42D8D9B0}">
+      <dgm:prSet/>
+      <dgm:spPr/>
+      <dgm:t>
+        <a:bodyPr/>
+        <a:lstStyle/>
+        <a:p>
+          <a:endParaRPr lang="en-CA"/>
+        </a:p>
+      </dgm:t>
+    </dgm:pt>
+    <dgm:pt modelId="{76E887D1-D7D3-48E7-B99A-DBD594CF365F}" type="parTrans" cxnId="{246FCE88-F98E-472E-9507-459D42D8D9B0}">
+      <dgm:prSet/>
+      <dgm:spPr/>
+      <dgm:t>
+        <a:bodyPr/>
+        <a:lstStyle/>
+        <a:p>
+          <a:endParaRPr lang="en-CA"/>
+        </a:p>
+      </dgm:t>
+    </dgm:pt>
+    <dgm:pt modelId="{B42FD993-FC96-4242-8390-C41682FE12E8}" type="pres">
+      <dgm:prSet presAssocID="{990BB43A-8D3E-4A3D-A693-4ECEACA78C17}" presName="Name0" presStyleCnt="0">
+        <dgm:presLayoutVars>
+          <dgm:dir/>
+          <dgm:animLvl val="lvl"/>
+          <dgm:resizeHandles val="exact"/>
+        </dgm:presLayoutVars>
+      </dgm:prSet>
+      <dgm:spPr/>
+    </dgm:pt>
+    <dgm:pt modelId="{393BFE81-60E9-455E-AC60-CEDD69C80CFA}" type="pres">
+      <dgm:prSet presAssocID="{C1512BF5-BDF1-41EF-9C7E-357802A5A397}" presName="parTxOnly" presStyleLbl="node1" presStyleIdx="0" presStyleCnt="4" custLinFactNeighborX="6452">
+        <dgm:presLayoutVars>
+          <dgm:chMax val="0"/>
+          <dgm:chPref val="0"/>
+          <dgm:bulletEnabled val="1"/>
+        </dgm:presLayoutVars>
+      </dgm:prSet>
+      <dgm:spPr/>
+    </dgm:pt>
+    <dgm:pt modelId="{61D2ADEC-AA60-444C-BDD9-DBD57EE7C090}" type="pres">
+      <dgm:prSet presAssocID="{CC384C5D-FA90-4F8D-BD06-1C390D6210D6}" presName="parTxOnlySpace" presStyleCnt="0"/>
+      <dgm:spPr/>
+    </dgm:pt>
+    <dgm:pt modelId="{AE503DE8-3F26-4885-BFD1-3C6EF2408CA7}" type="pres">
+      <dgm:prSet presAssocID="{68134F10-D152-43B0-9175-401C2AEC7784}" presName="parTxOnly" presStyleLbl="node1" presStyleIdx="1" presStyleCnt="4" custLinFactNeighborX="-8215" custLinFactNeighborY="-411">
+        <dgm:presLayoutVars>
+          <dgm:chMax val="0"/>
+          <dgm:chPref val="0"/>
+          <dgm:bulletEnabled val="1"/>
+        </dgm:presLayoutVars>
+      </dgm:prSet>
+      <dgm:spPr/>
+    </dgm:pt>
+    <dgm:pt modelId="{B34B1EF2-9D0B-4AB2-B24F-D05AD2B7118A}" type="pres">
+      <dgm:prSet presAssocID="{B56FDC10-7E09-4FFF-9DC6-5C8E40355A11}" presName="parTxOnlySpace" presStyleCnt="0"/>
+      <dgm:spPr/>
+    </dgm:pt>
+    <dgm:pt modelId="{AFC6DB2F-9FA9-4B63-9864-076A692B3B60}" type="pres">
+      <dgm:prSet presAssocID="{C143BF0D-9327-444E-9FB3-4F09E31FCB6E}" presName="parTxOnly" presStyleLbl="node1" presStyleIdx="2" presStyleCnt="4">
+        <dgm:presLayoutVars>
+          <dgm:chMax val="0"/>
+          <dgm:chPref val="0"/>
+          <dgm:bulletEnabled val="1"/>
+        </dgm:presLayoutVars>
+      </dgm:prSet>
+      <dgm:spPr/>
+    </dgm:pt>
+    <dgm:pt modelId="{7FD1C203-D4CB-4CBA-BEB1-854FA79ABCCD}" type="pres">
+      <dgm:prSet presAssocID="{7689F896-F87C-43F1-A677-2E9E3FEE93D9}" presName="parTxOnlySpace" presStyleCnt="0"/>
+      <dgm:spPr/>
+    </dgm:pt>
+    <dgm:pt modelId="{B1AFD835-0E1B-44DE-9CD4-FD4170E22202}" type="pres">
+      <dgm:prSet presAssocID="{16239C06-CD09-4513-81C5-91B29CEDB56A}" presName="parTxOnly" presStyleLbl="node1" presStyleIdx="3" presStyleCnt="4">
+        <dgm:presLayoutVars>
+          <dgm:chMax val="0"/>
+          <dgm:chPref val="0"/>
+          <dgm:bulletEnabled val="1"/>
+        </dgm:presLayoutVars>
+      </dgm:prSet>
+      <dgm:spPr/>
+    </dgm:pt>
+  </dgm:ptLst>
+  <dgm:cxnLst>
+    <dgm:cxn modelId="{C1801E07-538F-4505-BA72-598FF0649C0F}" type="presOf" srcId="{C1512BF5-BDF1-41EF-9C7E-357802A5A397}" destId="{393BFE81-60E9-455E-AC60-CEDD69C80CFA}" srcOrd="0" destOrd="0" presId="urn:microsoft.com/office/officeart/2005/8/layout/chevron1"/>
+    <dgm:cxn modelId="{CA7FCF13-FC0C-4847-BF01-060C464AFB1A}" type="presOf" srcId="{16239C06-CD09-4513-81C5-91B29CEDB56A}" destId="{B1AFD835-0E1B-44DE-9CD4-FD4170E22202}" srcOrd="0" destOrd="0" presId="urn:microsoft.com/office/officeart/2005/8/layout/chevron1"/>
+    <dgm:cxn modelId="{BEA45D1F-B984-44FD-990E-3F6D09B6C856}" srcId="{990BB43A-8D3E-4A3D-A693-4ECEACA78C17}" destId="{C143BF0D-9327-444E-9FB3-4F09E31FCB6E}" srcOrd="2" destOrd="0" parTransId="{5CEE61DE-FA1C-4AA5-8A1C-81F1AF207B38}" sibTransId="{7689F896-F87C-43F1-A677-2E9E3FEE93D9}"/>
+    <dgm:cxn modelId="{88A77F1F-69A9-482B-9F5E-D8A834C8DF38}" srcId="{990BB43A-8D3E-4A3D-A693-4ECEACA78C17}" destId="{68134F10-D152-43B0-9175-401C2AEC7784}" srcOrd="1" destOrd="0" parTransId="{435ACCB6-7F46-4178-A53A-BC1DF95584E7}" sibTransId="{B56FDC10-7E09-4FFF-9DC6-5C8E40355A11}"/>
+    <dgm:cxn modelId="{803D9E22-D32E-4A7B-97D9-E2AEB4AE9740}" type="presOf" srcId="{990BB43A-8D3E-4A3D-A693-4ECEACA78C17}" destId="{B42FD993-FC96-4242-8390-C41682FE12E8}" srcOrd="0" destOrd="0" presId="urn:microsoft.com/office/officeart/2005/8/layout/chevron1"/>
+    <dgm:cxn modelId="{1D544D39-8794-41CB-8812-6316B72BB0B1}" type="presOf" srcId="{68134F10-D152-43B0-9175-401C2AEC7784}" destId="{AE503DE8-3F26-4885-BFD1-3C6EF2408CA7}" srcOrd="0" destOrd="0" presId="urn:microsoft.com/office/officeart/2005/8/layout/chevron1"/>
+    <dgm:cxn modelId="{BBE9B553-42E1-469A-BC67-950E81F22D2D}" srcId="{990BB43A-8D3E-4A3D-A693-4ECEACA78C17}" destId="{C1512BF5-BDF1-41EF-9C7E-357802A5A397}" srcOrd="0" destOrd="0" parTransId="{7908B19B-1749-46B8-8E35-1C840805274C}" sibTransId="{CC384C5D-FA90-4F8D-BD06-1C390D6210D6}"/>
+    <dgm:cxn modelId="{246FCE88-F98E-472E-9507-459D42D8D9B0}" srcId="{990BB43A-8D3E-4A3D-A693-4ECEACA78C17}" destId="{16239C06-CD09-4513-81C5-91B29CEDB56A}" srcOrd="3" destOrd="0" parTransId="{76E887D1-D7D3-48E7-B99A-DBD594CF365F}" sibTransId="{36016FD8-17EE-4468-8187-2EC5490B5833}"/>
+    <dgm:cxn modelId="{CC54B6ED-2B45-47A4-B03E-2459285E69A6}" type="presOf" srcId="{C143BF0D-9327-444E-9FB3-4F09E31FCB6E}" destId="{AFC6DB2F-9FA9-4B63-9864-076A692B3B60}" srcOrd="0" destOrd="0" presId="urn:microsoft.com/office/officeart/2005/8/layout/chevron1"/>
+    <dgm:cxn modelId="{802F84FC-74CF-43B9-A705-B7C1FC16DFA9}" type="presParOf" srcId="{B42FD993-FC96-4242-8390-C41682FE12E8}" destId="{393BFE81-60E9-455E-AC60-CEDD69C80CFA}" srcOrd="0" destOrd="0" presId="urn:microsoft.com/office/officeart/2005/8/layout/chevron1"/>
+    <dgm:cxn modelId="{5C344FDD-CF09-4AFF-8077-ACEE30B58BC7}" type="presParOf" srcId="{B42FD993-FC96-4242-8390-C41682FE12E8}" destId="{61D2ADEC-AA60-444C-BDD9-DBD57EE7C090}" srcOrd="1" destOrd="0" presId="urn:microsoft.com/office/officeart/2005/8/layout/chevron1"/>
+    <dgm:cxn modelId="{8756A1E6-BA02-4182-9343-2814B70EFB35}" type="presParOf" srcId="{B42FD993-FC96-4242-8390-C41682FE12E8}" destId="{AE503DE8-3F26-4885-BFD1-3C6EF2408CA7}" srcOrd="2" destOrd="0" presId="urn:microsoft.com/office/officeart/2005/8/layout/chevron1"/>
+    <dgm:cxn modelId="{64047CFC-9684-4CE4-86DE-AB351A23A673}" type="presParOf" srcId="{B42FD993-FC96-4242-8390-C41682FE12E8}" destId="{B34B1EF2-9D0B-4AB2-B24F-D05AD2B7118A}" srcOrd="3" destOrd="0" presId="urn:microsoft.com/office/officeart/2005/8/layout/chevron1"/>
+    <dgm:cxn modelId="{197DD154-F06D-4FD5-8A57-73270C683E59}" type="presParOf" srcId="{B42FD993-FC96-4242-8390-C41682FE12E8}" destId="{AFC6DB2F-9FA9-4B63-9864-076A692B3B60}" srcOrd="4" destOrd="0" presId="urn:microsoft.com/office/officeart/2005/8/layout/chevron1"/>
+    <dgm:cxn modelId="{FB52328E-7404-4A8A-8DD1-2380B414674A}" type="presParOf" srcId="{B42FD993-FC96-4242-8390-C41682FE12E8}" destId="{7FD1C203-D4CB-4CBA-BEB1-854FA79ABCCD}" srcOrd="5" destOrd="0" presId="urn:microsoft.com/office/officeart/2005/8/layout/chevron1"/>
+    <dgm:cxn modelId="{6182CECB-7155-4BB6-AE5E-8A874715A276}" type="presParOf" srcId="{B42FD993-FC96-4242-8390-C41682FE12E8}" destId="{B1AFD835-0E1B-44DE-9CD4-FD4170E22202}" srcOrd="6" destOrd="0" presId="urn:microsoft.com/office/officeart/2005/8/layout/chevron1"/>
+  </dgm:cxnLst>
+  <dgm:bg/>
+  <dgm:whole/>
+  <dgm:extLst>
+    <a:ext uri="http://schemas.microsoft.com/office/drawing/2008/diagram">
+      <dsp:dataModelExt xmlns:dsp="http://schemas.microsoft.com/office/drawing/2008/diagram" relId="rId6" minVer="http://schemas.openxmlformats.org/drawingml/2006/diagram"/>
+    </a:ext>
+  </dgm:extLst>
+</dgm:dataModel>
+</file>
+
+<file path=ppt/diagrams/data3.xml><?xml version="1.0" encoding="utf-8"?>
+<dgm:dataModel xmlns:dgm="http://schemas.openxmlformats.org/drawingml/2006/diagram" xmlns:a="http://schemas.openxmlformats.org/drawingml/2006/main">
+  <dgm:ptLst>
+    <dgm:pt modelId="{990BB43A-8D3E-4A3D-A693-4ECEACA78C17}" type="doc">
+      <dgm:prSet loTypeId="urn:microsoft.com/office/officeart/2005/8/layout/chevron1" loCatId="process" qsTypeId="urn:microsoft.com/office/officeart/2005/8/quickstyle/simple1" qsCatId="simple" csTypeId="urn:microsoft.com/office/officeart/2005/8/colors/accent1_2" csCatId="accent1" phldr="1"/>
+      <dgm:spPr/>
+    </dgm:pt>
+    <dgm:pt modelId="{C1512BF5-BDF1-41EF-9C7E-357802A5A397}">
+      <dgm:prSet phldrT="[Text]" custT="1"/>
+      <dgm:spPr>
+        <a:solidFill>
+          <a:schemeClr val="bg2"/>
+        </a:solidFill>
+      </dgm:spPr>
+      <dgm:t>
+        <a:bodyPr/>
+        <a:lstStyle/>
+        <a:p>
+          <a:r>
+            <a:rPr lang="en-CA" sz="1400" dirty="0"/>
+            <a:t>Extract</a:t>
+          </a:r>
+        </a:p>
+      </dgm:t>
+    </dgm:pt>
+    <dgm:pt modelId="{7908B19B-1749-46B8-8E35-1C840805274C}" type="parTrans" cxnId="{BBE9B553-42E1-469A-BC67-950E81F22D2D}">
+      <dgm:prSet/>
+      <dgm:spPr/>
+      <dgm:t>
+        <a:bodyPr/>
+        <a:lstStyle/>
+        <a:p>
+          <a:endParaRPr lang="en-CA"/>
+        </a:p>
+      </dgm:t>
+    </dgm:pt>
+    <dgm:pt modelId="{CC384C5D-FA90-4F8D-BD06-1C390D6210D6}" type="sibTrans" cxnId="{BBE9B553-42E1-469A-BC67-950E81F22D2D}">
+      <dgm:prSet/>
+      <dgm:spPr/>
+      <dgm:t>
+        <a:bodyPr/>
+        <a:lstStyle/>
+        <a:p>
+          <a:endParaRPr lang="en-CA"/>
+        </a:p>
+      </dgm:t>
+    </dgm:pt>
+    <dgm:pt modelId="{68134F10-D152-43B0-9175-401C2AEC7784}">
+      <dgm:prSet phldrT="[Text]" custT="1"/>
+      <dgm:spPr>
+        <a:solidFill>
+          <a:schemeClr val="bg2">
+            <a:lumMod val="90000"/>
+          </a:schemeClr>
+        </a:solidFill>
+      </dgm:spPr>
+      <dgm:t>
+        <a:bodyPr/>
+        <a:lstStyle/>
+        <a:p>
+          <a:r>
+            <a:rPr lang="en-CA" sz="1200" dirty="0"/>
+            <a:t>Transform</a:t>
+          </a:r>
+        </a:p>
+      </dgm:t>
+    </dgm:pt>
+    <dgm:pt modelId="{435ACCB6-7F46-4178-A53A-BC1DF95584E7}" type="parTrans" cxnId="{88A77F1F-69A9-482B-9F5E-D8A834C8DF38}">
+      <dgm:prSet/>
+      <dgm:spPr/>
+      <dgm:t>
+        <a:bodyPr/>
+        <a:lstStyle/>
+        <a:p>
+          <a:endParaRPr lang="en-CA"/>
+        </a:p>
+      </dgm:t>
+    </dgm:pt>
+    <dgm:pt modelId="{B56FDC10-7E09-4FFF-9DC6-5C8E40355A11}" type="sibTrans" cxnId="{88A77F1F-69A9-482B-9F5E-D8A834C8DF38}">
+      <dgm:prSet/>
+      <dgm:spPr/>
+      <dgm:t>
+        <a:bodyPr/>
+        <a:lstStyle/>
+        <a:p>
+          <a:endParaRPr lang="en-CA"/>
+        </a:p>
+      </dgm:t>
+    </dgm:pt>
+    <dgm:pt modelId="{C143BF0D-9327-444E-9FB3-4F09E31FCB6E}">
+      <dgm:prSet phldrT="[Text]" custT="1"/>
+      <dgm:spPr>
+        <a:solidFill>
+          <a:srgbClr val="92D050"/>
+        </a:solidFill>
+      </dgm:spPr>
+      <dgm:t>
+        <a:bodyPr/>
+        <a:lstStyle/>
+        <a:p>
+          <a:r>
+            <a:rPr lang="en-CA" sz="1400" dirty="0"/>
+            <a:t>Load</a:t>
+          </a:r>
+        </a:p>
+      </dgm:t>
+    </dgm:pt>
+    <dgm:pt modelId="{5CEE61DE-FA1C-4AA5-8A1C-81F1AF207B38}" type="parTrans" cxnId="{BEA45D1F-B984-44FD-990E-3F6D09B6C856}">
+      <dgm:prSet/>
+      <dgm:spPr/>
+      <dgm:t>
+        <a:bodyPr/>
+        <a:lstStyle/>
+        <a:p>
+          <a:endParaRPr lang="en-CA"/>
+        </a:p>
+      </dgm:t>
+    </dgm:pt>
+    <dgm:pt modelId="{7689F896-F87C-43F1-A677-2E9E3FEE93D9}" type="sibTrans" cxnId="{BEA45D1F-B984-44FD-990E-3F6D09B6C856}">
+      <dgm:prSet/>
+      <dgm:spPr/>
+      <dgm:t>
+        <a:bodyPr/>
+        <a:lstStyle/>
+        <a:p>
+          <a:endParaRPr lang="en-CA"/>
+        </a:p>
+      </dgm:t>
+    </dgm:pt>
+    <dgm:pt modelId="{16239C06-CD09-4513-81C5-91B29CEDB56A}">
+      <dgm:prSet phldrT="[Text]" custT="1"/>
+      <dgm:spPr>
+        <a:solidFill>
+          <a:schemeClr val="bg1">
+            <a:lumMod val="85000"/>
+          </a:schemeClr>
+        </a:solidFill>
+      </dgm:spPr>
+      <dgm:t>
+        <a:bodyPr/>
+        <a:lstStyle/>
+        <a:p>
+          <a:pPr marL="0" lvl="0" indent="0" algn="ctr" defTabSz="533400">
+            <a:lnSpc>
+              <a:spcPct val="90000"/>
+            </a:lnSpc>
+            <a:spcBef>
+              <a:spcPct val="0"/>
+            </a:spcBef>
+            <a:spcAft>
+              <a:spcPct val="35000"/>
+            </a:spcAft>
+            <a:buNone/>
+          </a:pPr>
+          <a:r>
+            <a:rPr lang="en-CA" sz="1200" kern="1200" dirty="0">
+              <a:solidFill>
+                <a:prstClr val="white"/>
+              </a:solidFill>
+              <a:latin typeface="Calibri" panose="020F0502020204030204"/>
+              <a:ea typeface="+mn-ea"/>
+              <a:cs typeface="+mn-cs"/>
+            </a:rPr>
+            <a:t>App</a:t>
+          </a:r>
+        </a:p>
+      </dgm:t>
+    </dgm:pt>
+    <dgm:pt modelId="{76E887D1-D7D3-48E7-B99A-DBD594CF365F}" type="parTrans" cxnId="{246FCE88-F98E-472E-9507-459D42D8D9B0}">
+      <dgm:prSet/>
+      <dgm:spPr/>
+      <dgm:t>
+        <a:bodyPr/>
+        <a:lstStyle/>
+        <a:p>
+          <a:endParaRPr lang="en-CA"/>
+        </a:p>
+      </dgm:t>
+    </dgm:pt>
+    <dgm:pt modelId="{36016FD8-17EE-4468-8187-2EC5490B5833}" type="sibTrans" cxnId="{246FCE88-F98E-472E-9507-459D42D8D9B0}">
+      <dgm:prSet/>
+      <dgm:spPr/>
+      <dgm:t>
+        <a:bodyPr/>
+        <a:lstStyle/>
+        <a:p>
+          <a:endParaRPr lang="en-CA"/>
+        </a:p>
+      </dgm:t>
+    </dgm:pt>
+    <dgm:pt modelId="{B42FD993-FC96-4242-8390-C41682FE12E8}" type="pres">
+      <dgm:prSet presAssocID="{990BB43A-8D3E-4A3D-A693-4ECEACA78C17}" presName="Name0" presStyleCnt="0">
+        <dgm:presLayoutVars>
+          <dgm:dir/>
+          <dgm:animLvl val="lvl"/>
+          <dgm:resizeHandles val="exact"/>
+        </dgm:presLayoutVars>
+      </dgm:prSet>
+      <dgm:spPr/>
+    </dgm:pt>
+    <dgm:pt modelId="{393BFE81-60E9-455E-AC60-CEDD69C80CFA}" type="pres">
+      <dgm:prSet presAssocID="{C1512BF5-BDF1-41EF-9C7E-357802A5A397}" presName="parTxOnly" presStyleLbl="node1" presStyleIdx="0" presStyleCnt="4" custLinFactNeighborX="6452">
+        <dgm:presLayoutVars>
+          <dgm:chMax val="0"/>
+          <dgm:chPref val="0"/>
+          <dgm:bulletEnabled val="1"/>
+        </dgm:presLayoutVars>
+      </dgm:prSet>
+      <dgm:spPr/>
+    </dgm:pt>
+    <dgm:pt modelId="{61D2ADEC-AA60-444C-BDD9-DBD57EE7C090}" type="pres">
+      <dgm:prSet presAssocID="{CC384C5D-FA90-4F8D-BD06-1C390D6210D6}" presName="parTxOnlySpace" presStyleCnt="0"/>
+      <dgm:spPr/>
+    </dgm:pt>
+    <dgm:pt modelId="{AE503DE8-3F26-4885-BFD1-3C6EF2408CA7}" type="pres">
+      <dgm:prSet presAssocID="{68134F10-D152-43B0-9175-401C2AEC7784}" presName="parTxOnly" presStyleLbl="node1" presStyleIdx="1" presStyleCnt="4" custLinFactNeighborX="34949" custLinFactNeighborY="-788">
+        <dgm:presLayoutVars>
+          <dgm:chMax val="0"/>
+          <dgm:chPref val="0"/>
+          <dgm:bulletEnabled val="1"/>
+        </dgm:presLayoutVars>
+      </dgm:prSet>
+      <dgm:spPr/>
+    </dgm:pt>
+    <dgm:pt modelId="{B34B1EF2-9D0B-4AB2-B24F-D05AD2B7118A}" type="pres">
+      <dgm:prSet presAssocID="{B56FDC10-7E09-4FFF-9DC6-5C8E40355A11}" presName="parTxOnlySpace" presStyleCnt="0"/>
+      <dgm:spPr/>
+    </dgm:pt>
+    <dgm:pt modelId="{AFC6DB2F-9FA9-4B63-9864-076A692B3B60}" type="pres">
+      <dgm:prSet presAssocID="{C143BF0D-9327-444E-9FB3-4F09E31FCB6E}" presName="parTxOnly" presStyleLbl="node1" presStyleIdx="2" presStyleCnt="4">
+        <dgm:presLayoutVars>
+          <dgm:chMax val="0"/>
+          <dgm:chPref val="0"/>
+          <dgm:bulletEnabled val="1"/>
+        </dgm:presLayoutVars>
+      </dgm:prSet>
+      <dgm:spPr/>
+    </dgm:pt>
+    <dgm:pt modelId="{7FD1C203-D4CB-4CBA-BEB1-854FA79ABCCD}" type="pres">
+      <dgm:prSet presAssocID="{7689F896-F87C-43F1-A677-2E9E3FEE93D9}" presName="parTxOnlySpace" presStyleCnt="0"/>
+      <dgm:spPr/>
+    </dgm:pt>
+    <dgm:pt modelId="{B1AFD835-0E1B-44DE-9CD4-FD4170E22202}" type="pres">
+      <dgm:prSet presAssocID="{16239C06-CD09-4513-81C5-91B29CEDB56A}" presName="parTxOnly" presStyleLbl="node1" presStyleIdx="3" presStyleCnt="4" custLinFactNeighborX="1718" custLinFactNeighborY="813">
+        <dgm:presLayoutVars>
+          <dgm:chMax val="0"/>
+          <dgm:chPref val="0"/>
+          <dgm:bulletEnabled val="1"/>
+        </dgm:presLayoutVars>
+      </dgm:prSet>
+      <dgm:spPr/>
+    </dgm:pt>
+  </dgm:ptLst>
+  <dgm:cxnLst>
+    <dgm:cxn modelId="{BEA45D1F-B984-44FD-990E-3F6D09B6C856}" srcId="{990BB43A-8D3E-4A3D-A693-4ECEACA78C17}" destId="{C143BF0D-9327-444E-9FB3-4F09E31FCB6E}" srcOrd="2" destOrd="0" parTransId="{5CEE61DE-FA1C-4AA5-8A1C-81F1AF207B38}" sibTransId="{7689F896-F87C-43F1-A677-2E9E3FEE93D9}"/>
+    <dgm:cxn modelId="{88A77F1F-69A9-482B-9F5E-D8A834C8DF38}" srcId="{990BB43A-8D3E-4A3D-A693-4ECEACA78C17}" destId="{68134F10-D152-43B0-9175-401C2AEC7784}" srcOrd="1" destOrd="0" parTransId="{435ACCB6-7F46-4178-A53A-BC1DF95584E7}" sibTransId="{B56FDC10-7E09-4FFF-9DC6-5C8E40355A11}"/>
+    <dgm:cxn modelId="{5322A26A-1C9A-45EB-9C0F-F2CFA214B3F1}" type="presOf" srcId="{68134F10-D152-43B0-9175-401C2AEC7784}" destId="{AE503DE8-3F26-4885-BFD1-3C6EF2408CA7}" srcOrd="0" destOrd="0" presId="urn:microsoft.com/office/officeart/2005/8/layout/chevron1"/>
+    <dgm:cxn modelId="{BBE9B553-42E1-469A-BC67-950E81F22D2D}" srcId="{990BB43A-8D3E-4A3D-A693-4ECEACA78C17}" destId="{C1512BF5-BDF1-41EF-9C7E-357802A5A397}" srcOrd="0" destOrd="0" parTransId="{7908B19B-1749-46B8-8E35-1C840805274C}" sibTransId="{CC384C5D-FA90-4F8D-BD06-1C390D6210D6}"/>
+    <dgm:cxn modelId="{246FCE88-F98E-472E-9507-459D42D8D9B0}" srcId="{990BB43A-8D3E-4A3D-A693-4ECEACA78C17}" destId="{16239C06-CD09-4513-81C5-91B29CEDB56A}" srcOrd="3" destOrd="0" parTransId="{76E887D1-D7D3-48E7-B99A-DBD594CF365F}" sibTransId="{36016FD8-17EE-4468-8187-2EC5490B5833}"/>
+    <dgm:cxn modelId="{3511649E-D3E5-459B-893C-4A5F748B9360}" type="presOf" srcId="{990BB43A-8D3E-4A3D-A693-4ECEACA78C17}" destId="{B42FD993-FC96-4242-8390-C41682FE12E8}" srcOrd="0" destOrd="0" presId="urn:microsoft.com/office/officeart/2005/8/layout/chevron1"/>
+    <dgm:cxn modelId="{DAE08BB6-F84A-4617-A029-C5662BF74B45}" type="presOf" srcId="{C1512BF5-BDF1-41EF-9C7E-357802A5A397}" destId="{393BFE81-60E9-455E-AC60-CEDD69C80CFA}" srcOrd="0" destOrd="0" presId="urn:microsoft.com/office/officeart/2005/8/layout/chevron1"/>
+    <dgm:cxn modelId="{B79E8FB7-0585-4651-85D6-5535D4DDDBE6}" type="presOf" srcId="{16239C06-CD09-4513-81C5-91B29CEDB56A}" destId="{B1AFD835-0E1B-44DE-9CD4-FD4170E22202}" srcOrd="0" destOrd="0" presId="urn:microsoft.com/office/officeart/2005/8/layout/chevron1"/>
+    <dgm:cxn modelId="{443658BD-EB2E-43CB-8430-C920D99A4139}" type="presOf" srcId="{C143BF0D-9327-444E-9FB3-4F09E31FCB6E}" destId="{AFC6DB2F-9FA9-4B63-9864-076A692B3B60}" srcOrd="0" destOrd="0" presId="urn:microsoft.com/office/officeart/2005/8/layout/chevron1"/>
+    <dgm:cxn modelId="{10A23CBC-C702-4540-A940-90A03E27E522}" type="presParOf" srcId="{B42FD993-FC96-4242-8390-C41682FE12E8}" destId="{393BFE81-60E9-455E-AC60-CEDD69C80CFA}" srcOrd="0" destOrd="0" presId="urn:microsoft.com/office/officeart/2005/8/layout/chevron1"/>
+    <dgm:cxn modelId="{0D0AC745-EAFE-4035-94D6-2BE41F91BD1D}" type="presParOf" srcId="{B42FD993-FC96-4242-8390-C41682FE12E8}" destId="{61D2ADEC-AA60-444C-BDD9-DBD57EE7C090}" srcOrd="1" destOrd="0" presId="urn:microsoft.com/office/officeart/2005/8/layout/chevron1"/>
+    <dgm:cxn modelId="{BAE7BF54-8105-43AE-921E-919FFEDAADA6}" type="presParOf" srcId="{B42FD993-FC96-4242-8390-C41682FE12E8}" destId="{AE503DE8-3F26-4885-BFD1-3C6EF2408CA7}" srcOrd="2" destOrd="0" presId="urn:microsoft.com/office/officeart/2005/8/layout/chevron1"/>
+    <dgm:cxn modelId="{E3CE39EB-E0BA-47E8-A59E-0275D6CCB161}" type="presParOf" srcId="{B42FD993-FC96-4242-8390-C41682FE12E8}" destId="{B34B1EF2-9D0B-4AB2-B24F-D05AD2B7118A}" srcOrd="3" destOrd="0" presId="urn:microsoft.com/office/officeart/2005/8/layout/chevron1"/>
+    <dgm:cxn modelId="{1F641AC7-090B-4899-9562-EEDBA9F1FD1E}" type="presParOf" srcId="{B42FD993-FC96-4242-8390-C41682FE12E8}" destId="{AFC6DB2F-9FA9-4B63-9864-076A692B3B60}" srcOrd="4" destOrd="0" presId="urn:microsoft.com/office/officeart/2005/8/layout/chevron1"/>
+    <dgm:cxn modelId="{4CB3190F-1818-441B-B25C-C5367B65A3E8}" type="presParOf" srcId="{B42FD993-FC96-4242-8390-C41682FE12E8}" destId="{7FD1C203-D4CB-4CBA-BEB1-854FA79ABCCD}" srcOrd="5" destOrd="0" presId="urn:microsoft.com/office/officeart/2005/8/layout/chevron1"/>
+    <dgm:cxn modelId="{9F3A13C0-C333-4470-9D80-9346D6D35B0B}" type="presParOf" srcId="{B42FD993-FC96-4242-8390-C41682FE12E8}" destId="{B1AFD835-0E1B-44DE-9CD4-FD4170E22202}" srcOrd="6" destOrd="0" presId="urn:microsoft.com/office/officeart/2005/8/layout/chevron1"/>
+  </dgm:cxnLst>
+  <dgm:bg/>
+  <dgm:whole/>
+  <dgm:extLst>
+    <a:ext uri="http://schemas.microsoft.com/office/drawing/2008/diagram">
+      <dsp:dataModelExt xmlns:dsp="http://schemas.microsoft.com/office/drawing/2008/diagram" relId="rId6" minVer="http://schemas.openxmlformats.org/drawingml/2006/diagram"/>
+    </a:ext>
+  </dgm:extLst>
+</dgm:dataModel>
+</file>
+
+<file path=ppt/diagrams/data4.xml><?xml version="1.0" encoding="utf-8"?>
 <dgm:dataModel xmlns:dgm="http://schemas.openxmlformats.org/drawingml/2006/diagram" xmlns:a="http://schemas.openxmlformats.org/drawingml/2006/main">
   <dgm:ptLst>
     <dgm:pt modelId="{990BB43A-8D3E-4A3D-A693-4ECEACA78C17}" type="doc">
@@ -4170,1166 +5049,7 @@
 </dgm:dataModel>
 </file>
 
-<file path=ppt/diagrams/data2.xml><?xml version="1.0" encoding="utf-8"?>
-<dgm:dataModel xmlns:dgm="http://schemas.openxmlformats.org/drawingml/2006/diagram" xmlns:a="http://schemas.openxmlformats.org/drawingml/2006/main">
-  <dgm:ptLst>
-    <dgm:pt modelId="{990BB43A-8D3E-4A3D-A693-4ECEACA78C17}" type="doc">
-      <dgm:prSet loTypeId="urn:microsoft.com/office/officeart/2005/8/layout/chevron1" loCatId="process" qsTypeId="urn:microsoft.com/office/officeart/2005/8/quickstyle/simple1" qsCatId="simple" csTypeId="urn:microsoft.com/office/officeart/2005/8/colors/accent1_2" csCatId="accent1" phldr="1"/>
-      <dgm:spPr/>
-    </dgm:pt>
-    <dgm:pt modelId="{C1512BF5-BDF1-41EF-9C7E-357802A5A397}">
-      <dgm:prSet phldrT="[Text]" custT="1"/>
-      <dgm:spPr>
-        <a:solidFill>
-          <a:srgbClr val="92D050"/>
-        </a:solidFill>
-      </dgm:spPr>
-      <dgm:t>
-        <a:bodyPr/>
-        <a:lstStyle/>
-        <a:p>
-          <a:r>
-            <a:rPr lang="en-CA" sz="1400" dirty="0"/>
-            <a:t>Extract</a:t>
-          </a:r>
-        </a:p>
-      </dgm:t>
-    </dgm:pt>
-    <dgm:pt modelId="{7908B19B-1749-46B8-8E35-1C840805274C}" type="parTrans" cxnId="{BBE9B553-42E1-469A-BC67-950E81F22D2D}">
-      <dgm:prSet/>
-      <dgm:spPr/>
-      <dgm:t>
-        <a:bodyPr/>
-        <a:lstStyle/>
-        <a:p>
-          <a:endParaRPr lang="en-CA"/>
-        </a:p>
-      </dgm:t>
-    </dgm:pt>
-    <dgm:pt modelId="{CC384C5D-FA90-4F8D-BD06-1C390D6210D6}" type="sibTrans" cxnId="{BBE9B553-42E1-469A-BC67-950E81F22D2D}">
-      <dgm:prSet/>
-      <dgm:spPr/>
-      <dgm:t>
-        <a:bodyPr/>
-        <a:lstStyle/>
-        <a:p>
-          <a:endParaRPr lang="en-CA"/>
-        </a:p>
-      </dgm:t>
-    </dgm:pt>
-    <dgm:pt modelId="{68134F10-D152-43B0-9175-401C2AEC7784}">
-      <dgm:prSet phldrT="[Text]" custT="1"/>
-      <dgm:spPr>
-        <a:solidFill>
-          <a:schemeClr val="bg1">
-            <a:lumMod val="85000"/>
-          </a:schemeClr>
-        </a:solidFill>
-      </dgm:spPr>
-      <dgm:t>
-        <a:bodyPr/>
-        <a:lstStyle/>
-        <a:p>
-          <a:r>
-            <a:rPr lang="en-CA" sz="1200" dirty="0"/>
-            <a:t>Transform</a:t>
-          </a:r>
-        </a:p>
-      </dgm:t>
-    </dgm:pt>
-    <dgm:pt modelId="{435ACCB6-7F46-4178-A53A-BC1DF95584E7}" type="parTrans" cxnId="{88A77F1F-69A9-482B-9F5E-D8A834C8DF38}">
-      <dgm:prSet/>
-      <dgm:spPr/>
-      <dgm:t>
-        <a:bodyPr/>
-        <a:lstStyle/>
-        <a:p>
-          <a:endParaRPr lang="en-CA"/>
-        </a:p>
-      </dgm:t>
-    </dgm:pt>
-    <dgm:pt modelId="{B56FDC10-7E09-4FFF-9DC6-5C8E40355A11}" type="sibTrans" cxnId="{88A77F1F-69A9-482B-9F5E-D8A834C8DF38}">
-      <dgm:prSet/>
-      <dgm:spPr/>
-      <dgm:t>
-        <a:bodyPr/>
-        <a:lstStyle/>
-        <a:p>
-          <a:endParaRPr lang="en-CA"/>
-        </a:p>
-      </dgm:t>
-    </dgm:pt>
-    <dgm:pt modelId="{C143BF0D-9327-444E-9FB3-4F09E31FCB6E}">
-      <dgm:prSet phldrT="[Text]" custT="1"/>
-      <dgm:spPr>
-        <a:solidFill>
-          <a:schemeClr val="bg1">
-            <a:lumMod val="85000"/>
-          </a:schemeClr>
-        </a:solidFill>
-      </dgm:spPr>
-      <dgm:t>
-        <a:bodyPr/>
-        <a:lstStyle/>
-        <a:p>
-          <a:r>
-            <a:rPr lang="en-CA" sz="1400" dirty="0"/>
-            <a:t>Load</a:t>
-          </a:r>
-        </a:p>
-      </dgm:t>
-    </dgm:pt>
-    <dgm:pt modelId="{5CEE61DE-FA1C-4AA5-8A1C-81F1AF207B38}" type="parTrans" cxnId="{BEA45D1F-B984-44FD-990E-3F6D09B6C856}">
-      <dgm:prSet/>
-      <dgm:spPr/>
-      <dgm:t>
-        <a:bodyPr/>
-        <a:lstStyle/>
-        <a:p>
-          <a:endParaRPr lang="en-CA"/>
-        </a:p>
-      </dgm:t>
-    </dgm:pt>
-    <dgm:pt modelId="{7689F896-F87C-43F1-A677-2E9E3FEE93D9}" type="sibTrans" cxnId="{BEA45D1F-B984-44FD-990E-3F6D09B6C856}">
-      <dgm:prSet/>
-      <dgm:spPr/>
-      <dgm:t>
-        <a:bodyPr/>
-        <a:lstStyle/>
-        <a:p>
-          <a:endParaRPr lang="en-CA"/>
-        </a:p>
-      </dgm:t>
-    </dgm:pt>
-    <dgm:pt modelId="{3DB85932-381B-47DA-BB4E-7847D521A543}">
-      <dgm:prSet phldrT="[Text]" custT="1"/>
-      <dgm:spPr>
-        <a:solidFill>
-          <a:schemeClr val="bg1">
-            <a:lumMod val="85000"/>
-          </a:schemeClr>
-        </a:solidFill>
-      </dgm:spPr>
-      <dgm:t>
-        <a:bodyPr/>
-        <a:lstStyle/>
-        <a:p>
-          <a:pPr marL="0" lvl="0" indent="0" algn="ctr" defTabSz="533400">
-            <a:lnSpc>
-              <a:spcPct val="90000"/>
-            </a:lnSpc>
-            <a:spcBef>
-              <a:spcPct val="0"/>
-            </a:spcBef>
-            <a:spcAft>
-              <a:spcPct val="35000"/>
-            </a:spcAft>
-            <a:buNone/>
-          </a:pPr>
-          <a:r>
-            <a:rPr lang="en-CA" sz="1200" kern="1200" dirty="0">
-              <a:solidFill>
-                <a:prstClr val="white"/>
-              </a:solidFill>
-              <a:latin typeface="Calibri" panose="020F0502020204030204"/>
-              <a:ea typeface="+mn-ea"/>
-              <a:cs typeface="+mn-cs"/>
-            </a:rPr>
-            <a:t>App</a:t>
-          </a:r>
-        </a:p>
-      </dgm:t>
-    </dgm:pt>
-    <dgm:pt modelId="{3FB10B4A-EBC6-4C8E-80D7-2737651752DD}" type="parTrans" cxnId="{ABAD9863-4826-47F8-B166-95B344A05DA1}">
-      <dgm:prSet/>
-      <dgm:spPr/>
-      <dgm:t>
-        <a:bodyPr/>
-        <a:lstStyle/>
-        <a:p>
-          <a:endParaRPr lang="en-CA"/>
-        </a:p>
-      </dgm:t>
-    </dgm:pt>
-    <dgm:pt modelId="{D2BB0F86-F05F-47E1-88BC-ECEBF6398FF2}" type="sibTrans" cxnId="{ABAD9863-4826-47F8-B166-95B344A05DA1}">
-      <dgm:prSet/>
-      <dgm:spPr/>
-      <dgm:t>
-        <a:bodyPr/>
-        <a:lstStyle/>
-        <a:p>
-          <a:endParaRPr lang="en-CA"/>
-        </a:p>
-      </dgm:t>
-    </dgm:pt>
-    <dgm:pt modelId="{B42FD993-FC96-4242-8390-C41682FE12E8}" type="pres">
-      <dgm:prSet presAssocID="{990BB43A-8D3E-4A3D-A693-4ECEACA78C17}" presName="Name0" presStyleCnt="0">
-        <dgm:presLayoutVars>
-          <dgm:dir/>
-          <dgm:animLvl val="lvl"/>
-          <dgm:resizeHandles val="exact"/>
-        </dgm:presLayoutVars>
-      </dgm:prSet>
-      <dgm:spPr/>
-    </dgm:pt>
-    <dgm:pt modelId="{393BFE81-60E9-455E-AC60-CEDD69C80CFA}" type="pres">
-      <dgm:prSet presAssocID="{C1512BF5-BDF1-41EF-9C7E-357802A5A397}" presName="parTxOnly" presStyleLbl="node1" presStyleIdx="0" presStyleCnt="4" custLinFactNeighborX="6452">
-        <dgm:presLayoutVars>
-          <dgm:chMax val="0"/>
-          <dgm:chPref val="0"/>
-          <dgm:bulletEnabled val="1"/>
-        </dgm:presLayoutVars>
-      </dgm:prSet>
-      <dgm:spPr/>
-    </dgm:pt>
-    <dgm:pt modelId="{61D2ADEC-AA60-444C-BDD9-DBD57EE7C090}" type="pres">
-      <dgm:prSet presAssocID="{CC384C5D-FA90-4F8D-BD06-1C390D6210D6}" presName="parTxOnlySpace" presStyleCnt="0"/>
-      <dgm:spPr/>
-    </dgm:pt>
-    <dgm:pt modelId="{AE503DE8-3F26-4885-BFD1-3C6EF2408CA7}" type="pres">
-      <dgm:prSet presAssocID="{68134F10-D152-43B0-9175-401C2AEC7784}" presName="parTxOnly" presStyleLbl="node1" presStyleIdx="1" presStyleCnt="4">
-        <dgm:presLayoutVars>
-          <dgm:chMax val="0"/>
-          <dgm:chPref val="0"/>
-          <dgm:bulletEnabled val="1"/>
-        </dgm:presLayoutVars>
-      </dgm:prSet>
-      <dgm:spPr/>
-    </dgm:pt>
-    <dgm:pt modelId="{B34B1EF2-9D0B-4AB2-B24F-D05AD2B7118A}" type="pres">
-      <dgm:prSet presAssocID="{B56FDC10-7E09-4FFF-9DC6-5C8E40355A11}" presName="parTxOnlySpace" presStyleCnt="0"/>
-      <dgm:spPr/>
-    </dgm:pt>
-    <dgm:pt modelId="{AFC6DB2F-9FA9-4B63-9864-076A692B3B60}" type="pres">
-      <dgm:prSet presAssocID="{C143BF0D-9327-444E-9FB3-4F09E31FCB6E}" presName="parTxOnly" presStyleLbl="node1" presStyleIdx="2" presStyleCnt="4">
-        <dgm:presLayoutVars>
-          <dgm:chMax val="0"/>
-          <dgm:chPref val="0"/>
-          <dgm:bulletEnabled val="1"/>
-        </dgm:presLayoutVars>
-      </dgm:prSet>
-      <dgm:spPr/>
-    </dgm:pt>
-    <dgm:pt modelId="{7FD1C203-D4CB-4CBA-BEB1-854FA79ABCCD}" type="pres">
-      <dgm:prSet presAssocID="{7689F896-F87C-43F1-A677-2E9E3FEE93D9}" presName="parTxOnlySpace" presStyleCnt="0"/>
-      <dgm:spPr/>
-    </dgm:pt>
-    <dgm:pt modelId="{48FB269B-7D9F-4C36-8E85-6854CA5C9B61}" type="pres">
-      <dgm:prSet presAssocID="{3DB85932-381B-47DA-BB4E-7847D521A543}" presName="parTxOnly" presStyleLbl="node1" presStyleIdx="3" presStyleCnt="4">
-        <dgm:presLayoutVars>
-          <dgm:chMax val="0"/>
-          <dgm:chPref val="0"/>
-          <dgm:bulletEnabled val="1"/>
-        </dgm:presLayoutVars>
-      </dgm:prSet>
-      <dgm:spPr/>
-    </dgm:pt>
-  </dgm:ptLst>
-  <dgm:cxnLst>
-    <dgm:cxn modelId="{C1801E07-538F-4505-BA72-598FF0649C0F}" type="presOf" srcId="{C1512BF5-BDF1-41EF-9C7E-357802A5A397}" destId="{393BFE81-60E9-455E-AC60-CEDD69C80CFA}" srcOrd="0" destOrd="0" presId="urn:microsoft.com/office/officeart/2005/8/layout/chevron1"/>
-    <dgm:cxn modelId="{BEA45D1F-B984-44FD-990E-3F6D09B6C856}" srcId="{990BB43A-8D3E-4A3D-A693-4ECEACA78C17}" destId="{C143BF0D-9327-444E-9FB3-4F09E31FCB6E}" srcOrd="2" destOrd="0" parTransId="{5CEE61DE-FA1C-4AA5-8A1C-81F1AF207B38}" sibTransId="{7689F896-F87C-43F1-A677-2E9E3FEE93D9}"/>
-    <dgm:cxn modelId="{88A77F1F-69A9-482B-9F5E-D8A834C8DF38}" srcId="{990BB43A-8D3E-4A3D-A693-4ECEACA78C17}" destId="{68134F10-D152-43B0-9175-401C2AEC7784}" srcOrd="1" destOrd="0" parTransId="{435ACCB6-7F46-4178-A53A-BC1DF95584E7}" sibTransId="{B56FDC10-7E09-4FFF-9DC6-5C8E40355A11}"/>
-    <dgm:cxn modelId="{803D9E22-D32E-4A7B-97D9-E2AEB4AE9740}" type="presOf" srcId="{990BB43A-8D3E-4A3D-A693-4ECEACA78C17}" destId="{B42FD993-FC96-4242-8390-C41682FE12E8}" srcOrd="0" destOrd="0" presId="urn:microsoft.com/office/officeart/2005/8/layout/chevron1"/>
-    <dgm:cxn modelId="{1D544D39-8794-41CB-8812-6316B72BB0B1}" type="presOf" srcId="{68134F10-D152-43B0-9175-401C2AEC7784}" destId="{AE503DE8-3F26-4885-BFD1-3C6EF2408CA7}" srcOrd="0" destOrd="0" presId="urn:microsoft.com/office/officeart/2005/8/layout/chevron1"/>
-    <dgm:cxn modelId="{ABAD9863-4826-47F8-B166-95B344A05DA1}" srcId="{990BB43A-8D3E-4A3D-A693-4ECEACA78C17}" destId="{3DB85932-381B-47DA-BB4E-7847D521A543}" srcOrd="3" destOrd="0" parTransId="{3FB10B4A-EBC6-4C8E-80D7-2737651752DD}" sibTransId="{D2BB0F86-F05F-47E1-88BC-ECEBF6398FF2}"/>
-    <dgm:cxn modelId="{BBE9B553-42E1-469A-BC67-950E81F22D2D}" srcId="{990BB43A-8D3E-4A3D-A693-4ECEACA78C17}" destId="{C1512BF5-BDF1-41EF-9C7E-357802A5A397}" srcOrd="0" destOrd="0" parTransId="{7908B19B-1749-46B8-8E35-1C840805274C}" sibTransId="{CC384C5D-FA90-4F8D-BD06-1C390D6210D6}"/>
-    <dgm:cxn modelId="{E2B13ED3-8879-4B68-A6A9-911F17D0BDD9}" type="presOf" srcId="{3DB85932-381B-47DA-BB4E-7847D521A543}" destId="{48FB269B-7D9F-4C36-8E85-6854CA5C9B61}" srcOrd="0" destOrd="0" presId="urn:microsoft.com/office/officeart/2005/8/layout/chevron1"/>
-    <dgm:cxn modelId="{CC54B6ED-2B45-47A4-B03E-2459285E69A6}" type="presOf" srcId="{C143BF0D-9327-444E-9FB3-4F09E31FCB6E}" destId="{AFC6DB2F-9FA9-4B63-9864-076A692B3B60}" srcOrd="0" destOrd="0" presId="urn:microsoft.com/office/officeart/2005/8/layout/chevron1"/>
-    <dgm:cxn modelId="{802F84FC-74CF-43B9-A705-B7C1FC16DFA9}" type="presParOf" srcId="{B42FD993-FC96-4242-8390-C41682FE12E8}" destId="{393BFE81-60E9-455E-AC60-CEDD69C80CFA}" srcOrd="0" destOrd="0" presId="urn:microsoft.com/office/officeart/2005/8/layout/chevron1"/>
-    <dgm:cxn modelId="{5C344FDD-CF09-4AFF-8077-ACEE30B58BC7}" type="presParOf" srcId="{B42FD993-FC96-4242-8390-C41682FE12E8}" destId="{61D2ADEC-AA60-444C-BDD9-DBD57EE7C090}" srcOrd="1" destOrd="0" presId="urn:microsoft.com/office/officeart/2005/8/layout/chevron1"/>
-    <dgm:cxn modelId="{8756A1E6-BA02-4182-9343-2814B70EFB35}" type="presParOf" srcId="{B42FD993-FC96-4242-8390-C41682FE12E8}" destId="{AE503DE8-3F26-4885-BFD1-3C6EF2408CA7}" srcOrd="2" destOrd="0" presId="urn:microsoft.com/office/officeart/2005/8/layout/chevron1"/>
-    <dgm:cxn modelId="{64047CFC-9684-4CE4-86DE-AB351A23A673}" type="presParOf" srcId="{B42FD993-FC96-4242-8390-C41682FE12E8}" destId="{B34B1EF2-9D0B-4AB2-B24F-D05AD2B7118A}" srcOrd="3" destOrd="0" presId="urn:microsoft.com/office/officeart/2005/8/layout/chevron1"/>
-    <dgm:cxn modelId="{197DD154-F06D-4FD5-8A57-73270C683E59}" type="presParOf" srcId="{B42FD993-FC96-4242-8390-C41682FE12E8}" destId="{AFC6DB2F-9FA9-4B63-9864-076A692B3B60}" srcOrd="4" destOrd="0" presId="urn:microsoft.com/office/officeart/2005/8/layout/chevron1"/>
-    <dgm:cxn modelId="{FB52328E-7404-4A8A-8DD1-2380B414674A}" type="presParOf" srcId="{B42FD993-FC96-4242-8390-C41682FE12E8}" destId="{7FD1C203-D4CB-4CBA-BEB1-854FA79ABCCD}" srcOrd="5" destOrd="0" presId="urn:microsoft.com/office/officeart/2005/8/layout/chevron1"/>
-    <dgm:cxn modelId="{F5C606D4-9F12-42EA-87F5-2673A6507D7E}" type="presParOf" srcId="{B42FD993-FC96-4242-8390-C41682FE12E8}" destId="{48FB269B-7D9F-4C36-8E85-6854CA5C9B61}" srcOrd="6" destOrd="0" presId="urn:microsoft.com/office/officeart/2005/8/layout/chevron1"/>
-  </dgm:cxnLst>
-  <dgm:bg/>
-  <dgm:whole/>
-  <dgm:extLst>
-    <a:ext uri="http://schemas.microsoft.com/office/drawing/2008/diagram">
-      <dsp:dataModelExt xmlns:dsp="http://schemas.microsoft.com/office/drawing/2008/diagram" relId="rId10" minVer="http://schemas.openxmlformats.org/drawingml/2006/diagram"/>
-    </a:ext>
-  </dgm:extLst>
-</dgm:dataModel>
-</file>
-
-<file path=ppt/diagrams/data3.xml><?xml version="1.0" encoding="utf-8"?>
-<dgm:dataModel xmlns:dgm="http://schemas.openxmlformats.org/drawingml/2006/diagram" xmlns:a="http://schemas.openxmlformats.org/drawingml/2006/main">
-  <dgm:ptLst>
-    <dgm:pt modelId="{990BB43A-8D3E-4A3D-A693-4ECEACA78C17}" type="doc">
-      <dgm:prSet loTypeId="urn:microsoft.com/office/officeart/2005/8/layout/chevron1" loCatId="process" qsTypeId="urn:microsoft.com/office/officeart/2005/8/quickstyle/simple1" qsCatId="simple" csTypeId="urn:microsoft.com/office/officeart/2005/8/colors/accent1_2" csCatId="accent1" phldr="1"/>
-      <dgm:spPr/>
-    </dgm:pt>
-    <dgm:pt modelId="{C1512BF5-BDF1-41EF-9C7E-357802A5A397}">
-      <dgm:prSet phldrT="[Text]" custT="1"/>
-      <dgm:spPr>
-        <a:solidFill>
-          <a:schemeClr val="bg2">
-            <a:lumMod val="90000"/>
-          </a:schemeClr>
-        </a:solidFill>
-      </dgm:spPr>
-      <dgm:t>
-        <a:bodyPr/>
-        <a:lstStyle/>
-        <a:p>
-          <a:r>
-            <a:rPr lang="en-CA" sz="1400" dirty="0"/>
-            <a:t>Extract</a:t>
-          </a:r>
-        </a:p>
-      </dgm:t>
-    </dgm:pt>
-    <dgm:pt modelId="{7908B19B-1749-46B8-8E35-1C840805274C}" type="parTrans" cxnId="{BBE9B553-42E1-469A-BC67-950E81F22D2D}">
-      <dgm:prSet/>
-      <dgm:spPr/>
-      <dgm:t>
-        <a:bodyPr/>
-        <a:lstStyle/>
-        <a:p>
-          <a:endParaRPr lang="en-CA"/>
-        </a:p>
-      </dgm:t>
-    </dgm:pt>
-    <dgm:pt modelId="{CC384C5D-FA90-4F8D-BD06-1C390D6210D6}" type="sibTrans" cxnId="{BBE9B553-42E1-469A-BC67-950E81F22D2D}">
-      <dgm:prSet/>
-      <dgm:spPr/>
-      <dgm:t>
-        <a:bodyPr/>
-        <a:lstStyle/>
-        <a:p>
-          <a:endParaRPr lang="en-CA"/>
-        </a:p>
-      </dgm:t>
-    </dgm:pt>
-    <dgm:pt modelId="{68134F10-D152-43B0-9175-401C2AEC7784}">
-      <dgm:prSet phldrT="[Text]" custT="1"/>
-      <dgm:spPr>
-        <a:solidFill>
-          <a:srgbClr val="92D050"/>
-        </a:solidFill>
-      </dgm:spPr>
-      <dgm:t>
-        <a:bodyPr/>
-        <a:lstStyle/>
-        <a:p>
-          <a:r>
-            <a:rPr lang="en-CA" sz="1200" dirty="0"/>
-            <a:t>Transform</a:t>
-          </a:r>
-        </a:p>
-      </dgm:t>
-    </dgm:pt>
-    <dgm:pt modelId="{435ACCB6-7F46-4178-A53A-BC1DF95584E7}" type="parTrans" cxnId="{88A77F1F-69A9-482B-9F5E-D8A834C8DF38}">
-      <dgm:prSet/>
-      <dgm:spPr/>
-      <dgm:t>
-        <a:bodyPr/>
-        <a:lstStyle/>
-        <a:p>
-          <a:endParaRPr lang="en-CA"/>
-        </a:p>
-      </dgm:t>
-    </dgm:pt>
-    <dgm:pt modelId="{B56FDC10-7E09-4FFF-9DC6-5C8E40355A11}" type="sibTrans" cxnId="{88A77F1F-69A9-482B-9F5E-D8A834C8DF38}">
-      <dgm:prSet/>
-      <dgm:spPr/>
-      <dgm:t>
-        <a:bodyPr/>
-        <a:lstStyle/>
-        <a:p>
-          <a:endParaRPr lang="en-CA"/>
-        </a:p>
-      </dgm:t>
-    </dgm:pt>
-    <dgm:pt modelId="{C143BF0D-9327-444E-9FB3-4F09E31FCB6E}">
-      <dgm:prSet phldrT="[Text]" custT="1"/>
-      <dgm:spPr>
-        <a:solidFill>
-          <a:schemeClr val="bg1">
-            <a:lumMod val="85000"/>
-          </a:schemeClr>
-        </a:solidFill>
-      </dgm:spPr>
-      <dgm:t>
-        <a:bodyPr/>
-        <a:lstStyle/>
-        <a:p>
-          <a:r>
-            <a:rPr lang="en-CA" sz="1400" dirty="0"/>
-            <a:t>Load</a:t>
-          </a:r>
-        </a:p>
-      </dgm:t>
-    </dgm:pt>
-    <dgm:pt modelId="{5CEE61DE-FA1C-4AA5-8A1C-81F1AF207B38}" type="parTrans" cxnId="{BEA45D1F-B984-44FD-990E-3F6D09B6C856}">
-      <dgm:prSet/>
-      <dgm:spPr/>
-      <dgm:t>
-        <a:bodyPr/>
-        <a:lstStyle/>
-        <a:p>
-          <a:endParaRPr lang="en-CA"/>
-        </a:p>
-      </dgm:t>
-    </dgm:pt>
-    <dgm:pt modelId="{7689F896-F87C-43F1-A677-2E9E3FEE93D9}" type="sibTrans" cxnId="{BEA45D1F-B984-44FD-990E-3F6D09B6C856}">
-      <dgm:prSet/>
-      <dgm:spPr/>
-      <dgm:t>
-        <a:bodyPr/>
-        <a:lstStyle/>
-        <a:p>
-          <a:endParaRPr lang="en-CA"/>
-        </a:p>
-      </dgm:t>
-    </dgm:pt>
-    <dgm:pt modelId="{16239C06-CD09-4513-81C5-91B29CEDB56A}">
-      <dgm:prSet phldrT="[Text]" custT="1"/>
-      <dgm:spPr>
-        <a:solidFill>
-          <a:schemeClr val="bg1">
-            <a:lumMod val="85000"/>
-          </a:schemeClr>
-        </a:solidFill>
-      </dgm:spPr>
-      <dgm:t>
-        <a:bodyPr/>
-        <a:lstStyle/>
-        <a:p>
-          <a:pPr marL="0" lvl="0" indent="0" algn="ctr" defTabSz="533400">
-            <a:lnSpc>
-              <a:spcPct val="90000"/>
-            </a:lnSpc>
-            <a:spcBef>
-              <a:spcPct val="0"/>
-            </a:spcBef>
-            <a:spcAft>
-              <a:spcPct val="35000"/>
-            </a:spcAft>
-            <a:buNone/>
-          </a:pPr>
-          <a:r>
-            <a:rPr lang="en-CA" sz="1200" kern="1200" dirty="0">
-              <a:solidFill>
-                <a:prstClr val="white"/>
-              </a:solidFill>
-              <a:latin typeface="Calibri" panose="020F0502020204030204"/>
-              <a:ea typeface="+mn-ea"/>
-              <a:cs typeface="+mn-cs"/>
-            </a:rPr>
-            <a:t>App</a:t>
-          </a:r>
-        </a:p>
-      </dgm:t>
-    </dgm:pt>
-    <dgm:pt modelId="{36016FD8-17EE-4468-8187-2EC5490B5833}" type="sibTrans" cxnId="{246FCE88-F98E-472E-9507-459D42D8D9B0}">
-      <dgm:prSet/>
-      <dgm:spPr/>
-      <dgm:t>
-        <a:bodyPr/>
-        <a:lstStyle/>
-        <a:p>
-          <a:endParaRPr lang="en-CA"/>
-        </a:p>
-      </dgm:t>
-    </dgm:pt>
-    <dgm:pt modelId="{76E887D1-D7D3-48E7-B99A-DBD594CF365F}" type="parTrans" cxnId="{246FCE88-F98E-472E-9507-459D42D8D9B0}">
-      <dgm:prSet/>
-      <dgm:spPr/>
-      <dgm:t>
-        <a:bodyPr/>
-        <a:lstStyle/>
-        <a:p>
-          <a:endParaRPr lang="en-CA"/>
-        </a:p>
-      </dgm:t>
-    </dgm:pt>
-    <dgm:pt modelId="{B42FD993-FC96-4242-8390-C41682FE12E8}" type="pres">
-      <dgm:prSet presAssocID="{990BB43A-8D3E-4A3D-A693-4ECEACA78C17}" presName="Name0" presStyleCnt="0">
-        <dgm:presLayoutVars>
-          <dgm:dir/>
-          <dgm:animLvl val="lvl"/>
-          <dgm:resizeHandles val="exact"/>
-        </dgm:presLayoutVars>
-      </dgm:prSet>
-      <dgm:spPr/>
-    </dgm:pt>
-    <dgm:pt modelId="{393BFE81-60E9-455E-AC60-CEDD69C80CFA}" type="pres">
-      <dgm:prSet presAssocID="{C1512BF5-BDF1-41EF-9C7E-357802A5A397}" presName="parTxOnly" presStyleLbl="node1" presStyleIdx="0" presStyleCnt="4" custLinFactNeighborX="6452">
-        <dgm:presLayoutVars>
-          <dgm:chMax val="0"/>
-          <dgm:chPref val="0"/>
-          <dgm:bulletEnabled val="1"/>
-        </dgm:presLayoutVars>
-      </dgm:prSet>
-      <dgm:spPr/>
-    </dgm:pt>
-    <dgm:pt modelId="{61D2ADEC-AA60-444C-BDD9-DBD57EE7C090}" type="pres">
-      <dgm:prSet presAssocID="{CC384C5D-FA90-4F8D-BD06-1C390D6210D6}" presName="parTxOnlySpace" presStyleCnt="0"/>
-      <dgm:spPr/>
-    </dgm:pt>
-    <dgm:pt modelId="{AE503DE8-3F26-4885-BFD1-3C6EF2408CA7}" type="pres">
-      <dgm:prSet presAssocID="{68134F10-D152-43B0-9175-401C2AEC7784}" presName="parTxOnly" presStyleLbl="node1" presStyleIdx="1" presStyleCnt="4" custLinFactNeighborX="-8215" custLinFactNeighborY="-411">
-        <dgm:presLayoutVars>
-          <dgm:chMax val="0"/>
-          <dgm:chPref val="0"/>
-          <dgm:bulletEnabled val="1"/>
-        </dgm:presLayoutVars>
-      </dgm:prSet>
-      <dgm:spPr/>
-    </dgm:pt>
-    <dgm:pt modelId="{B34B1EF2-9D0B-4AB2-B24F-D05AD2B7118A}" type="pres">
-      <dgm:prSet presAssocID="{B56FDC10-7E09-4FFF-9DC6-5C8E40355A11}" presName="parTxOnlySpace" presStyleCnt="0"/>
-      <dgm:spPr/>
-    </dgm:pt>
-    <dgm:pt modelId="{AFC6DB2F-9FA9-4B63-9864-076A692B3B60}" type="pres">
-      <dgm:prSet presAssocID="{C143BF0D-9327-444E-9FB3-4F09E31FCB6E}" presName="parTxOnly" presStyleLbl="node1" presStyleIdx="2" presStyleCnt="4">
-        <dgm:presLayoutVars>
-          <dgm:chMax val="0"/>
-          <dgm:chPref val="0"/>
-          <dgm:bulletEnabled val="1"/>
-        </dgm:presLayoutVars>
-      </dgm:prSet>
-      <dgm:spPr/>
-    </dgm:pt>
-    <dgm:pt modelId="{7FD1C203-D4CB-4CBA-BEB1-854FA79ABCCD}" type="pres">
-      <dgm:prSet presAssocID="{7689F896-F87C-43F1-A677-2E9E3FEE93D9}" presName="parTxOnlySpace" presStyleCnt="0"/>
-      <dgm:spPr/>
-    </dgm:pt>
-    <dgm:pt modelId="{B1AFD835-0E1B-44DE-9CD4-FD4170E22202}" type="pres">
-      <dgm:prSet presAssocID="{16239C06-CD09-4513-81C5-91B29CEDB56A}" presName="parTxOnly" presStyleLbl="node1" presStyleIdx="3" presStyleCnt="4">
-        <dgm:presLayoutVars>
-          <dgm:chMax val="0"/>
-          <dgm:chPref val="0"/>
-          <dgm:bulletEnabled val="1"/>
-        </dgm:presLayoutVars>
-      </dgm:prSet>
-      <dgm:spPr/>
-    </dgm:pt>
-  </dgm:ptLst>
-  <dgm:cxnLst>
-    <dgm:cxn modelId="{C1801E07-538F-4505-BA72-598FF0649C0F}" type="presOf" srcId="{C1512BF5-BDF1-41EF-9C7E-357802A5A397}" destId="{393BFE81-60E9-455E-AC60-CEDD69C80CFA}" srcOrd="0" destOrd="0" presId="urn:microsoft.com/office/officeart/2005/8/layout/chevron1"/>
-    <dgm:cxn modelId="{CA7FCF13-FC0C-4847-BF01-060C464AFB1A}" type="presOf" srcId="{16239C06-CD09-4513-81C5-91B29CEDB56A}" destId="{B1AFD835-0E1B-44DE-9CD4-FD4170E22202}" srcOrd="0" destOrd="0" presId="urn:microsoft.com/office/officeart/2005/8/layout/chevron1"/>
-    <dgm:cxn modelId="{BEA45D1F-B984-44FD-990E-3F6D09B6C856}" srcId="{990BB43A-8D3E-4A3D-A693-4ECEACA78C17}" destId="{C143BF0D-9327-444E-9FB3-4F09E31FCB6E}" srcOrd="2" destOrd="0" parTransId="{5CEE61DE-FA1C-4AA5-8A1C-81F1AF207B38}" sibTransId="{7689F896-F87C-43F1-A677-2E9E3FEE93D9}"/>
-    <dgm:cxn modelId="{88A77F1F-69A9-482B-9F5E-D8A834C8DF38}" srcId="{990BB43A-8D3E-4A3D-A693-4ECEACA78C17}" destId="{68134F10-D152-43B0-9175-401C2AEC7784}" srcOrd="1" destOrd="0" parTransId="{435ACCB6-7F46-4178-A53A-BC1DF95584E7}" sibTransId="{B56FDC10-7E09-4FFF-9DC6-5C8E40355A11}"/>
-    <dgm:cxn modelId="{803D9E22-D32E-4A7B-97D9-E2AEB4AE9740}" type="presOf" srcId="{990BB43A-8D3E-4A3D-A693-4ECEACA78C17}" destId="{B42FD993-FC96-4242-8390-C41682FE12E8}" srcOrd="0" destOrd="0" presId="urn:microsoft.com/office/officeart/2005/8/layout/chevron1"/>
-    <dgm:cxn modelId="{1D544D39-8794-41CB-8812-6316B72BB0B1}" type="presOf" srcId="{68134F10-D152-43B0-9175-401C2AEC7784}" destId="{AE503DE8-3F26-4885-BFD1-3C6EF2408CA7}" srcOrd="0" destOrd="0" presId="urn:microsoft.com/office/officeart/2005/8/layout/chevron1"/>
-    <dgm:cxn modelId="{BBE9B553-42E1-469A-BC67-950E81F22D2D}" srcId="{990BB43A-8D3E-4A3D-A693-4ECEACA78C17}" destId="{C1512BF5-BDF1-41EF-9C7E-357802A5A397}" srcOrd="0" destOrd="0" parTransId="{7908B19B-1749-46B8-8E35-1C840805274C}" sibTransId="{CC384C5D-FA90-4F8D-BD06-1C390D6210D6}"/>
-    <dgm:cxn modelId="{246FCE88-F98E-472E-9507-459D42D8D9B0}" srcId="{990BB43A-8D3E-4A3D-A693-4ECEACA78C17}" destId="{16239C06-CD09-4513-81C5-91B29CEDB56A}" srcOrd="3" destOrd="0" parTransId="{76E887D1-D7D3-48E7-B99A-DBD594CF365F}" sibTransId="{36016FD8-17EE-4468-8187-2EC5490B5833}"/>
-    <dgm:cxn modelId="{CC54B6ED-2B45-47A4-B03E-2459285E69A6}" type="presOf" srcId="{C143BF0D-9327-444E-9FB3-4F09E31FCB6E}" destId="{AFC6DB2F-9FA9-4B63-9864-076A692B3B60}" srcOrd="0" destOrd="0" presId="urn:microsoft.com/office/officeart/2005/8/layout/chevron1"/>
-    <dgm:cxn modelId="{802F84FC-74CF-43B9-A705-B7C1FC16DFA9}" type="presParOf" srcId="{B42FD993-FC96-4242-8390-C41682FE12E8}" destId="{393BFE81-60E9-455E-AC60-CEDD69C80CFA}" srcOrd="0" destOrd="0" presId="urn:microsoft.com/office/officeart/2005/8/layout/chevron1"/>
-    <dgm:cxn modelId="{5C344FDD-CF09-4AFF-8077-ACEE30B58BC7}" type="presParOf" srcId="{B42FD993-FC96-4242-8390-C41682FE12E8}" destId="{61D2ADEC-AA60-444C-BDD9-DBD57EE7C090}" srcOrd="1" destOrd="0" presId="urn:microsoft.com/office/officeart/2005/8/layout/chevron1"/>
-    <dgm:cxn modelId="{8756A1E6-BA02-4182-9343-2814B70EFB35}" type="presParOf" srcId="{B42FD993-FC96-4242-8390-C41682FE12E8}" destId="{AE503DE8-3F26-4885-BFD1-3C6EF2408CA7}" srcOrd="2" destOrd="0" presId="urn:microsoft.com/office/officeart/2005/8/layout/chevron1"/>
-    <dgm:cxn modelId="{64047CFC-9684-4CE4-86DE-AB351A23A673}" type="presParOf" srcId="{B42FD993-FC96-4242-8390-C41682FE12E8}" destId="{B34B1EF2-9D0B-4AB2-B24F-D05AD2B7118A}" srcOrd="3" destOrd="0" presId="urn:microsoft.com/office/officeart/2005/8/layout/chevron1"/>
-    <dgm:cxn modelId="{197DD154-F06D-4FD5-8A57-73270C683E59}" type="presParOf" srcId="{B42FD993-FC96-4242-8390-C41682FE12E8}" destId="{AFC6DB2F-9FA9-4B63-9864-076A692B3B60}" srcOrd="4" destOrd="0" presId="urn:microsoft.com/office/officeart/2005/8/layout/chevron1"/>
-    <dgm:cxn modelId="{FB52328E-7404-4A8A-8DD1-2380B414674A}" type="presParOf" srcId="{B42FD993-FC96-4242-8390-C41682FE12E8}" destId="{7FD1C203-D4CB-4CBA-BEB1-854FA79ABCCD}" srcOrd="5" destOrd="0" presId="urn:microsoft.com/office/officeart/2005/8/layout/chevron1"/>
-    <dgm:cxn modelId="{6182CECB-7155-4BB6-AE5E-8A874715A276}" type="presParOf" srcId="{B42FD993-FC96-4242-8390-C41682FE12E8}" destId="{B1AFD835-0E1B-44DE-9CD4-FD4170E22202}" srcOrd="6" destOrd="0" presId="urn:microsoft.com/office/officeart/2005/8/layout/chevron1"/>
-  </dgm:cxnLst>
-  <dgm:bg/>
-  <dgm:whole/>
-  <dgm:extLst>
-    <a:ext uri="http://schemas.microsoft.com/office/drawing/2008/diagram">
-      <dsp:dataModelExt xmlns:dsp="http://schemas.microsoft.com/office/drawing/2008/diagram" relId="rId6" minVer="http://schemas.openxmlformats.org/drawingml/2006/diagram"/>
-    </a:ext>
-  </dgm:extLst>
-</dgm:dataModel>
-</file>
-
-<file path=ppt/diagrams/data4.xml><?xml version="1.0" encoding="utf-8"?>
-<dgm:dataModel xmlns:dgm="http://schemas.openxmlformats.org/drawingml/2006/diagram" xmlns:a="http://schemas.openxmlformats.org/drawingml/2006/main">
-  <dgm:ptLst>
-    <dgm:pt modelId="{990BB43A-8D3E-4A3D-A693-4ECEACA78C17}" type="doc">
-      <dgm:prSet loTypeId="urn:microsoft.com/office/officeart/2005/8/layout/chevron1" loCatId="process" qsTypeId="urn:microsoft.com/office/officeart/2005/8/quickstyle/simple1" qsCatId="simple" csTypeId="urn:microsoft.com/office/officeart/2005/8/colors/accent1_2" csCatId="accent1" phldr="1"/>
-      <dgm:spPr/>
-    </dgm:pt>
-    <dgm:pt modelId="{C1512BF5-BDF1-41EF-9C7E-357802A5A397}">
-      <dgm:prSet phldrT="[Text]" custT="1"/>
-      <dgm:spPr>
-        <a:solidFill>
-          <a:schemeClr val="bg2"/>
-        </a:solidFill>
-      </dgm:spPr>
-      <dgm:t>
-        <a:bodyPr/>
-        <a:lstStyle/>
-        <a:p>
-          <a:r>
-            <a:rPr lang="en-CA" sz="1400" dirty="0"/>
-            <a:t>Extract</a:t>
-          </a:r>
-        </a:p>
-      </dgm:t>
-    </dgm:pt>
-    <dgm:pt modelId="{7908B19B-1749-46B8-8E35-1C840805274C}" type="parTrans" cxnId="{BBE9B553-42E1-469A-BC67-950E81F22D2D}">
-      <dgm:prSet/>
-      <dgm:spPr/>
-      <dgm:t>
-        <a:bodyPr/>
-        <a:lstStyle/>
-        <a:p>
-          <a:endParaRPr lang="en-CA"/>
-        </a:p>
-      </dgm:t>
-    </dgm:pt>
-    <dgm:pt modelId="{CC384C5D-FA90-4F8D-BD06-1C390D6210D6}" type="sibTrans" cxnId="{BBE9B553-42E1-469A-BC67-950E81F22D2D}">
-      <dgm:prSet/>
-      <dgm:spPr/>
-      <dgm:t>
-        <a:bodyPr/>
-        <a:lstStyle/>
-        <a:p>
-          <a:endParaRPr lang="en-CA"/>
-        </a:p>
-      </dgm:t>
-    </dgm:pt>
-    <dgm:pt modelId="{68134F10-D152-43B0-9175-401C2AEC7784}">
-      <dgm:prSet phldrT="[Text]" custT="1"/>
-      <dgm:spPr>
-        <a:solidFill>
-          <a:schemeClr val="bg2">
-            <a:lumMod val="90000"/>
-          </a:schemeClr>
-        </a:solidFill>
-      </dgm:spPr>
-      <dgm:t>
-        <a:bodyPr/>
-        <a:lstStyle/>
-        <a:p>
-          <a:r>
-            <a:rPr lang="en-CA" sz="1200" dirty="0"/>
-            <a:t>Transform</a:t>
-          </a:r>
-        </a:p>
-      </dgm:t>
-    </dgm:pt>
-    <dgm:pt modelId="{435ACCB6-7F46-4178-A53A-BC1DF95584E7}" type="parTrans" cxnId="{88A77F1F-69A9-482B-9F5E-D8A834C8DF38}">
-      <dgm:prSet/>
-      <dgm:spPr/>
-      <dgm:t>
-        <a:bodyPr/>
-        <a:lstStyle/>
-        <a:p>
-          <a:endParaRPr lang="en-CA"/>
-        </a:p>
-      </dgm:t>
-    </dgm:pt>
-    <dgm:pt modelId="{B56FDC10-7E09-4FFF-9DC6-5C8E40355A11}" type="sibTrans" cxnId="{88A77F1F-69A9-482B-9F5E-D8A834C8DF38}">
-      <dgm:prSet/>
-      <dgm:spPr/>
-      <dgm:t>
-        <a:bodyPr/>
-        <a:lstStyle/>
-        <a:p>
-          <a:endParaRPr lang="en-CA"/>
-        </a:p>
-      </dgm:t>
-    </dgm:pt>
-    <dgm:pt modelId="{C143BF0D-9327-444E-9FB3-4F09E31FCB6E}">
-      <dgm:prSet phldrT="[Text]" custT="1"/>
-      <dgm:spPr>
-        <a:solidFill>
-          <a:srgbClr val="92D050"/>
-        </a:solidFill>
-      </dgm:spPr>
-      <dgm:t>
-        <a:bodyPr/>
-        <a:lstStyle/>
-        <a:p>
-          <a:r>
-            <a:rPr lang="en-CA" sz="1400" dirty="0"/>
-            <a:t>Load</a:t>
-          </a:r>
-        </a:p>
-      </dgm:t>
-    </dgm:pt>
-    <dgm:pt modelId="{5CEE61DE-FA1C-4AA5-8A1C-81F1AF207B38}" type="parTrans" cxnId="{BEA45D1F-B984-44FD-990E-3F6D09B6C856}">
-      <dgm:prSet/>
-      <dgm:spPr/>
-      <dgm:t>
-        <a:bodyPr/>
-        <a:lstStyle/>
-        <a:p>
-          <a:endParaRPr lang="en-CA"/>
-        </a:p>
-      </dgm:t>
-    </dgm:pt>
-    <dgm:pt modelId="{7689F896-F87C-43F1-A677-2E9E3FEE93D9}" type="sibTrans" cxnId="{BEA45D1F-B984-44FD-990E-3F6D09B6C856}">
-      <dgm:prSet/>
-      <dgm:spPr/>
-      <dgm:t>
-        <a:bodyPr/>
-        <a:lstStyle/>
-        <a:p>
-          <a:endParaRPr lang="en-CA"/>
-        </a:p>
-      </dgm:t>
-    </dgm:pt>
-    <dgm:pt modelId="{16239C06-CD09-4513-81C5-91B29CEDB56A}">
-      <dgm:prSet phldrT="[Text]" custT="1"/>
-      <dgm:spPr>
-        <a:solidFill>
-          <a:schemeClr val="bg1">
-            <a:lumMod val="85000"/>
-          </a:schemeClr>
-        </a:solidFill>
-      </dgm:spPr>
-      <dgm:t>
-        <a:bodyPr/>
-        <a:lstStyle/>
-        <a:p>
-          <a:pPr marL="0" lvl="0" indent="0" algn="ctr" defTabSz="533400">
-            <a:lnSpc>
-              <a:spcPct val="90000"/>
-            </a:lnSpc>
-            <a:spcBef>
-              <a:spcPct val="0"/>
-            </a:spcBef>
-            <a:spcAft>
-              <a:spcPct val="35000"/>
-            </a:spcAft>
-            <a:buNone/>
-          </a:pPr>
-          <a:r>
-            <a:rPr lang="en-CA" sz="1200" kern="1200" dirty="0">
-              <a:solidFill>
-                <a:prstClr val="white"/>
-              </a:solidFill>
-              <a:latin typeface="Calibri" panose="020F0502020204030204"/>
-              <a:ea typeface="+mn-ea"/>
-              <a:cs typeface="+mn-cs"/>
-            </a:rPr>
-            <a:t>App</a:t>
-          </a:r>
-        </a:p>
-      </dgm:t>
-    </dgm:pt>
-    <dgm:pt modelId="{76E887D1-D7D3-48E7-B99A-DBD594CF365F}" type="parTrans" cxnId="{246FCE88-F98E-472E-9507-459D42D8D9B0}">
-      <dgm:prSet/>
-      <dgm:spPr/>
-      <dgm:t>
-        <a:bodyPr/>
-        <a:lstStyle/>
-        <a:p>
-          <a:endParaRPr lang="en-CA"/>
-        </a:p>
-      </dgm:t>
-    </dgm:pt>
-    <dgm:pt modelId="{36016FD8-17EE-4468-8187-2EC5490B5833}" type="sibTrans" cxnId="{246FCE88-F98E-472E-9507-459D42D8D9B0}">
-      <dgm:prSet/>
-      <dgm:spPr/>
-      <dgm:t>
-        <a:bodyPr/>
-        <a:lstStyle/>
-        <a:p>
-          <a:endParaRPr lang="en-CA"/>
-        </a:p>
-      </dgm:t>
-    </dgm:pt>
-    <dgm:pt modelId="{B42FD993-FC96-4242-8390-C41682FE12E8}" type="pres">
-      <dgm:prSet presAssocID="{990BB43A-8D3E-4A3D-A693-4ECEACA78C17}" presName="Name0" presStyleCnt="0">
-        <dgm:presLayoutVars>
-          <dgm:dir/>
-          <dgm:animLvl val="lvl"/>
-          <dgm:resizeHandles val="exact"/>
-        </dgm:presLayoutVars>
-      </dgm:prSet>
-      <dgm:spPr/>
-    </dgm:pt>
-    <dgm:pt modelId="{393BFE81-60E9-455E-AC60-CEDD69C80CFA}" type="pres">
-      <dgm:prSet presAssocID="{C1512BF5-BDF1-41EF-9C7E-357802A5A397}" presName="parTxOnly" presStyleLbl="node1" presStyleIdx="0" presStyleCnt="4" custLinFactNeighborX="6452">
-        <dgm:presLayoutVars>
-          <dgm:chMax val="0"/>
-          <dgm:chPref val="0"/>
-          <dgm:bulletEnabled val="1"/>
-        </dgm:presLayoutVars>
-      </dgm:prSet>
-      <dgm:spPr/>
-    </dgm:pt>
-    <dgm:pt modelId="{61D2ADEC-AA60-444C-BDD9-DBD57EE7C090}" type="pres">
-      <dgm:prSet presAssocID="{CC384C5D-FA90-4F8D-BD06-1C390D6210D6}" presName="parTxOnlySpace" presStyleCnt="0"/>
-      <dgm:spPr/>
-    </dgm:pt>
-    <dgm:pt modelId="{AE503DE8-3F26-4885-BFD1-3C6EF2408CA7}" type="pres">
-      <dgm:prSet presAssocID="{68134F10-D152-43B0-9175-401C2AEC7784}" presName="parTxOnly" presStyleLbl="node1" presStyleIdx="1" presStyleCnt="4" custLinFactNeighborX="34949" custLinFactNeighborY="-788">
-        <dgm:presLayoutVars>
-          <dgm:chMax val="0"/>
-          <dgm:chPref val="0"/>
-          <dgm:bulletEnabled val="1"/>
-        </dgm:presLayoutVars>
-      </dgm:prSet>
-      <dgm:spPr/>
-    </dgm:pt>
-    <dgm:pt modelId="{B34B1EF2-9D0B-4AB2-B24F-D05AD2B7118A}" type="pres">
-      <dgm:prSet presAssocID="{B56FDC10-7E09-4FFF-9DC6-5C8E40355A11}" presName="parTxOnlySpace" presStyleCnt="0"/>
-      <dgm:spPr/>
-    </dgm:pt>
-    <dgm:pt modelId="{AFC6DB2F-9FA9-4B63-9864-076A692B3B60}" type="pres">
-      <dgm:prSet presAssocID="{C143BF0D-9327-444E-9FB3-4F09E31FCB6E}" presName="parTxOnly" presStyleLbl="node1" presStyleIdx="2" presStyleCnt="4">
-        <dgm:presLayoutVars>
-          <dgm:chMax val="0"/>
-          <dgm:chPref val="0"/>
-          <dgm:bulletEnabled val="1"/>
-        </dgm:presLayoutVars>
-      </dgm:prSet>
-      <dgm:spPr/>
-    </dgm:pt>
-    <dgm:pt modelId="{7FD1C203-D4CB-4CBA-BEB1-854FA79ABCCD}" type="pres">
-      <dgm:prSet presAssocID="{7689F896-F87C-43F1-A677-2E9E3FEE93D9}" presName="parTxOnlySpace" presStyleCnt="0"/>
-      <dgm:spPr/>
-    </dgm:pt>
-    <dgm:pt modelId="{B1AFD835-0E1B-44DE-9CD4-FD4170E22202}" type="pres">
-      <dgm:prSet presAssocID="{16239C06-CD09-4513-81C5-91B29CEDB56A}" presName="parTxOnly" presStyleLbl="node1" presStyleIdx="3" presStyleCnt="4" custLinFactNeighborX="1718" custLinFactNeighborY="813">
-        <dgm:presLayoutVars>
-          <dgm:chMax val="0"/>
-          <dgm:chPref val="0"/>
-          <dgm:bulletEnabled val="1"/>
-        </dgm:presLayoutVars>
-      </dgm:prSet>
-      <dgm:spPr/>
-    </dgm:pt>
-  </dgm:ptLst>
-  <dgm:cxnLst>
-    <dgm:cxn modelId="{BEA45D1F-B984-44FD-990E-3F6D09B6C856}" srcId="{990BB43A-8D3E-4A3D-A693-4ECEACA78C17}" destId="{C143BF0D-9327-444E-9FB3-4F09E31FCB6E}" srcOrd="2" destOrd="0" parTransId="{5CEE61DE-FA1C-4AA5-8A1C-81F1AF207B38}" sibTransId="{7689F896-F87C-43F1-A677-2E9E3FEE93D9}"/>
-    <dgm:cxn modelId="{88A77F1F-69A9-482B-9F5E-D8A834C8DF38}" srcId="{990BB43A-8D3E-4A3D-A693-4ECEACA78C17}" destId="{68134F10-D152-43B0-9175-401C2AEC7784}" srcOrd="1" destOrd="0" parTransId="{435ACCB6-7F46-4178-A53A-BC1DF95584E7}" sibTransId="{B56FDC10-7E09-4FFF-9DC6-5C8E40355A11}"/>
-    <dgm:cxn modelId="{5322A26A-1C9A-45EB-9C0F-F2CFA214B3F1}" type="presOf" srcId="{68134F10-D152-43B0-9175-401C2AEC7784}" destId="{AE503DE8-3F26-4885-BFD1-3C6EF2408CA7}" srcOrd="0" destOrd="0" presId="urn:microsoft.com/office/officeart/2005/8/layout/chevron1"/>
-    <dgm:cxn modelId="{BBE9B553-42E1-469A-BC67-950E81F22D2D}" srcId="{990BB43A-8D3E-4A3D-A693-4ECEACA78C17}" destId="{C1512BF5-BDF1-41EF-9C7E-357802A5A397}" srcOrd="0" destOrd="0" parTransId="{7908B19B-1749-46B8-8E35-1C840805274C}" sibTransId="{CC384C5D-FA90-4F8D-BD06-1C390D6210D6}"/>
-    <dgm:cxn modelId="{246FCE88-F98E-472E-9507-459D42D8D9B0}" srcId="{990BB43A-8D3E-4A3D-A693-4ECEACA78C17}" destId="{16239C06-CD09-4513-81C5-91B29CEDB56A}" srcOrd="3" destOrd="0" parTransId="{76E887D1-D7D3-48E7-B99A-DBD594CF365F}" sibTransId="{36016FD8-17EE-4468-8187-2EC5490B5833}"/>
-    <dgm:cxn modelId="{3511649E-D3E5-459B-893C-4A5F748B9360}" type="presOf" srcId="{990BB43A-8D3E-4A3D-A693-4ECEACA78C17}" destId="{B42FD993-FC96-4242-8390-C41682FE12E8}" srcOrd="0" destOrd="0" presId="urn:microsoft.com/office/officeart/2005/8/layout/chevron1"/>
-    <dgm:cxn modelId="{DAE08BB6-F84A-4617-A029-C5662BF74B45}" type="presOf" srcId="{C1512BF5-BDF1-41EF-9C7E-357802A5A397}" destId="{393BFE81-60E9-455E-AC60-CEDD69C80CFA}" srcOrd="0" destOrd="0" presId="urn:microsoft.com/office/officeart/2005/8/layout/chevron1"/>
-    <dgm:cxn modelId="{B79E8FB7-0585-4651-85D6-5535D4DDDBE6}" type="presOf" srcId="{16239C06-CD09-4513-81C5-91B29CEDB56A}" destId="{B1AFD835-0E1B-44DE-9CD4-FD4170E22202}" srcOrd="0" destOrd="0" presId="urn:microsoft.com/office/officeart/2005/8/layout/chevron1"/>
-    <dgm:cxn modelId="{443658BD-EB2E-43CB-8430-C920D99A4139}" type="presOf" srcId="{C143BF0D-9327-444E-9FB3-4F09E31FCB6E}" destId="{AFC6DB2F-9FA9-4B63-9864-076A692B3B60}" srcOrd="0" destOrd="0" presId="urn:microsoft.com/office/officeart/2005/8/layout/chevron1"/>
-    <dgm:cxn modelId="{10A23CBC-C702-4540-A940-90A03E27E522}" type="presParOf" srcId="{B42FD993-FC96-4242-8390-C41682FE12E8}" destId="{393BFE81-60E9-455E-AC60-CEDD69C80CFA}" srcOrd="0" destOrd="0" presId="urn:microsoft.com/office/officeart/2005/8/layout/chevron1"/>
-    <dgm:cxn modelId="{0D0AC745-EAFE-4035-94D6-2BE41F91BD1D}" type="presParOf" srcId="{B42FD993-FC96-4242-8390-C41682FE12E8}" destId="{61D2ADEC-AA60-444C-BDD9-DBD57EE7C090}" srcOrd="1" destOrd="0" presId="urn:microsoft.com/office/officeart/2005/8/layout/chevron1"/>
-    <dgm:cxn modelId="{BAE7BF54-8105-43AE-921E-919FFEDAADA6}" type="presParOf" srcId="{B42FD993-FC96-4242-8390-C41682FE12E8}" destId="{AE503DE8-3F26-4885-BFD1-3C6EF2408CA7}" srcOrd="2" destOrd="0" presId="urn:microsoft.com/office/officeart/2005/8/layout/chevron1"/>
-    <dgm:cxn modelId="{E3CE39EB-E0BA-47E8-A59E-0275D6CCB161}" type="presParOf" srcId="{B42FD993-FC96-4242-8390-C41682FE12E8}" destId="{B34B1EF2-9D0B-4AB2-B24F-D05AD2B7118A}" srcOrd="3" destOrd="0" presId="urn:microsoft.com/office/officeart/2005/8/layout/chevron1"/>
-    <dgm:cxn modelId="{1F641AC7-090B-4899-9562-EEDBA9F1FD1E}" type="presParOf" srcId="{B42FD993-FC96-4242-8390-C41682FE12E8}" destId="{AFC6DB2F-9FA9-4B63-9864-076A692B3B60}" srcOrd="4" destOrd="0" presId="urn:microsoft.com/office/officeart/2005/8/layout/chevron1"/>
-    <dgm:cxn modelId="{4CB3190F-1818-441B-B25C-C5367B65A3E8}" type="presParOf" srcId="{B42FD993-FC96-4242-8390-C41682FE12E8}" destId="{7FD1C203-D4CB-4CBA-BEB1-854FA79ABCCD}" srcOrd="5" destOrd="0" presId="urn:microsoft.com/office/officeart/2005/8/layout/chevron1"/>
-    <dgm:cxn modelId="{9F3A13C0-C333-4470-9D80-9346D6D35B0B}" type="presParOf" srcId="{B42FD993-FC96-4242-8390-C41682FE12E8}" destId="{B1AFD835-0E1B-44DE-9CD4-FD4170E22202}" srcOrd="6" destOrd="0" presId="urn:microsoft.com/office/officeart/2005/8/layout/chevron1"/>
-  </dgm:cxnLst>
-  <dgm:bg/>
-  <dgm:whole/>
-  <dgm:extLst>
-    <a:ext uri="http://schemas.microsoft.com/office/drawing/2008/diagram">
-      <dsp:dataModelExt xmlns:dsp="http://schemas.microsoft.com/office/drawing/2008/diagram" relId="rId6" minVer="http://schemas.openxmlformats.org/drawingml/2006/diagram"/>
-    </a:ext>
-  </dgm:extLst>
-</dgm:dataModel>
-</file>
-
 <file path=ppt/diagrams/drawing1.xml><?xml version="1.0" encoding="utf-8"?>
-<dsp:drawing xmlns:dgm="http://schemas.openxmlformats.org/drawingml/2006/diagram" xmlns:dsp="http://schemas.microsoft.com/office/drawing/2008/diagram" xmlns:a="http://schemas.openxmlformats.org/drawingml/2006/main">
-  <dsp:spTree>
-    <dsp:nvGrpSpPr>
-      <dsp:cNvPr id="0" name=""/>
-      <dsp:cNvGrpSpPr/>
-    </dsp:nvGrpSpPr>
-    <dsp:grpSpPr/>
-    <dsp:sp modelId="{393BFE81-60E9-455E-AC60-CEDD69C80CFA}">
-      <dsp:nvSpPr>
-        <dsp:cNvPr id="0" name=""/>
-        <dsp:cNvSpPr/>
-      </dsp:nvSpPr>
-      <dsp:spPr>
-        <a:xfrm>
-          <a:off x="16239" y="202761"/>
-          <a:ext cx="1987670" cy="795068"/>
-        </a:xfrm>
-        <a:prstGeom prst="chevron">
-          <a:avLst/>
-        </a:prstGeom>
-        <a:solidFill>
-          <a:schemeClr val="bg2"/>
-        </a:solidFill>
-        <a:ln w="12700" cap="flat" cmpd="sng" algn="ctr">
-          <a:solidFill>
-            <a:schemeClr val="lt1">
-              <a:hueOff val="0"/>
-              <a:satOff val="0"/>
-              <a:lumOff val="0"/>
-              <a:alphaOff val="0"/>
-            </a:schemeClr>
-          </a:solidFill>
-          <a:prstDash val="solid"/>
-          <a:miter lim="800000"/>
-        </a:ln>
-        <a:effectLst/>
-      </dsp:spPr>
-      <dsp:style>
-        <a:lnRef idx="2">
-          <a:scrgbClr r="0" g="0" b="0"/>
-        </a:lnRef>
-        <a:fillRef idx="1">
-          <a:scrgbClr r="0" g="0" b="0"/>
-        </a:fillRef>
-        <a:effectRef idx="0">
-          <a:scrgbClr r="0" g="0" b="0"/>
-        </a:effectRef>
-        <a:fontRef idx="minor">
-          <a:schemeClr val="lt1"/>
-        </a:fontRef>
-      </dsp:style>
-      <dsp:txBody>
-        <a:bodyPr spcFirstLastPara="0" vert="horz" wrap="square" lIns="56007" tIns="18669" rIns="18669" bIns="18669" numCol="1" spcCol="1270" anchor="ctr" anchorCtr="0">
-          <a:noAutofit/>
-        </a:bodyPr>
-        <a:lstStyle/>
-        <a:p>
-          <a:pPr marL="0" lvl="0" indent="0" algn="ctr" defTabSz="622300">
-            <a:lnSpc>
-              <a:spcPct val="90000"/>
-            </a:lnSpc>
-            <a:spcBef>
-              <a:spcPct val="0"/>
-            </a:spcBef>
-            <a:spcAft>
-              <a:spcPct val="35000"/>
-            </a:spcAft>
-            <a:buNone/>
-          </a:pPr>
-          <a:r>
-            <a:rPr lang="en-CA" sz="1400" kern="1200" dirty="0"/>
-            <a:t>Extract</a:t>
-          </a:r>
-        </a:p>
-      </dsp:txBody>
-      <dsp:txXfrm>
-        <a:off x="413773" y="202761"/>
-        <a:ext cx="1192602" cy="795068"/>
-      </dsp:txXfrm>
-    </dsp:sp>
-    <dsp:sp modelId="{AE503DE8-3F26-4885-BFD1-3C6EF2408CA7}">
-      <dsp:nvSpPr>
-        <dsp:cNvPr id="0" name=""/>
-        <dsp:cNvSpPr/>
-      </dsp:nvSpPr>
-      <dsp:spPr>
-        <a:xfrm>
-          <a:off x="1861784" y="196496"/>
-          <a:ext cx="1987670" cy="795068"/>
-        </a:xfrm>
-        <a:prstGeom prst="chevron">
-          <a:avLst/>
-        </a:prstGeom>
-        <a:solidFill>
-          <a:schemeClr val="bg2">
-            <a:lumMod val="90000"/>
-          </a:schemeClr>
-        </a:solidFill>
-        <a:ln w="12700" cap="flat" cmpd="sng" algn="ctr">
-          <a:solidFill>
-            <a:schemeClr val="lt1">
-              <a:hueOff val="0"/>
-              <a:satOff val="0"/>
-              <a:lumOff val="0"/>
-              <a:alphaOff val="0"/>
-            </a:schemeClr>
-          </a:solidFill>
-          <a:prstDash val="solid"/>
-          <a:miter lim="800000"/>
-        </a:ln>
-        <a:effectLst/>
-      </dsp:spPr>
-      <dsp:style>
-        <a:lnRef idx="2">
-          <a:scrgbClr r="0" g="0" b="0"/>
-        </a:lnRef>
-        <a:fillRef idx="1">
-          <a:scrgbClr r="0" g="0" b="0"/>
-        </a:fillRef>
-        <a:effectRef idx="0">
-          <a:scrgbClr r="0" g="0" b="0"/>
-        </a:effectRef>
-        <a:fontRef idx="minor">
-          <a:schemeClr val="lt1"/>
-        </a:fontRef>
-      </dsp:style>
-      <dsp:txBody>
-        <a:bodyPr spcFirstLastPara="0" vert="horz" wrap="square" lIns="48006" tIns="16002" rIns="16002" bIns="16002" numCol="1" spcCol="1270" anchor="ctr" anchorCtr="0">
-          <a:noAutofit/>
-        </a:bodyPr>
-        <a:lstStyle/>
-        <a:p>
-          <a:pPr marL="0" lvl="0" indent="0" algn="ctr" defTabSz="533400">
-            <a:lnSpc>
-              <a:spcPct val="90000"/>
-            </a:lnSpc>
-            <a:spcBef>
-              <a:spcPct val="0"/>
-            </a:spcBef>
-            <a:spcAft>
-              <a:spcPct val="35000"/>
-            </a:spcAft>
-            <a:buNone/>
-          </a:pPr>
-          <a:r>
-            <a:rPr lang="en-CA" sz="1200" kern="1200" dirty="0"/>
-            <a:t>Transform</a:t>
-          </a:r>
-        </a:p>
-      </dsp:txBody>
-      <dsp:txXfrm>
-        <a:off x="2259318" y="196496"/>
-        <a:ext cx="1192602" cy="795068"/>
-      </dsp:txXfrm>
-    </dsp:sp>
-    <dsp:sp modelId="{AFC6DB2F-9FA9-4B63-9864-076A692B3B60}">
-      <dsp:nvSpPr>
-        <dsp:cNvPr id="0" name=""/>
-        <dsp:cNvSpPr/>
-      </dsp:nvSpPr>
-      <dsp:spPr>
-        <a:xfrm>
-          <a:off x="3581220" y="202761"/>
-          <a:ext cx="1987670" cy="795068"/>
-        </a:xfrm>
-        <a:prstGeom prst="chevron">
-          <a:avLst/>
-        </a:prstGeom>
-        <a:solidFill>
-          <a:schemeClr val="bg1">
-            <a:lumMod val="75000"/>
-          </a:schemeClr>
-        </a:solidFill>
-        <a:ln w="12700" cap="flat" cmpd="sng" algn="ctr">
-          <a:solidFill>
-            <a:schemeClr val="bg1">
-              <a:lumMod val="85000"/>
-            </a:schemeClr>
-          </a:solidFill>
-          <a:prstDash val="solid"/>
-          <a:miter lim="800000"/>
-        </a:ln>
-        <a:effectLst/>
-      </dsp:spPr>
-      <dsp:style>
-        <a:lnRef idx="2">
-          <a:scrgbClr r="0" g="0" b="0"/>
-        </a:lnRef>
-        <a:fillRef idx="1">
-          <a:scrgbClr r="0" g="0" b="0"/>
-        </a:fillRef>
-        <a:effectRef idx="0">
-          <a:scrgbClr r="0" g="0" b="0"/>
-        </a:effectRef>
-        <a:fontRef idx="minor">
-          <a:schemeClr val="lt1"/>
-        </a:fontRef>
-      </dsp:style>
-      <dsp:txBody>
-        <a:bodyPr spcFirstLastPara="0" vert="horz" wrap="square" lIns="56007" tIns="18669" rIns="18669" bIns="18669" numCol="1" spcCol="1270" anchor="ctr" anchorCtr="0">
-          <a:noAutofit/>
-        </a:bodyPr>
-        <a:lstStyle/>
-        <a:p>
-          <a:pPr marL="0" lvl="0" indent="0" algn="ctr" defTabSz="622300">
-            <a:lnSpc>
-              <a:spcPct val="90000"/>
-            </a:lnSpc>
-            <a:spcBef>
-              <a:spcPct val="0"/>
-            </a:spcBef>
-            <a:spcAft>
-              <a:spcPct val="35000"/>
-            </a:spcAft>
-            <a:buNone/>
-          </a:pPr>
-          <a:r>
-            <a:rPr lang="en-CA" sz="1400" kern="1200" dirty="0"/>
-            <a:t>Load</a:t>
-          </a:r>
-        </a:p>
-      </dsp:txBody>
-      <dsp:txXfrm>
-        <a:off x="3978754" y="202761"/>
-        <a:ext cx="1192602" cy="795068"/>
-      </dsp:txXfrm>
-    </dsp:sp>
-    <dsp:sp modelId="{B1AFD835-0E1B-44DE-9CD4-FD4170E22202}">
-      <dsp:nvSpPr>
-        <dsp:cNvPr id="0" name=""/>
-        <dsp:cNvSpPr/>
-      </dsp:nvSpPr>
-      <dsp:spPr>
-        <a:xfrm>
-          <a:off x="5373538" y="209225"/>
-          <a:ext cx="1987670" cy="795068"/>
-        </a:xfrm>
-        <a:prstGeom prst="chevron">
-          <a:avLst/>
-        </a:prstGeom>
-        <a:solidFill>
-          <a:srgbClr val="92D050"/>
-        </a:solidFill>
-        <a:ln w="12700" cap="flat" cmpd="sng" algn="ctr">
-          <a:solidFill>
-            <a:schemeClr val="lt1">
-              <a:hueOff val="0"/>
-              <a:satOff val="0"/>
-              <a:lumOff val="0"/>
-              <a:alphaOff val="0"/>
-            </a:schemeClr>
-          </a:solidFill>
-          <a:prstDash val="solid"/>
-          <a:miter lim="800000"/>
-        </a:ln>
-        <a:effectLst/>
-      </dsp:spPr>
-      <dsp:style>
-        <a:lnRef idx="2">
-          <a:scrgbClr r="0" g="0" b="0"/>
-        </a:lnRef>
-        <a:fillRef idx="1">
-          <a:scrgbClr r="0" g="0" b="0"/>
-        </a:fillRef>
-        <a:effectRef idx="0">
-          <a:scrgbClr r="0" g="0" b="0"/>
-        </a:effectRef>
-        <a:fontRef idx="minor">
-          <a:schemeClr val="lt1"/>
-        </a:fontRef>
-      </dsp:style>
-      <dsp:txBody>
-        <a:bodyPr spcFirstLastPara="0" vert="horz" wrap="square" lIns="48006" tIns="16002" rIns="16002" bIns="16002" numCol="1" spcCol="1270" anchor="ctr" anchorCtr="0">
-          <a:noAutofit/>
-        </a:bodyPr>
-        <a:lstStyle/>
-        <a:p>
-          <a:pPr marL="0" lvl="0" indent="0" algn="ctr" defTabSz="533400">
-            <a:lnSpc>
-              <a:spcPct val="90000"/>
-            </a:lnSpc>
-            <a:spcBef>
-              <a:spcPct val="0"/>
-            </a:spcBef>
-            <a:spcAft>
-              <a:spcPct val="35000"/>
-            </a:spcAft>
-            <a:buNone/>
-          </a:pPr>
-          <a:r>
-            <a:rPr lang="en-CA" sz="1200" kern="1200" dirty="0">
-              <a:solidFill>
-                <a:prstClr val="white"/>
-              </a:solidFill>
-              <a:latin typeface="Calibri" panose="020F0502020204030204"/>
-              <a:ea typeface="+mn-ea"/>
-              <a:cs typeface="+mn-cs"/>
-            </a:rPr>
-            <a:t>App</a:t>
-          </a:r>
-        </a:p>
-      </dsp:txBody>
-      <dsp:txXfrm>
-        <a:off x="5771072" y="209225"/>
-        <a:ext cx="1192602" cy="795068"/>
-      </dsp:txXfrm>
-    </dsp:sp>
-  </dsp:spTree>
-</dsp:drawing>
-</file>
-
-<file path=ppt/diagrams/drawing2.xml><?xml version="1.0" encoding="utf-8"?>
 <dsp:drawing xmlns:dgm="http://schemas.openxmlformats.org/drawingml/2006/diagram" xmlns:dsp="http://schemas.microsoft.com/office/drawing/2008/diagram" xmlns:a="http://schemas.openxmlformats.org/drawingml/2006/main">
   <dsp:spTree>
     <dsp:nvGrpSpPr>
@@ -5646,7 +5366,7 @@
 </dsp:drawing>
 </file>
 
-<file path=ppt/diagrams/drawing3.xml><?xml version="1.0" encoding="utf-8"?>
+<file path=ppt/diagrams/drawing2.xml><?xml version="1.0" encoding="utf-8"?>
 <dsp:drawing xmlns:dgm="http://schemas.openxmlformats.org/drawingml/2006/diagram" xmlns:dsp="http://schemas.microsoft.com/office/drawing/2008/diagram" xmlns:a="http://schemas.openxmlformats.org/drawingml/2006/main">
   <dsp:spTree>
     <dsp:nvGrpSpPr>
@@ -5963,7 +5683,7 @@
 </dsp:drawing>
 </file>
 
-<file path=ppt/diagrams/drawing4.xml><?xml version="1.0" encoding="utf-8"?>
+<file path=ppt/diagrams/drawing3.xml><?xml version="1.0" encoding="utf-8"?>
 <dsp:drawing xmlns:dgm="http://schemas.openxmlformats.org/drawingml/2006/diagram" xmlns:dsp="http://schemas.microsoft.com/office/drawing/2008/diagram" xmlns:a="http://schemas.openxmlformats.org/drawingml/2006/main">
   <dsp:spTree>
     <dsp:nvGrpSpPr>
@@ -6209,6 +5929,318 @@
           <a:schemeClr val="bg1">
             <a:lumMod val="85000"/>
           </a:schemeClr>
+        </a:solidFill>
+        <a:ln w="12700" cap="flat" cmpd="sng" algn="ctr">
+          <a:solidFill>
+            <a:schemeClr val="lt1">
+              <a:hueOff val="0"/>
+              <a:satOff val="0"/>
+              <a:lumOff val="0"/>
+              <a:alphaOff val="0"/>
+            </a:schemeClr>
+          </a:solidFill>
+          <a:prstDash val="solid"/>
+          <a:miter lim="800000"/>
+        </a:ln>
+        <a:effectLst/>
+      </dsp:spPr>
+      <dsp:style>
+        <a:lnRef idx="2">
+          <a:scrgbClr r="0" g="0" b="0"/>
+        </a:lnRef>
+        <a:fillRef idx="1">
+          <a:scrgbClr r="0" g="0" b="0"/>
+        </a:fillRef>
+        <a:effectRef idx="0">
+          <a:scrgbClr r="0" g="0" b="0"/>
+        </a:effectRef>
+        <a:fontRef idx="minor">
+          <a:schemeClr val="lt1"/>
+        </a:fontRef>
+      </dsp:style>
+      <dsp:txBody>
+        <a:bodyPr spcFirstLastPara="0" vert="horz" wrap="square" lIns="48006" tIns="16002" rIns="16002" bIns="16002" numCol="1" spcCol="1270" anchor="ctr" anchorCtr="0">
+          <a:noAutofit/>
+        </a:bodyPr>
+        <a:lstStyle/>
+        <a:p>
+          <a:pPr marL="0" lvl="0" indent="0" algn="ctr" defTabSz="533400">
+            <a:lnSpc>
+              <a:spcPct val="90000"/>
+            </a:lnSpc>
+            <a:spcBef>
+              <a:spcPct val="0"/>
+            </a:spcBef>
+            <a:spcAft>
+              <a:spcPct val="35000"/>
+            </a:spcAft>
+            <a:buNone/>
+          </a:pPr>
+          <a:r>
+            <a:rPr lang="en-CA" sz="1200" kern="1200" dirty="0">
+              <a:solidFill>
+                <a:prstClr val="white"/>
+              </a:solidFill>
+              <a:latin typeface="Calibri" panose="020F0502020204030204"/>
+              <a:ea typeface="+mn-ea"/>
+              <a:cs typeface="+mn-cs"/>
+            </a:rPr>
+            <a:t>App</a:t>
+          </a:r>
+        </a:p>
+      </dsp:txBody>
+      <dsp:txXfrm>
+        <a:off x="5771072" y="209225"/>
+        <a:ext cx="1192602" cy="795068"/>
+      </dsp:txXfrm>
+    </dsp:sp>
+  </dsp:spTree>
+</dsp:drawing>
+</file>
+
+<file path=ppt/diagrams/drawing4.xml><?xml version="1.0" encoding="utf-8"?>
+<dsp:drawing xmlns:dgm="http://schemas.openxmlformats.org/drawingml/2006/diagram" xmlns:dsp="http://schemas.microsoft.com/office/drawing/2008/diagram" xmlns:a="http://schemas.openxmlformats.org/drawingml/2006/main">
+  <dsp:spTree>
+    <dsp:nvGrpSpPr>
+      <dsp:cNvPr id="0" name=""/>
+      <dsp:cNvGrpSpPr/>
+    </dsp:nvGrpSpPr>
+    <dsp:grpSpPr/>
+    <dsp:sp modelId="{393BFE81-60E9-455E-AC60-CEDD69C80CFA}">
+      <dsp:nvSpPr>
+        <dsp:cNvPr id="0" name=""/>
+        <dsp:cNvSpPr/>
+      </dsp:nvSpPr>
+      <dsp:spPr>
+        <a:xfrm>
+          <a:off x="16239" y="202761"/>
+          <a:ext cx="1987670" cy="795068"/>
+        </a:xfrm>
+        <a:prstGeom prst="chevron">
+          <a:avLst/>
+        </a:prstGeom>
+        <a:solidFill>
+          <a:schemeClr val="bg2"/>
+        </a:solidFill>
+        <a:ln w="12700" cap="flat" cmpd="sng" algn="ctr">
+          <a:solidFill>
+            <a:schemeClr val="lt1">
+              <a:hueOff val="0"/>
+              <a:satOff val="0"/>
+              <a:lumOff val="0"/>
+              <a:alphaOff val="0"/>
+            </a:schemeClr>
+          </a:solidFill>
+          <a:prstDash val="solid"/>
+          <a:miter lim="800000"/>
+        </a:ln>
+        <a:effectLst/>
+      </dsp:spPr>
+      <dsp:style>
+        <a:lnRef idx="2">
+          <a:scrgbClr r="0" g="0" b="0"/>
+        </a:lnRef>
+        <a:fillRef idx="1">
+          <a:scrgbClr r="0" g="0" b="0"/>
+        </a:fillRef>
+        <a:effectRef idx="0">
+          <a:scrgbClr r="0" g="0" b="0"/>
+        </a:effectRef>
+        <a:fontRef idx="minor">
+          <a:schemeClr val="lt1"/>
+        </a:fontRef>
+      </dsp:style>
+      <dsp:txBody>
+        <a:bodyPr spcFirstLastPara="0" vert="horz" wrap="square" lIns="56007" tIns="18669" rIns="18669" bIns="18669" numCol="1" spcCol="1270" anchor="ctr" anchorCtr="0">
+          <a:noAutofit/>
+        </a:bodyPr>
+        <a:lstStyle/>
+        <a:p>
+          <a:pPr marL="0" lvl="0" indent="0" algn="ctr" defTabSz="622300">
+            <a:lnSpc>
+              <a:spcPct val="90000"/>
+            </a:lnSpc>
+            <a:spcBef>
+              <a:spcPct val="0"/>
+            </a:spcBef>
+            <a:spcAft>
+              <a:spcPct val="35000"/>
+            </a:spcAft>
+            <a:buNone/>
+          </a:pPr>
+          <a:r>
+            <a:rPr lang="en-CA" sz="1400" kern="1200" dirty="0"/>
+            <a:t>Extract</a:t>
+          </a:r>
+        </a:p>
+      </dsp:txBody>
+      <dsp:txXfrm>
+        <a:off x="413773" y="202761"/>
+        <a:ext cx="1192602" cy="795068"/>
+      </dsp:txXfrm>
+    </dsp:sp>
+    <dsp:sp modelId="{AE503DE8-3F26-4885-BFD1-3C6EF2408CA7}">
+      <dsp:nvSpPr>
+        <dsp:cNvPr id="0" name=""/>
+        <dsp:cNvSpPr/>
+      </dsp:nvSpPr>
+      <dsp:spPr>
+        <a:xfrm>
+          <a:off x="1861784" y="196496"/>
+          <a:ext cx="1987670" cy="795068"/>
+        </a:xfrm>
+        <a:prstGeom prst="chevron">
+          <a:avLst/>
+        </a:prstGeom>
+        <a:solidFill>
+          <a:schemeClr val="bg2">
+            <a:lumMod val="90000"/>
+          </a:schemeClr>
+        </a:solidFill>
+        <a:ln w="12700" cap="flat" cmpd="sng" algn="ctr">
+          <a:solidFill>
+            <a:schemeClr val="lt1">
+              <a:hueOff val="0"/>
+              <a:satOff val="0"/>
+              <a:lumOff val="0"/>
+              <a:alphaOff val="0"/>
+            </a:schemeClr>
+          </a:solidFill>
+          <a:prstDash val="solid"/>
+          <a:miter lim="800000"/>
+        </a:ln>
+        <a:effectLst/>
+      </dsp:spPr>
+      <dsp:style>
+        <a:lnRef idx="2">
+          <a:scrgbClr r="0" g="0" b="0"/>
+        </a:lnRef>
+        <a:fillRef idx="1">
+          <a:scrgbClr r="0" g="0" b="0"/>
+        </a:fillRef>
+        <a:effectRef idx="0">
+          <a:scrgbClr r="0" g="0" b="0"/>
+        </a:effectRef>
+        <a:fontRef idx="minor">
+          <a:schemeClr val="lt1"/>
+        </a:fontRef>
+      </dsp:style>
+      <dsp:txBody>
+        <a:bodyPr spcFirstLastPara="0" vert="horz" wrap="square" lIns="48006" tIns="16002" rIns="16002" bIns="16002" numCol="1" spcCol="1270" anchor="ctr" anchorCtr="0">
+          <a:noAutofit/>
+        </a:bodyPr>
+        <a:lstStyle/>
+        <a:p>
+          <a:pPr marL="0" lvl="0" indent="0" algn="ctr" defTabSz="533400">
+            <a:lnSpc>
+              <a:spcPct val="90000"/>
+            </a:lnSpc>
+            <a:spcBef>
+              <a:spcPct val="0"/>
+            </a:spcBef>
+            <a:spcAft>
+              <a:spcPct val="35000"/>
+            </a:spcAft>
+            <a:buNone/>
+          </a:pPr>
+          <a:r>
+            <a:rPr lang="en-CA" sz="1200" kern="1200" dirty="0"/>
+            <a:t>Transform</a:t>
+          </a:r>
+        </a:p>
+      </dsp:txBody>
+      <dsp:txXfrm>
+        <a:off x="2259318" y="196496"/>
+        <a:ext cx="1192602" cy="795068"/>
+      </dsp:txXfrm>
+    </dsp:sp>
+    <dsp:sp modelId="{AFC6DB2F-9FA9-4B63-9864-076A692B3B60}">
+      <dsp:nvSpPr>
+        <dsp:cNvPr id="0" name=""/>
+        <dsp:cNvSpPr/>
+      </dsp:nvSpPr>
+      <dsp:spPr>
+        <a:xfrm>
+          <a:off x="3581220" y="202761"/>
+          <a:ext cx="1987670" cy="795068"/>
+        </a:xfrm>
+        <a:prstGeom prst="chevron">
+          <a:avLst/>
+        </a:prstGeom>
+        <a:solidFill>
+          <a:schemeClr val="bg1">
+            <a:lumMod val="75000"/>
+          </a:schemeClr>
+        </a:solidFill>
+        <a:ln w="12700" cap="flat" cmpd="sng" algn="ctr">
+          <a:solidFill>
+            <a:schemeClr val="bg1">
+              <a:lumMod val="85000"/>
+            </a:schemeClr>
+          </a:solidFill>
+          <a:prstDash val="solid"/>
+          <a:miter lim="800000"/>
+        </a:ln>
+        <a:effectLst/>
+      </dsp:spPr>
+      <dsp:style>
+        <a:lnRef idx="2">
+          <a:scrgbClr r="0" g="0" b="0"/>
+        </a:lnRef>
+        <a:fillRef idx="1">
+          <a:scrgbClr r="0" g="0" b="0"/>
+        </a:fillRef>
+        <a:effectRef idx="0">
+          <a:scrgbClr r="0" g="0" b="0"/>
+        </a:effectRef>
+        <a:fontRef idx="minor">
+          <a:schemeClr val="lt1"/>
+        </a:fontRef>
+      </dsp:style>
+      <dsp:txBody>
+        <a:bodyPr spcFirstLastPara="0" vert="horz" wrap="square" lIns="56007" tIns="18669" rIns="18669" bIns="18669" numCol="1" spcCol="1270" anchor="ctr" anchorCtr="0">
+          <a:noAutofit/>
+        </a:bodyPr>
+        <a:lstStyle/>
+        <a:p>
+          <a:pPr marL="0" lvl="0" indent="0" algn="ctr" defTabSz="622300">
+            <a:lnSpc>
+              <a:spcPct val="90000"/>
+            </a:lnSpc>
+            <a:spcBef>
+              <a:spcPct val="0"/>
+            </a:spcBef>
+            <a:spcAft>
+              <a:spcPct val="35000"/>
+            </a:spcAft>
+            <a:buNone/>
+          </a:pPr>
+          <a:r>
+            <a:rPr lang="en-CA" sz="1400" kern="1200" dirty="0"/>
+            <a:t>Load</a:t>
+          </a:r>
+        </a:p>
+      </dsp:txBody>
+      <dsp:txXfrm>
+        <a:off x="3978754" y="202761"/>
+        <a:ext cx="1192602" cy="795068"/>
+      </dsp:txXfrm>
+    </dsp:sp>
+    <dsp:sp modelId="{B1AFD835-0E1B-44DE-9CD4-FD4170E22202}">
+      <dsp:nvSpPr>
+        <dsp:cNvPr id="0" name=""/>
+        <dsp:cNvSpPr/>
+      </dsp:nvSpPr>
+      <dsp:spPr>
+        <a:xfrm>
+          <a:off x="5373538" y="209225"/>
+          <a:ext cx="1987670" cy="795068"/>
+        </a:xfrm>
+        <a:prstGeom prst="chevron">
+          <a:avLst/>
+        </a:prstGeom>
+        <a:solidFill>
+          <a:srgbClr val="92D050"/>
         </a:solidFill>
         <a:ln w="12700" cap="flat" cmpd="sng" algn="ctr">
           <a:solidFill>
@@ -14888,9 +14920,9 @@
               </a:spcAft>
             </a:pPr>
             <a:r>
-              <a:rPr lang="en-US" sz="5400" kern="1200">
+              <a:rPr lang="en-US" sz="5400" kern="1200" dirty="0">
                 <a:solidFill>
-                  <a:schemeClr val="tx1"/>
+                  <a:srgbClr val="C00000"/>
                 </a:solidFill>
                 <a:latin typeface="+mj-lt"/>
                 <a:ea typeface="+mj-ea"/>
@@ -14911,7 +14943,7 @@
                 <a:spcPts val="600"/>
               </a:spcAft>
             </a:pPr>
-            <a:endParaRPr lang="en-US" sz="5400" kern="1200">
+            <a:endParaRPr lang="en-US" sz="5400" kern="1200" dirty="0">
               <a:solidFill>
                 <a:schemeClr val="tx1"/>
               </a:solidFill>
@@ -15293,12 +15325,9 @@
           </a:bodyPr>
           <a:lstStyle/>
           <a:p>
-            <a:pPr indent="-228600" algn="l">
-              <a:buFont typeface="Arial" panose="020B0604020202020204" pitchFamily="34" charset="0"/>
-              <a:buChar char="•"/>
-            </a:pPr>
+            <a:pPr algn="l"/>
             <a:r>
-              <a:rPr lang="en-US" sz="2200"/>
+              <a:rPr lang="en-US" sz="2200" dirty="0"/>
               <a:t>Group members : </a:t>
             </a:r>
           </a:p>
@@ -15308,7 +15337,11 @@
               <a:buChar char="•"/>
             </a:pPr>
             <a:r>
-              <a:rPr lang="en-US" sz="2200"/>
+              <a:rPr lang="en-US" sz="2200" dirty="0">
+                <a:solidFill>
+                  <a:srgbClr val="C00000"/>
+                </a:solidFill>
+              </a:rPr>
               <a:t>Sweta Joshi</a:t>
             </a:r>
           </a:p>
@@ -15318,7 +15351,11 @@
               <a:buChar char="•"/>
             </a:pPr>
             <a:r>
-              <a:rPr lang="en-US" sz="2200"/>
+              <a:rPr lang="en-US" sz="2200" dirty="0">
+                <a:solidFill>
+                  <a:srgbClr val="C00000"/>
+                </a:solidFill>
+              </a:rPr>
               <a:t>Sakshi Dalal</a:t>
             </a:r>
           </a:p>
@@ -15328,8 +15365,36 @@
               <a:buChar char="•"/>
             </a:pPr>
             <a:r>
-              <a:rPr lang="en-US" sz="2200"/>
-              <a:t>Rimple Poonia Dabas</a:t>
+              <a:rPr lang="en-US" sz="2200" dirty="0" err="1">
+                <a:solidFill>
+                  <a:srgbClr val="C00000"/>
+                </a:solidFill>
+              </a:rPr>
+              <a:t>Rimple</a:t>
+            </a:r>
+            <a:r>
+              <a:rPr lang="en-US" sz="2200" dirty="0">
+                <a:solidFill>
+                  <a:srgbClr val="C00000"/>
+                </a:solidFill>
+              </a:rPr>
+              <a:t> </a:t>
+            </a:r>
+            <a:r>
+              <a:rPr lang="en-US" sz="2200" dirty="0" err="1">
+                <a:solidFill>
+                  <a:srgbClr val="C00000"/>
+                </a:solidFill>
+              </a:rPr>
+              <a:t>Poonia</a:t>
+            </a:r>
+            <a:r>
+              <a:rPr lang="en-US" sz="2200" dirty="0">
+                <a:solidFill>
+                  <a:srgbClr val="C00000"/>
+                </a:solidFill>
+              </a:rPr>
+              <a:t> Dabas</a:t>
             </a:r>
           </a:p>
           <a:p>
@@ -15337,7 +15402,7 @@
               <a:buFont typeface="Arial" panose="020B0604020202020204" pitchFamily="34" charset="0"/>
               <a:buChar char="•"/>
             </a:pPr>
-            <a:endParaRPr lang="en-US" sz="2200"/>
+            <a:endParaRPr lang="en-US" sz="2200" dirty="0"/>
           </a:p>
         </p:txBody>
       </p:sp>
@@ -15355,279 +15420,6 @@
 </file>
 
 <file path=ppt/slides/slide2.xml><?xml version="1.0" encoding="utf-8"?>
-<p:sld xmlns:a="http://schemas.openxmlformats.org/drawingml/2006/main" xmlns:r="http://schemas.openxmlformats.org/officeDocument/2006/relationships" xmlns:p="http://schemas.openxmlformats.org/presentationml/2006/main">
-  <p:cSld>
-    <p:spTree>
-      <p:nvGrpSpPr>
-        <p:cNvPr id="1" name=""/>
-        <p:cNvGrpSpPr/>
-        <p:nvPr/>
-      </p:nvGrpSpPr>
-      <p:grpSpPr>
-        <a:xfrm>
-          <a:off x="0" y="0"/>
-          <a:ext cx="0" cy="0"/>
-          <a:chOff x="0" y="0"/>
-          <a:chExt cx="0" cy="0"/>
-        </a:xfrm>
-      </p:grpSpPr>
-      <p:graphicFrame>
-        <p:nvGraphicFramePr>
-          <p:cNvPr id="115" name="Diagram 114">
-            <a:extLst>
-              <a:ext uri="{FF2B5EF4-FFF2-40B4-BE49-F238E27FC236}">
-                <a16:creationId xmlns:a16="http://schemas.microsoft.com/office/drawing/2014/main" id="{A6C94B0B-2EB1-267F-2FBF-FC40CB86714C}"/>
-              </a:ext>
-            </a:extLst>
-          </p:cNvPr>
-          <p:cNvGraphicFramePr/>
-          <p:nvPr>
-            <p:extLst>
-              <p:ext uri="{D42A27DB-BD31-4B8C-83A1-F6EECF244321}">
-                <p14:modId xmlns:p14="http://schemas.microsoft.com/office/powerpoint/2010/main" val="568318548"/>
-              </p:ext>
-            </p:extLst>
-          </p:nvPr>
-        </p:nvGraphicFramePr>
-        <p:xfrm>
-          <a:off x="4137804" y="0"/>
-          <a:ext cx="7361209" cy="1200592"/>
-        </p:xfrm>
-        <a:graphic>
-          <a:graphicData uri="http://schemas.openxmlformats.org/drawingml/2006/diagram">
-            <dgm:relIds xmlns:dgm="http://schemas.openxmlformats.org/drawingml/2006/diagram" xmlns:r="http://schemas.openxmlformats.org/officeDocument/2006/relationships" r:dm="rId2" r:lo="rId3" r:qs="rId4" r:cs="rId5"/>
-          </a:graphicData>
-        </a:graphic>
-      </p:graphicFrame>
-      <p:sp>
-        <p:nvSpPr>
-          <p:cNvPr id="119" name="TextBox 118">
-            <a:extLst>
-              <a:ext uri="{FF2B5EF4-FFF2-40B4-BE49-F238E27FC236}">
-                <a16:creationId xmlns:a16="http://schemas.microsoft.com/office/drawing/2014/main" id="{5092F8C1-1E77-AFA1-10C6-BFDE82C624B2}"/>
-              </a:ext>
-            </a:extLst>
-          </p:cNvPr>
-          <p:cNvSpPr txBox="1"/>
-          <p:nvPr/>
-        </p:nvSpPr>
-        <p:spPr>
-          <a:xfrm>
-            <a:off x="786391" y="250149"/>
-            <a:ext cx="1749775" cy="646331"/>
-          </a:xfrm>
-          <a:prstGeom prst="rect">
-            <a:avLst/>
-          </a:prstGeom>
-          <a:noFill/>
-        </p:spPr>
-        <p:txBody>
-          <a:bodyPr wrap="square">
-            <a:spAutoFit/>
-          </a:bodyPr>
-          <a:lstStyle/>
-          <a:p>
-            <a:pPr marL="0" marR="0" lvl="0" indent="0" algn="l" defTabSz="914400" rtl="0" eaLnBrk="1" fontAlgn="auto" latinLnBrk="0" hangingPunct="1">
-              <a:lnSpc>
-                <a:spcPct val="100000"/>
-              </a:lnSpc>
-              <a:spcBef>
-                <a:spcPts val="0"/>
-              </a:spcBef>
-              <a:spcAft>
-                <a:spcPts val="0"/>
-              </a:spcAft>
-              <a:buClrTx/>
-              <a:buSzTx/>
-              <a:buFontTx/>
-              <a:buNone/>
-              <a:tabLst/>
-              <a:defRPr/>
-            </a:pPr>
-            <a:r>
-              <a:rPr kumimoji="0" lang="en-CA" sz="3600" b="1" i="0" u="none" strike="noStrike" kern="1200" cap="none" spc="0" normalizeH="0" baseline="0" noProof="0" dirty="0">
-                <a:ln>
-                  <a:noFill/>
-                </a:ln>
-                <a:solidFill>
-                  <a:prstClr val="black"/>
-                </a:solidFill>
-                <a:effectLst/>
-                <a:uLnTx/>
-                <a:uFillTx/>
-                <a:latin typeface="Calibri" panose="020F0502020204030204"/>
-                <a:ea typeface="+mn-ea"/>
-                <a:cs typeface="+mn-cs"/>
-                <a:hlinkClick r:id="rId7"/>
-              </a:rPr>
-              <a:t>APP</a:t>
-            </a:r>
-            <a:endParaRPr kumimoji="0" lang="en-CA" sz="3600" b="1" i="0" u="none" strike="noStrike" kern="1200" cap="none" spc="0" normalizeH="0" baseline="0" noProof="0" dirty="0">
-              <a:ln>
-                <a:noFill/>
-              </a:ln>
-              <a:solidFill>
-                <a:prstClr val="black"/>
-              </a:solidFill>
-              <a:effectLst/>
-              <a:uLnTx/>
-              <a:uFillTx/>
-              <a:latin typeface="Calibri" panose="020F0502020204030204"/>
-              <a:ea typeface="+mn-ea"/>
-              <a:cs typeface="+mn-cs"/>
-            </a:endParaRPr>
-          </a:p>
-        </p:txBody>
-      </p:sp>
-      <p:pic>
-        <p:nvPicPr>
-          <p:cNvPr id="120" name="Picture 119">
-            <a:extLst>
-              <a:ext uri="{FF2B5EF4-FFF2-40B4-BE49-F238E27FC236}">
-                <a16:creationId xmlns:a16="http://schemas.microsoft.com/office/drawing/2014/main" id="{73C10AAF-62F9-348A-FEC2-21BF6978404D}"/>
-              </a:ext>
-            </a:extLst>
-          </p:cNvPr>
-          <p:cNvPicPr>
-            <a:picLocks noChangeAspect="1"/>
-          </p:cNvPicPr>
-          <p:nvPr/>
-        </p:nvPicPr>
-        <p:blipFill>
-          <a:blip r:embed="rId8"/>
-          <a:stretch>
-            <a:fillRect/>
-          </a:stretch>
-        </p:blipFill>
-        <p:spPr>
-          <a:xfrm>
-            <a:off x="604393" y="1701624"/>
-            <a:ext cx="6114818" cy="4218798"/>
-          </a:xfrm>
-          <a:prstGeom prst="rect">
-            <a:avLst/>
-          </a:prstGeom>
-        </p:spPr>
-      </p:pic>
-      <p:pic>
-        <p:nvPicPr>
-          <p:cNvPr id="9" name="Picture 8">
-            <a:extLst>
-              <a:ext uri="{FF2B5EF4-FFF2-40B4-BE49-F238E27FC236}">
-                <a16:creationId xmlns:a16="http://schemas.microsoft.com/office/drawing/2014/main" id="{478CB0DB-F097-E5DB-2B14-EAA6F654735B}"/>
-              </a:ext>
-            </a:extLst>
-          </p:cNvPr>
-          <p:cNvPicPr>
-            <a:picLocks noChangeAspect="1"/>
-          </p:cNvPicPr>
-          <p:nvPr/>
-        </p:nvPicPr>
-        <p:blipFill>
-          <a:blip r:embed="rId9"/>
-          <a:stretch>
-            <a:fillRect/>
-          </a:stretch>
-        </p:blipFill>
-        <p:spPr>
-          <a:xfrm>
-            <a:off x="7090181" y="1701624"/>
-            <a:ext cx="3286029" cy="4328535"/>
-          </a:xfrm>
-          <a:prstGeom prst="rect">
-            <a:avLst/>
-          </a:prstGeom>
-        </p:spPr>
-      </p:pic>
-    </p:spTree>
-    <p:extLst>
-      <p:ext uri="{BB962C8B-B14F-4D97-AF65-F5344CB8AC3E}">
-        <p14:creationId xmlns:p14="http://schemas.microsoft.com/office/powerpoint/2010/main" val="2623107470"/>
-      </p:ext>
-    </p:extLst>
-  </p:cSld>
-  <p:clrMapOvr>
-    <a:masterClrMapping/>
-  </p:clrMapOvr>
-  <p:timing>
-    <p:tnLst>
-      <p:par>
-        <p:cTn id="1" dur="indefinite" restart="never" nodeType="tmRoot">
-          <p:childTnLst>
-            <p:seq concurrent="1" nextAc="seek">
-              <p:cTn id="2" dur="indefinite" nodeType="mainSeq">
-                <p:childTnLst>
-                  <p:par>
-                    <p:cTn id="3" fill="hold">
-                      <p:stCondLst>
-                        <p:cond delay="indefinite"/>
-                      </p:stCondLst>
-                      <p:childTnLst>
-                        <p:par>
-                          <p:cTn id="4" fill="hold">
-                            <p:stCondLst>
-                              <p:cond delay="0"/>
-                            </p:stCondLst>
-                            <p:childTnLst>
-                              <p:par>
-                                <p:cTn id="5" presetID="1" presetClass="entr" presetSubtype="0" fill="hold" nodeType="clickEffect">
-                                  <p:stCondLst>
-                                    <p:cond delay="0"/>
-                                  </p:stCondLst>
-                                  <p:childTnLst>
-                                    <p:set>
-                                      <p:cBhvr>
-                                        <p:cTn id="6" dur="1" fill="hold">
-                                          <p:stCondLst>
-                                            <p:cond delay="0"/>
-                                          </p:stCondLst>
-                                        </p:cTn>
-                                        <p:tgtEl>
-                                          <p:spTgt spid="9"/>
-                                        </p:tgtEl>
-                                        <p:attrNameLst>
-                                          <p:attrName>style.visibility</p:attrName>
-                                        </p:attrNameLst>
-                                      </p:cBhvr>
-                                      <p:to>
-                                        <p:strVal val="visible"/>
-                                      </p:to>
-                                    </p:set>
-                                  </p:childTnLst>
-                                </p:cTn>
-                              </p:par>
-                            </p:childTnLst>
-                          </p:cTn>
-                        </p:par>
-                      </p:childTnLst>
-                    </p:cTn>
-                  </p:par>
-                </p:childTnLst>
-              </p:cTn>
-              <p:prevCondLst>
-                <p:cond evt="onPrev" delay="0">
-                  <p:tgtEl>
-                    <p:sldTgt/>
-                  </p:tgtEl>
-                </p:cond>
-              </p:prevCondLst>
-              <p:nextCondLst>
-                <p:cond evt="onNext" delay="0">
-                  <p:tgtEl>
-                    <p:sldTgt/>
-                  </p:tgtEl>
-                </p:cond>
-              </p:nextCondLst>
-            </p:seq>
-          </p:childTnLst>
-        </p:cTn>
-      </p:par>
-    </p:tnLst>
-  </p:timing>
-</p:sld>
-</file>
-
-<file path=ppt/slides/slide3.xml><?xml version="1.0" encoding="utf-8"?>
 <p:sld xmlns:a="http://schemas.openxmlformats.org/drawingml/2006/main" xmlns:r="http://schemas.openxmlformats.org/officeDocument/2006/relationships" xmlns:p="http://schemas.openxmlformats.org/presentationml/2006/main">
   <p:cSld>
     <p:spTree>
@@ -15864,7 +15656,7 @@
 </p:sld>
 </file>
 
-<file path=ppt/slides/slide4.xml><?xml version="1.0" encoding="utf-8"?>
+<file path=ppt/slides/slide3.xml><?xml version="1.0" encoding="utf-8"?>
 <p:sld xmlns:a="http://schemas.openxmlformats.org/drawingml/2006/main" xmlns:r="http://schemas.openxmlformats.org/officeDocument/2006/relationships" xmlns:p="http://schemas.openxmlformats.org/presentationml/2006/main">
   <p:cSld>
     <p:spTree>
@@ -16286,7 +16078,7 @@
 </p:sld>
 </file>
 
-<file path=ppt/slides/slide5.xml><?xml version="1.0" encoding="utf-8"?>
+<file path=ppt/slides/slide4.xml><?xml version="1.0" encoding="utf-8"?>
 <p:sld xmlns:a="http://schemas.openxmlformats.org/drawingml/2006/main" xmlns:r="http://schemas.openxmlformats.org/officeDocument/2006/relationships" xmlns:p="http://schemas.openxmlformats.org/presentationml/2006/main">
   <p:cSld>
     <p:spTree>
@@ -16689,7 +16481,413 @@
 </p:sld>
 </file>
 
+<file path=ppt/slides/slide5.xml><?xml version="1.0" encoding="utf-8"?>
+<p:sld xmlns:a="http://schemas.openxmlformats.org/drawingml/2006/main" xmlns:r="http://schemas.openxmlformats.org/officeDocument/2006/relationships" xmlns:p="http://schemas.openxmlformats.org/presentationml/2006/main">
+  <p:cSld>
+    <p:spTree>
+      <p:nvGrpSpPr>
+        <p:cNvPr id="1" name=""/>
+        <p:cNvGrpSpPr/>
+        <p:nvPr/>
+      </p:nvGrpSpPr>
+      <p:grpSpPr>
+        <a:xfrm>
+          <a:off x="0" y="0"/>
+          <a:ext cx="0" cy="0"/>
+          <a:chOff x="0" y="0"/>
+          <a:chExt cx="0" cy="0"/>
+        </a:xfrm>
+      </p:grpSpPr>
+      <p:graphicFrame>
+        <p:nvGraphicFramePr>
+          <p:cNvPr id="115" name="Diagram 114">
+            <a:extLst>
+              <a:ext uri="{FF2B5EF4-FFF2-40B4-BE49-F238E27FC236}">
+                <a16:creationId xmlns:a16="http://schemas.microsoft.com/office/drawing/2014/main" id="{A6C94B0B-2EB1-267F-2FBF-FC40CB86714C}"/>
+              </a:ext>
+            </a:extLst>
+          </p:cNvPr>
+          <p:cNvGraphicFramePr/>
+          <p:nvPr>
+            <p:extLst>
+              <p:ext uri="{D42A27DB-BD31-4B8C-83A1-F6EECF244321}">
+                <p14:modId xmlns:p14="http://schemas.microsoft.com/office/powerpoint/2010/main" val="568318548"/>
+              </p:ext>
+            </p:extLst>
+          </p:nvPr>
+        </p:nvGraphicFramePr>
+        <p:xfrm>
+          <a:off x="4137804" y="0"/>
+          <a:ext cx="7361209" cy="1200592"/>
+        </p:xfrm>
+        <a:graphic>
+          <a:graphicData uri="http://schemas.openxmlformats.org/drawingml/2006/diagram">
+            <dgm:relIds xmlns:dgm="http://schemas.openxmlformats.org/drawingml/2006/diagram" xmlns:r="http://schemas.openxmlformats.org/officeDocument/2006/relationships" r:dm="rId2" r:lo="rId3" r:qs="rId4" r:cs="rId5"/>
+          </a:graphicData>
+        </a:graphic>
+      </p:graphicFrame>
+      <p:sp>
+        <p:nvSpPr>
+          <p:cNvPr id="119" name="TextBox 118">
+            <a:extLst>
+              <a:ext uri="{FF2B5EF4-FFF2-40B4-BE49-F238E27FC236}">
+                <a16:creationId xmlns:a16="http://schemas.microsoft.com/office/drawing/2014/main" id="{5092F8C1-1E77-AFA1-10C6-BFDE82C624B2}"/>
+              </a:ext>
+            </a:extLst>
+          </p:cNvPr>
+          <p:cNvSpPr txBox="1"/>
+          <p:nvPr/>
+        </p:nvSpPr>
+        <p:spPr>
+          <a:xfrm>
+            <a:off x="786391" y="250149"/>
+            <a:ext cx="1749775" cy="646331"/>
+          </a:xfrm>
+          <a:prstGeom prst="rect">
+            <a:avLst/>
+          </a:prstGeom>
+          <a:noFill/>
+        </p:spPr>
+        <p:txBody>
+          <a:bodyPr wrap="square">
+            <a:spAutoFit/>
+          </a:bodyPr>
+          <a:lstStyle/>
+          <a:p>
+            <a:pPr marL="0" marR="0" lvl="0" indent="0" algn="l" defTabSz="914400" rtl="0" eaLnBrk="1" fontAlgn="auto" latinLnBrk="0" hangingPunct="1">
+              <a:lnSpc>
+                <a:spcPct val="100000"/>
+              </a:lnSpc>
+              <a:spcBef>
+                <a:spcPts val="0"/>
+              </a:spcBef>
+              <a:spcAft>
+                <a:spcPts val="0"/>
+              </a:spcAft>
+              <a:buClrTx/>
+              <a:buSzTx/>
+              <a:buFontTx/>
+              <a:buNone/>
+              <a:tabLst/>
+              <a:defRPr/>
+            </a:pPr>
+            <a:r>
+              <a:rPr kumimoji="0" lang="en-CA" sz="3600" b="1" i="0" u="none" strike="noStrike" kern="1200" cap="none" spc="0" normalizeH="0" baseline="0" noProof="0" dirty="0">
+                <a:ln>
+                  <a:noFill/>
+                </a:ln>
+                <a:solidFill>
+                  <a:prstClr val="black"/>
+                </a:solidFill>
+                <a:effectLst/>
+                <a:uLnTx/>
+                <a:uFillTx/>
+                <a:latin typeface="Calibri" panose="020F0502020204030204"/>
+                <a:ea typeface="+mn-ea"/>
+                <a:cs typeface="+mn-cs"/>
+                <a:hlinkClick r:id="rId7"/>
+              </a:rPr>
+              <a:t>APP</a:t>
+            </a:r>
+            <a:endParaRPr kumimoji="0" lang="en-CA" sz="3600" b="1" i="0" u="none" strike="noStrike" kern="1200" cap="none" spc="0" normalizeH="0" baseline="0" noProof="0" dirty="0">
+              <a:ln>
+                <a:noFill/>
+              </a:ln>
+              <a:solidFill>
+                <a:prstClr val="black"/>
+              </a:solidFill>
+              <a:effectLst/>
+              <a:uLnTx/>
+              <a:uFillTx/>
+              <a:latin typeface="Calibri" panose="020F0502020204030204"/>
+              <a:ea typeface="+mn-ea"/>
+              <a:cs typeface="+mn-cs"/>
+            </a:endParaRPr>
+          </a:p>
+        </p:txBody>
+      </p:sp>
+      <p:pic>
+        <p:nvPicPr>
+          <p:cNvPr id="120" name="Picture 119">
+            <a:extLst>
+              <a:ext uri="{FF2B5EF4-FFF2-40B4-BE49-F238E27FC236}">
+                <a16:creationId xmlns:a16="http://schemas.microsoft.com/office/drawing/2014/main" id="{73C10AAF-62F9-348A-FEC2-21BF6978404D}"/>
+              </a:ext>
+            </a:extLst>
+          </p:cNvPr>
+          <p:cNvPicPr>
+            <a:picLocks noChangeAspect="1"/>
+          </p:cNvPicPr>
+          <p:nvPr/>
+        </p:nvPicPr>
+        <p:blipFill>
+          <a:blip r:embed="rId8"/>
+          <a:stretch>
+            <a:fillRect/>
+          </a:stretch>
+        </p:blipFill>
+        <p:spPr>
+          <a:xfrm>
+            <a:off x="604393" y="1701624"/>
+            <a:ext cx="6114818" cy="4218798"/>
+          </a:xfrm>
+          <a:prstGeom prst="rect">
+            <a:avLst/>
+          </a:prstGeom>
+        </p:spPr>
+      </p:pic>
+      <p:pic>
+        <p:nvPicPr>
+          <p:cNvPr id="9" name="Picture 8">
+            <a:extLst>
+              <a:ext uri="{FF2B5EF4-FFF2-40B4-BE49-F238E27FC236}">
+                <a16:creationId xmlns:a16="http://schemas.microsoft.com/office/drawing/2014/main" id="{478CB0DB-F097-E5DB-2B14-EAA6F654735B}"/>
+              </a:ext>
+            </a:extLst>
+          </p:cNvPr>
+          <p:cNvPicPr>
+            <a:picLocks noChangeAspect="1"/>
+          </p:cNvPicPr>
+          <p:nvPr/>
+        </p:nvPicPr>
+        <p:blipFill>
+          <a:blip r:embed="rId9"/>
+          <a:stretch>
+            <a:fillRect/>
+          </a:stretch>
+        </p:blipFill>
+        <p:spPr>
+          <a:xfrm>
+            <a:off x="7090181" y="1701624"/>
+            <a:ext cx="3286029" cy="4328535"/>
+          </a:xfrm>
+          <a:prstGeom prst="rect">
+            <a:avLst/>
+          </a:prstGeom>
+        </p:spPr>
+      </p:pic>
+    </p:spTree>
+    <p:extLst>
+      <p:ext uri="{BB962C8B-B14F-4D97-AF65-F5344CB8AC3E}">
+        <p14:creationId xmlns:p14="http://schemas.microsoft.com/office/powerpoint/2010/main" val="2623107470"/>
+      </p:ext>
+    </p:extLst>
+  </p:cSld>
+  <p:clrMapOvr>
+    <a:masterClrMapping/>
+  </p:clrMapOvr>
+  <p:timing>
+    <p:tnLst>
+      <p:par>
+        <p:cTn id="1" dur="indefinite" restart="never" nodeType="tmRoot">
+          <p:childTnLst>
+            <p:seq concurrent="1" nextAc="seek">
+              <p:cTn id="2" dur="indefinite" nodeType="mainSeq">
+                <p:childTnLst>
+                  <p:par>
+                    <p:cTn id="3" fill="hold">
+                      <p:stCondLst>
+                        <p:cond delay="indefinite"/>
+                      </p:stCondLst>
+                      <p:childTnLst>
+                        <p:par>
+                          <p:cTn id="4" fill="hold">
+                            <p:stCondLst>
+                              <p:cond delay="0"/>
+                            </p:stCondLst>
+                            <p:childTnLst>
+                              <p:par>
+                                <p:cTn id="5" presetID="1" presetClass="entr" presetSubtype="0" fill="hold" nodeType="clickEffect">
+                                  <p:stCondLst>
+                                    <p:cond delay="0"/>
+                                  </p:stCondLst>
+                                  <p:childTnLst>
+                                    <p:set>
+                                      <p:cBhvr>
+                                        <p:cTn id="6" dur="1" fill="hold">
+                                          <p:stCondLst>
+                                            <p:cond delay="0"/>
+                                          </p:stCondLst>
+                                        </p:cTn>
+                                        <p:tgtEl>
+                                          <p:spTgt spid="9"/>
+                                        </p:tgtEl>
+                                        <p:attrNameLst>
+                                          <p:attrName>style.visibility</p:attrName>
+                                        </p:attrNameLst>
+                                      </p:cBhvr>
+                                      <p:to>
+                                        <p:strVal val="visible"/>
+                                      </p:to>
+                                    </p:set>
+                                  </p:childTnLst>
+                                </p:cTn>
+                              </p:par>
+                            </p:childTnLst>
+                          </p:cTn>
+                        </p:par>
+                      </p:childTnLst>
+                    </p:cTn>
+                  </p:par>
+                </p:childTnLst>
+              </p:cTn>
+              <p:prevCondLst>
+                <p:cond evt="onPrev" delay="0">
+                  <p:tgtEl>
+                    <p:sldTgt/>
+                  </p:tgtEl>
+                </p:cond>
+              </p:prevCondLst>
+              <p:nextCondLst>
+                <p:cond evt="onNext" delay="0">
+                  <p:tgtEl>
+                    <p:sldTgt/>
+                  </p:tgtEl>
+                </p:cond>
+              </p:nextCondLst>
+            </p:seq>
+          </p:childTnLst>
+        </p:cTn>
+      </p:par>
+    </p:tnLst>
+  </p:timing>
+</p:sld>
+</file>
+
 <file path=ppt/slides/slide6.xml><?xml version="1.0" encoding="utf-8"?>
+<p:sld xmlns:a="http://schemas.openxmlformats.org/drawingml/2006/main" xmlns:r="http://schemas.openxmlformats.org/officeDocument/2006/relationships" xmlns:p="http://schemas.openxmlformats.org/presentationml/2006/main">
+  <p:cSld>
+    <p:spTree>
+      <p:nvGrpSpPr>
+        <p:cNvPr id="1" name=""/>
+        <p:cNvGrpSpPr/>
+        <p:nvPr/>
+      </p:nvGrpSpPr>
+      <p:grpSpPr>
+        <a:xfrm>
+          <a:off x="0" y="0"/>
+          <a:ext cx="0" cy="0"/>
+          <a:chOff x="0" y="0"/>
+          <a:chExt cx="0" cy="0"/>
+        </a:xfrm>
+      </p:grpSpPr>
+      <p:pic>
+        <p:nvPicPr>
+          <p:cNvPr id="3" name="Picture 2">
+            <a:extLst>
+              <a:ext uri="{FF2B5EF4-FFF2-40B4-BE49-F238E27FC236}">
+                <a16:creationId xmlns:a16="http://schemas.microsoft.com/office/drawing/2014/main" id="{23C1F620-3FCC-F78B-43F3-A29D302564E9}"/>
+              </a:ext>
+            </a:extLst>
+          </p:cNvPr>
+          <p:cNvPicPr>
+            <a:picLocks noChangeAspect="1"/>
+          </p:cNvPicPr>
+          <p:nvPr/>
+        </p:nvPicPr>
+        <p:blipFill>
+          <a:blip r:embed="rId2"/>
+          <a:stretch>
+            <a:fillRect/>
+          </a:stretch>
+        </p:blipFill>
+        <p:spPr>
+          <a:xfrm>
+            <a:off x="192656" y="612017"/>
+            <a:ext cx="8230260" cy="2638236"/>
+          </a:xfrm>
+          <a:prstGeom prst="rect">
+            <a:avLst/>
+          </a:prstGeom>
+        </p:spPr>
+      </p:pic>
+      <p:pic>
+        <p:nvPicPr>
+          <p:cNvPr id="5" name="Picture 4">
+            <a:extLst>
+              <a:ext uri="{FF2B5EF4-FFF2-40B4-BE49-F238E27FC236}">
+                <a16:creationId xmlns:a16="http://schemas.microsoft.com/office/drawing/2014/main" id="{136E51F7-A24C-12A3-3B02-A048FA073A10}"/>
+              </a:ext>
+            </a:extLst>
+          </p:cNvPr>
+          <p:cNvPicPr>
+            <a:picLocks noChangeAspect="1"/>
+          </p:cNvPicPr>
+          <p:nvPr/>
+        </p:nvPicPr>
+        <p:blipFill>
+          <a:blip r:embed="rId3"/>
+          <a:stretch>
+            <a:fillRect/>
+          </a:stretch>
+        </p:blipFill>
+        <p:spPr>
+          <a:xfrm>
+            <a:off x="433600" y="3316857"/>
+            <a:ext cx="5662400" cy="3278038"/>
+          </a:xfrm>
+          <a:prstGeom prst="rect">
+            <a:avLst/>
+          </a:prstGeom>
+        </p:spPr>
+      </p:pic>
+      <p:sp>
+        <p:nvSpPr>
+          <p:cNvPr id="6" name="TextBox 5">
+            <a:extLst>
+              <a:ext uri="{FF2B5EF4-FFF2-40B4-BE49-F238E27FC236}">
+                <a16:creationId xmlns:a16="http://schemas.microsoft.com/office/drawing/2014/main" id="{877F7717-C53D-5D15-1E36-33248AB1808E}"/>
+              </a:ext>
+            </a:extLst>
+          </p:cNvPr>
+          <p:cNvSpPr txBox="1"/>
+          <p:nvPr/>
+        </p:nvSpPr>
+        <p:spPr>
+          <a:xfrm>
+            <a:off x="304800" y="172720"/>
+            <a:ext cx="3677920" cy="646331"/>
+          </a:xfrm>
+          <a:prstGeom prst="rect">
+            <a:avLst/>
+          </a:prstGeom>
+          <a:noFill/>
+        </p:spPr>
+        <p:txBody>
+          <a:bodyPr wrap="square" rtlCol="0">
+            <a:spAutoFit/>
+          </a:bodyPr>
+          <a:lstStyle/>
+          <a:p>
+            <a:pPr>
+              <a:defRPr/>
+            </a:pPr>
+            <a:r>
+              <a:rPr lang="en-CA" sz="3600" b="1" dirty="0">
+                <a:solidFill>
+                  <a:prstClr val="black"/>
+                </a:solidFill>
+                <a:latin typeface="Calibri" panose="020F0502020204030204"/>
+              </a:rPr>
+              <a:t>API Routes</a:t>
+            </a:r>
+          </a:p>
+        </p:txBody>
+      </p:sp>
+    </p:spTree>
+    <p:extLst>
+      <p:ext uri="{BB962C8B-B14F-4D97-AF65-F5344CB8AC3E}">
+        <p14:creationId xmlns:p14="http://schemas.microsoft.com/office/powerpoint/2010/main" val="299199400"/>
+      </p:ext>
+    </p:extLst>
+  </p:cSld>
+  <p:clrMapOvr>
+    <a:masterClrMapping/>
+  </p:clrMapOvr>
+</p:sld>
+</file>
+
+<file path=ppt/slides/slide7.xml><?xml version="1.0" encoding="utf-8"?>
 <p:sld xmlns:a="http://schemas.openxmlformats.org/drawingml/2006/main" xmlns:r="http://schemas.openxmlformats.org/officeDocument/2006/relationships" xmlns:p="http://schemas.openxmlformats.org/presentationml/2006/main">
   <p:cSld>
     <p:spTree>
@@ -18160,7 +18358,7 @@
 </p:sld>
 </file>
 
-<file path=ppt/slides/slide7.xml><?xml version="1.0" encoding="utf-8"?>
+<file path=ppt/slides/slide8.xml><?xml version="1.0" encoding="utf-8"?>
 <p:sld xmlns:a="http://schemas.openxmlformats.org/drawingml/2006/main" xmlns:r="http://schemas.openxmlformats.org/officeDocument/2006/relationships" xmlns:p="http://schemas.openxmlformats.org/presentationml/2006/main">
   <p:cSld>
     <p:spTree>

--- a/Slide deck/Slide deck.pptx
+++ b/Slide deck/Slide deck.pptx
@@ -10,9 +10,10 @@
     <p:sldId id="302" r:id="rId4"/>
     <p:sldId id="303" r:id="rId5"/>
     <p:sldId id="304" r:id="rId6"/>
-    <p:sldId id="308" r:id="rId7"/>
-    <p:sldId id="306" r:id="rId8"/>
-    <p:sldId id="307" r:id="rId9"/>
+    <p:sldId id="309" r:id="rId7"/>
+    <p:sldId id="308" r:id="rId8"/>
+    <p:sldId id="306" r:id="rId9"/>
+    <p:sldId id="307" r:id="rId10"/>
   </p:sldIdLst>
   <p:sldSz cx="12192000" cy="6858000"/>
   <p:notesSz cx="6858000" cy="9144000"/>
@@ -122,7 +123,7 @@
 <file path=ppt/revisionInfo.xml><?xml version="1.0" encoding="utf-8"?>
 <p1510:revInfo xmlns:a="http://schemas.openxmlformats.org/drawingml/2006/main" xmlns:r="http://schemas.openxmlformats.org/officeDocument/2006/relationships" xmlns:p1510="http://schemas.microsoft.com/office/powerpoint/2015/10/main">
   <p1510:revLst>
-    <p1510:client id="{9E86F526-7497-4DC0-B263-D471953FD9EB}" v="20" dt="2023-06-14T23:42:01.694"/>
+    <p1510:client id="{9E86F526-7497-4DC0-B263-D471953FD9EB}" v="22" dt="2023-06-15T00:05:07.221"/>
   </p1510:revLst>
 </p1510:revInfo>
 </file>
@@ -132,7 +133,7 @@
   <pc:docChgLst>
     <pc:chgData name="Ashish Dabas" userId="c35664cb8c095f08" providerId="LiveId" clId="{9E86F526-7497-4DC0-B263-D471953FD9EB}"/>
     <pc:docChg chg="undo custSel addSld delSld modSld sldOrd">
-      <pc:chgData name="Ashish Dabas" userId="c35664cb8c095f08" providerId="LiveId" clId="{9E86F526-7497-4DC0-B263-D471953FD9EB}" dt="2023-06-14T23:42:38.730" v="609"/>
+      <pc:chgData name="Ashish Dabas" userId="c35664cb8c095f08" providerId="LiveId" clId="{9E86F526-7497-4DC0-B263-D471953FD9EB}" dt="2023-06-15T00:08:01.634" v="713" actId="1076"/>
       <pc:docMkLst>
         <pc:docMk/>
       </pc:docMkLst>
@@ -462,7 +463,7 @@
         </pc:picChg>
       </pc:sldChg>
       <pc:sldChg chg="addSp delSp modSp mod ord modAnim">
-        <pc:chgData name="Ashish Dabas" userId="c35664cb8c095f08" providerId="LiveId" clId="{9E86F526-7497-4DC0-B263-D471953FD9EB}" dt="2023-06-14T23:42:38.730" v="609"/>
+        <pc:chgData name="Ashish Dabas" userId="c35664cb8c095f08" providerId="LiveId" clId="{9E86F526-7497-4DC0-B263-D471953FD9EB}" dt="2023-06-15T00:06:37.332" v="705" actId="14100"/>
         <pc:sldMkLst>
           <pc:docMk/>
           <pc:sldMk cId="2623107470" sldId="304"/>
@@ -473,6 +474,14 @@
             <pc:docMk/>
             <pc:sldMk cId="2623107470" sldId="304"/>
             <ac:spMk id="2" creationId="{C02C2EA8-0722-C5BF-CD4F-4A1BBD5C9590}"/>
+          </ac:spMkLst>
+        </pc:spChg>
+        <pc:spChg chg="add mod">
+          <ac:chgData name="Ashish Dabas" userId="c35664cb8c095f08" providerId="LiveId" clId="{9E86F526-7497-4DC0-B263-D471953FD9EB}" dt="2023-06-15T00:06:37.332" v="705" actId="14100"/>
+          <ac:spMkLst>
+            <pc:docMk/>
+            <pc:sldMk cId="2623107470" sldId="304"/>
+            <ac:spMk id="3" creationId="{39DFA862-94A7-6792-D4F9-B611E86FFC30}"/>
           </ac:spMkLst>
         </pc:spChg>
         <pc:spChg chg="add del mod">
@@ -491,8 +500,8 @@
             <ac:spMk id="7" creationId="{5343080C-95D5-3FC3-E6A6-ECA10C13DCAE}"/>
           </ac:spMkLst>
         </pc:spChg>
-        <pc:spChg chg="mod">
-          <ac:chgData name="Ashish Dabas" userId="c35664cb8c095f08" providerId="LiveId" clId="{9E86F526-7497-4DC0-B263-D471953FD9EB}" dt="2023-06-14T17:03:21.154" v="547" actId="14100"/>
+        <pc:spChg chg="del mod">
+          <ac:chgData name="Ashish Dabas" userId="c35664cb8c095f08" providerId="LiveId" clId="{9E86F526-7497-4DC0-B263-D471953FD9EB}" dt="2023-06-15T00:04:45.590" v="686" actId="21"/>
           <ac:spMkLst>
             <pc:docMk/>
             <pc:sldMk cId="2623107470" sldId="304"/>
@@ -921,6 +930,77 @@
           </ac:picMkLst>
         </pc:picChg>
       </pc:sldChg>
+      <pc:sldChg chg="addSp delSp modSp new mod ord">
+        <pc:chgData name="Ashish Dabas" userId="c35664cb8c095f08" providerId="LiveId" clId="{9E86F526-7497-4DC0-B263-D471953FD9EB}" dt="2023-06-15T00:08:01.634" v="713" actId="1076"/>
+        <pc:sldMkLst>
+          <pc:docMk/>
+          <pc:sldMk cId="836117642" sldId="309"/>
+        </pc:sldMkLst>
+        <pc:spChg chg="add mod">
+          <ac:chgData name="Ashish Dabas" userId="c35664cb8c095f08" providerId="LiveId" clId="{9E86F526-7497-4DC0-B263-D471953FD9EB}" dt="2023-06-15T00:05:39.671" v="693" actId="108"/>
+          <ac:spMkLst>
+            <pc:docMk/>
+            <pc:sldMk cId="836117642" sldId="309"/>
+            <ac:spMk id="9" creationId="{E806A96A-4DAF-305D-C832-7C91D9E7DC5E}"/>
+          </ac:spMkLst>
+        </pc:spChg>
+        <pc:spChg chg="add mod">
+          <ac:chgData name="Ashish Dabas" userId="c35664cb8c095f08" providerId="LiveId" clId="{9E86F526-7497-4DC0-B263-D471953FD9EB}" dt="2023-06-15T00:05:26.042" v="692" actId="1076"/>
+          <ac:spMkLst>
+            <pc:docMk/>
+            <pc:sldMk cId="836117642" sldId="309"/>
+            <ac:spMk id="11" creationId="{EDC2CB9D-1CBB-5A32-0B03-7553B7F13833}"/>
+          </ac:spMkLst>
+        </pc:spChg>
+        <pc:spChg chg="add mod">
+          <ac:chgData name="Ashish Dabas" userId="c35664cb8c095f08" providerId="LiveId" clId="{9E86F526-7497-4DC0-B263-D471953FD9EB}" dt="2023-06-15T00:05:23.956" v="691" actId="1076"/>
+          <ac:spMkLst>
+            <pc:docMk/>
+            <pc:sldMk cId="836117642" sldId="309"/>
+            <ac:spMk id="13" creationId="{A2805F09-1D8C-3A26-4544-B7EDDD01F2A7}"/>
+          </ac:spMkLst>
+        </pc:spChg>
+        <pc:spChg chg="add mod">
+          <ac:chgData name="Ashish Dabas" userId="c35664cb8c095f08" providerId="LiveId" clId="{9E86F526-7497-4DC0-B263-D471953FD9EB}" dt="2023-06-15T00:08:01.634" v="713" actId="1076"/>
+          <ac:spMkLst>
+            <pc:docMk/>
+            <pc:sldMk cId="836117642" sldId="309"/>
+            <ac:spMk id="14" creationId="{BA623F80-F6E6-8580-0DB3-9B8681568249}"/>
+          </ac:spMkLst>
+        </pc:spChg>
+        <pc:graphicFrameChg chg="add mod">
+          <ac:chgData name="Ashish Dabas" userId="c35664cb8c095f08" providerId="LiveId" clId="{9E86F526-7497-4DC0-B263-D471953FD9EB}" dt="2023-06-15T00:05:12.540" v="690" actId="14100"/>
+          <ac:graphicFrameMkLst>
+            <pc:docMk/>
+            <pc:sldMk cId="836117642" sldId="309"/>
+            <ac:graphicFrameMk id="15" creationId="{DF1250D4-5E39-FA1F-FBD6-BB6679DA3C67}"/>
+          </ac:graphicFrameMkLst>
+        </pc:graphicFrameChg>
+        <pc:picChg chg="add mod modCrop">
+          <ac:chgData name="Ashish Dabas" userId="c35664cb8c095f08" providerId="LiveId" clId="{9E86F526-7497-4DC0-B263-D471953FD9EB}" dt="2023-06-15T00:01:25.424" v="661" actId="1076"/>
+          <ac:picMkLst>
+            <pc:docMk/>
+            <pc:sldMk cId="836117642" sldId="309"/>
+            <ac:picMk id="3" creationId="{7717E411-79F7-6DA7-4692-8E732245A7DA}"/>
+          </ac:picMkLst>
+        </pc:picChg>
+        <pc:picChg chg="add del mod">
+          <ac:chgData name="Ashish Dabas" userId="c35664cb8c095f08" providerId="LiveId" clId="{9E86F526-7497-4DC0-B263-D471953FD9EB}" dt="2023-06-15T00:02:45.281" v="670" actId="478"/>
+          <ac:picMkLst>
+            <pc:docMk/>
+            <pc:sldMk cId="836117642" sldId="309"/>
+            <ac:picMk id="5" creationId="{BE84EF65-9296-31F7-4841-A689B7230EF0}"/>
+          </ac:picMkLst>
+        </pc:picChg>
+        <pc:picChg chg="add mod modCrop">
+          <ac:chgData name="Ashish Dabas" userId="c35664cb8c095f08" providerId="LiveId" clId="{9E86F526-7497-4DC0-B263-D471953FD9EB}" dt="2023-06-15T00:07:56.768" v="711" actId="1076"/>
+          <ac:picMkLst>
+            <pc:docMk/>
+            <pc:sldMk cId="836117642" sldId="309"/>
+            <ac:picMk id="7" creationId="{7633BCED-C3C5-2D37-A900-7148234F02F5}"/>
+          </ac:picMkLst>
+        </pc:picChg>
+      </pc:sldChg>
     </pc:docChg>
   </pc:docChgLst>
 </pc:chgInfo>
@@ -3168,6 +3248,753 @@
 </file>
 
 <file path=ppt/diagrams/colors4.xml><?xml version="1.0" encoding="utf-8"?>
+<dgm:colorsDef xmlns:dgm="http://schemas.openxmlformats.org/drawingml/2006/diagram" xmlns:a="http://schemas.openxmlformats.org/drawingml/2006/main" uniqueId="urn:microsoft.com/office/officeart/2005/8/colors/accent1_2">
+  <dgm:title val=""/>
+  <dgm:desc val=""/>
+  <dgm:catLst>
+    <dgm:cat type="accent1" pri="11200"/>
+  </dgm:catLst>
+  <dgm:styleLbl name="node0">
+    <dgm:fillClrLst meth="repeat">
+      <a:schemeClr val="accent1"/>
+    </dgm:fillClrLst>
+    <dgm:linClrLst meth="repeat">
+      <a:schemeClr val="lt1"/>
+    </dgm:linClrLst>
+    <dgm:effectClrLst/>
+    <dgm:txLinClrLst/>
+    <dgm:txFillClrLst/>
+    <dgm:txEffectClrLst/>
+  </dgm:styleLbl>
+  <dgm:styleLbl name="alignNode1">
+    <dgm:fillClrLst meth="repeat">
+      <a:schemeClr val="accent1"/>
+    </dgm:fillClrLst>
+    <dgm:linClrLst meth="repeat">
+      <a:schemeClr val="accent1"/>
+    </dgm:linClrLst>
+    <dgm:effectClrLst/>
+    <dgm:txLinClrLst/>
+    <dgm:txFillClrLst/>
+    <dgm:txEffectClrLst/>
+  </dgm:styleLbl>
+  <dgm:styleLbl name="node1">
+    <dgm:fillClrLst meth="repeat">
+      <a:schemeClr val="accent1"/>
+    </dgm:fillClrLst>
+    <dgm:linClrLst meth="repeat">
+      <a:schemeClr val="lt1"/>
+    </dgm:linClrLst>
+    <dgm:effectClrLst/>
+    <dgm:txLinClrLst/>
+    <dgm:txFillClrLst/>
+    <dgm:txEffectClrLst/>
+  </dgm:styleLbl>
+  <dgm:styleLbl name="lnNode1">
+    <dgm:fillClrLst meth="repeat">
+      <a:schemeClr val="accent1"/>
+    </dgm:fillClrLst>
+    <dgm:linClrLst meth="repeat">
+      <a:schemeClr val="lt1"/>
+    </dgm:linClrLst>
+    <dgm:effectClrLst/>
+    <dgm:txLinClrLst/>
+    <dgm:txFillClrLst/>
+    <dgm:txEffectClrLst/>
+  </dgm:styleLbl>
+  <dgm:styleLbl name="vennNode1">
+    <dgm:fillClrLst meth="repeat">
+      <a:schemeClr val="accent1">
+        <a:alpha val="50000"/>
+      </a:schemeClr>
+    </dgm:fillClrLst>
+    <dgm:linClrLst meth="repeat">
+      <a:schemeClr val="lt1"/>
+    </dgm:linClrLst>
+    <dgm:effectClrLst/>
+    <dgm:txLinClrLst/>
+    <dgm:txFillClrLst/>
+    <dgm:txEffectClrLst/>
+  </dgm:styleLbl>
+  <dgm:styleLbl name="node2">
+    <dgm:fillClrLst meth="repeat">
+      <a:schemeClr val="accent1"/>
+    </dgm:fillClrLst>
+    <dgm:linClrLst meth="repeat">
+      <a:schemeClr val="lt1"/>
+    </dgm:linClrLst>
+    <dgm:effectClrLst/>
+    <dgm:txLinClrLst/>
+    <dgm:txFillClrLst/>
+    <dgm:txEffectClrLst/>
+  </dgm:styleLbl>
+  <dgm:styleLbl name="node3">
+    <dgm:fillClrLst meth="repeat">
+      <a:schemeClr val="accent1"/>
+    </dgm:fillClrLst>
+    <dgm:linClrLst meth="repeat">
+      <a:schemeClr val="lt1"/>
+    </dgm:linClrLst>
+    <dgm:effectClrLst/>
+    <dgm:txLinClrLst/>
+    <dgm:txFillClrLst/>
+    <dgm:txEffectClrLst/>
+  </dgm:styleLbl>
+  <dgm:styleLbl name="node4">
+    <dgm:fillClrLst meth="repeat">
+      <a:schemeClr val="accent1"/>
+    </dgm:fillClrLst>
+    <dgm:linClrLst meth="repeat">
+      <a:schemeClr val="lt1"/>
+    </dgm:linClrLst>
+    <dgm:effectClrLst/>
+    <dgm:txLinClrLst/>
+    <dgm:txFillClrLst/>
+    <dgm:txEffectClrLst/>
+  </dgm:styleLbl>
+  <dgm:styleLbl name="fgImgPlace1">
+    <dgm:fillClrLst meth="repeat">
+      <a:schemeClr val="accent1">
+        <a:tint val="50000"/>
+      </a:schemeClr>
+    </dgm:fillClrLst>
+    <dgm:linClrLst meth="repeat">
+      <a:schemeClr val="lt1"/>
+    </dgm:linClrLst>
+    <dgm:effectClrLst/>
+    <dgm:txLinClrLst/>
+    <dgm:txFillClrLst meth="repeat">
+      <a:schemeClr val="lt1"/>
+    </dgm:txFillClrLst>
+    <dgm:txEffectClrLst/>
+  </dgm:styleLbl>
+  <dgm:styleLbl name="alignImgPlace1">
+    <dgm:fillClrLst meth="repeat">
+      <a:schemeClr val="accent1">
+        <a:tint val="50000"/>
+      </a:schemeClr>
+    </dgm:fillClrLst>
+    <dgm:linClrLst meth="repeat">
+      <a:schemeClr val="lt1"/>
+    </dgm:linClrLst>
+    <dgm:effectClrLst/>
+    <dgm:txLinClrLst/>
+    <dgm:txFillClrLst meth="repeat">
+      <a:schemeClr val="lt1"/>
+    </dgm:txFillClrLst>
+    <dgm:txEffectClrLst/>
+  </dgm:styleLbl>
+  <dgm:styleLbl name="bgImgPlace1">
+    <dgm:fillClrLst meth="repeat">
+      <a:schemeClr val="accent1">
+        <a:tint val="50000"/>
+      </a:schemeClr>
+    </dgm:fillClrLst>
+    <dgm:linClrLst meth="repeat">
+      <a:schemeClr val="lt1"/>
+    </dgm:linClrLst>
+    <dgm:effectClrLst/>
+    <dgm:txLinClrLst/>
+    <dgm:txFillClrLst meth="repeat">
+      <a:schemeClr val="lt1"/>
+    </dgm:txFillClrLst>
+    <dgm:txEffectClrLst/>
+  </dgm:styleLbl>
+  <dgm:styleLbl name="sibTrans2D1">
+    <dgm:fillClrLst meth="repeat">
+      <a:schemeClr val="accent1">
+        <a:tint val="60000"/>
+      </a:schemeClr>
+    </dgm:fillClrLst>
+    <dgm:linClrLst meth="repeat">
+      <a:schemeClr val="accent1">
+        <a:tint val="60000"/>
+      </a:schemeClr>
+    </dgm:linClrLst>
+    <dgm:effectClrLst/>
+    <dgm:txLinClrLst/>
+    <dgm:txFillClrLst/>
+    <dgm:txEffectClrLst/>
+  </dgm:styleLbl>
+  <dgm:styleLbl name="fgSibTrans2D1">
+    <dgm:fillClrLst meth="repeat">
+      <a:schemeClr val="accent1">
+        <a:tint val="60000"/>
+      </a:schemeClr>
+    </dgm:fillClrLst>
+    <dgm:linClrLst meth="repeat">
+      <a:schemeClr val="accent1">
+        <a:tint val="60000"/>
+      </a:schemeClr>
+    </dgm:linClrLst>
+    <dgm:effectClrLst/>
+    <dgm:txLinClrLst/>
+    <dgm:txFillClrLst/>
+    <dgm:txEffectClrLst/>
+  </dgm:styleLbl>
+  <dgm:styleLbl name="bgSibTrans2D1">
+    <dgm:fillClrLst meth="repeat">
+      <a:schemeClr val="accent1">
+        <a:tint val="60000"/>
+      </a:schemeClr>
+    </dgm:fillClrLst>
+    <dgm:linClrLst meth="repeat">
+      <a:schemeClr val="accent1">
+        <a:tint val="60000"/>
+      </a:schemeClr>
+    </dgm:linClrLst>
+    <dgm:effectClrLst/>
+    <dgm:txLinClrLst/>
+    <dgm:txFillClrLst/>
+    <dgm:txEffectClrLst/>
+  </dgm:styleLbl>
+  <dgm:styleLbl name="sibTrans1D1">
+    <dgm:fillClrLst meth="repeat">
+      <a:schemeClr val="accent1"/>
+    </dgm:fillClrLst>
+    <dgm:linClrLst meth="repeat">
+      <a:schemeClr val="accent1"/>
+    </dgm:linClrLst>
+    <dgm:effectClrLst/>
+    <dgm:txLinClrLst/>
+    <dgm:txFillClrLst meth="repeat">
+      <a:schemeClr val="tx1"/>
+    </dgm:txFillClrLst>
+    <dgm:txEffectClrLst/>
+  </dgm:styleLbl>
+  <dgm:styleLbl name="callout">
+    <dgm:fillClrLst meth="repeat">
+      <a:schemeClr val="accent1"/>
+    </dgm:fillClrLst>
+    <dgm:linClrLst meth="repeat">
+      <a:schemeClr val="accent1">
+        <a:tint val="50000"/>
+      </a:schemeClr>
+    </dgm:linClrLst>
+    <dgm:effectClrLst/>
+    <dgm:txLinClrLst/>
+    <dgm:txFillClrLst meth="repeat">
+      <a:schemeClr val="tx1"/>
+    </dgm:txFillClrLst>
+    <dgm:txEffectClrLst/>
+  </dgm:styleLbl>
+  <dgm:styleLbl name="asst0">
+    <dgm:fillClrLst meth="repeat">
+      <a:schemeClr val="accent1"/>
+    </dgm:fillClrLst>
+    <dgm:linClrLst meth="repeat">
+      <a:schemeClr val="lt1"/>
+    </dgm:linClrLst>
+    <dgm:effectClrLst/>
+    <dgm:txLinClrLst/>
+    <dgm:txFillClrLst/>
+    <dgm:txEffectClrLst/>
+  </dgm:styleLbl>
+  <dgm:styleLbl name="asst1">
+    <dgm:fillClrLst meth="repeat">
+      <a:schemeClr val="accent1"/>
+    </dgm:fillClrLst>
+    <dgm:linClrLst meth="repeat">
+      <a:schemeClr val="lt1"/>
+    </dgm:linClrLst>
+    <dgm:effectClrLst/>
+    <dgm:txLinClrLst/>
+    <dgm:txFillClrLst/>
+    <dgm:txEffectClrLst/>
+  </dgm:styleLbl>
+  <dgm:styleLbl name="asst2">
+    <dgm:fillClrLst meth="repeat">
+      <a:schemeClr val="accent1"/>
+    </dgm:fillClrLst>
+    <dgm:linClrLst meth="repeat">
+      <a:schemeClr val="lt1"/>
+    </dgm:linClrLst>
+    <dgm:effectClrLst/>
+    <dgm:txLinClrLst/>
+    <dgm:txFillClrLst/>
+    <dgm:txEffectClrLst/>
+  </dgm:styleLbl>
+  <dgm:styleLbl name="asst3">
+    <dgm:fillClrLst meth="repeat">
+      <a:schemeClr val="accent1"/>
+    </dgm:fillClrLst>
+    <dgm:linClrLst meth="repeat">
+      <a:schemeClr val="lt1"/>
+    </dgm:linClrLst>
+    <dgm:effectClrLst/>
+    <dgm:txLinClrLst/>
+    <dgm:txFillClrLst/>
+    <dgm:txEffectClrLst/>
+  </dgm:styleLbl>
+  <dgm:styleLbl name="asst4">
+    <dgm:fillClrLst meth="repeat">
+      <a:schemeClr val="accent1"/>
+    </dgm:fillClrLst>
+    <dgm:linClrLst meth="repeat">
+      <a:schemeClr val="lt1"/>
+    </dgm:linClrLst>
+    <dgm:effectClrLst/>
+    <dgm:txLinClrLst/>
+    <dgm:txFillClrLst/>
+    <dgm:txEffectClrLst/>
+  </dgm:styleLbl>
+  <dgm:styleLbl name="parChTrans2D1">
+    <dgm:fillClrLst meth="repeat">
+      <a:schemeClr val="accent1">
+        <a:tint val="60000"/>
+      </a:schemeClr>
+    </dgm:fillClrLst>
+    <dgm:linClrLst meth="repeat">
+      <a:schemeClr val="accent1">
+        <a:tint val="60000"/>
+      </a:schemeClr>
+    </dgm:linClrLst>
+    <dgm:effectClrLst/>
+    <dgm:txLinClrLst/>
+    <dgm:txFillClrLst meth="repeat">
+      <a:schemeClr val="lt1"/>
+    </dgm:txFillClrLst>
+    <dgm:txEffectClrLst/>
+  </dgm:styleLbl>
+  <dgm:styleLbl name="parChTrans2D2">
+    <dgm:fillClrLst meth="repeat">
+      <a:schemeClr val="accent1"/>
+    </dgm:fillClrLst>
+    <dgm:linClrLst meth="repeat">
+      <a:schemeClr val="accent1"/>
+    </dgm:linClrLst>
+    <dgm:effectClrLst/>
+    <dgm:txLinClrLst/>
+    <dgm:txFillClrLst meth="repeat">
+      <a:schemeClr val="lt1"/>
+    </dgm:txFillClrLst>
+    <dgm:txEffectClrLst/>
+  </dgm:styleLbl>
+  <dgm:styleLbl name="parChTrans2D3">
+    <dgm:fillClrLst meth="repeat">
+      <a:schemeClr val="accent1"/>
+    </dgm:fillClrLst>
+    <dgm:linClrLst meth="repeat">
+      <a:schemeClr val="accent1"/>
+    </dgm:linClrLst>
+    <dgm:effectClrLst/>
+    <dgm:txLinClrLst/>
+    <dgm:txFillClrLst meth="repeat">
+      <a:schemeClr val="lt1"/>
+    </dgm:txFillClrLst>
+    <dgm:txEffectClrLst/>
+  </dgm:styleLbl>
+  <dgm:styleLbl name="parChTrans2D4">
+    <dgm:fillClrLst meth="repeat">
+      <a:schemeClr val="accent1"/>
+    </dgm:fillClrLst>
+    <dgm:linClrLst meth="repeat">
+      <a:schemeClr val="accent1"/>
+    </dgm:linClrLst>
+    <dgm:effectClrLst/>
+    <dgm:txLinClrLst/>
+    <dgm:txFillClrLst meth="repeat">
+      <a:schemeClr val="lt1"/>
+    </dgm:txFillClrLst>
+    <dgm:txEffectClrLst/>
+  </dgm:styleLbl>
+  <dgm:styleLbl name="parChTrans1D1">
+    <dgm:fillClrLst meth="repeat">
+      <a:schemeClr val="accent1"/>
+    </dgm:fillClrLst>
+    <dgm:linClrLst meth="repeat">
+      <a:schemeClr val="accent1">
+        <a:shade val="60000"/>
+      </a:schemeClr>
+    </dgm:linClrLst>
+    <dgm:effectClrLst/>
+    <dgm:txLinClrLst/>
+    <dgm:txFillClrLst meth="repeat">
+      <a:schemeClr val="tx1"/>
+    </dgm:txFillClrLst>
+    <dgm:txEffectClrLst/>
+  </dgm:styleLbl>
+  <dgm:styleLbl name="parChTrans1D2">
+    <dgm:fillClrLst meth="repeat">
+      <a:schemeClr val="accent1"/>
+    </dgm:fillClrLst>
+    <dgm:linClrLst meth="repeat">
+      <a:schemeClr val="accent1">
+        <a:shade val="60000"/>
+      </a:schemeClr>
+    </dgm:linClrLst>
+    <dgm:effectClrLst/>
+    <dgm:txLinClrLst/>
+    <dgm:txFillClrLst meth="repeat">
+      <a:schemeClr val="tx1"/>
+    </dgm:txFillClrLst>
+    <dgm:txEffectClrLst/>
+  </dgm:styleLbl>
+  <dgm:styleLbl name="parChTrans1D3">
+    <dgm:fillClrLst meth="repeat">
+      <a:schemeClr val="accent1"/>
+    </dgm:fillClrLst>
+    <dgm:linClrLst meth="repeat">
+      <a:schemeClr val="accent1">
+        <a:shade val="80000"/>
+      </a:schemeClr>
+    </dgm:linClrLst>
+    <dgm:effectClrLst/>
+    <dgm:txLinClrLst/>
+    <dgm:txFillClrLst meth="repeat">
+      <a:schemeClr val="tx1"/>
+    </dgm:txFillClrLst>
+    <dgm:txEffectClrLst/>
+  </dgm:styleLbl>
+  <dgm:styleLbl name="parChTrans1D4">
+    <dgm:fillClrLst meth="repeat">
+      <a:schemeClr val="accent1"/>
+    </dgm:fillClrLst>
+    <dgm:linClrLst meth="repeat">
+      <a:schemeClr val="accent1">
+        <a:shade val="80000"/>
+      </a:schemeClr>
+    </dgm:linClrLst>
+    <dgm:effectClrLst/>
+    <dgm:txLinClrLst/>
+    <dgm:txFillClrLst meth="repeat">
+      <a:schemeClr val="tx1"/>
+    </dgm:txFillClrLst>
+    <dgm:txEffectClrLst/>
+  </dgm:styleLbl>
+  <dgm:styleLbl name="fgAcc1">
+    <dgm:fillClrLst meth="repeat">
+      <a:schemeClr val="lt1">
+        <a:alpha val="90000"/>
+      </a:schemeClr>
+    </dgm:fillClrLst>
+    <dgm:linClrLst meth="repeat">
+      <a:schemeClr val="accent1"/>
+    </dgm:linClrLst>
+    <dgm:effectClrLst/>
+    <dgm:txLinClrLst/>
+    <dgm:txFillClrLst meth="repeat">
+      <a:schemeClr val="dk1"/>
+    </dgm:txFillClrLst>
+    <dgm:txEffectClrLst/>
+  </dgm:styleLbl>
+  <dgm:styleLbl name="conFgAcc1">
+    <dgm:fillClrLst meth="repeat">
+      <a:schemeClr val="lt1">
+        <a:alpha val="90000"/>
+      </a:schemeClr>
+    </dgm:fillClrLst>
+    <dgm:linClrLst meth="repeat">
+      <a:schemeClr val="accent1"/>
+    </dgm:linClrLst>
+    <dgm:effectClrLst/>
+    <dgm:txLinClrLst/>
+    <dgm:txFillClrLst meth="repeat">
+      <a:schemeClr val="dk1"/>
+    </dgm:txFillClrLst>
+    <dgm:txEffectClrLst/>
+  </dgm:styleLbl>
+  <dgm:styleLbl name="alignAcc1">
+    <dgm:fillClrLst meth="repeat">
+      <a:schemeClr val="lt1">
+        <a:alpha val="90000"/>
+      </a:schemeClr>
+    </dgm:fillClrLst>
+    <dgm:linClrLst meth="repeat">
+      <a:schemeClr val="accent1"/>
+    </dgm:linClrLst>
+    <dgm:effectClrLst/>
+    <dgm:txLinClrLst/>
+    <dgm:txFillClrLst meth="repeat">
+      <a:schemeClr val="dk1"/>
+    </dgm:txFillClrLst>
+    <dgm:txEffectClrLst/>
+  </dgm:styleLbl>
+  <dgm:styleLbl name="trAlignAcc1">
+    <dgm:fillClrLst meth="repeat">
+      <a:schemeClr val="lt1">
+        <a:alpha val="40000"/>
+      </a:schemeClr>
+    </dgm:fillClrLst>
+    <dgm:linClrLst meth="repeat">
+      <a:schemeClr val="accent1"/>
+    </dgm:linClrLst>
+    <dgm:effectClrLst/>
+    <dgm:txLinClrLst/>
+    <dgm:txFillClrLst meth="repeat">
+      <a:schemeClr val="dk1"/>
+    </dgm:txFillClrLst>
+    <dgm:txEffectClrLst/>
+  </dgm:styleLbl>
+  <dgm:styleLbl name="bgAcc1">
+    <dgm:fillClrLst meth="repeat">
+      <a:schemeClr val="lt1">
+        <a:alpha val="90000"/>
+      </a:schemeClr>
+    </dgm:fillClrLst>
+    <dgm:linClrLst meth="repeat">
+      <a:schemeClr val="accent1"/>
+    </dgm:linClrLst>
+    <dgm:effectClrLst/>
+    <dgm:txLinClrLst/>
+    <dgm:txFillClrLst meth="repeat">
+      <a:schemeClr val="dk1"/>
+    </dgm:txFillClrLst>
+    <dgm:txEffectClrLst/>
+  </dgm:styleLbl>
+  <dgm:styleLbl name="solidFgAcc1">
+    <dgm:fillClrLst meth="repeat">
+      <a:schemeClr val="lt1"/>
+    </dgm:fillClrLst>
+    <dgm:linClrLst meth="repeat">
+      <a:schemeClr val="accent1"/>
+    </dgm:linClrLst>
+    <dgm:effectClrLst/>
+    <dgm:txLinClrLst/>
+    <dgm:txFillClrLst meth="repeat">
+      <a:schemeClr val="dk1"/>
+    </dgm:txFillClrLst>
+    <dgm:txEffectClrLst/>
+  </dgm:styleLbl>
+  <dgm:styleLbl name="solidAlignAcc1">
+    <dgm:fillClrLst meth="repeat">
+      <a:schemeClr val="lt1"/>
+    </dgm:fillClrLst>
+    <dgm:linClrLst meth="repeat">
+      <a:schemeClr val="accent1"/>
+    </dgm:linClrLst>
+    <dgm:effectClrLst/>
+    <dgm:txLinClrLst/>
+    <dgm:txFillClrLst meth="repeat">
+      <a:schemeClr val="dk1"/>
+    </dgm:txFillClrLst>
+    <dgm:txEffectClrLst/>
+  </dgm:styleLbl>
+  <dgm:styleLbl name="solidBgAcc1">
+    <dgm:fillClrLst meth="repeat">
+      <a:schemeClr val="lt1"/>
+    </dgm:fillClrLst>
+    <dgm:linClrLst meth="repeat">
+      <a:schemeClr val="accent1"/>
+    </dgm:linClrLst>
+    <dgm:effectClrLst/>
+    <dgm:txLinClrLst/>
+    <dgm:txFillClrLst meth="repeat">
+      <a:schemeClr val="dk1"/>
+    </dgm:txFillClrLst>
+    <dgm:txEffectClrLst/>
+  </dgm:styleLbl>
+  <dgm:styleLbl name="fgAccFollowNode1">
+    <dgm:fillClrLst meth="repeat">
+      <a:schemeClr val="accent1">
+        <a:alpha val="90000"/>
+        <a:tint val="40000"/>
+      </a:schemeClr>
+    </dgm:fillClrLst>
+    <dgm:linClrLst meth="repeat">
+      <a:schemeClr val="accent1">
+        <a:alpha val="90000"/>
+        <a:tint val="40000"/>
+      </a:schemeClr>
+    </dgm:linClrLst>
+    <dgm:effectClrLst/>
+    <dgm:txLinClrLst/>
+    <dgm:txFillClrLst meth="repeat">
+      <a:schemeClr val="dk1"/>
+    </dgm:txFillClrLst>
+    <dgm:txEffectClrLst/>
+  </dgm:styleLbl>
+  <dgm:styleLbl name="alignAccFollowNode1">
+    <dgm:fillClrLst meth="repeat">
+      <a:schemeClr val="accent1">
+        <a:alpha val="90000"/>
+        <a:tint val="40000"/>
+      </a:schemeClr>
+    </dgm:fillClrLst>
+    <dgm:linClrLst meth="repeat">
+      <a:schemeClr val="accent1">
+        <a:alpha val="90000"/>
+        <a:tint val="40000"/>
+      </a:schemeClr>
+    </dgm:linClrLst>
+    <dgm:effectClrLst/>
+    <dgm:txLinClrLst/>
+    <dgm:txFillClrLst meth="repeat">
+      <a:schemeClr val="dk1"/>
+    </dgm:txFillClrLst>
+    <dgm:txEffectClrLst/>
+  </dgm:styleLbl>
+  <dgm:styleLbl name="bgAccFollowNode1">
+    <dgm:fillClrLst meth="repeat">
+      <a:schemeClr val="accent1">
+        <a:alpha val="90000"/>
+        <a:tint val="40000"/>
+      </a:schemeClr>
+    </dgm:fillClrLst>
+    <dgm:linClrLst meth="repeat">
+      <a:schemeClr val="accent1">
+        <a:alpha val="90000"/>
+        <a:tint val="40000"/>
+      </a:schemeClr>
+    </dgm:linClrLst>
+    <dgm:effectClrLst/>
+    <dgm:txLinClrLst/>
+    <dgm:txFillClrLst meth="repeat">
+      <a:schemeClr val="dk1"/>
+    </dgm:txFillClrLst>
+    <dgm:txEffectClrLst/>
+  </dgm:styleLbl>
+  <dgm:styleLbl name="fgAcc0">
+    <dgm:fillClrLst meth="repeat">
+      <a:schemeClr val="lt1">
+        <a:alpha val="90000"/>
+      </a:schemeClr>
+    </dgm:fillClrLst>
+    <dgm:linClrLst meth="repeat">
+      <a:schemeClr val="accent1"/>
+    </dgm:linClrLst>
+    <dgm:effectClrLst/>
+    <dgm:txLinClrLst/>
+    <dgm:txFillClrLst meth="repeat">
+      <a:schemeClr val="dk1"/>
+    </dgm:txFillClrLst>
+    <dgm:txEffectClrLst/>
+  </dgm:styleLbl>
+  <dgm:styleLbl name="fgAcc2">
+    <dgm:fillClrLst meth="repeat">
+      <a:schemeClr val="lt1">
+        <a:alpha val="90000"/>
+      </a:schemeClr>
+    </dgm:fillClrLst>
+    <dgm:linClrLst meth="repeat">
+      <a:schemeClr val="accent1"/>
+    </dgm:linClrLst>
+    <dgm:effectClrLst/>
+    <dgm:txLinClrLst/>
+    <dgm:txFillClrLst meth="repeat">
+      <a:schemeClr val="dk1"/>
+    </dgm:txFillClrLst>
+    <dgm:txEffectClrLst/>
+  </dgm:styleLbl>
+  <dgm:styleLbl name="fgAcc3">
+    <dgm:fillClrLst meth="repeat">
+      <a:schemeClr val="lt1">
+        <a:alpha val="90000"/>
+      </a:schemeClr>
+    </dgm:fillClrLst>
+    <dgm:linClrLst meth="repeat">
+      <a:schemeClr val="accent1"/>
+    </dgm:linClrLst>
+    <dgm:effectClrLst/>
+    <dgm:txLinClrLst/>
+    <dgm:txFillClrLst meth="repeat">
+      <a:schemeClr val="dk1"/>
+    </dgm:txFillClrLst>
+    <dgm:txEffectClrLst/>
+  </dgm:styleLbl>
+  <dgm:styleLbl name="fgAcc4">
+    <dgm:fillClrLst meth="repeat">
+      <a:schemeClr val="lt1">
+        <a:alpha val="90000"/>
+      </a:schemeClr>
+    </dgm:fillClrLst>
+    <dgm:linClrLst meth="repeat">
+      <a:schemeClr val="accent1"/>
+    </dgm:linClrLst>
+    <dgm:effectClrLst/>
+    <dgm:txLinClrLst/>
+    <dgm:txFillClrLst meth="repeat">
+      <a:schemeClr val="dk1"/>
+    </dgm:txFillClrLst>
+    <dgm:txEffectClrLst/>
+  </dgm:styleLbl>
+  <dgm:styleLbl name="bgShp">
+    <dgm:fillClrLst meth="repeat">
+      <a:schemeClr val="accent1">
+        <a:tint val="40000"/>
+      </a:schemeClr>
+    </dgm:fillClrLst>
+    <dgm:linClrLst meth="repeat">
+      <a:schemeClr val="accent1"/>
+    </dgm:linClrLst>
+    <dgm:effectClrLst/>
+    <dgm:txLinClrLst/>
+    <dgm:txFillClrLst meth="repeat">
+      <a:schemeClr val="dk1"/>
+    </dgm:txFillClrLst>
+    <dgm:txEffectClrLst/>
+  </dgm:styleLbl>
+  <dgm:styleLbl name="dkBgShp">
+    <dgm:fillClrLst meth="repeat">
+      <a:schemeClr val="accent1">
+        <a:shade val="80000"/>
+      </a:schemeClr>
+    </dgm:fillClrLst>
+    <dgm:linClrLst meth="repeat">
+      <a:schemeClr val="accent1"/>
+    </dgm:linClrLst>
+    <dgm:effectClrLst/>
+    <dgm:txLinClrLst/>
+    <dgm:txFillClrLst meth="repeat">
+      <a:schemeClr val="lt1"/>
+    </dgm:txFillClrLst>
+    <dgm:txEffectClrLst/>
+  </dgm:styleLbl>
+  <dgm:styleLbl name="trBgShp">
+    <dgm:fillClrLst meth="repeat">
+      <a:schemeClr val="accent1">
+        <a:tint val="50000"/>
+        <a:alpha val="40000"/>
+      </a:schemeClr>
+    </dgm:fillClrLst>
+    <dgm:linClrLst meth="repeat">
+      <a:schemeClr val="accent1"/>
+    </dgm:linClrLst>
+    <dgm:effectClrLst/>
+    <dgm:txLinClrLst/>
+    <dgm:txFillClrLst meth="repeat">
+      <a:schemeClr val="lt1"/>
+    </dgm:txFillClrLst>
+    <dgm:txEffectClrLst/>
+  </dgm:styleLbl>
+  <dgm:styleLbl name="fgShp">
+    <dgm:fillClrLst meth="repeat">
+      <a:schemeClr val="accent1">
+        <a:tint val="60000"/>
+      </a:schemeClr>
+    </dgm:fillClrLst>
+    <dgm:linClrLst meth="repeat">
+      <a:schemeClr val="lt1"/>
+    </dgm:linClrLst>
+    <dgm:effectClrLst/>
+    <dgm:txLinClrLst/>
+    <dgm:txFillClrLst meth="repeat">
+      <a:schemeClr val="dk1"/>
+    </dgm:txFillClrLst>
+    <dgm:txEffectClrLst/>
+  </dgm:styleLbl>
+  <dgm:styleLbl name="revTx">
+    <dgm:fillClrLst meth="repeat">
+      <a:schemeClr val="lt1">
+        <a:alpha val="0"/>
+      </a:schemeClr>
+    </dgm:fillClrLst>
+    <dgm:linClrLst meth="repeat">
+      <a:schemeClr val="dk1">
+        <a:alpha val="0"/>
+      </a:schemeClr>
+    </dgm:linClrLst>
+    <dgm:effectClrLst/>
+    <dgm:txLinClrLst/>
+    <dgm:txFillClrLst meth="repeat">
+      <a:schemeClr val="tx1"/>
+    </dgm:txFillClrLst>
+    <dgm:txEffectClrLst/>
+  </dgm:styleLbl>
+</dgm:colorsDef>
+</file>
+
+<file path=ppt/diagrams/colors5.xml><?xml version="1.0" encoding="utf-8"?>
 <dgm:colorsDef xmlns:dgm="http://schemas.openxmlformats.org/drawingml/2006/diagram" xmlns:a="http://schemas.openxmlformats.org/drawingml/2006/main" uniqueId="urn:microsoft.com/office/officeart/2005/8/colors/accent1_2">
   <dgm:title val=""/>
   <dgm:desc val=""/>
@@ -5044,6 +5871,294 @@
   <dgm:extLst>
     <a:ext uri="http://schemas.microsoft.com/office/drawing/2008/diagram">
       <dsp:dataModelExt xmlns:dsp="http://schemas.microsoft.com/office/drawing/2008/diagram" relId="rId6" minVer="http://schemas.openxmlformats.org/drawingml/2006/diagram"/>
+    </a:ext>
+  </dgm:extLst>
+</dgm:dataModel>
+</file>
+
+<file path=ppt/diagrams/data5.xml><?xml version="1.0" encoding="utf-8"?>
+<dgm:dataModel xmlns:dgm="http://schemas.openxmlformats.org/drawingml/2006/diagram" xmlns:a="http://schemas.openxmlformats.org/drawingml/2006/main">
+  <dgm:ptLst>
+    <dgm:pt modelId="{990BB43A-8D3E-4A3D-A693-4ECEACA78C17}" type="doc">
+      <dgm:prSet loTypeId="urn:microsoft.com/office/officeart/2005/8/layout/chevron1" loCatId="process" qsTypeId="urn:microsoft.com/office/officeart/2005/8/quickstyle/simple1" qsCatId="simple" csTypeId="urn:microsoft.com/office/officeart/2005/8/colors/accent1_2" csCatId="accent1" phldr="1"/>
+      <dgm:spPr/>
+    </dgm:pt>
+    <dgm:pt modelId="{C1512BF5-BDF1-41EF-9C7E-357802A5A397}">
+      <dgm:prSet phldrT="[Text]" custT="1"/>
+      <dgm:spPr>
+        <a:solidFill>
+          <a:schemeClr val="bg2"/>
+        </a:solidFill>
+      </dgm:spPr>
+      <dgm:t>
+        <a:bodyPr/>
+        <a:lstStyle/>
+        <a:p>
+          <a:r>
+            <a:rPr lang="en-CA" sz="1400" dirty="0"/>
+            <a:t>Extract</a:t>
+          </a:r>
+        </a:p>
+      </dgm:t>
+    </dgm:pt>
+    <dgm:pt modelId="{7908B19B-1749-46B8-8E35-1C840805274C}" type="parTrans" cxnId="{BBE9B553-42E1-469A-BC67-950E81F22D2D}">
+      <dgm:prSet/>
+      <dgm:spPr/>
+      <dgm:t>
+        <a:bodyPr/>
+        <a:lstStyle/>
+        <a:p>
+          <a:endParaRPr lang="en-CA"/>
+        </a:p>
+      </dgm:t>
+    </dgm:pt>
+    <dgm:pt modelId="{CC384C5D-FA90-4F8D-BD06-1C390D6210D6}" type="sibTrans" cxnId="{BBE9B553-42E1-469A-BC67-950E81F22D2D}">
+      <dgm:prSet/>
+      <dgm:spPr/>
+      <dgm:t>
+        <a:bodyPr/>
+        <a:lstStyle/>
+        <a:p>
+          <a:endParaRPr lang="en-CA"/>
+        </a:p>
+      </dgm:t>
+    </dgm:pt>
+    <dgm:pt modelId="{68134F10-D152-43B0-9175-401C2AEC7784}">
+      <dgm:prSet phldrT="[Text]" custT="1"/>
+      <dgm:spPr>
+        <a:solidFill>
+          <a:schemeClr val="bg2">
+            <a:lumMod val="90000"/>
+          </a:schemeClr>
+        </a:solidFill>
+      </dgm:spPr>
+      <dgm:t>
+        <a:bodyPr/>
+        <a:lstStyle/>
+        <a:p>
+          <a:r>
+            <a:rPr lang="en-CA" sz="1200" dirty="0"/>
+            <a:t>Transform</a:t>
+          </a:r>
+        </a:p>
+      </dgm:t>
+    </dgm:pt>
+    <dgm:pt modelId="{435ACCB6-7F46-4178-A53A-BC1DF95584E7}" type="parTrans" cxnId="{88A77F1F-69A9-482B-9F5E-D8A834C8DF38}">
+      <dgm:prSet/>
+      <dgm:spPr/>
+      <dgm:t>
+        <a:bodyPr/>
+        <a:lstStyle/>
+        <a:p>
+          <a:endParaRPr lang="en-CA"/>
+        </a:p>
+      </dgm:t>
+    </dgm:pt>
+    <dgm:pt modelId="{B56FDC10-7E09-4FFF-9DC6-5C8E40355A11}" type="sibTrans" cxnId="{88A77F1F-69A9-482B-9F5E-D8A834C8DF38}">
+      <dgm:prSet/>
+      <dgm:spPr/>
+      <dgm:t>
+        <a:bodyPr/>
+        <a:lstStyle/>
+        <a:p>
+          <a:endParaRPr lang="en-CA"/>
+        </a:p>
+      </dgm:t>
+    </dgm:pt>
+    <dgm:pt modelId="{C143BF0D-9327-444E-9FB3-4F09E31FCB6E}">
+      <dgm:prSet phldrT="[Text]" custT="1"/>
+      <dgm:spPr>
+        <a:solidFill>
+          <a:schemeClr val="bg1">
+            <a:lumMod val="75000"/>
+          </a:schemeClr>
+        </a:solidFill>
+        <a:ln>
+          <a:solidFill>
+            <a:schemeClr val="bg1">
+              <a:lumMod val="85000"/>
+            </a:schemeClr>
+          </a:solidFill>
+        </a:ln>
+      </dgm:spPr>
+      <dgm:t>
+        <a:bodyPr/>
+        <a:lstStyle/>
+        <a:p>
+          <a:r>
+            <a:rPr lang="en-CA" sz="1400" dirty="0"/>
+            <a:t>Load</a:t>
+          </a:r>
+        </a:p>
+      </dgm:t>
+    </dgm:pt>
+    <dgm:pt modelId="{5CEE61DE-FA1C-4AA5-8A1C-81F1AF207B38}" type="parTrans" cxnId="{BEA45D1F-B984-44FD-990E-3F6D09B6C856}">
+      <dgm:prSet/>
+      <dgm:spPr/>
+      <dgm:t>
+        <a:bodyPr/>
+        <a:lstStyle/>
+        <a:p>
+          <a:endParaRPr lang="en-CA"/>
+        </a:p>
+      </dgm:t>
+    </dgm:pt>
+    <dgm:pt modelId="{7689F896-F87C-43F1-A677-2E9E3FEE93D9}" type="sibTrans" cxnId="{BEA45D1F-B984-44FD-990E-3F6D09B6C856}">
+      <dgm:prSet/>
+      <dgm:spPr/>
+      <dgm:t>
+        <a:bodyPr/>
+        <a:lstStyle/>
+        <a:p>
+          <a:endParaRPr lang="en-CA"/>
+        </a:p>
+      </dgm:t>
+    </dgm:pt>
+    <dgm:pt modelId="{16239C06-CD09-4513-81C5-91B29CEDB56A}">
+      <dgm:prSet phldrT="[Text]" custT="1"/>
+      <dgm:spPr>
+        <a:solidFill>
+          <a:srgbClr val="92D050"/>
+        </a:solidFill>
+      </dgm:spPr>
+      <dgm:t>
+        <a:bodyPr/>
+        <a:lstStyle/>
+        <a:p>
+          <a:pPr marL="0" lvl="0" indent="0" algn="ctr" defTabSz="533400">
+            <a:lnSpc>
+              <a:spcPct val="90000"/>
+            </a:lnSpc>
+            <a:spcBef>
+              <a:spcPct val="0"/>
+            </a:spcBef>
+            <a:spcAft>
+              <a:spcPct val="35000"/>
+            </a:spcAft>
+            <a:buNone/>
+          </a:pPr>
+          <a:r>
+            <a:rPr lang="en-CA" sz="1200" kern="1200" dirty="0">
+              <a:solidFill>
+                <a:prstClr val="white"/>
+              </a:solidFill>
+              <a:latin typeface="Calibri" panose="020F0502020204030204"/>
+              <a:ea typeface="+mn-ea"/>
+              <a:cs typeface="+mn-cs"/>
+            </a:rPr>
+            <a:t>App</a:t>
+          </a:r>
+        </a:p>
+      </dgm:t>
+    </dgm:pt>
+    <dgm:pt modelId="{76E887D1-D7D3-48E7-B99A-DBD594CF365F}" type="parTrans" cxnId="{246FCE88-F98E-472E-9507-459D42D8D9B0}">
+      <dgm:prSet/>
+      <dgm:spPr/>
+      <dgm:t>
+        <a:bodyPr/>
+        <a:lstStyle/>
+        <a:p>
+          <a:endParaRPr lang="en-CA"/>
+        </a:p>
+      </dgm:t>
+    </dgm:pt>
+    <dgm:pt modelId="{36016FD8-17EE-4468-8187-2EC5490B5833}" type="sibTrans" cxnId="{246FCE88-F98E-472E-9507-459D42D8D9B0}">
+      <dgm:prSet/>
+      <dgm:spPr/>
+      <dgm:t>
+        <a:bodyPr/>
+        <a:lstStyle/>
+        <a:p>
+          <a:endParaRPr lang="en-CA"/>
+        </a:p>
+      </dgm:t>
+    </dgm:pt>
+    <dgm:pt modelId="{B42FD993-FC96-4242-8390-C41682FE12E8}" type="pres">
+      <dgm:prSet presAssocID="{990BB43A-8D3E-4A3D-A693-4ECEACA78C17}" presName="Name0" presStyleCnt="0">
+        <dgm:presLayoutVars>
+          <dgm:dir/>
+          <dgm:animLvl val="lvl"/>
+          <dgm:resizeHandles val="exact"/>
+        </dgm:presLayoutVars>
+      </dgm:prSet>
+      <dgm:spPr/>
+    </dgm:pt>
+    <dgm:pt modelId="{393BFE81-60E9-455E-AC60-CEDD69C80CFA}" type="pres">
+      <dgm:prSet presAssocID="{C1512BF5-BDF1-41EF-9C7E-357802A5A397}" presName="parTxOnly" presStyleLbl="node1" presStyleIdx="0" presStyleCnt="4" custLinFactNeighborX="6452">
+        <dgm:presLayoutVars>
+          <dgm:chMax val="0"/>
+          <dgm:chPref val="0"/>
+          <dgm:bulletEnabled val="1"/>
+        </dgm:presLayoutVars>
+      </dgm:prSet>
+      <dgm:spPr/>
+    </dgm:pt>
+    <dgm:pt modelId="{61D2ADEC-AA60-444C-BDD9-DBD57EE7C090}" type="pres">
+      <dgm:prSet presAssocID="{CC384C5D-FA90-4F8D-BD06-1C390D6210D6}" presName="parTxOnlySpace" presStyleCnt="0"/>
+      <dgm:spPr/>
+    </dgm:pt>
+    <dgm:pt modelId="{AE503DE8-3F26-4885-BFD1-3C6EF2408CA7}" type="pres">
+      <dgm:prSet presAssocID="{68134F10-D152-43B0-9175-401C2AEC7784}" presName="parTxOnly" presStyleLbl="node1" presStyleIdx="1" presStyleCnt="4" custLinFactNeighborX="34949" custLinFactNeighborY="-788">
+        <dgm:presLayoutVars>
+          <dgm:chMax val="0"/>
+          <dgm:chPref val="0"/>
+          <dgm:bulletEnabled val="1"/>
+        </dgm:presLayoutVars>
+      </dgm:prSet>
+      <dgm:spPr/>
+    </dgm:pt>
+    <dgm:pt modelId="{B34B1EF2-9D0B-4AB2-B24F-D05AD2B7118A}" type="pres">
+      <dgm:prSet presAssocID="{B56FDC10-7E09-4FFF-9DC6-5C8E40355A11}" presName="parTxOnlySpace" presStyleCnt="0"/>
+      <dgm:spPr/>
+    </dgm:pt>
+    <dgm:pt modelId="{AFC6DB2F-9FA9-4B63-9864-076A692B3B60}" type="pres">
+      <dgm:prSet presAssocID="{C143BF0D-9327-444E-9FB3-4F09E31FCB6E}" presName="parTxOnly" presStyleLbl="node1" presStyleIdx="2" presStyleCnt="4">
+        <dgm:presLayoutVars>
+          <dgm:chMax val="0"/>
+          <dgm:chPref val="0"/>
+          <dgm:bulletEnabled val="1"/>
+        </dgm:presLayoutVars>
+      </dgm:prSet>
+      <dgm:spPr/>
+    </dgm:pt>
+    <dgm:pt modelId="{7FD1C203-D4CB-4CBA-BEB1-854FA79ABCCD}" type="pres">
+      <dgm:prSet presAssocID="{7689F896-F87C-43F1-A677-2E9E3FEE93D9}" presName="parTxOnlySpace" presStyleCnt="0"/>
+      <dgm:spPr/>
+    </dgm:pt>
+    <dgm:pt modelId="{B1AFD835-0E1B-44DE-9CD4-FD4170E22202}" type="pres">
+      <dgm:prSet presAssocID="{16239C06-CD09-4513-81C5-91B29CEDB56A}" presName="parTxOnly" presStyleLbl="node1" presStyleIdx="3" presStyleCnt="4" custLinFactNeighborX="1718" custLinFactNeighborY="813">
+        <dgm:presLayoutVars>
+          <dgm:chMax val="0"/>
+          <dgm:chPref val="0"/>
+          <dgm:bulletEnabled val="1"/>
+        </dgm:presLayoutVars>
+      </dgm:prSet>
+      <dgm:spPr/>
+    </dgm:pt>
+  </dgm:ptLst>
+  <dgm:cxnLst>
+    <dgm:cxn modelId="{BEA45D1F-B984-44FD-990E-3F6D09B6C856}" srcId="{990BB43A-8D3E-4A3D-A693-4ECEACA78C17}" destId="{C143BF0D-9327-444E-9FB3-4F09E31FCB6E}" srcOrd="2" destOrd="0" parTransId="{5CEE61DE-FA1C-4AA5-8A1C-81F1AF207B38}" sibTransId="{7689F896-F87C-43F1-A677-2E9E3FEE93D9}"/>
+    <dgm:cxn modelId="{88A77F1F-69A9-482B-9F5E-D8A834C8DF38}" srcId="{990BB43A-8D3E-4A3D-A693-4ECEACA78C17}" destId="{68134F10-D152-43B0-9175-401C2AEC7784}" srcOrd="1" destOrd="0" parTransId="{435ACCB6-7F46-4178-A53A-BC1DF95584E7}" sibTransId="{B56FDC10-7E09-4FFF-9DC6-5C8E40355A11}"/>
+    <dgm:cxn modelId="{5322A26A-1C9A-45EB-9C0F-F2CFA214B3F1}" type="presOf" srcId="{68134F10-D152-43B0-9175-401C2AEC7784}" destId="{AE503DE8-3F26-4885-BFD1-3C6EF2408CA7}" srcOrd="0" destOrd="0" presId="urn:microsoft.com/office/officeart/2005/8/layout/chevron1"/>
+    <dgm:cxn modelId="{BBE9B553-42E1-469A-BC67-950E81F22D2D}" srcId="{990BB43A-8D3E-4A3D-A693-4ECEACA78C17}" destId="{C1512BF5-BDF1-41EF-9C7E-357802A5A397}" srcOrd="0" destOrd="0" parTransId="{7908B19B-1749-46B8-8E35-1C840805274C}" sibTransId="{CC384C5D-FA90-4F8D-BD06-1C390D6210D6}"/>
+    <dgm:cxn modelId="{246FCE88-F98E-472E-9507-459D42D8D9B0}" srcId="{990BB43A-8D3E-4A3D-A693-4ECEACA78C17}" destId="{16239C06-CD09-4513-81C5-91B29CEDB56A}" srcOrd="3" destOrd="0" parTransId="{76E887D1-D7D3-48E7-B99A-DBD594CF365F}" sibTransId="{36016FD8-17EE-4468-8187-2EC5490B5833}"/>
+    <dgm:cxn modelId="{3511649E-D3E5-459B-893C-4A5F748B9360}" type="presOf" srcId="{990BB43A-8D3E-4A3D-A693-4ECEACA78C17}" destId="{B42FD993-FC96-4242-8390-C41682FE12E8}" srcOrd="0" destOrd="0" presId="urn:microsoft.com/office/officeart/2005/8/layout/chevron1"/>
+    <dgm:cxn modelId="{DAE08BB6-F84A-4617-A029-C5662BF74B45}" type="presOf" srcId="{C1512BF5-BDF1-41EF-9C7E-357802A5A397}" destId="{393BFE81-60E9-455E-AC60-CEDD69C80CFA}" srcOrd="0" destOrd="0" presId="urn:microsoft.com/office/officeart/2005/8/layout/chevron1"/>
+    <dgm:cxn modelId="{B79E8FB7-0585-4651-85D6-5535D4DDDBE6}" type="presOf" srcId="{16239C06-CD09-4513-81C5-91B29CEDB56A}" destId="{B1AFD835-0E1B-44DE-9CD4-FD4170E22202}" srcOrd="0" destOrd="0" presId="urn:microsoft.com/office/officeart/2005/8/layout/chevron1"/>
+    <dgm:cxn modelId="{443658BD-EB2E-43CB-8430-C920D99A4139}" type="presOf" srcId="{C143BF0D-9327-444E-9FB3-4F09E31FCB6E}" destId="{AFC6DB2F-9FA9-4B63-9864-076A692B3B60}" srcOrd="0" destOrd="0" presId="urn:microsoft.com/office/officeart/2005/8/layout/chevron1"/>
+    <dgm:cxn modelId="{10A23CBC-C702-4540-A940-90A03E27E522}" type="presParOf" srcId="{B42FD993-FC96-4242-8390-C41682FE12E8}" destId="{393BFE81-60E9-455E-AC60-CEDD69C80CFA}" srcOrd="0" destOrd="0" presId="urn:microsoft.com/office/officeart/2005/8/layout/chevron1"/>
+    <dgm:cxn modelId="{0D0AC745-EAFE-4035-94D6-2BE41F91BD1D}" type="presParOf" srcId="{B42FD993-FC96-4242-8390-C41682FE12E8}" destId="{61D2ADEC-AA60-444C-BDD9-DBD57EE7C090}" srcOrd="1" destOrd="0" presId="urn:microsoft.com/office/officeart/2005/8/layout/chevron1"/>
+    <dgm:cxn modelId="{BAE7BF54-8105-43AE-921E-919FFEDAADA6}" type="presParOf" srcId="{B42FD993-FC96-4242-8390-C41682FE12E8}" destId="{AE503DE8-3F26-4885-BFD1-3C6EF2408CA7}" srcOrd="2" destOrd="0" presId="urn:microsoft.com/office/officeart/2005/8/layout/chevron1"/>
+    <dgm:cxn modelId="{E3CE39EB-E0BA-47E8-A59E-0275D6CCB161}" type="presParOf" srcId="{B42FD993-FC96-4242-8390-C41682FE12E8}" destId="{B34B1EF2-9D0B-4AB2-B24F-D05AD2B7118A}" srcOrd="3" destOrd="0" presId="urn:microsoft.com/office/officeart/2005/8/layout/chevron1"/>
+    <dgm:cxn modelId="{1F641AC7-090B-4899-9562-EEDBA9F1FD1E}" type="presParOf" srcId="{B42FD993-FC96-4242-8390-C41682FE12E8}" destId="{AFC6DB2F-9FA9-4B63-9864-076A692B3B60}" srcOrd="4" destOrd="0" presId="urn:microsoft.com/office/officeart/2005/8/layout/chevron1"/>
+    <dgm:cxn modelId="{4CB3190F-1818-441B-B25C-C5367B65A3E8}" type="presParOf" srcId="{B42FD993-FC96-4242-8390-C41682FE12E8}" destId="{7FD1C203-D4CB-4CBA-BEB1-854FA79ABCCD}" srcOrd="5" destOrd="0" presId="urn:microsoft.com/office/officeart/2005/8/layout/chevron1"/>
+    <dgm:cxn modelId="{9F3A13C0-C333-4470-9D80-9346D6D35B0B}" type="presParOf" srcId="{B42FD993-FC96-4242-8390-C41682FE12E8}" destId="{B1AFD835-0E1B-44DE-9CD4-FD4170E22202}" srcOrd="6" destOrd="0" presId="urn:microsoft.com/office/officeart/2005/8/layout/chevron1"/>
+  </dgm:cxnLst>
+  <dgm:bg/>
+  <dgm:whole/>
+  <dgm:extLst>
+    <a:ext uri="http://schemas.microsoft.com/office/drawing/2008/diagram">
+      <dsp:dataModelExt xmlns:dsp="http://schemas.microsoft.com/office/drawing/2008/diagram" relId="rId9" minVer="http://schemas.openxmlformats.org/drawingml/2006/diagram"/>
     </a:ext>
   </dgm:extLst>
 </dgm:dataModel>
@@ -6310,6 +7425,318 @@
 </dsp:drawing>
 </file>
 
+<file path=ppt/diagrams/drawing5.xml><?xml version="1.0" encoding="utf-8"?>
+<dsp:drawing xmlns:dgm="http://schemas.openxmlformats.org/drawingml/2006/diagram" xmlns:dsp="http://schemas.microsoft.com/office/drawing/2008/diagram" xmlns:a="http://schemas.openxmlformats.org/drawingml/2006/main">
+  <dsp:spTree>
+    <dsp:nvGrpSpPr>
+      <dsp:cNvPr id="0" name=""/>
+      <dsp:cNvGrpSpPr/>
+    </dsp:nvGrpSpPr>
+    <dsp:grpSpPr/>
+    <dsp:sp modelId="{393BFE81-60E9-455E-AC60-CEDD69C80CFA}">
+      <dsp:nvSpPr>
+        <dsp:cNvPr id="0" name=""/>
+        <dsp:cNvSpPr/>
+      </dsp:nvSpPr>
+      <dsp:spPr>
+        <a:xfrm>
+          <a:off x="14443" y="117146"/>
+          <a:ext cx="1767939" cy="707175"/>
+        </a:xfrm>
+        <a:prstGeom prst="chevron">
+          <a:avLst/>
+        </a:prstGeom>
+        <a:solidFill>
+          <a:schemeClr val="bg2"/>
+        </a:solidFill>
+        <a:ln w="12700" cap="flat" cmpd="sng" algn="ctr">
+          <a:solidFill>
+            <a:schemeClr val="lt1">
+              <a:hueOff val="0"/>
+              <a:satOff val="0"/>
+              <a:lumOff val="0"/>
+              <a:alphaOff val="0"/>
+            </a:schemeClr>
+          </a:solidFill>
+          <a:prstDash val="solid"/>
+          <a:miter lim="800000"/>
+        </a:ln>
+        <a:effectLst/>
+      </dsp:spPr>
+      <dsp:style>
+        <a:lnRef idx="2">
+          <a:scrgbClr r="0" g="0" b="0"/>
+        </a:lnRef>
+        <a:fillRef idx="1">
+          <a:scrgbClr r="0" g="0" b="0"/>
+        </a:fillRef>
+        <a:effectRef idx="0">
+          <a:scrgbClr r="0" g="0" b="0"/>
+        </a:effectRef>
+        <a:fontRef idx="minor">
+          <a:schemeClr val="lt1"/>
+        </a:fontRef>
+      </dsp:style>
+      <dsp:txBody>
+        <a:bodyPr spcFirstLastPara="0" vert="horz" wrap="square" lIns="56007" tIns="18669" rIns="18669" bIns="18669" numCol="1" spcCol="1270" anchor="ctr" anchorCtr="0">
+          <a:noAutofit/>
+        </a:bodyPr>
+        <a:lstStyle/>
+        <a:p>
+          <a:pPr marL="0" lvl="0" indent="0" algn="ctr" defTabSz="622300">
+            <a:lnSpc>
+              <a:spcPct val="90000"/>
+            </a:lnSpc>
+            <a:spcBef>
+              <a:spcPct val="0"/>
+            </a:spcBef>
+            <a:spcAft>
+              <a:spcPct val="35000"/>
+            </a:spcAft>
+            <a:buNone/>
+          </a:pPr>
+          <a:r>
+            <a:rPr lang="en-CA" sz="1400" kern="1200" dirty="0"/>
+            <a:t>Extract</a:t>
+          </a:r>
+        </a:p>
+      </dsp:txBody>
+      <dsp:txXfrm>
+        <a:off x="368031" y="117146"/>
+        <a:ext cx="1060764" cy="707175"/>
+      </dsp:txXfrm>
+    </dsp:sp>
+    <dsp:sp modelId="{AE503DE8-3F26-4885-BFD1-3C6EF2408CA7}">
+      <dsp:nvSpPr>
+        <dsp:cNvPr id="0" name=""/>
+        <dsp:cNvSpPr/>
+      </dsp:nvSpPr>
+      <dsp:spPr>
+        <a:xfrm>
+          <a:off x="1655970" y="111573"/>
+          <a:ext cx="1767939" cy="707175"/>
+        </a:xfrm>
+        <a:prstGeom prst="chevron">
+          <a:avLst/>
+        </a:prstGeom>
+        <a:solidFill>
+          <a:schemeClr val="bg2">
+            <a:lumMod val="90000"/>
+          </a:schemeClr>
+        </a:solidFill>
+        <a:ln w="12700" cap="flat" cmpd="sng" algn="ctr">
+          <a:solidFill>
+            <a:schemeClr val="lt1">
+              <a:hueOff val="0"/>
+              <a:satOff val="0"/>
+              <a:lumOff val="0"/>
+              <a:alphaOff val="0"/>
+            </a:schemeClr>
+          </a:solidFill>
+          <a:prstDash val="solid"/>
+          <a:miter lim="800000"/>
+        </a:ln>
+        <a:effectLst/>
+      </dsp:spPr>
+      <dsp:style>
+        <a:lnRef idx="2">
+          <a:scrgbClr r="0" g="0" b="0"/>
+        </a:lnRef>
+        <a:fillRef idx="1">
+          <a:scrgbClr r="0" g="0" b="0"/>
+        </a:fillRef>
+        <a:effectRef idx="0">
+          <a:scrgbClr r="0" g="0" b="0"/>
+        </a:effectRef>
+        <a:fontRef idx="minor">
+          <a:schemeClr val="lt1"/>
+        </a:fontRef>
+      </dsp:style>
+      <dsp:txBody>
+        <a:bodyPr spcFirstLastPara="0" vert="horz" wrap="square" lIns="48006" tIns="16002" rIns="16002" bIns="16002" numCol="1" spcCol="1270" anchor="ctr" anchorCtr="0">
+          <a:noAutofit/>
+        </a:bodyPr>
+        <a:lstStyle/>
+        <a:p>
+          <a:pPr marL="0" lvl="0" indent="0" algn="ctr" defTabSz="533400">
+            <a:lnSpc>
+              <a:spcPct val="90000"/>
+            </a:lnSpc>
+            <a:spcBef>
+              <a:spcPct val="0"/>
+            </a:spcBef>
+            <a:spcAft>
+              <a:spcPct val="35000"/>
+            </a:spcAft>
+            <a:buNone/>
+          </a:pPr>
+          <a:r>
+            <a:rPr lang="en-CA" sz="1200" kern="1200" dirty="0"/>
+            <a:t>Transform</a:t>
+          </a:r>
+        </a:p>
+      </dsp:txBody>
+      <dsp:txXfrm>
+        <a:off x="2009558" y="111573"/>
+        <a:ext cx="1060764" cy="707175"/>
+      </dsp:txXfrm>
+    </dsp:sp>
+    <dsp:sp modelId="{AFC6DB2F-9FA9-4B63-9864-076A692B3B60}">
+      <dsp:nvSpPr>
+        <dsp:cNvPr id="0" name=""/>
+        <dsp:cNvSpPr/>
+      </dsp:nvSpPr>
+      <dsp:spPr>
+        <a:xfrm>
+          <a:off x="3185328" y="117146"/>
+          <a:ext cx="1767939" cy="707175"/>
+        </a:xfrm>
+        <a:prstGeom prst="chevron">
+          <a:avLst/>
+        </a:prstGeom>
+        <a:solidFill>
+          <a:schemeClr val="bg1">
+            <a:lumMod val="75000"/>
+          </a:schemeClr>
+        </a:solidFill>
+        <a:ln w="12700" cap="flat" cmpd="sng" algn="ctr">
+          <a:solidFill>
+            <a:schemeClr val="bg1">
+              <a:lumMod val="85000"/>
+            </a:schemeClr>
+          </a:solidFill>
+          <a:prstDash val="solid"/>
+          <a:miter lim="800000"/>
+        </a:ln>
+        <a:effectLst/>
+      </dsp:spPr>
+      <dsp:style>
+        <a:lnRef idx="2">
+          <a:scrgbClr r="0" g="0" b="0"/>
+        </a:lnRef>
+        <a:fillRef idx="1">
+          <a:scrgbClr r="0" g="0" b="0"/>
+        </a:fillRef>
+        <a:effectRef idx="0">
+          <a:scrgbClr r="0" g="0" b="0"/>
+        </a:effectRef>
+        <a:fontRef idx="minor">
+          <a:schemeClr val="lt1"/>
+        </a:fontRef>
+      </dsp:style>
+      <dsp:txBody>
+        <a:bodyPr spcFirstLastPara="0" vert="horz" wrap="square" lIns="56007" tIns="18669" rIns="18669" bIns="18669" numCol="1" spcCol="1270" anchor="ctr" anchorCtr="0">
+          <a:noAutofit/>
+        </a:bodyPr>
+        <a:lstStyle/>
+        <a:p>
+          <a:pPr marL="0" lvl="0" indent="0" algn="ctr" defTabSz="622300">
+            <a:lnSpc>
+              <a:spcPct val="90000"/>
+            </a:lnSpc>
+            <a:spcBef>
+              <a:spcPct val="0"/>
+            </a:spcBef>
+            <a:spcAft>
+              <a:spcPct val="35000"/>
+            </a:spcAft>
+            <a:buNone/>
+          </a:pPr>
+          <a:r>
+            <a:rPr lang="en-CA" sz="1400" kern="1200" dirty="0"/>
+            <a:t>Load</a:t>
+          </a:r>
+        </a:p>
+      </dsp:txBody>
+      <dsp:txXfrm>
+        <a:off x="3538916" y="117146"/>
+        <a:ext cx="1060764" cy="707175"/>
+      </dsp:txXfrm>
+    </dsp:sp>
+    <dsp:sp modelId="{B1AFD835-0E1B-44DE-9CD4-FD4170E22202}">
+      <dsp:nvSpPr>
+        <dsp:cNvPr id="0" name=""/>
+        <dsp:cNvSpPr/>
+      </dsp:nvSpPr>
+      <dsp:spPr>
+        <a:xfrm>
+          <a:off x="4779511" y="122895"/>
+          <a:ext cx="1767939" cy="707175"/>
+        </a:xfrm>
+        <a:prstGeom prst="chevron">
+          <a:avLst/>
+        </a:prstGeom>
+        <a:solidFill>
+          <a:srgbClr val="92D050"/>
+        </a:solidFill>
+        <a:ln w="12700" cap="flat" cmpd="sng" algn="ctr">
+          <a:solidFill>
+            <a:schemeClr val="lt1">
+              <a:hueOff val="0"/>
+              <a:satOff val="0"/>
+              <a:lumOff val="0"/>
+              <a:alphaOff val="0"/>
+            </a:schemeClr>
+          </a:solidFill>
+          <a:prstDash val="solid"/>
+          <a:miter lim="800000"/>
+        </a:ln>
+        <a:effectLst/>
+      </dsp:spPr>
+      <dsp:style>
+        <a:lnRef idx="2">
+          <a:scrgbClr r="0" g="0" b="0"/>
+        </a:lnRef>
+        <a:fillRef idx="1">
+          <a:scrgbClr r="0" g="0" b="0"/>
+        </a:fillRef>
+        <a:effectRef idx="0">
+          <a:scrgbClr r="0" g="0" b="0"/>
+        </a:effectRef>
+        <a:fontRef idx="minor">
+          <a:schemeClr val="lt1"/>
+        </a:fontRef>
+      </dsp:style>
+      <dsp:txBody>
+        <a:bodyPr spcFirstLastPara="0" vert="horz" wrap="square" lIns="48006" tIns="16002" rIns="16002" bIns="16002" numCol="1" spcCol="1270" anchor="ctr" anchorCtr="0">
+          <a:noAutofit/>
+        </a:bodyPr>
+        <a:lstStyle/>
+        <a:p>
+          <a:pPr marL="0" lvl="0" indent="0" algn="ctr" defTabSz="533400">
+            <a:lnSpc>
+              <a:spcPct val="90000"/>
+            </a:lnSpc>
+            <a:spcBef>
+              <a:spcPct val="0"/>
+            </a:spcBef>
+            <a:spcAft>
+              <a:spcPct val="35000"/>
+            </a:spcAft>
+            <a:buNone/>
+          </a:pPr>
+          <a:r>
+            <a:rPr lang="en-CA" sz="1200" kern="1200" dirty="0">
+              <a:solidFill>
+                <a:prstClr val="white"/>
+              </a:solidFill>
+              <a:latin typeface="Calibri" panose="020F0502020204030204"/>
+              <a:ea typeface="+mn-ea"/>
+              <a:cs typeface="+mn-cs"/>
+            </a:rPr>
+            <a:t>App</a:t>
+          </a:r>
+        </a:p>
+      </dsp:txBody>
+      <dsp:txXfrm>
+        <a:off x="5133099" y="122895"/>
+        <a:ext cx="1060764" cy="707175"/>
+      </dsp:txXfrm>
+    </dsp:sp>
+  </dsp:spTree>
+</dsp:drawing>
+</file>
+
 <file path=ppt/diagrams/layout1.xml><?xml version="1.0" encoding="utf-8"?>
 <dgm:layoutDef xmlns:dgm="http://schemas.openxmlformats.org/drawingml/2006/diagram" xmlns:a="http://schemas.openxmlformats.org/drawingml/2006/main" uniqueId="urn:microsoft.com/office/officeart/2005/8/layout/chevron1">
   <dgm:title val=""/>
@@ -7442,6 +8869,289 @@
 </dgm:layoutDef>
 </file>
 
+<file path=ppt/diagrams/layout5.xml><?xml version="1.0" encoding="utf-8"?>
+<dgm:layoutDef xmlns:dgm="http://schemas.openxmlformats.org/drawingml/2006/diagram" xmlns:a="http://schemas.openxmlformats.org/drawingml/2006/main" uniqueId="urn:microsoft.com/office/officeart/2005/8/layout/chevron1">
+  <dgm:title val=""/>
+  <dgm:desc val=""/>
+  <dgm:catLst>
+    <dgm:cat type="process" pri="9000"/>
+  </dgm:catLst>
+  <dgm:sampData useDef="1">
+    <dgm:dataModel>
+      <dgm:ptLst/>
+      <dgm:bg/>
+      <dgm:whole/>
+    </dgm:dataModel>
+  </dgm:sampData>
+  <dgm:styleData>
+    <dgm:dataModel>
+      <dgm:ptLst>
+        <dgm:pt modelId="0" type="doc"/>
+        <dgm:pt modelId="1"/>
+        <dgm:pt modelId="2"/>
+      </dgm:ptLst>
+      <dgm:cxnLst>
+        <dgm:cxn modelId="3" srcId="0" destId="1" srcOrd="0" destOrd="0"/>
+        <dgm:cxn modelId="4" srcId="0" destId="2" srcOrd="1" destOrd="0"/>
+      </dgm:cxnLst>
+      <dgm:bg/>
+      <dgm:whole/>
+    </dgm:dataModel>
+  </dgm:styleData>
+  <dgm:clrData>
+    <dgm:dataModel>
+      <dgm:ptLst>
+        <dgm:pt modelId="0" type="doc"/>
+        <dgm:pt modelId="1"/>
+        <dgm:pt modelId="2"/>
+        <dgm:pt modelId="3"/>
+        <dgm:pt modelId="4"/>
+      </dgm:ptLst>
+      <dgm:cxnLst>
+        <dgm:cxn modelId="5" srcId="0" destId="1" srcOrd="0" destOrd="0"/>
+        <dgm:cxn modelId="6" srcId="0" destId="2" srcOrd="1" destOrd="0"/>
+        <dgm:cxn modelId="7" srcId="0" destId="3" srcOrd="2" destOrd="0"/>
+        <dgm:cxn modelId="8" srcId="0" destId="4" srcOrd="3" destOrd="0"/>
+      </dgm:cxnLst>
+      <dgm:bg/>
+      <dgm:whole/>
+    </dgm:dataModel>
+  </dgm:clrData>
+  <dgm:layoutNode name="Name0">
+    <dgm:varLst>
+      <dgm:dir/>
+      <dgm:animLvl val="lvl"/>
+      <dgm:resizeHandles val="exact"/>
+    </dgm:varLst>
+    <dgm:choose name="Name1">
+      <dgm:if name="Name2" func="var" arg="dir" op="equ" val="norm">
+        <dgm:alg type="lin"/>
+      </dgm:if>
+      <dgm:else name="Name3">
+        <dgm:alg type="lin">
+          <dgm:param type="linDir" val="fromR"/>
+        </dgm:alg>
+      </dgm:else>
+    </dgm:choose>
+    <dgm:shape xmlns:r="http://schemas.openxmlformats.org/officeDocument/2006/relationships" r:blip="">
+      <dgm:adjLst/>
+    </dgm:shape>
+    <dgm:presOf/>
+    <dgm:choose name="Name4">
+      <dgm:if name="Name5" axis="des" func="maxDepth" op="gte" val="2">
+        <dgm:constrLst>
+          <dgm:constr type="h" for="ch" forName="composite" refType="h"/>
+          <dgm:constr type="w" for="ch" forName="composite" refType="w"/>
+          <dgm:constr type="w" for="des" forName="parTx"/>
+          <dgm:constr type="h" for="des" forName="parTx" op="equ"/>
+          <dgm:constr type="w" for="des" forName="desTx"/>
+          <dgm:constr type="h" for="des" forName="desTx" op="equ"/>
+          <dgm:constr type="primFontSz" for="des" forName="parTx" val="65"/>
+          <dgm:constr type="secFontSz" for="des" forName="desTx" refType="primFontSz" refFor="des" refForName="parTx" op="equ"/>
+          <dgm:constr type="h" for="des" forName="parTx" refType="primFontSz" refFor="des" refForName="parTx" fact="1.5"/>
+          <dgm:constr type="h" for="des" forName="desTx" refType="primFontSz" refFor="des" refForName="parTx" fact="0.5"/>
+          <dgm:constr type="w" for="ch" forName="space" op="equ" val="-6"/>
+        </dgm:constrLst>
+        <dgm:ruleLst>
+          <dgm:rule type="w" for="ch" forName="composite" val="0" fact="NaN" max="NaN"/>
+          <dgm:rule type="primFontSz" for="des" forName="parTx" val="5" fact="NaN" max="NaN"/>
+        </dgm:ruleLst>
+        <dgm:forEach name="Name6" axis="ch" ptType="node">
+          <dgm:layoutNode name="composite">
+            <dgm:alg type="composite"/>
+            <dgm:shape xmlns:r="http://schemas.openxmlformats.org/officeDocument/2006/relationships" r:blip="">
+              <dgm:adjLst/>
+            </dgm:shape>
+            <dgm:presOf/>
+            <dgm:choose name="Name7">
+              <dgm:if name="Name8" func="var" arg="dir" op="equ" val="norm">
+                <dgm:constrLst>
+                  <dgm:constr type="l" for="ch" forName="parTx"/>
+                  <dgm:constr type="w" for="ch" forName="parTx" refType="w"/>
+                  <dgm:constr type="t" for="ch" forName="parTx"/>
+                  <dgm:constr type="l" for="ch" forName="desTx"/>
+                  <dgm:constr type="w" for="ch" forName="desTx" refType="w" refFor="ch" refForName="parTx" fact="0.8"/>
+                  <dgm:constr type="t" for="ch" forName="desTx" refType="h" refFor="ch" refForName="parTx" fact="1.125"/>
+                </dgm:constrLst>
+              </dgm:if>
+              <dgm:else name="Name9">
+                <dgm:constrLst>
+                  <dgm:constr type="l" for="ch" forName="parTx"/>
+                  <dgm:constr type="w" for="ch" forName="parTx" refType="w"/>
+                  <dgm:constr type="t" for="ch" forName="parTx"/>
+                  <dgm:constr type="l" for="ch" forName="desTx" refType="w" fact="0.2"/>
+                  <dgm:constr type="w" for="ch" forName="desTx" refType="w" refFor="ch" refForName="parTx" fact="0.8"/>
+                  <dgm:constr type="t" for="ch" forName="desTx" refType="h" refFor="ch" refForName="parTx" fact="1.125"/>
+                </dgm:constrLst>
+              </dgm:else>
+            </dgm:choose>
+            <dgm:ruleLst>
+              <dgm:rule type="h" val="INF" fact="NaN" max="NaN"/>
+            </dgm:ruleLst>
+            <dgm:layoutNode name="parTx">
+              <dgm:varLst>
+                <dgm:chMax val="0"/>
+                <dgm:chPref val="0"/>
+                <dgm:bulletEnabled val="1"/>
+              </dgm:varLst>
+              <dgm:alg type="tx"/>
+              <dgm:choose name="Name10">
+                <dgm:if name="Name11" func="var" arg="dir" op="equ" val="norm">
+                  <dgm:shape xmlns:r="http://schemas.openxmlformats.org/officeDocument/2006/relationships" type="chevron" r:blip="">
+                    <dgm:adjLst/>
+                  </dgm:shape>
+                </dgm:if>
+                <dgm:else name="Name12">
+                  <dgm:shape xmlns:r="http://schemas.openxmlformats.org/officeDocument/2006/relationships" rot="180" type="chevron" r:blip="">
+                    <dgm:adjLst/>
+                  </dgm:shape>
+                </dgm:else>
+              </dgm:choose>
+              <dgm:presOf axis="self" ptType="node"/>
+              <dgm:choose name="Name13">
+                <dgm:if name="Name14" func="var" arg="dir" op="equ" val="norm">
+                  <dgm:constrLst>
+                    <dgm:constr type="h" refType="w" op="lte" fact="0.4"/>
+                    <dgm:constr type="h"/>
+                    <dgm:constr type="tMarg" refType="primFontSz" fact="0.105"/>
+                    <dgm:constr type="bMarg" refType="primFontSz" fact="0.105"/>
+                    <dgm:constr type="lMarg" refType="primFontSz" fact="0.315"/>
+                    <dgm:constr type="rMarg" refType="primFontSz" fact="0.105"/>
+                  </dgm:constrLst>
+                </dgm:if>
+                <dgm:else name="Name15">
+                  <dgm:constrLst>
+                    <dgm:constr type="h" refType="w" op="lte" fact="0.4"/>
+                    <dgm:constr type="h"/>
+                    <dgm:constr type="tMarg" refType="primFontSz" fact="0.105"/>
+                    <dgm:constr type="bMarg" refType="primFontSz" fact="0.105"/>
+                    <dgm:constr type="lMarg" refType="primFontSz" fact="0.105"/>
+                    <dgm:constr type="rMarg" refType="primFontSz" fact="0.315"/>
+                  </dgm:constrLst>
+                </dgm:else>
+              </dgm:choose>
+              <dgm:ruleLst>
+                <dgm:rule type="h" val="INF" fact="NaN" max="NaN"/>
+              </dgm:ruleLst>
+            </dgm:layoutNode>
+            <dgm:layoutNode name="desTx" styleLbl="revTx">
+              <dgm:varLst>
+                <dgm:bulletEnabled val="1"/>
+              </dgm:varLst>
+              <dgm:alg type="tx">
+                <dgm:param type="stBulletLvl" val="1"/>
+              </dgm:alg>
+              <dgm:choose name="Name16">
+                <dgm:if name="Name17" axis="ch" ptType="node" func="cnt" op="gte" val="1">
+                  <dgm:shape xmlns:r="http://schemas.openxmlformats.org/officeDocument/2006/relationships" type="rect" r:blip="">
+                    <dgm:adjLst/>
+                  </dgm:shape>
+                </dgm:if>
+                <dgm:else name="Name18">
+                  <dgm:shape xmlns:r="http://schemas.openxmlformats.org/officeDocument/2006/relationships" type="rect" r:blip="" hideGeom="1">
+                    <dgm:adjLst/>
+                  </dgm:shape>
+                </dgm:else>
+              </dgm:choose>
+              <dgm:presOf axis="des" ptType="node"/>
+              <dgm:constrLst>
+                <dgm:constr type="secFontSz" val="65"/>
+                <dgm:constr type="primFontSz" refType="secFontSz"/>
+                <dgm:constr type="h"/>
+                <dgm:constr type="tMarg"/>
+                <dgm:constr type="bMarg"/>
+                <dgm:constr type="rMarg"/>
+                <dgm:constr type="lMarg"/>
+              </dgm:constrLst>
+              <dgm:ruleLst>
+                <dgm:rule type="h" val="INF" fact="NaN" max="NaN"/>
+              </dgm:ruleLst>
+            </dgm:layoutNode>
+          </dgm:layoutNode>
+          <dgm:forEach name="Name19" axis="followSib" ptType="sibTrans" cnt="1">
+            <dgm:layoutNode name="space">
+              <dgm:alg type="sp"/>
+              <dgm:shape xmlns:r="http://schemas.openxmlformats.org/officeDocument/2006/relationships" r:blip="">
+                <dgm:adjLst/>
+              </dgm:shape>
+              <dgm:presOf/>
+              <dgm:constrLst/>
+              <dgm:ruleLst/>
+            </dgm:layoutNode>
+          </dgm:forEach>
+        </dgm:forEach>
+      </dgm:if>
+      <dgm:else name="Name20">
+        <dgm:constrLst>
+          <dgm:constr type="w" for="ch" forName="parTxOnly" refType="w"/>
+          <dgm:constr type="h" for="des" forName="parTxOnly" op="equ"/>
+          <dgm:constr type="primFontSz" for="des" forName="parTxOnly" op="equ" val="65"/>
+          <dgm:constr type="w" for="ch" forName="parTxOnlySpace" refType="w" refFor="ch" refForName="parTxOnly" fact="-0.1"/>
+        </dgm:constrLst>
+        <dgm:ruleLst/>
+        <dgm:forEach name="Name21" axis="ch" ptType="node">
+          <dgm:layoutNode name="parTxOnly">
+            <dgm:varLst>
+              <dgm:chMax val="0"/>
+              <dgm:chPref val="0"/>
+              <dgm:bulletEnabled val="1"/>
+            </dgm:varLst>
+            <dgm:alg type="tx"/>
+            <dgm:choose name="Name22">
+              <dgm:if name="Name23" func="var" arg="dir" op="equ" val="norm">
+                <dgm:shape xmlns:r="http://schemas.openxmlformats.org/officeDocument/2006/relationships" type="chevron" r:blip="">
+                  <dgm:adjLst/>
+                </dgm:shape>
+              </dgm:if>
+              <dgm:else name="Name24">
+                <dgm:shape xmlns:r="http://schemas.openxmlformats.org/officeDocument/2006/relationships" rot="180" type="chevron" r:blip="">
+                  <dgm:adjLst/>
+                </dgm:shape>
+              </dgm:else>
+            </dgm:choose>
+            <dgm:presOf axis="self" ptType="node"/>
+            <dgm:choose name="Name25">
+              <dgm:if name="Name26" func="var" arg="dir" op="equ" val="norm">
+                <dgm:constrLst>
+                  <dgm:constr type="h" refType="w" op="equ" fact="0.4"/>
+                  <dgm:constr type="tMarg" refType="primFontSz" fact="0.105"/>
+                  <dgm:constr type="bMarg" refType="primFontSz" fact="0.105"/>
+                  <dgm:constr type="lMarg" refType="primFontSz" fact="0.315"/>
+                  <dgm:constr type="rMarg" refType="primFontSz" fact="0.105"/>
+                </dgm:constrLst>
+              </dgm:if>
+              <dgm:else name="Name27">
+                <dgm:constrLst>
+                  <dgm:constr type="h" refType="w" op="equ" fact="0.4"/>
+                  <dgm:constr type="tMarg" refType="primFontSz" fact="0.105"/>
+                  <dgm:constr type="bMarg" refType="primFontSz" fact="0.105"/>
+                  <dgm:constr type="lMarg" refType="primFontSz" fact="0.105"/>
+                  <dgm:constr type="rMarg" refType="primFontSz" fact="0.315"/>
+                </dgm:constrLst>
+              </dgm:else>
+            </dgm:choose>
+            <dgm:ruleLst>
+              <dgm:rule type="primFontSz" val="5" fact="NaN" max="NaN"/>
+            </dgm:ruleLst>
+          </dgm:layoutNode>
+          <dgm:forEach name="Name28" axis="followSib" ptType="sibTrans" cnt="1">
+            <dgm:layoutNode name="parTxOnlySpace">
+              <dgm:alg type="sp"/>
+              <dgm:shape xmlns:r="http://schemas.openxmlformats.org/officeDocument/2006/relationships" r:blip="">
+                <dgm:adjLst/>
+              </dgm:shape>
+              <dgm:presOf/>
+              <dgm:constrLst/>
+              <dgm:ruleLst/>
+            </dgm:layoutNode>
+          </dgm:forEach>
+        </dgm:forEach>
+      </dgm:else>
+    </dgm:choose>
+  </dgm:layoutNode>
+</dgm:layoutDef>
+</file>
+
 <file path=ppt/diagrams/quickStyle1.xml><?xml version="1.0" encoding="utf-8"?>
 <dgm:styleDef xmlns:dgm="http://schemas.openxmlformats.org/drawingml/2006/diagram" xmlns:a="http://schemas.openxmlformats.org/drawingml/2006/main" uniqueId="urn:microsoft.com/office/officeart/2005/8/quickstyle/simple1">
   <dgm:title val=""/>
@@ -10545,6 +12255,1040 @@
 </file>
 
 <file path=ppt/diagrams/quickStyle4.xml><?xml version="1.0" encoding="utf-8"?>
+<dgm:styleDef xmlns:dgm="http://schemas.openxmlformats.org/drawingml/2006/diagram" xmlns:a="http://schemas.openxmlformats.org/drawingml/2006/main" uniqueId="urn:microsoft.com/office/officeart/2005/8/quickstyle/simple1">
+  <dgm:title val=""/>
+  <dgm:desc val=""/>
+  <dgm:catLst>
+    <dgm:cat type="simple" pri="10100"/>
+  </dgm:catLst>
+  <dgm:scene3d>
+    <a:camera prst="orthographicFront"/>
+    <a:lightRig rig="threePt" dir="t"/>
+  </dgm:scene3d>
+  <dgm:styleLbl name="node0">
+    <dgm:scene3d>
+      <a:camera prst="orthographicFront"/>
+      <a:lightRig rig="threePt" dir="t"/>
+    </dgm:scene3d>
+    <dgm:sp3d/>
+    <dgm:txPr/>
+    <dgm:style>
+      <a:lnRef idx="2">
+        <a:scrgbClr r="0" g="0" b="0"/>
+      </a:lnRef>
+      <a:fillRef idx="1">
+        <a:scrgbClr r="0" g="0" b="0"/>
+      </a:fillRef>
+      <a:effectRef idx="0">
+        <a:scrgbClr r="0" g="0" b="0"/>
+      </a:effectRef>
+      <a:fontRef idx="minor">
+        <a:schemeClr val="lt1"/>
+      </a:fontRef>
+    </dgm:style>
+  </dgm:styleLbl>
+  <dgm:styleLbl name="lnNode1">
+    <dgm:scene3d>
+      <a:camera prst="orthographicFront"/>
+      <a:lightRig rig="threePt" dir="t"/>
+    </dgm:scene3d>
+    <dgm:sp3d/>
+    <dgm:txPr/>
+    <dgm:style>
+      <a:lnRef idx="2">
+        <a:scrgbClr r="0" g="0" b="0"/>
+      </a:lnRef>
+      <a:fillRef idx="1">
+        <a:scrgbClr r="0" g="0" b="0"/>
+      </a:fillRef>
+      <a:effectRef idx="0">
+        <a:scrgbClr r="0" g="0" b="0"/>
+      </a:effectRef>
+      <a:fontRef idx="minor">
+        <a:schemeClr val="lt1"/>
+      </a:fontRef>
+    </dgm:style>
+  </dgm:styleLbl>
+  <dgm:styleLbl name="vennNode1">
+    <dgm:scene3d>
+      <a:camera prst="orthographicFront"/>
+      <a:lightRig rig="threePt" dir="t"/>
+    </dgm:scene3d>
+    <dgm:sp3d/>
+    <dgm:txPr/>
+    <dgm:style>
+      <a:lnRef idx="2">
+        <a:scrgbClr r="0" g="0" b="0"/>
+      </a:lnRef>
+      <a:fillRef idx="1">
+        <a:scrgbClr r="0" g="0" b="0"/>
+      </a:fillRef>
+      <a:effectRef idx="0">
+        <a:scrgbClr r="0" g="0" b="0"/>
+      </a:effectRef>
+      <a:fontRef idx="minor">
+        <a:schemeClr val="tx1"/>
+      </a:fontRef>
+    </dgm:style>
+  </dgm:styleLbl>
+  <dgm:styleLbl name="alignNode1">
+    <dgm:scene3d>
+      <a:camera prst="orthographicFront"/>
+      <a:lightRig rig="threePt" dir="t"/>
+    </dgm:scene3d>
+    <dgm:sp3d/>
+    <dgm:txPr/>
+    <dgm:style>
+      <a:lnRef idx="2">
+        <a:scrgbClr r="0" g="0" b="0"/>
+      </a:lnRef>
+      <a:fillRef idx="1">
+        <a:scrgbClr r="0" g="0" b="0"/>
+      </a:fillRef>
+      <a:effectRef idx="0">
+        <a:scrgbClr r="0" g="0" b="0"/>
+      </a:effectRef>
+      <a:fontRef idx="minor">
+        <a:schemeClr val="lt1"/>
+      </a:fontRef>
+    </dgm:style>
+  </dgm:styleLbl>
+  <dgm:styleLbl name="node1">
+    <dgm:scene3d>
+      <a:camera prst="orthographicFront"/>
+      <a:lightRig rig="threePt" dir="t"/>
+    </dgm:scene3d>
+    <dgm:sp3d/>
+    <dgm:txPr/>
+    <dgm:style>
+      <a:lnRef idx="2">
+        <a:scrgbClr r="0" g="0" b="0"/>
+      </a:lnRef>
+      <a:fillRef idx="1">
+        <a:scrgbClr r="0" g="0" b="0"/>
+      </a:fillRef>
+      <a:effectRef idx="0">
+        <a:scrgbClr r="0" g="0" b="0"/>
+      </a:effectRef>
+      <a:fontRef idx="minor">
+        <a:schemeClr val="lt1"/>
+      </a:fontRef>
+    </dgm:style>
+  </dgm:styleLbl>
+  <dgm:styleLbl name="node2">
+    <dgm:scene3d>
+      <a:camera prst="orthographicFront"/>
+      <a:lightRig rig="threePt" dir="t"/>
+    </dgm:scene3d>
+    <dgm:sp3d/>
+    <dgm:txPr/>
+    <dgm:style>
+      <a:lnRef idx="2">
+        <a:scrgbClr r="0" g="0" b="0"/>
+      </a:lnRef>
+      <a:fillRef idx="1">
+        <a:scrgbClr r="0" g="0" b="0"/>
+      </a:fillRef>
+      <a:effectRef idx="0">
+        <a:scrgbClr r="0" g="0" b="0"/>
+      </a:effectRef>
+      <a:fontRef idx="minor">
+        <a:schemeClr val="lt1"/>
+      </a:fontRef>
+    </dgm:style>
+  </dgm:styleLbl>
+  <dgm:styleLbl name="node3">
+    <dgm:scene3d>
+      <a:camera prst="orthographicFront"/>
+      <a:lightRig rig="threePt" dir="t"/>
+    </dgm:scene3d>
+    <dgm:sp3d/>
+    <dgm:txPr/>
+    <dgm:style>
+      <a:lnRef idx="2">
+        <a:scrgbClr r="0" g="0" b="0"/>
+      </a:lnRef>
+      <a:fillRef idx="1">
+        <a:scrgbClr r="0" g="0" b="0"/>
+      </a:fillRef>
+      <a:effectRef idx="0">
+        <a:scrgbClr r="0" g="0" b="0"/>
+      </a:effectRef>
+      <a:fontRef idx="minor">
+        <a:schemeClr val="lt1"/>
+      </a:fontRef>
+    </dgm:style>
+  </dgm:styleLbl>
+  <dgm:styleLbl name="node4">
+    <dgm:scene3d>
+      <a:camera prst="orthographicFront"/>
+      <a:lightRig rig="threePt" dir="t"/>
+    </dgm:scene3d>
+    <dgm:sp3d/>
+    <dgm:txPr/>
+    <dgm:style>
+      <a:lnRef idx="2">
+        <a:scrgbClr r="0" g="0" b="0"/>
+      </a:lnRef>
+      <a:fillRef idx="1">
+        <a:scrgbClr r="0" g="0" b="0"/>
+      </a:fillRef>
+      <a:effectRef idx="0">
+        <a:scrgbClr r="0" g="0" b="0"/>
+      </a:effectRef>
+      <a:fontRef idx="minor">
+        <a:schemeClr val="lt1"/>
+      </a:fontRef>
+    </dgm:style>
+  </dgm:styleLbl>
+  <dgm:styleLbl name="fgImgPlace1">
+    <dgm:scene3d>
+      <a:camera prst="orthographicFront"/>
+      <a:lightRig rig="threePt" dir="t"/>
+    </dgm:scene3d>
+    <dgm:sp3d/>
+    <dgm:txPr/>
+    <dgm:style>
+      <a:lnRef idx="2">
+        <a:scrgbClr r="0" g="0" b="0"/>
+      </a:lnRef>
+      <a:fillRef idx="1">
+        <a:scrgbClr r="0" g="0" b="0"/>
+      </a:fillRef>
+      <a:effectRef idx="0">
+        <a:scrgbClr r="0" g="0" b="0"/>
+      </a:effectRef>
+      <a:fontRef idx="minor"/>
+    </dgm:style>
+  </dgm:styleLbl>
+  <dgm:styleLbl name="alignImgPlace1">
+    <dgm:scene3d>
+      <a:camera prst="orthographicFront"/>
+      <a:lightRig rig="threePt" dir="t"/>
+    </dgm:scene3d>
+    <dgm:sp3d/>
+    <dgm:txPr/>
+    <dgm:style>
+      <a:lnRef idx="2">
+        <a:scrgbClr r="0" g="0" b="0"/>
+      </a:lnRef>
+      <a:fillRef idx="1">
+        <a:scrgbClr r="0" g="0" b="0"/>
+      </a:fillRef>
+      <a:effectRef idx="0">
+        <a:scrgbClr r="0" g="0" b="0"/>
+      </a:effectRef>
+      <a:fontRef idx="minor"/>
+    </dgm:style>
+  </dgm:styleLbl>
+  <dgm:styleLbl name="bgImgPlace1">
+    <dgm:scene3d>
+      <a:camera prst="orthographicFront"/>
+      <a:lightRig rig="threePt" dir="t"/>
+    </dgm:scene3d>
+    <dgm:sp3d/>
+    <dgm:txPr/>
+    <dgm:style>
+      <a:lnRef idx="2">
+        <a:scrgbClr r="0" g="0" b="0"/>
+      </a:lnRef>
+      <a:fillRef idx="1">
+        <a:scrgbClr r="0" g="0" b="0"/>
+      </a:fillRef>
+      <a:effectRef idx="0">
+        <a:scrgbClr r="0" g="0" b="0"/>
+      </a:effectRef>
+      <a:fontRef idx="minor"/>
+    </dgm:style>
+  </dgm:styleLbl>
+  <dgm:styleLbl name="sibTrans2D1">
+    <dgm:scene3d>
+      <a:camera prst="orthographicFront"/>
+      <a:lightRig rig="threePt" dir="t"/>
+    </dgm:scene3d>
+    <dgm:sp3d/>
+    <dgm:txPr/>
+    <dgm:style>
+      <a:lnRef idx="0">
+        <a:scrgbClr r="0" g="0" b="0"/>
+      </a:lnRef>
+      <a:fillRef idx="1">
+        <a:scrgbClr r="0" g="0" b="0"/>
+      </a:fillRef>
+      <a:effectRef idx="0">
+        <a:scrgbClr r="0" g="0" b="0"/>
+      </a:effectRef>
+      <a:fontRef idx="minor">
+        <a:schemeClr val="lt1"/>
+      </a:fontRef>
+    </dgm:style>
+  </dgm:styleLbl>
+  <dgm:styleLbl name="fgSibTrans2D1">
+    <dgm:scene3d>
+      <a:camera prst="orthographicFront"/>
+      <a:lightRig rig="threePt" dir="t"/>
+    </dgm:scene3d>
+    <dgm:sp3d/>
+    <dgm:txPr/>
+    <dgm:style>
+      <a:lnRef idx="0">
+        <a:scrgbClr r="0" g="0" b="0"/>
+      </a:lnRef>
+      <a:fillRef idx="1">
+        <a:scrgbClr r="0" g="0" b="0"/>
+      </a:fillRef>
+      <a:effectRef idx="0">
+        <a:scrgbClr r="0" g="0" b="0"/>
+      </a:effectRef>
+      <a:fontRef idx="minor">
+        <a:schemeClr val="lt1"/>
+      </a:fontRef>
+    </dgm:style>
+  </dgm:styleLbl>
+  <dgm:styleLbl name="bgSibTrans2D1">
+    <dgm:scene3d>
+      <a:camera prst="orthographicFront"/>
+      <a:lightRig rig="threePt" dir="t"/>
+    </dgm:scene3d>
+    <dgm:sp3d/>
+    <dgm:txPr/>
+    <dgm:style>
+      <a:lnRef idx="0">
+        <a:scrgbClr r="0" g="0" b="0"/>
+      </a:lnRef>
+      <a:fillRef idx="1">
+        <a:scrgbClr r="0" g="0" b="0"/>
+      </a:fillRef>
+      <a:effectRef idx="0">
+        <a:scrgbClr r="0" g="0" b="0"/>
+      </a:effectRef>
+      <a:fontRef idx="minor">
+        <a:schemeClr val="lt1"/>
+      </a:fontRef>
+    </dgm:style>
+  </dgm:styleLbl>
+  <dgm:styleLbl name="sibTrans1D1">
+    <dgm:scene3d>
+      <a:camera prst="orthographicFront"/>
+      <a:lightRig rig="threePt" dir="t"/>
+    </dgm:scene3d>
+    <dgm:sp3d/>
+    <dgm:txPr/>
+    <dgm:style>
+      <a:lnRef idx="1">
+        <a:scrgbClr r="0" g="0" b="0"/>
+      </a:lnRef>
+      <a:fillRef idx="0">
+        <a:scrgbClr r="0" g="0" b="0"/>
+      </a:fillRef>
+      <a:effectRef idx="0">
+        <a:scrgbClr r="0" g="0" b="0"/>
+      </a:effectRef>
+      <a:fontRef idx="minor"/>
+    </dgm:style>
+  </dgm:styleLbl>
+  <dgm:styleLbl name="callout">
+    <dgm:scene3d>
+      <a:camera prst="orthographicFront"/>
+      <a:lightRig rig="threePt" dir="t"/>
+    </dgm:scene3d>
+    <dgm:sp3d/>
+    <dgm:txPr/>
+    <dgm:style>
+      <a:lnRef idx="2">
+        <a:scrgbClr r="0" g="0" b="0"/>
+      </a:lnRef>
+      <a:fillRef idx="1">
+        <a:scrgbClr r="0" g="0" b="0"/>
+      </a:fillRef>
+      <a:effectRef idx="0">
+        <a:scrgbClr r="0" g="0" b="0"/>
+      </a:effectRef>
+      <a:fontRef idx="minor"/>
+    </dgm:style>
+  </dgm:styleLbl>
+  <dgm:styleLbl name="asst0">
+    <dgm:scene3d>
+      <a:camera prst="orthographicFront"/>
+      <a:lightRig rig="threePt" dir="t"/>
+    </dgm:scene3d>
+    <dgm:sp3d/>
+    <dgm:txPr/>
+    <dgm:style>
+      <a:lnRef idx="2">
+        <a:scrgbClr r="0" g="0" b="0"/>
+      </a:lnRef>
+      <a:fillRef idx="1">
+        <a:scrgbClr r="0" g="0" b="0"/>
+      </a:fillRef>
+      <a:effectRef idx="0">
+        <a:scrgbClr r="0" g="0" b="0"/>
+      </a:effectRef>
+      <a:fontRef idx="minor">
+        <a:schemeClr val="lt1"/>
+      </a:fontRef>
+    </dgm:style>
+  </dgm:styleLbl>
+  <dgm:styleLbl name="asst1">
+    <dgm:scene3d>
+      <a:camera prst="orthographicFront"/>
+      <a:lightRig rig="threePt" dir="t"/>
+    </dgm:scene3d>
+    <dgm:sp3d/>
+    <dgm:txPr/>
+    <dgm:style>
+      <a:lnRef idx="2">
+        <a:scrgbClr r="0" g="0" b="0"/>
+      </a:lnRef>
+      <a:fillRef idx="1">
+        <a:scrgbClr r="0" g="0" b="0"/>
+      </a:fillRef>
+      <a:effectRef idx="0">
+        <a:scrgbClr r="0" g="0" b="0"/>
+      </a:effectRef>
+      <a:fontRef idx="minor">
+        <a:schemeClr val="lt1"/>
+      </a:fontRef>
+    </dgm:style>
+  </dgm:styleLbl>
+  <dgm:styleLbl name="asst2">
+    <dgm:scene3d>
+      <a:camera prst="orthographicFront"/>
+      <a:lightRig rig="threePt" dir="t"/>
+    </dgm:scene3d>
+    <dgm:sp3d/>
+    <dgm:txPr/>
+    <dgm:style>
+      <a:lnRef idx="2">
+        <a:scrgbClr r="0" g="0" b="0"/>
+      </a:lnRef>
+      <a:fillRef idx="1">
+        <a:scrgbClr r="0" g="0" b="0"/>
+      </a:fillRef>
+      <a:effectRef idx="0">
+        <a:scrgbClr r="0" g="0" b="0"/>
+      </a:effectRef>
+      <a:fontRef idx="minor">
+        <a:schemeClr val="lt1"/>
+      </a:fontRef>
+    </dgm:style>
+  </dgm:styleLbl>
+  <dgm:styleLbl name="asst3">
+    <dgm:scene3d>
+      <a:camera prst="orthographicFront"/>
+      <a:lightRig rig="threePt" dir="t"/>
+    </dgm:scene3d>
+    <dgm:sp3d/>
+    <dgm:txPr/>
+    <dgm:style>
+      <a:lnRef idx="2">
+        <a:scrgbClr r="0" g="0" b="0"/>
+      </a:lnRef>
+      <a:fillRef idx="1">
+        <a:scrgbClr r="0" g="0" b="0"/>
+      </a:fillRef>
+      <a:effectRef idx="0">
+        <a:scrgbClr r="0" g="0" b="0"/>
+      </a:effectRef>
+      <a:fontRef idx="minor">
+        <a:schemeClr val="lt1"/>
+      </a:fontRef>
+    </dgm:style>
+  </dgm:styleLbl>
+  <dgm:styleLbl name="asst4">
+    <dgm:scene3d>
+      <a:camera prst="orthographicFront"/>
+      <a:lightRig rig="threePt" dir="t"/>
+    </dgm:scene3d>
+    <dgm:sp3d/>
+    <dgm:txPr/>
+    <dgm:style>
+      <a:lnRef idx="2">
+        <a:scrgbClr r="0" g="0" b="0"/>
+      </a:lnRef>
+      <a:fillRef idx="1">
+        <a:scrgbClr r="0" g="0" b="0"/>
+      </a:fillRef>
+      <a:effectRef idx="0">
+        <a:scrgbClr r="0" g="0" b="0"/>
+      </a:effectRef>
+      <a:fontRef idx="minor">
+        <a:schemeClr val="lt1"/>
+      </a:fontRef>
+    </dgm:style>
+  </dgm:styleLbl>
+  <dgm:styleLbl name="parChTrans2D1">
+    <dgm:scene3d>
+      <a:camera prst="orthographicFront"/>
+      <a:lightRig rig="threePt" dir="t"/>
+    </dgm:scene3d>
+    <dgm:sp3d/>
+    <dgm:txPr/>
+    <dgm:style>
+      <a:lnRef idx="2">
+        <a:scrgbClr r="0" g="0" b="0"/>
+      </a:lnRef>
+      <a:fillRef idx="1">
+        <a:scrgbClr r="0" g="0" b="0"/>
+      </a:fillRef>
+      <a:effectRef idx="0">
+        <a:scrgbClr r="0" g="0" b="0"/>
+      </a:effectRef>
+      <a:fontRef idx="minor">
+        <a:schemeClr val="lt1"/>
+      </a:fontRef>
+    </dgm:style>
+  </dgm:styleLbl>
+  <dgm:styleLbl name="parChTrans2D2">
+    <dgm:scene3d>
+      <a:camera prst="orthographicFront"/>
+      <a:lightRig rig="threePt" dir="t"/>
+    </dgm:scene3d>
+    <dgm:sp3d/>
+    <dgm:txPr/>
+    <dgm:style>
+      <a:lnRef idx="2">
+        <a:scrgbClr r="0" g="0" b="0"/>
+      </a:lnRef>
+      <a:fillRef idx="1">
+        <a:scrgbClr r="0" g="0" b="0"/>
+      </a:fillRef>
+      <a:effectRef idx="0">
+        <a:scrgbClr r="0" g="0" b="0"/>
+      </a:effectRef>
+      <a:fontRef idx="minor">
+        <a:schemeClr val="lt1"/>
+      </a:fontRef>
+    </dgm:style>
+  </dgm:styleLbl>
+  <dgm:styleLbl name="parChTrans2D3">
+    <dgm:scene3d>
+      <a:camera prst="orthographicFront"/>
+      <a:lightRig rig="threePt" dir="t"/>
+    </dgm:scene3d>
+    <dgm:sp3d/>
+    <dgm:txPr/>
+    <dgm:style>
+      <a:lnRef idx="2">
+        <a:scrgbClr r="0" g="0" b="0"/>
+      </a:lnRef>
+      <a:fillRef idx="1">
+        <a:scrgbClr r="0" g="0" b="0"/>
+      </a:fillRef>
+      <a:effectRef idx="0">
+        <a:scrgbClr r="0" g="0" b="0"/>
+      </a:effectRef>
+      <a:fontRef idx="minor">
+        <a:schemeClr val="lt1"/>
+      </a:fontRef>
+    </dgm:style>
+  </dgm:styleLbl>
+  <dgm:styleLbl name="parChTrans2D4">
+    <dgm:scene3d>
+      <a:camera prst="orthographicFront"/>
+      <a:lightRig rig="threePt" dir="t"/>
+    </dgm:scene3d>
+    <dgm:sp3d/>
+    <dgm:txPr/>
+    <dgm:style>
+      <a:lnRef idx="2">
+        <a:scrgbClr r="0" g="0" b="0"/>
+      </a:lnRef>
+      <a:fillRef idx="1">
+        <a:scrgbClr r="0" g="0" b="0"/>
+      </a:fillRef>
+      <a:effectRef idx="0">
+        <a:scrgbClr r="0" g="0" b="0"/>
+      </a:effectRef>
+      <a:fontRef idx="minor">
+        <a:schemeClr val="lt1"/>
+      </a:fontRef>
+    </dgm:style>
+  </dgm:styleLbl>
+  <dgm:styleLbl name="parChTrans1D1">
+    <dgm:scene3d>
+      <a:camera prst="orthographicFront"/>
+      <a:lightRig rig="threePt" dir="t"/>
+    </dgm:scene3d>
+    <dgm:sp3d/>
+    <dgm:txPr/>
+    <dgm:style>
+      <a:lnRef idx="2">
+        <a:scrgbClr r="0" g="0" b="0"/>
+      </a:lnRef>
+      <a:fillRef idx="0">
+        <a:scrgbClr r="0" g="0" b="0"/>
+      </a:fillRef>
+      <a:effectRef idx="0">
+        <a:scrgbClr r="0" g="0" b="0"/>
+      </a:effectRef>
+      <a:fontRef idx="minor"/>
+    </dgm:style>
+  </dgm:styleLbl>
+  <dgm:styleLbl name="parChTrans1D2">
+    <dgm:scene3d>
+      <a:camera prst="orthographicFront"/>
+      <a:lightRig rig="threePt" dir="t"/>
+    </dgm:scene3d>
+    <dgm:sp3d/>
+    <dgm:txPr/>
+    <dgm:style>
+      <a:lnRef idx="2">
+        <a:scrgbClr r="0" g="0" b="0"/>
+      </a:lnRef>
+      <a:fillRef idx="0">
+        <a:scrgbClr r="0" g="0" b="0"/>
+      </a:fillRef>
+      <a:effectRef idx="0">
+        <a:scrgbClr r="0" g="0" b="0"/>
+      </a:effectRef>
+      <a:fontRef idx="minor"/>
+    </dgm:style>
+  </dgm:styleLbl>
+  <dgm:styleLbl name="parChTrans1D3">
+    <dgm:scene3d>
+      <a:camera prst="orthographicFront"/>
+      <a:lightRig rig="threePt" dir="t"/>
+    </dgm:scene3d>
+    <dgm:sp3d/>
+    <dgm:txPr/>
+    <dgm:style>
+      <a:lnRef idx="2">
+        <a:scrgbClr r="0" g="0" b="0"/>
+      </a:lnRef>
+      <a:fillRef idx="0">
+        <a:scrgbClr r="0" g="0" b="0"/>
+      </a:fillRef>
+      <a:effectRef idx="0">
+        <a:scrgbClr r="0" g="0" b="0"/>
+      </a:effectRef>
+      <a:fontRef idx="minor"/>
+    </dgm:style>
+  </dgm:styleLbl>
+  <dgm:styleLbl name="parChTrans1D4">
+    <dgm:scene3d>
+      <a:camera prst="orthographicFront"/>
+      <a:lightRig rig="threePt" dir="t"/>
+    </dgm:scene3d>
+    <dgm:sp3d/>
+    <dgm:txPr/>
+    <dgm:style>
+      <a:lnRef idx="2">
+        <a:scrgbClr r="0" g="0" b="0"/>
+      </a:lnRef>
+      <a:fillRef idx="0">
+        <a:scrgbClr r="0" g="0" b="0"/>
+      </a:fillRef>
+      <a:effectRef idx="0">
+        <a:scrgbClr r="0" g="0" b="0"/>
+      </a:effectRef>
+      <a:fontRef idx="minor"/>
+    </dgm:style>
+  </dgm:styleLbl>
+  <dgm:styleLbl name="fgAcc1">
+    <dgm:scene3d>
+      <a:camera prst="orthographicFront"/>
+      <a:lightRig rig="threePt" dir="t"/>
+    </dgm:scene3d>
+    <dgm:sp3d/>
+    <dgm:txPr/>
+    <dgm:style>
+      <a:lnRef idx="2">
+        <a:scrgbClr r="0" g="0" b="0"/>
+      </a:lnRef>
+      <a:fillRef idx="1">
+        <a:scrgbClr r="0" g="0" b="0"/>
+      </a:fillRef>
+      <a:effectRef idx="0">
+        <a:scrgbClr r="0" g="0" b="0"/>
+      </a:effectRef>
+      <a:fontRef idx="minor"/>
+    </dgm:style>
+  </dgm:styleLbl>
+  <dgm:styleLbl name="conFgAcc1">
+    <dgm:scene3d>
+      <a:camera prst="orthographicFront"/>
+      <a:lightRig rig="threePt" dir="t"/>
+    </dgm:scene3d>
+    <dgm:sp3d/>
+    <dgm:txPr/>
+    <dgm:style>
+      <a:lnRef idx="2">
+        <a:scrgbClr r="0" g="0" b="0"/>
+      </a:lnRef>
+      <a:fillRef idx="1">
+        <a:scrgbClr r="0" g="0" b="0"/>
+      </a:fillRef>
+      <a:effectRef idx="0">
+        <a:scrgbClr r="0" g="0" b="0"/>
+      </a:effectRef>
+      <a:fontRef idx="minor"/>
+    </dgm:style>
+  </dgm:styleLbl>
+  <dgm:styleLbl name="alignAcc1">
+    <dgm:scene3d>
+      <a:camera prst="orthographicFront"/>
+      <a:lightRig rig="threePt" dir="t"/>
+    </dgm:scene3d>
+    <dgm:sp3d/>
+    <dgm:txPr/>
+    <dgm:style>
+      <a:lnRef idx="2">
+        <a:scrgbClr r="0" g="0" b="0"/>
+      </a:lnRef>
+      <a:fillRef idx="1">
+        <a:scrgbClr r="0" g="0" b="0"/>
+      </a:fillRef>
+      <a:effectRef idx="0">
+        <a:scrgbClr r="0" g="0" b="0"/>
+      </a:effectRef>
+      <a:fontRef idx="minor"/>
+    </dgm:style>
+  </dgm:styleLbl>
+  <dgm:styleLbl name="trAlignAcc1">
+    <dgm:scene3d>
+      <a:camera prst="orthographicFront"/>
+      <a:lightRig rig="threePt" dir="t"/>
+    </dgm:scene3d>
+    <dgm:sp3d/>
+    <dgm:txPr/>
+    <dgm:style>
+      <a:lnRef idx="1">
+        <a:scrgbClr r="0" g="0" b="0"/>
+      </a:lnRef>
+      <a:fillRef idx="1">
+        <a:scrgbClr r="0" g="0" b="0"/>
+      </a:fillRef>
+      <a:effectRef idx="0">
+        <a:scrgbClr r="0" g="0" b="0"/>
+      </a:effectRef>
+      <a:fontRef idx="minor"/>
+    </dgm:style>
+  </dgm:styleLbl>
+  <dgm:styleLbl name="bgAcc1">
+    <dgm:scene3d>
+      <a:camera prst="orthographicFront"/>
+      <a:lightRig rig="threePt" dir="t"/>
+    </dgm:scene3d>
+    <dgm:sp3d/>
+    <dgm:txPr/>
+    <dgm:style>
+      <a:lnRef idx="2">
+        <a:scrgbClr r="0" g="0" b="0"/>
+      </a:lnRef>
+      <a:fillRef idx="1">
+        <a:scrgbClr r="0" g="0" b="0"/>
+      </a:fillRef>
+      <a:effectRef idx="0">
+        <a:scrgbClr r="0" g="0" b="0"/>
+      </a:effectRef>
+      <a:fontRef idx="minor"/>
+    </dgm:style>
+  </dgm:styleLbl>
+  <dgm:styleLbl name="solidFgAcc1">
+    <dgm:scene3d>
+      <a:camera prst="orthographicFront"/>
+      <a:lightRig rig="threePt" dir="t"/>
+    </dgm:scene3d>
+    <dgm:sp3d/>
+    <dgm:txPr/>
+    <dgm:style>
+      <a:lnRef idx="2">
+        <a:scrgbClr r="0" g="0" b="0"/>
+      </a:lnRef>
+      <a:fillRef idx="1">
+        <a:scrgbClr r="0" g="0" b="0"/>
+      </a:fillRef>
+      <a:effectRef idx="0">
+        <a:scrgbClr r="0" g="0" b="0"/>
+      </a:effectRef>
+      <a:fontRef idx="minor"/>
+    </dgm:style>
+  </dgm:styleLbl>
+  <dgm:styleLbl name="solidAlignAcc1">
+    <dgm:scene3d>
+      <a:camera prst="orthographicFront"/>
+      <a:lightRig rig="threePt" dir="t"/>
+    </dgm:scene3d>
+    <dgm:sp3d/>
+    <dgm:txPr/>
+    <dgm:style>
+      <a:lnRef idx="2">
+        <a:scrgbClr r="0" g="0" b="0"/>
+      </a:lnRef>
+      <a:fillRef idx="1">
+        <a:scrgbClr r="0" g="0" b="0"/>
+      </a:fillRef>
+      <a:effectRef idx="0">
+        <a:scrgbClr r="0" g="0" b="0"/>
+      </a:effectRef>
+      <a:fontRef idx="minor"/>
+    </dgm:style>
+  </dgm:styleLbl>
+  <dgm:styleLbl name="solidBgAcc1">
+    <dgm:scene3d>
+      <a:camera prst="orthographicFront"/>
+      <a:lightRig rig="threePt" dir="t"/>
+    </dgm:scene3d>
+    <dgm:sp3d/>
+    <dgm:txPr/>
+    <dgm:style>
+      <a:lnRef idx="2">
+        <a:scrgbClr r="0" g="0" b="0"/>
+      </a:lnRef>
+      <a:fillRef idx="1">
+        <a:scrgbClr r="0" g="0" b="0"/>
+      </a:fillRef>
+      <a:effectRef idx="0">
+        <a:scrgbClr r="0" g="0" b="0"/>
+      </a:effectRef>
+      <a:fontRef idx="minor"/>
+    </dgm:style>
+  </dgm:styleLbl>
+  <dgm:styleLbl name="fgAccFollowNode1">
+    <dgm:scene3d>
+      <a:camera prst="orthographicFront"/>
+      <a:lightRig rig="threePt" dir="t"/>
+    </dgm:scene3d>
+    <dgm:sp3d/>
+    <dgm:txPr/>
+    <dgm:style>
+      <a:lnRef idx="2">
+        <a:scrgbClr r="0" g="0" b="0"/>
+      </a:lnRef>
+      <a:fillRef idx="1">
+        <a:scrgbClr r="0" g="0" b="0"/>
+      </a:fillRef>
+      <a:effectRef idx="0">
+        <a:scrgbClr r="0" g="0" b="0"/>
+      </a:effectRef>
+      <a:fontRef idx="minor"/>
+    </dgm:style>
+  </dgm:styleLbl>
+  <dgm:styleLbl name="alignAccFollowNode1">
+    <dgm:scene3d>
+      <a:camera prst="orthographicFront"/>
+      <a:lightRig rig="threePt" dir="t"/>
+    </dgm:scene3d>
+    <dgm:sp3d/>
+    <dgm:txPr/>
+    <dgm:style>
+      <a:lnRef idx="2">
+        <a:scrgbClr r="0" g="0" b="0"/>
+      </a:lnRef>
+      <a:fillRef idx="1">
+        <a:scrgbClr r="0" g="0" b="0"/>
+      </a:fillRef>
+      <a:effectRef idx="0">
+        <a:scrgbClr r="0" g="0" b="0"/>
+      </a:effectRef>
+      <a:fontRef idx="minor"/>
+    </dgm:style>
+  </dgm:styleLbl>
+  <dgm:styleLbl name="bgAccFollowNode1">
+    <dgm:scene3d>
+      <a:camera prst="orthographicFront"/>
+      <a:lightRig rig="threePt" dir="t"/>
+    </dgm:scene3d>
+    <dgm:sp3d/>
+    <dgm:txPr/>
+    <dgm:style>
+      <a:lnRef idx="2">
+        <a:scrgbClr r="0" g="0" b="0"/>
+      </a:lnRef>
+      <a:fillRef idx="1">
+        <a:scrgbClr r="0" g="0" b="0"/>
+      </a:fillRef>
+      <a:effectRef idx="0">
+        <a:scrgbClr r="0" g="0" b="0"/>
+      </a:effectRef>
+      <a:fontRef idx="minor"/>
+    </dgm:style>
+  </dgm:styleLbl>
+  <dgm:styleLbl name="fgAcc0">
+    <dgm:scene3d>
+      <a:camera prst="orthographicFront"/>
+      <a:lightRig rig="threePt" dir="t"/>
+    </dgm:scene3d>
+    <dgm:sp3d/>
+    <dgm:txPr/>
+    <dgm:style>
+      <a:lnRef idx="2">
+        <a:scrgbClr r="0" g="0" b="0"/>
+      </a:lnRef>
+      <a:fillRef idx="1">
+        <a:scrgbClr r="0" g="0" b="0"/>
+      </a:fillRef>
+      <a:effectRef idx="0">
+        <a:scrgbClr r="0" g="0" b="0"/>
+      </a:effectRef>
+      <a:fontRef idx="minor"/>
+    </dgm:style>
+  </dgm:styleLbl>
+  <dgm:styleLbl name="fgAcc2">
+    <dgm:scene3d>
+      <a:camera prst="orthographicFront"/>
+      <a:lightRig rig="threePt" dir="t"/>
+    </dgm:scene3d>
+    <dgm:sp3d/>
+    <dgm:txPr/>
+    <dgm:style>
+      <a:lnRef idx="2">
+        <a:scrgbClr r="0" g="0" b="0"/>
+      </a:lnRef>
+      <a:fillRef idx="1">
+        <a:scrgbClr r="0" g="0" b="0"/>
+      </a:fillRef>
+      <a:effectRef idx="0">
+        <a:scrgbClr r="0" g="0" b="0"/>
+      </a:effectRef>
+      <a:fontRef idx="minor"/>
+    </dgm:style>
+  </dgm:styleLbl>
+  <dgm:styleLbl name="fgAcc3">
+    <dgm:scene3d>
+      <a:camera prst="orthographicFront"/>
+      <a:lightRig rig="threePt" dir="t"/>
+    </dgm:scene3d>
+    <dgm:sp3d/>
+    <dgm:txPr/>
+    <dgm:style>
+      <a:lnRef idx="2">
+        <a:scrgbClr r="0" g="0" b="0"/>
+      </a:lnRef>
+      <a:fillRef idx="1">
+        <a:scrgbClr r="0" g="0" b="0"/>
+      </a:fillRef>
+      <a:effectRef idx="0">
+        <a:scrgbClr r="0" g="0" b="0"/>
+      </a:effectRef>
+      <a:fontRef idx="minor"/>
+    </dgm:style>
+  </dgm:styleLbl>
+  <dgm:styleLbl name="fgAcc4">
+    <dgm:scene3d>
+      <a:camera prst="orthographicFront"/>
+      <a:lightRig rig="threePt" dir="t"/>
+    </dgm:scene3d>
+    <dgm:sp3d/>
+    <dgm:txPr/>
+    <dgm:style>
+      <a:lnRef idx="2">
+        <a:scrgbClr r="0" g="0" b="0"/>
+      </a:lnRef>
+      <a:fillRef idx="1">
+        <a:scrgbClr r="0" g="0" b="0"/>
+      </a:fillRef>
+      <a:effectRef idx="0">
+        <a:scrgbClr r="0" g="0" b="0"/>
+      </a:effectRef>
+      <a:fontRef idx="minor"/>
+    </dgm:style>
+  </dgm:styleLbl>
+  <dgm:styleLbl name="bgShp">
+    <dgm:scene3d>
+      <a:camera prst="orthographicFront"/>
+      <a:lightRig rig="threePt" dir="t"/>
+    </dgm:scene3d>
+    <dgm:sp3d/>
+    <dgm:txPr/>
+    <dgm:style>
+      <a:lnRef idx="0">
+        <a:scrgbClr r="0" g="0" b="0"/>
+      </a:lnRef>
+      <a:fillRef idx="1">
+        <a:scrgbClr r="0" g="0" b="0"/>
+      </a:fillRef>
+      <a:effectRef idx="0">
+        <a:scrgbClr r="0" g="0" b="0"/>
+      </a:effectRef>
+      <a:fontRef idx="minor"/>
+    </dgm:style>
+  </dgm:styleLbl>
+  <dgm:styleLbl name="dkBgShp">
+    <dgm:scene3d>
+      <a:camera prst="orthographicFront"/>
+      <a:lightRig rig="threePt" dir="t"/>
+    </dgm:scene3d>
+    <dgm:sp3d/>
+    <dgm:txPr/>
+    <dgm:style>
+      <a:lnRef idx="0">
+        <a:scrgbClr r="0" g="0" b="0"/>
+      </a:lnRef>
+      <a:fillRef idx="1">
+        <a:scrgbClr r="0" g="0" b="0"/>
+      </a:fillRef>
+      <a:effectRef idx="0">
+        <a:scrgbClr r="0" g="0" b="0"/>
+      </a:effectRef>
+      <a:fontRef idx="minor"/>
+    </dgm:style>
+  </dgm:styleLbl>
+  <dgm:styleLbl name="trBgShp">
+    <dgm:scene3d>
+      <a:camera prst="orthographicFront"/>
+      <a:lightRig rig="threePt" dir="t"/>
+    </dgm:scene3d>
+    <dgm:sp3d/>
+    <dgm:txPr/>
+    <dgm:style>
+      <a:lnRef idx="0">
+        <a:scrgbClr r="0" g="0" b="0"/>
+      </a:lnRef>
+      <a:fillRef idx="1">
+        <a:scrgbClr r="0" g="0" b="0"/>
+      </a:fillRef>
+      <a:effectRef idx="0">
+        <a:scrgbClr r="0" g="0" b="0"/>
+      </a:effectRef>
+      <a:fontRef idx="minor"/>
+    </dgm:style>
+  </dgm:styleLbl>
+  <dgm:styleLbl name="fgShp">
+    <dgm:scene3d>
+      <a:camera prst="orthographicFront"/>
+      <a:lightRig rig="threePt" dir="t"/>
+    </dgm:scene3d>
+    <dgm:sp3d/>
+    <dgm:txPr/>
+    <dgm:style>
+      <a:lnRef idx="2">
+        <a:scrgbClr r="0" g="0" b="0"/>
+      </a:lnRef>
+      <a:fillRef idx="1">
+        <a:scrgbClr r="0" g="0" b="0"/>
+      </a:fillRef>
+      <a:effectRef idx="0">
+        <a:scrgbClr r="0" g="0" b="0"/>
+      </a:effectRef>
+      <a:fontRef idx="minor"/>
+    </dgm:style>
+  </dgm:styleLbl>
+  <dgm:styleLbl name="revTx">
+    <dgm:scene3d>
+      <a:camera prst="orthographicFront"/>
+      <a:lightRig rig="threePt" dir="t"/>
+    </dgm:scene3d>
+    <dgm:sp3d/>
+    <dgm:txPr/>
+    <dgm:style>
+      <a:lnRef idx="0">
+        <a:scrgbClr r="0" g="0" b="0"/>
+      </a:lnRef>
+      <a:fillRef idx="0">
+        <a:scrgbClr r="0" g="0" b="0"/>
+      </a:fillRef>
+      <a:effectRef idx="0">
+        <a:scrgbClr r="0" g="0" b="0"/>
+      </a:effectRef>
+      <a:fontRef idx="minor"/>
+    </dgm:style>
+  </dgm:styleLbl>
+</dgm:styleDef>
+</file>
+
+<file path=ppt/diagrams/quickStyle5.xml><?xml version="1.0" encoding="utf-8"?>
 <dgm:styleDef xmlns:dgm="http://schemas.openxmlformats.org/drawingml/2006/diagram" xmlns:a="http://schemas.openxmlformats.org/drawingml/2006/main" uniqueId="urn:microsoft.com/office/officeart/2005/8/quickstyle/simple1">
   <dgm:title val=""/>
   <dgm:desc val=""/>
@@ -16169,7 +18913,7 @@
               <a:defRPr/>
             </a:pPr>
             <a:r>
-              <a:rPr kumimoji="0" lang="en-CA" sz="3600" b="1" i="0" u="none" strike="noStrike" kern="1200" cap="none" spc="0" normalizeH="0" baseline="0" noProof="0">
+              <a:rPr kumimoji="0" lang="en-CA" sz="3600" b="1" i="0" u="none" strike="noStrike" kern="1200" cap="none" spc="0" normalizeH="0" baseline="0" noProof="0" dirty="0">
                 <a:ln>
                   <a:noFill/>
                 </a:ln>
@@ -16185,20 +18929,6 @@
               </a:rPr>
               <a:t>Data Load</a:t>
             </a:r>
-            <a:endParaRPr kumimoji="0" lang="en-CA" sz="3600" b="1" i="0" u="none" strike="noStrike" kern="1200" cap="none" spc="0" normalizeH="0" baseline="0" noProof="0" dirty="0">
-              <a:ln>
-                <a:noFill/>
-              </a:ln>
-              <a:solidFill>
-                <a:prstClr val="black"/>
-              </a:solidFill>
-              <a:effectLst/>
-              <a:uLnTx/>
-              <a:uFillTx/>
-              <a:latin typeface="Calibri" panose="020F0502020204030204"/>
-              <a:ea typeface="+mn-ea"/>
-              <a:cs typeface="+mn-cs"/>
-            </a:endParaRPr>
           </a:p>
         </p:txBody>
       </p:sp>
@@ -16526,12 +19256,72 @@
           </a:graphicData>
         </a:graphic>
       </p:graphicFrame>
+      <p:pic>
+        <p:nvPicPr>
+          <p:cNvPr id="120" name="Picture 119">
+            <a:extLst>
+              <a:ext uri="{FF2B5EF4-FFF2-40B4-BE49-F238E27FC236}">
+                <a16:creationId xmlns:a16="http://schemas.microsoft.com/office/drawing/2014/main" id="{73C10AAF-62F9-348A-FEC2-21BF6978404D}"/>
+              </a:ext>
+            </a:extLst>
+          </p:cNvPr>
+          <p:cNvPicPr>
+            <a:picLocks noChangeAspect="1"/>
+          </p:cNvPicPr>
+          <p:nvPr/>
+        </p:nvPicPr>
+        <p:blipFill>
+          <a:blip r:embed="rId7"/>
+          <a:stretch>
+            <a:fillRect/>
+          </a:stretch>
+        </p:blipFill>
+        <p:spPr>
+          <a:xfrm>
+            <a:off x="604393" y="1701624"/>
+            <a:ext cx="6114818" cy="4218798"/>
+          </a:xfrm>
+          <a:prstGeom prst="rect">
+            <a:avLst/>
+          </a:prstGeom>
+        </p:spPr>
+      </p:pic>
+      <p:pic>
+        <p:nvPicPr>
+          <p:cNvPr id="9" name="Picture 8">
+            <a:extLst>
+              <a:ext uri="{FF2B5EF4-FFF2-40B4-BE49-F238E27FC236}">
+                <a16:creationId xmlns:a16="http://schemas.microsoft.com/office/drawing/2014/main" id="{478CB0DB-F097-E5DB-2B14-EAA6F654735B}"/>
+              </a:ext>
+            </a:extLst>
+          </p:cNvPr>
+          <p:cNvPicPr>
+            <a:picLocks noChangeAspect="1"/>
+          </p:cNvPicPr>
+          <p:nvPr/>
+        </p:nvPicPr>
+        <p:blipFill>
+          <a:blip r:embed="rId8"/>
+          <a:stretch>
+            <a:fillRect/>
+          </a:stretch>
+        </p:blipFill>
+        <p:spPr>
+          <a:xfrm>
+            <a:off x="7090181" y="1701624"/>
+            <a:ext cx="3286029" cy="4328535"/>
+          </a:xfrm>
+          <a:prstGeom prst="rect">
+            <a:avLst/>
+          </a:prstGeom>
+        </p:spPr>
+      </p:pic>
       <p:sp>
         <p:nvSpPr>
-          <p:cNvPr id="119" name="TextBox 118">
+          <p:cNvPr id="3" name="TextBox 2">
             <a:extLst>
               <a:ext uri="{FF2B5EF4-FFF2-40B4-BE49-F238E27FC236}">
-                <a16:creationId xmlns:a16="http://schemas.microsoft.com/office/drawing/2014/main" id="{5092F8C1-1E77-AFA1-10C6-BFDE82C624B2}"/>
+                <a16:creationId xmlns:a16="http://schemas.microsoft.com/office/drawing/2014/main" id="{39DFA862-94A7-6792-D4F9-B611E86FFC30}"/>
               </a:ext>
             </a:extLst>
           </p:cNvPr>
@@ -16540,8 +19330,8 @@
         </p:nvSpPr>
         <p:spPr>
           <a:xfrm>
-            <a:off x="786391" y="250149"/>
-            <a:ext cx="1749775" cy="646331"/>
+            <a:off x="347213" y="190107"/>
+            <a:ext cx="3474289" cy="646331"/>
           </a:xfrm>
           <a:prstGeom prst="rect">
             <a:avLst/>
@@ -16585,87 +19375,12 @@
                 <a:latin typeface="Calibri" panose="020F0502020204030204"/>
                 <a:ea typeface="+mn-ea"/>
                 <a:cs typeface="+mn-cs"/>
-                <a:hlinkClick r:id="rId7"/>
               </a:rPr>
-              <a:t>APP</a:t>
+              <a:t>Overview</a:t>
             </a:r>
-            <a:endParaRPr kumimoji="0" lang="en-CA" sz="3600" b="1" i="0" u="none" strike="noStrike" kern="1200" cap="none" spc="0" normalizeH="0" baseline="0" noProof="0" dirty="0">
-              <a:ln>
-                <a:noFill/>
-              </a:ln>
-              <a:solidFill>
-                <a:prstClr val="black"/>
-              </a:solidFill>
-              <a:effectLst/>
-              <a:uLnTx/>
-              <a:uFillTx/>
-              <a:latin typeface="Calibri" panose="020F0502020204030204"/>
-              <a:ea typeface="+mn-ea"/>
-              <a:cs typeface="+mn-cs"/>
-            </a:endParaRPr>
           </a:p>
         </p:txBody>
       </p:sp>
-      <p:pic>
-        <p:nvPicPr>
-          <p:cNvPr id="120" name="Picture 119">
-            <a:extLst>
-              <a:ext uri="{FF2B5EF4-FFF2-40B4-BE49-F238E27FC236}">
-                <a16:creationId xmlns:a16="http://schemas.microsoft.com/office/drawing/2014/main" id="{73C10AAF-62F9-348A-FEC2-21BF6978404D}"/>
-              </a:ext>
-            </a:extLst>
-          </p:cNvPr>
-          <p:cNvPicPr>
-            <a:picLocks noChangeAspect="1"/>
-          </p:cNvPicPr>
-          <p:nvPr/>
-        </p:nvPicPr>
-        <p:blipFill>
-          <a:blip r:embed="rId8"/>
-          <a:stretch>
-            <a:fillRect/>
-          </a:stretch>
-        </p:blipFill>
-        <p:spPr>
-          <a:xfrm>
-            <a:off x="604393" y="1701624"/>
-            <a:ext cx="6114818" cy="4218798"/>
-          </a:xfrm>
-          <a:prstGeom prst="rect">
-            <a:avLst/>
-          </a:prstGeom>
-        </p:spPr>
-      </p:pic>
-      <p:pic>
-        <p:nvPicPr>
-          <p:cNvPr id="9" name="Picture 8">
-            <a:extLst>
-              <a:ext uri="{FF2B5EF4-FFF2-40B4-BE49-F238E27FC236}">
-                <a16:creationId xmlns:a16="http://schemas.microsoft.com/office/drawing/2014/main" id="{478CB0DB-F097-E5DB-2B14-EAA6F654735B}"/>
-              </a:ext>
-            </a:extLst>
-          </p:cNvPr>
-          <p:cNvPicPr>
-            <a:picLocks noChangeAspect="1"/>
-          </p:cNvPicPr>
-          <p:nvPr/>
-        </p:nvPicPr>
-        <p:blipFill>
-          <a:blip r:embed="rId9"/>
-          <a:stretch>
-            <a:fillRect/>
-          </a:stretch>
-        </p:blipFill>
-        <p:spPr>
-          <a:xfrm>
-            <a:off x="7090181" y="1701624"/>
-            <a:ext cx="3286029" cy="4328535"/>
-          </a:xfrm>
-          <a:prstGeom prst="rect">
-            <a:avLst/>
-          </a:prstGeom>
-        </p:spPr>
-      </p:pic>
     </p:spTree>
     <p:extLst>
       <p:ext uri="{BB962C8B-B14F-4D97-AF65-F5344CB8AC3E}">
@@ -16755,6 +19470,401 @@
 </file>
 
 <file path=ppt/slides/slide6.xml><?xml version="1.0" encoding="utf-8"?>
+<p:sld xmlns:a="http://schemas.openxmlformats.org/drawingml/2006/main" xmlns:r="http://schemas.openxmlformats.org/officeDocument/2006/relationships" xmlns:p="http://schemas.openxmlformats.org/presentationml/2006/main">
+  <p:cSld>
+    <p:spTree>
+      <p:nvGrpSpPr>
+        <p:cNvPr id="1" name=""/>
+        <p:cNvGrpSpPr/>
+        <p:nvPr/>
+      </p:nvGrpSpPr>
+      <p:grpSpPr>
+        <a:xfrm>
+          <a:off x="0" y="0"/>
+          <a:ext cx="0" cy="0"/>
+          <a:chOff x="0" y="0"/>
+          <a:chExt cx="0" cy="0"/>
+        </a:xfrm>
+      </p:grpSpPr>
+      <p:pic>
+        <p:nvPicPr>
+          <p:cNvPr id="3" name="Picture 2">
+            <a:extLst>
+              <a:ext uri="{FF2B5EF4-FFF2-40B4-BE49-F238E27FC236}">
+                <a16:creationId xmlns:a16="http://schemas.microsoft.com/office/drawing/2014/main" id="{7717E411-79F7-6DA7-4692-8E732245A7DA}"/>
+              </a:ext>
+            </a:extLst>
+          </p:cNvPr>
+          <p:cNvPicPr>
+            <a:picLocks noChangeAspect="1"/>
+          </p:cNvPicPr>
+          <p:nvPr/>
+        </p:nvPicPr>
+        <p:blipFill rotWithShape="1">
+          <a:blip r:embed="rId2"/>
+          <a:srcRect b="37501"/>
+          <a:stretch/>
+        </p:blipFill>
+        <p:spPr>
+          <a:xfrm>
+            <a:off x="545974" y="1668821"/>
+            <a:ext cx="3017666" cy="4637559"/>
+          </a:xfrm>
+          <a:prstGeom prst="rect">
+            <a:avLst/>
+          </a:prstGeom>
+        </p:spPr>
+      </p:pic>
+      <p:pic>
+        <p:nvPicPr>
+          <p:cNvPr id="7" name="Picture 6">
+            <a:extLst>
+              <a:ext uri="{FF2B5EF4-FFF2-40B4-BE49-F238E27FC236}">
+                <a16:creationId xmlns:a16="http://schemas.microsoft.com/office/drawing/2014/main" id="{7633BCED-C3C5-2D37-A900-7148234F02F5}"/>
+              </a:ext>
+            </a:extLst>
+          </p:cNvPr>
+          <p:cNvPicPr>
+            <a:picLocks noChangeAspect="1"/>
+          </p:cNvPicPr>
+          <p:nvPr/>
+        </p:nvPicPr>
+        <p:blipFill rotWithShape="1">
+          <a:blip r:embed="rId3"/>
+          <a:srcRect b="19307"/>
+          <a:stretch/>
+        </p:blipFill>
+        <p:spPr>
+          <a:xfrm>
+            <a:off x="5699660" y="1566008"/>
+            <a:ext cx="2642946" cy="4860437"/>
+          </a:xfrm>
+          <a:prstGeom prst="rect">
+            <a:avLst/>
+          </a:prstGeom>
+        </p:spPr>
+      </p:pic>
+      <p:sp>
+        <p:nvSpPr>
+          <p:cNvPr id="9" name="TextBox 8">
+            <a:extLst>
+              <a:ext uri="{FF2B5EF4-FFF2-40B4-BE49-F238E27FC236}">
+                <a16:creationId xmlns:a16="http://schemas.microsoft.com/office/drawing/2014/main" id="{E806A96A-4DAF-305D-C832-7C91D9E7DC5E}"/>
+              </a:ext>
+            </a:extLst>
+          </p:cNvPr>
+          <p:cNvSpPr txBox="1"/>
+          <p:nvPr/>
+        </p:nvSpPr>
+        <p:spPr>
+          <a:xfrm>
+            <a:off x="340764" y="271875"/>
+            <a:ext cx="6094562" cy="646331"/>
+          </a:xfrm>
+          <a:prstGeom prst="rect">
+            <a:avLst/>
+          </a:prstGeom>
+          <a:noFill/>
+        </p:spPr>
+        <p:txBody>
+          <a:bodyPr wrap="square">
+            <a:spAutoFit/>
+          </a:bodyPr>
+          <a:lstStyle/>
+          <a:p>
+            <a:pPr>
+              <a:defRPr/>
+            </a:pPr>
+            <a:r>
+              <a:rPr lang="en-CA" sz="3600" b="1" dirty="0">
+                <a:solidFill>
+                  <a:prstClr val="black"/>
+                </a:solidFill>
+                <a:latin typeface="Calibri" panose="020F0502020204030204"/>
+              </a:rPr>
+              <a:t>API Routes</a:t>
+            </a:r>
+          </a:p>
+        </p:txBody>
+      </p:sp>
+      <p:sp>
+        <p:nvSpPr>
+          <p:cNvPr id="11" name="TextBox 10">
+            <a:extLst>
+              <a:ext uri="{FF2B5EF4-FFF2-40B4-BE49-F238E27FC236}">
+                <a16:creationId xmlns:a16="http://schemas.microsoft.com/office/drawing/2014/main" id="{EDC2CB9D-1CBB-5A32-0B03-7553B7F13833}"/>
+              </a:ext>
+            </a:extLst>
+          </p:cNvPr>
+          <p:cNvSpPr txBox="1"/>
+          <p:nvPr/>
+        </p:nvSpPr>
+        <p:spPr>
+          <a:xfrm>
+            <a:off x="340764" y="1053611"/>
+            <a:ext cx="3644286" cy="369332"/>
+          </a:xfrm>
+          <a:prstGeom prst="rect">
+            <a:avLst/>
+          </a:prstGeom>
+          <a:noFill/>
+        </p:spPr>
+        <p:txBody>
+          <a:bodyPr wrap="square">
+            <a:spAutoFit/>
+          </a:bodyPr>
+          <a:lstStyle/>
+          <a:p>
+            <a:r>
+              <a:rPr lang="en-CA" b="0" dirty="0">
+                <a:solidFill>
+                  <a:srgbClr val="A31515"/>
+                </a:solidFill>
+                <a:effectLst/>
+                <a:latin typeface="Consolas" panose="020B0609020204030204" pitchFamily="49" charset="0"/>
+              </a:rPr>
+              <a:t>/</a:t>
+            </a:r>
+            <a:r>
+              <a:rPr lang="en-CA" b="0" dirty="0" err="1">
+                <a:solidFill>
+                  <a:srgbClr val="A31515"/>
+                </a:solidFill>
+                <a:effectLst/>
+                <a:latin typeface="Consolas" panose="020B0609020204030204" pitchFamily="49" charset="0"/>
+              </a:rPr>
+              <a:t>api</a:t>
+            </a:r>
+            <a:r>
+              <a:rPr lang="en-CA" b="0" dirty="0">
+                <a:solidFill>
+                  <a:srgbClr val="A31515"/>
+                </a:solidFill>
+                <a:effectLst/>
+                <a:latin typeface="Consolas" panose="020B0609020204030204" pitchFamily="49" charset="0"/>
+              </a:rPr>
+              <a:t>/v1.0/</a:t>
+            </a:r>
+            <a:r>
+              <a:rPr lang="en-CA" b="0" dirty="0" err="1">
+                <a:solidFill>
+                  <a:srgbClr val="A31515"/>
+                </a:solidFill>
+                <a:effectLst/>
+                <a:latin typeface="Consolas" panose="020B0609020204030204" pitchFamily="49" charset="0"/>
+              </a:rPr>
+              <a:t>province_centers</a:t>
+            </a:r>
+            <a:endParaRPr lang="en-CA" b="0" dirty="0">
+              <a:solidFill>
+                <a:srgbClr val="000000"/>
+              </a:solidFill>
+              <a:effectLst/>
+              <a:latin typeface="Consolas" panose="020B0609020204030204" pitchFamily="49" charset="0"/>
+            </a:endParaRPr>
+          </a:p>
+        </p:txBody>
+      </p:sp>
+      <p:sp>
+        <p:nvSpPr>
+          <p:cNvPr id="13" name="TextBox 12">
+            <a:extLst>
+              <a:ext uri="{FF2B5EF4-FFF2-40B4-BE49-F238E27FC236}">
+                <a16:creationId xmlns:a16="http://schemas.microsoft.com/office/drawing/2014/main" id="{A2805F09-1D8C-3A26-4544-B7EDDD01F2A7}"/>
+              </a:ext>
+            </a:extLst>
+          </p:cNvPr>
+          <p:cNvSpPr txBox="1"/>
+          <p:nvPr/>
+        </p:nvSpPr>
+        <p:spPr>
+          <a:xfrm>
+            <a:off x="5072584" y="941468"/>
+            <a:ext cx="4502737" cy="369332"/>
+          </a:xfrm>
+          <a:prstGeom prst="rect">
+            <a:avLst/>
+          </a:prstGeom>
+          <a:noFill/>
+        </p:spPr>
+        <p:txBody>
+          <a:bodyPr wrap="square">
+            <a:spAutoFit/>
+          </a:bodyPr>
+          <a:lstStyle/>
+          <a:p>
+            <a:r>
+              <a:rPr lang="en-US" b="0" dirty="0">
+                <a:solidFill>
+                  <a:srgbClr val="A31515"/>
+                </a:solidFill>
+                <a:effectLst/>
+                <a:latin typeface="Consolas" panose="020B0609020204030204" pitchFamily="49" charset="0"/>
+              </a:rPr>
+              <a:t>/</a:t>
+            </a:r>
+            <a:r>
+              <a:rPr lang="en-US" b="0" dirty="0" err="1">
+                <a:solidFill>
+                  <a:srgbClr val="A31515"/>
+                </a:solidFill>
+                <a:effectLst/>
+                <a:latin typeface="Consolas" panose="020B0609020204030204" pitchFamily="49" charset="0"/>
+              </a:rPr>
+              <a:t>api</a:t>
+            </a:r>
+            <a:r>
+              <a:rPr lang="en-US" b="0" dirty="0">
+                <a:solidFill>
+                  <a:srgbClr val="A31515"/>
+                </a:solidFill>
+                <a:effectLst/>
+                <a:latin typeface="Consolas" panose="020B0609020204030204" pitchFamily="49" charset="0"/>
+              </a:rPr>
+              <a:t>/v1.0/</a:t>
+            </a:r>
+            <a:r>
+              <a:rPr lang="en-US" b="0" dirty="0" err="1">
+                <a:solidFill>
+                  <a:srgbClr val="A31515"/>
+                </a:solidFill>
+                <a:effectLst/>
+                <a:latin typeface="Consolas" panose="020B0609020204030204" pitchFamily="49" charset="0"/>
+              </a:rPr>
+              <a:t>province_trend_by_year</a:t>
+            </a:r>
+            <a:endParaRPr lang="en-US" b="0" dirty="0">
+              <a:solidFill>
+                <a:srgbClr val="000000"/>
+              </a:solidFill>
+              <a:effectLst/>
+              <a:latin typeface="Consolas" panose="020B0609020204030204" pitchFamily="49" charset="0"/>
+            </a:endParaRPr>
+          </a:p>
+        </p:txBody>
+      </p:sp>
+      <p:sp>
+        <p:nvSpPr>
+          <p:cNvPr id="14" name="TextBox 13">
+            <a:extLst>
+              <a:ext uri="{FF2B5EF4-FFF2-40B4-BE49-F238E27FC236}">
+                <a16:creationId xmlns:a16="http://schemas.microsoft.com/office/drawing/2014/main" id="{BA623F80-F6E6-8580-0DB3-9B8681568249}"/>
+              </a:ext>
+            </a:extLst>
+          </p:cNvPr>
+          <p:cNvSpPr txBox="1"/>
+          <p:nvPr/>
+        </p:nvSpPr>
+        <p:spPr>
+          <a:xfrm>
+            <a:off x="9068207" y="4604714"/>
+            <a:ext cx="2820838" cy="646331"/>
+          </a:xfrm>
+          <a:prstGeom prst="rect">
+            <a:avLst/>
+          </a:prstGeom>
+          <a:noFill/>
+        </p:spPr>
+        <p:txBody>
+          <a:bodyPr wrap="square">
+            <a:spAutoFit/>
+          </a:bodyPr>
+          <a:lstStyle/>
+          <a:p>
+            <a:pPr marL="0" marR="0" lvl="0" indent="0" algn="l" defTabSz="914400" rtl="0" eaLnBrk="1" fontAlgn="auto" latinLnBrk="0" hangingPunct="1">
+              <a:lnSpc>
+                <a:spcPct val="100000"/>
+              </a:lnSpc>
+              <a:spcBef>
+                <a:spcPts val="0"/>
+              </a:spcBef>
+              <a:spcAft>
+                <a:spcPts val="0"/>
+              </a:spcAft>
+              <a:buClrTx/>
+              <a:buSzTx/>
+              <a:buFontTx/>
+              <a:buNone/>
+              <a:tabLst/>
+              <a:defRPr/>
+            </a:pPr>
+            <a:r>
+              <a:rPr kumimoji="0" lang="en-CA" sz="3600" b="1" i="0" u="none" strike="noStrike" kern="1200" cap="none" spc="0" normalizeH="0" baseline="0" noProof="0" dirty="0">
+                <a:ln>
+                  <a:noFill/>
+                </a:ln>
+                <a:solidFill>
+                  <a:prstClr val="black"/>
+                </a:solidFill>
+                <a:effectLst/>
+                <a:uLnTx/>
+                <a:uFillTx/>
+                <a:latin typeface="Calibri" panose="020F0502020204030204"/>
+                <a:ea typeface="+mn-ea"/>
+                <a:cs typeface="+mn-cs"/>
+                <a:hlinkClick r:id="rId4"/>
+              </a:rPr>
+              <a:t>Our APP</a:t>
+            </a:r>
+            <a:endParaRPr kumimoji="0" lang="en-CA" sz="3600" b="1" i="0" u="none" strike="noStrike" kern="1200" cap="none" spc="0" normalizeH="0" baseline="0" noProof="0" dirty="0">
+              <a:ln>
+                <a:noFill/>
+              </a:ln>
+              <a:solidFill>
+                <a:prstClr val="black"/>
+              </a:solidFill>
+              <a:effectLst/>
+              <a:uLnTx/>
+              <a:uFillTx/>
+              <a:latin typeface="Calibri" panose="020F0502020204030204"/>
+              <a:ea typeface="+mn-ea"/>
+              <a:cs typeface="+mn-cs"/>
+            </a:endParaRPr>
+          </a:p>
+        </p:txBody>
+      </p:sp>
+      <p:graphicFrame>
+        <p:nvGraphicFramePr>
+          <p:cNvPr id="15" name="Diagram 14">
+            <a:extLst>
+              <a:ext uri="{FF2B5EF4-FFF2-40B4-BE49-F238E27FC236}">
+                <a16:creationId xmlns:a16="http://schemas.microsoft.com/office/drawing/2014/main" id="{DF1250D4-5E39-FA1F-FBD6-BB6679DA3C67}"/>
+              </a:ext>
+            </a:extLst>
+          </p:cNvPr>
+          <p:cNvGraphicFramePr/>
+          <p:nvPr>
+            <p:extLst>
+              <p:ext uri="{D42A27DB-BD31-4B8C-83A1-F6EECF244321}">
+                <p14:modId xmlns:p14="http://schemas.microsoft.com/office/powerpoint/2010/main" val="2178103103"/>
+              </p:ext>
+            </p:extLst>
+          </p:nvPr>
+        </p:nvGraphicFramePr>
+        <p:xfrm>
+          <a:off x="4951562" y="0"/>
+          <a:ext cx="6547451" cy="941468"/>
+        </p:xfrm>
+        <a:graphic>
+          <a:graphicData uri="http://schemas.openxmlformats.org/drawingml/2006/diagram">
+            <dgm:relIds xmlns:dgm="http://schemas.openxmlformats.org/drawingml/2006/diagram" xmlns:r="http://schemas.openxmlformats.org/officeDocument/2006/relationships" r:dm="rId5" r:lo="rId6" r:qs="rId7" r:cs="rId8"/>
+          </a:graphicData>
+        </a:graphic>
+      </p:graphicFrame>
+    </p:spTree>
+    <p:extLst>
+      <p:ext uri="{BB962C8B-B14F-4D97-AF65-F5344CB8AC3E}">
+        <p14:creationId xmlns:p14="http://schemas.microsoft.com/office/powerpoint/2010/main" val="836117642"/>
+      </p:ext>
+    </p:extLst>
+  </p:cSld>
+  <p:clrMapOvr>
+    <a:masterClrMapping/>
+  </p:clrMapOvr>
+</p:sld>
+</file>
+
+<file path=ppt/slides/slide7.xml><?xml version="1.0" encoding="utf-8"?>
 <p:sld xmlns:a="http://schemas.openxmlformats.org/drawingml/2006/main" xmlns:r="http://schemas.openxmlformats.org/officeDocument/2006/relationships" xmlns:p="http://schemas.openxmlformats.org/presentationml/2006/main">
   <p:cSld>
     <p:spTree>
@@ -16887,7 +19997,7 @@
 </p:sld>
 </file>
 
-<file path=ppt/slides/slide7.xml><?xml version="1.0" encoding="utf-8"?>
+<file path=ppt/slides/slide8.xml><?xml version="1.0" encoding="utf-8"?>
 <p:sld xmlns:a="http://schemas.openxmlformats.org/drawingml/2006/main" xmlns:r="http://schemas.openxmlformats.org/officeDocument/2006/relationships" xmlns:p="http://schemas.openxmlformats.org/presentationml/2006/main">
   <p:cSld>
     <p:spTree>
@@ -18358,7 +21468,7 @@
 </p:sld>
 </file>
 
-<file path=ppt/slides/slide8.xml><?xml version="1.0" encoding="utf-8"?>
+<file path=ppt/slides/slide9.xml><?xml version="1.0" encoding="utf-8"?>
 <p:sld xmlns:a="http://schemas.openxmlformats.org/drawingml/2006/main" xmlns:r="http://schemas.openxmlformats.org/officeDocument/2006/relationships" xmlns:p="http://schemas.openxmlformats.org/presentationml/2006/main">
   <p:cSld>
     <p:spTree>

--- a/Slide deck/Slide deck.pptx
+++ b/Slide deck/Slide deck.pptx
@@ -133,12 +133,12 @@
   <pc:docChgLst>
     <pc:chgData name="Ashish Dabas" userId="c35664cb8c095f08" providerId="LiveId" clId="{9E86F526-7497-4DC0-B263-D471953FD9EB}"/>
     <pc:docChg chg="undo custSel addSld delSld modSld sldOrd">
-      <pc:chgData name="Ashish Dabas" userId="c35664cb8c095f08" providerId="LiveId" clId="{9E86F526-7497-4DC0-B263-D471953FD9EB}" dt="2023-06-15T00:08:01.634" v="713" actId="1076"/>
+      <pc:chgData name="Ashish Dabas" userId="c35664cb8c095f08" providerId="LiveId" clId="{9E86F526-7497-4DC0-B263-D471953FD9EB}" dt="2023-06-15T15:59:16.954" v="716" actId="108"/>
       <pc:docMkLst>
         <pc:docMk/>
       </pc:docMkLst>
       <pc:sldChg chg="addSp delSp modSp mod setBg">
-        <pc:chgData name="Ashish Dabas" userId="c35664cb8c095f08" providerId="LiveId" clId="{9E86F526-7497-4DC0-B263-D471953FD9EB}" dt="2023-06-14T23:15:32.813" v="553" actId="207"/>
+        <pc:chgData name="Ashish Dabas" userId="c35664cb8c095f08" providerId="LiveId" clId="{9E86F526-7497-4DC0-B263-D471953FD9EB}" dt="2023-06-15T15:59:16.954" v="716" actId="108"/>
         <pc:sldMkLst>
           <pc:docMk/>
           <pc:sldMk cId="1786379081" sldId="256"/>
@@ -152,7 +152,7 @@
           </ac:spMkLst>
         </pc:spChg>
         <pc:spChg chg="mod ord">
-          <ac:chgData name="Ashish Dabas" userId="c35664cb8c095f08" providerId="LiveId" clId="{9E86F526-7497-4DC0-B263-D471953FD9EB}" dt="2023-06-14T23:15:26.582" v="552" actId="207"/>
+          <ac:chgData name="Ashish Dabas" userId="c35664cb8c095f08" providerId="LiveId" clId="{9E86F526-7497-4DC0-B263-D471953FD9EB}" dt="2023-06-15T15:59:16.954" v="716" actId="108"/>
           <ac:spMkLst>
             <pc:docMk/>
             <pc:sldMk cId="1786379081" sldId="256"/>
@@ -14471,7 +14471,7 @@
           <a:p>
             <a:fld id="{E685756A-F27B-4320-9F12-5E5AF2D0C3C3}" type="datetimeFigureOut">
               <a:rPr lang="en-CA" smtClean="0"/>
-              <a:t>2023-06-14</a:t>
+              <a:t>2023-06-15</a:t>
             </a:fld>
             <a:endParaRPr lang="en-CA"/>
           </a:p>
@@ -14671,7 +14671,7 @@
           <a:p>
             <a:fld id="{E685756A-F27B-4320-9F12-5E5AF2D0C3C3}" type="datetimeFigureOut">
               <a:rPr lang="en-CA" smtClean="0"/>
-              <a:t>2023-06-14</a:t>
+              <a:t>2023-06-15</a:t>
             </a:fld>
             <a:endParaRPr lang="en-CA"/>
           </a:p>
@@ -14881,7 +14881,7 @@
           <a:p>
             <a:fld id="{E685756A-F27B-4320-9F12-5E5AF2D0C3C3}" type="datetimeFigureOut">
               <a:rPr lang="en-CA" smtClean="0"/>
-              <a:t>2023-06-14</a:t>
+              <a:t>2023-06-15</a:t>
             </a:fld>
             <a:endParaRPr lang="en-CA"/>
           </a:p>
@@ -15081,7 +15081,7 @@
           <a:p>
             <a:fld id="{E685756A-F27B-4320-9F12-5E5AF2D0C3C3}" type="datetimeFigureOut">
               <a:rPr lang="en-CA" smtClean="0"/>
-              <a:t>2023-06-14</a:t>
+              <a:t>2023-06-15</a:t>
             </a:fld>
             <a:endParaRPr lang="en-CA"/>
           </a:p>
@@ -15357,7 +15357,7 @@
           <a:p>
             <a:fld id="{E685756A-F27B-4320-9F12-5E5AF2D0C3C3}" type="datetimeFigureOut">
               <a:rPr lang="en-CA" smtClean="0"/>
-              <a:t>2023-06-14</a:t>
+              <a:t>2023-06-15</a:t>
             </a:fld>
             <a:endParaRPr lang="en-CA"/>
           </a:p>
@@ -15625,7 +15625,7 @@
           <a:p>
             <a:fld id="{E685756A-F27B-4320-9F12-5E5AF2D0C3C3}" type="datetimeFigureOut">
               <a:rPr lang="en-CA" smtClean="0"/>
-              <a:t>2023-06-14</a:t>
+              <a:t>2023-06-15</a:t>
             </a:fld>
             <a:endParaRPr lang="en-CA"/>
           </a:p>
@@ -16040,7 +16040,7 @@
           <a:p>
             <a:fld id="{E685756A-F27B-4320-9F12-5E5AF2D0C3C3}" type="datetimeFigureOut">
               <a:rPr lang="en-CA" smtClean="0"/>
-              <a:t>2023-06-14</a:t>
+              <a:t>2023-06-15</a:t>
             </a:fld>
             <a:endParaRPr lang="en-CA"/>
           </a:p>
@@ -16182,7 +16182,7 @@
           <a:p>
             <a:fld id="{E685756A-F27B-4320-9F12-5E5AF2D0C3C3}" type="datetimeFigureOut">
               <a:rPr lang="en-CA" smtClean="0"/>
-              <a:t>2023-06-14</a:t>
+              <a:t>2023-06-15</a:t>
             </a:fld>
             <a:endParaRPr lang="en-CA"/>
           </a:p>
@@ -16295,7 +16295,7 @@
           <a:p>
             <a:fld id="{E685756A-F27B-4320-9F12-5E5AF2D0C3C3}" type="datetimeFigureOut">
               <a:rPr lang="en-CA" smtClean="0"/>
-              <a:t>2023-06-14</a:t>
+              <a:t>2023-06-15</a:t>
             </a:fld>
             <a:endParaRPr lang="en-CA"/>
           </a:p>
@@ -16608,7 +16608,7 @@
           <a:p>
             <a:fld id="{E685756A-F27B-4320-9F12-5E5AF2D0C3C3}" type="datetimeFigureOut">
               <a:rPr lang="en-CA" smtClean="0"/>
-              <a:t>2023-06-14</a:t>
+              <a:t>2023-06-15</a:t>
             </a:fld>
             <a:endParaRPr lang="en-CA"/>
           </a:p>
@@ -16897,7 +16897,7 @@
           <a:p>
             <a:fld id="{E685756A-F27B-4320-9F12-5E5AF2D0C3C3}" type="datetimeFigureOut">
               <a:rPr lang="en-CA" smtClean="0"/>
-              <a:t>2023-06-14</a:t>
+              <a:t>2023-06-15</a:t>
             </a:fld>
             <a:endParaRPr lang="en-CA"/>
           </a:p>
@@ -17140,7 +17140,7 @@
           <a:p>
             <a:fld id="{E685756A-F27B-4320-9F12-5E5AF2D0C3C3}" type="datetimeFigureOut">
               <a:rPr lang="en-CA" smtClean="0"/>
-              <a:t>2023-06-14</a:t>
+              <a:t>2023-06-15</a:t>
             </a:fld>
             <a:endParaRPr lang="en-CA"/>
           </a:p>
@@ -18071,7 +18071,11 @@
           <a:p>
             <a:pPr algn="l"/>
             <a:r>
-              <a:rPr lang="en-US" sz="2200" dirty="0"/>
+              <a:rPr lang="en-US" sz="2200" dirty="0">
+                <a:solidFill>
+                  <a:srgbClr val="C00000"/>
+                </a:solidFill>
+              </a:rPr>
               <a:t>Group members : </a:t>
             </a:r>
           </a:p>
